--- a/09_Javascript_Classes.pptx
+++ b/09_Javascript_Classes.pptx
@@ -5,7 +5,7 @@
     <p:sldMasterId id="2147483805" r:id="rId4"/>
   </p:sldMasterIdLst>
   <p:notesMasterIdLst>
-    <p:notesMasterId r:id="rId16"/>
+    <p:notesMasterId r:id="rId29"/>
   </p:notesMasterIdLst>
   <p:sldIdLst>
     <p:sldId id="276" r:id="rId5"/>
@@ -19,6 +19,19 @@
     <p:sldId id="285" r:id="rId13"/>
     <p:sldId id="287" r:id="rId14"/>
     <p:sldId id="288" r:id="rId15"/>
+    <p:sldId id="289" r:id="rId16"/>
+    <p:sldId id="290" r:id="rId17"/>
+    <p:sldId id="292" r:id="rId18"/>
+    <p:sldId id="293" r:id="rId19"/>
+    <p:sldId id="295" r:id="rId20"/>
+    <p:sldId id="296" r:id="rId21"/>
+    <p:sldId id="297" r:id="rId22"/>
+    <p:sldId id="298" r:id="rId23"/>
+    <p:sldId id="299" r:id="rId24"/>
+    <p:sldId id="300" r:id="rId25"/>
+    <p:sldId id="301" r:id="rId26"/>
+    <p:sldId id="302" r:id="rId27"/>
+    <p:sldId id="303" r:id="rId28"/>
   </p:sldIdLst>
   <p:sldSz cx="12192000" cy="6858000"/>
   <p:notesSz cx="6858000" cy="9144000"/>
@@ -935,6 +948,1222 @@
 </p:notes>
 </file>
 
+<file path=ppt/notesSlides/notesSlide12.xml><?xml version="1.0" encoding="utf-8"?>
+<p:notes xmlns:a="http://schemas.openxmlformats.org/drawingml/2006/main" xmlns:r="http://schemas.openxmlformats.org/officeDocument/2006/relationships" xmlns:p="http://schemas.openxmlformats.org/presentationml/2006/main">
+  <p:cSld>
+    <p:spTree>
+      <p:nvGrpSpPr>
+        <p:cNvPr id="1" name=""/>
+        <p:cNvGrpSpPr/>
+        <p:nvPr/>
+      </p:nvGrpSpPr>
+      <p:grpSpPr>
+        <a:xfrm>
+          <a:off x="0" y="0"/>
+          <a:ext cx="0" cy="0"/>
+          <a:chOff x="0" y="0"/>
+          <a:chExt cx="0" cy="0"/>
+        </a:xfrm>
+      </p:grpSpPr>
+      <p:sp>
+        <p:nvSpPr>
+          <p:cNvPr id="2" name="Slide Image Placeholder 1"/>
+          <p:cNvSpPr>
+            <a:spLocks noGrp="1" noRot="1" noChangeAspect="1"/>
+          </p:cNvSpPr>
+          <p:nvPr>
+            <p:ph type="sldImg"/>
+          </p:nvPr>
+        </p:nvSpPr>
+        <p:spPr/>
+      </p:sp>
+      <p:sp>
+        <p:nvSpPr>
+          <p:cNvPr id="3" name="Notes Placeholder 2"/>
+          <p:cNvSpPr>
+            <a:spLocks noGrp="1"/>
+          </p:cNvSpPr>
+          <p:nvPr>
+            <p:ph type="body" idx="1"/>
+          </p:nvPr>
+        </p:nvSpPr>
+        <p:spPr/>
+        <p:txBody>
+          <a:bodyPr/>
+          <a:lstStyle/>
+          <a:p>
+            <a:pPr algn="just"/>
+            <a:r>
+              <a:rPr lang="en-US" dirty="0"/>
+              <a:t>Sorry for interrupting the story, but I need to introduce some basic terminology.</a:t>
+            </a:r>
+          </a:p>
+          <a:p>
+            <a:pPr algn="just"/>
+            <a:endParaRPr lang="en-US" dirty="0"/>
+          </a:p>
+          <a:p>
+            <a:pPr algn="just"/>
+            <a:r>
+              <a:rPr lang="en-US" dirty="0"/>
+              <a:t>Alice’s web browser is about to send an HTTP request to a web server—specifically, to the URL </a:t>
+            </a:r>
+            <a:r>
+              <a:rPr lang="en-US" dirty="0">
+                <a:hlinkClick r:id="rId3"/>
+              </a:rPr>
+              <a:t>http://www.youtypeitwepostit.com/</a:t>
+            </a:r>
+            <a:r>
+              <a:rPr lang="en-US" dirty="0"/>
+              <a:t>. One web server may host many different URLs, and each URL grants access to a different bit of the data on the server.</a:t>
+            </a:r>
+          </a:p>
+          <a:p>
+            <a:pPr algn="just"/>
+            <a:endParaRPr lang="en-US" dirty="0"/>
+          </a:p>
+          <a:p>
+            <a:pPr algn="just"/>
+            <a:r>
+              <a:rPr lang="en-US" dirty="0"/>
+              <a:t>We say that a URL is the URL of some thing: a product, a user, the home page. The technical term for the thing named by a URL is </a:t>
+            </a:r>
+            <a:r>
+              <a:rPr lang="en-US" b="1" i="1" dirty="0"/>
+              <a:t>resource</a:t>
+            </a:r>
+            <a:r>
+              <a:rPr lang="en-US" dirty="0"/>
+              <a:t>.</a:t>
+            </a:r>
+          </a:p>
+          <a:p>
+            <a:pPr algn="just"/>
+            <a:endParaRPr lang="en-US" dirty="0"/>
+          </a:p>
+          <a:p>
+            <a:pPr algn="just"/>
+            <a:r>
+              <a:rPr lang="en-US" dirty="0"/>
+              <a:t>The URL </a:t>
+            </a:r>
+            <a:r>
+              <a:rPr lang="en-US" dirty="0">
+                <a:hlinkClick r:id="rId3"/>
+              </a:rPr>
+              <a:t>http://www.youtypeitwepostit.com/</a:t>
+            </a:r>
+            <a:r>
+              <a:rPr lang="en-US" dirty="0"/>
+              <a:t> identifies a resource—probably the home page of the website advertised on the billboard. But you won’t know for sure until we resume the story and Alice’s web browser sends the HTTP request.</a:t>
+            </a:r>
+          </a:p>
+          <a:p>
+            <a:endParaRPr lang="en-US" dirty="0"/>
+          </a:p>
+        </p:txBody>
+      </p:sp>
+      <p:sp>
+        <p:nvSpPr>
+          <p:cNvPr id="4" name="Slide Number Placeholder 3"/>
+          <p:cNvSpPr>
+            <a:spLocks noGrp="1"/>
+          </p:cNvSpPr>
+          <p:nvPr>
+            <p:ph type="sldNum" sz="quarter" idx="5"/>
+          </p:nvPr>
+        </p:nvSpPr>
+        <p:spPr/>
+        <p:txBody>
+          <a:bodyPr/>
+          <a:lstStyle/>
+          <a:p>
+            <a:fld id="{2E22A873-933D-4D09-931E-CDFDF5E37688}" type="slidenum">
+              <a:rPr lang="en-US" smtClean="0"/>
+              <a:t>12</a:t>
+            </a:fld>
+            <a:endParaRPr lang="en-US"/>
+          </a:p>
+        </p:txBody>
+      </p:sp>
+    </p:spTree>
+    <p:extLst>
+      <p:ext uri="{BB962C8B-B14F-4D97-AF65-F5344CB8AC3E}">
+        <p14:creationId xmlns:p14="http://schemas.microsoft.com/office/powerpoint/2010/main" val="2192245882"/>
+      </p:ext>
+    </p:extLst>
+  </p:cSld>
+  <p:clrMapOvr>
+    <a:masterClrMapping/>
+  </p:clrMapOvr>
+</p:notes>
+</file>
+
+<file path=ppt/notesSlides/notesSlide13.xml><?xml version="1.0" encoding="utf-8"?>
+<p:notes xmlns:a="http://schemas.openxmlformats.org/drawingml/2006/main" xmlns:r="http://schemas.openxmlformats.org/officeDocument/2006/relationships" xmlns:p="http://schemas.openxmlformats.org/presentationml/2006/main">
+  <p:cSld>
+    <p:spTree>
+      <p:nvGrpSpPr>
+        <p:cNvPr id="1" name=""/>
+        <p:cNvGrpSpPr/>
+        <p:nvPr/>
+      </p:nvGrpSpPr>
+      <p:grpSpPr>
+        <a:xfrm>
+          <a:off x="0" y="0"/>
+          <a:ext cx="0" cy="0"/>
+          <a:chOff x="0" y="0"/>
+          <a:chExt cx="0" cy="0"/>
+        </a:xfrm>
+      </p:grpSpPr>
+      <p:sp>
+        <p:nvSpPr>
+          <p:cNvPr id="2" name="Slide Image Placeholder 1"/>
+          <p:cNvSpPr>
+            <a:spLocks noGrp="1" noRot="1" noChangeAspect="1"/>
+          </p:cNvSpPr>
+          <p:nvPr>
+            <p:ph type="sldImg"/>
+          </p:nvPr>
+        </p:nvSpPr>
+        <p:spPr/>
+      </p:sp>
+      <p:sp>
+        <p:nvSpPr>
+          <p:cNvPr id="3" name="Notes Placeholder 2"/>
+          <p:cNvSpPr>
+            <a:spLocks noGrp="1"/>
+          </p:cNvSpPr>
+          <p:nvPr>
+            <p:ph type="body" idx="1"/>
+          </p:nvPr>
+        </p:nvSpPr>
+        <p:spPr/>
+        <p:txBody>
+          <a:bodyPr/>
+          <a:lstStyle/>
+          <a:p>
+            <a:pPr algn="just"/>
+            <a:r>
+              <a:rPr lang="en-US" dirty="0"/>
+              <a:t>Sorry for interrupting the story, but I need to introduce some basic terminology.</a:t>
+            </a:r>
+          </a:p>
+          <a:p>
+            <a:pPr algn="just"/>
+            <a:endParaRPr lang="en-US" dirty="0"/>
+          </a:p>
+          <a:p>
+            <a:pPr algn="just"/>
+            <a:r>
+              <a:rPr lang="en-US" dirty="0"/>
+              <a:t>Alice’s web browser is about to send an HTTP request to a web server—specifically, to the URL </a:t>
+            </a:r>
+            <a:r>
+              <a:rPr lang="en-US" dirty="0">
+                <a:hlinkClick r:id="rId3"/>
+              </a:rPr>
+              <a:t>http://www.youtypeitwepostit.com/</a:t>
+            </a:r>
+            <a:r>
+              <a:rPr lang="en-US" dirty="0"/>
+              <a:t>. One web server may host many different URLs, and each URL grants access to a different bit of the data on the server.</a:t>
+            </a:r>
+          </a:p>
+          <a:p>
+            <a:pPr algn="just"/>
+            <a:endParaRPr lang="en-US" dirty="0"/>
+          </a:p>
+          <a:p>
+            <a:pPr algn="just"/>
+            <a:r>
+              <a:rPr lang="en-US" dirty="0"/>
+              <a:t>We say that a URL is the URL of some thing: a product, a user, the home page. The technical term for the thing named by a URL is </a:t>
+            </a:r>
+            <a:r>
+              <a:rPr lang="en-US" b="1" i="1" dirty="0"/>
+              <a:t>resource</a:t>
+            </a:r>
+            <a:r>
+              <a:rPr lang="en-US" dirty="0"/>
+              <a:t>.</a:t>
+            </a:r>
+          </a:p>
+          <a:p>
+            <a:pPr algn="just"/>
+            <a:endParaRPr lang="en-US" dirty="0"/>
+          </a:p>
+          <a:p>
+            <a:pPr algn="just"/>
+            <a:r>
+              <a:rPr lang="en-US" dirty="0"/>
+              <a:t>The URL </a:t>
+            </a:r>
+            <a:r>
+              <a:rPr lang="en-US" dirty="0">
+                <a:hlinkClick r:id="rId3"/>
+              </a:rPr>
+              <a:t>http://www.youtypeitwepostit.com/</a:t>
+            </a:r>
+            <a:r>
+              <a:rPr lang="en-US" dirty="0"/>
+              <a:t> identifies a resource—probably the home page of the website advertised on the billboard. But you won’t know for sure until we resume the story and Alice’s web browser sends the HTTP request.</a:t>
+            </a:r>
+          </a:p>
+          <a:p>
+            <a:endParaRPr lang="en-US" dirty="0"/>
+          </a:p>
+        </p:txBody>
+      </p:sp>
+      <p:sp>
+        <p:nvSpPr>
+          <p:cNvPr id="4" name="Slide Number Placeholder 3"/>
+          <p:cNvSpPr>
+            <a:spLocks noGrp="1"/>
+          </p:cNvSpPr>
+          <p:nvPr>
+            <p:ph type="sldNum" sz="quarter" idx="5"/>
+          </p:nvPr>
+        </p:nvSpPr>
+        <p:spPr/>
+        <p:txBody>
+          <a:bodyPr/>
+          <a:lstStyle/>
+          <a:p>
+            <a:fld id="{2E22A873-933D-4D09-931E-CDFDF5E37688}" type="slidenum">
+              <a:rPr lang="en-US" smtClean="0"/>
+              <a:t>13</a:t>
+            </a:fld>
+            <a:endParaRPr lang="en-US"/>
+          </a:p>
+        </p:txBody>
+      </p:sp>
+    </p:spTree>
+    <p:extLst>
+      <p:ext uri="{BB962C8B-B14F-4D97-AF65-F5344CB8AC3E}">
+        <p14:creationId xmlns:p14="http://schemas.microsoft.com/office/powerpoint/2010/main" val="2998453840"/>
+      </p:ext>
+    </p:extLst>
+  </p:cSld>
+  <p:clrMapOvr>
+    <a:masterClrMapping/>
+  </p:clrMapOvr>
+</p:notes>
+</file>
+
+<file path=ppt/notesSlides/notesSlide14.xml><?xml version="1.0" encoding="utf-8"?>
+<p:notes xmlns:a="http://schemas.openxmlformats.org/drawingml/2006/main" xmlns:r="http://schemas.openxmlformats.org/officeDocument/2006/relationships" xmlns:p="http://schemas.openxmlformats.org/presentationml/2006/main">
+  <p:cSld>
+    <p:spTree>
+      <p:nvGrpSpPr>
+        <p:cNvPr id="1" name=""/>
+        <p:cNvGrpSpPr/>
+        <p:nvPr/>
+      </p:nvGrpSpPr>
+      <p:grpSpPr>
+        <a:xfrm>
+          <a:off x="0" y="0"/>
+          <a:ext cx="0" cy="0"/>
+          <a:chOff x="0" y="0"/>
+          <a:chExt cx="0" cy="0"/>
+        </a:xfrm>
+      </p:grpSpPr>
+      <p:sp>
+        <p:nvSpPr>
+          <p:cNvPr id="2" name="Slide Image Placeholder 1"/>
+          <p:cNvSpPr>
+            <a:spLocks noGrp="1" noRot="1" noChangeAspect="1"/>
+          </p:cNvSpPr>
+          <p:nvPr>
+            <p:ph type="sldImg"/>
+          </p:nvPr>
+        </p:nvSpPr>
+        <p:spPr/>
+      </p:sp>
+      <p:sp>
+        <p:nvSpPr>
+          <p:cNvPr id="3" name="Notes Placeholder 2"/>
+          <p:cNvSpPr>
+            <a:spLocks noGrp="1"/>
+          </p:cNvSpPr>
+          <p:nvPr>
+            <p:ph type="body" idx="1"/>
+          </p:nvPr>
+        </p:nvSpPr>
+        <p:spPr/>
+        <p:txBody>
+          <a:bodyPr/>
+          <a:lstStyle/>
+          <a:p>
+            <a:pPr algn="just"/>
+            <a:r>
+              <a:rPr lang="en-US" dirty="0"/>
+              <a:t>Sorry for interrupting the story, but I need to introduce some basic terminology.</a:t>
+            </a:r>
+          </a:p>
+          <a:p>
+            <a:pPr algn="just"/>
+            <a:endParaRPr lang="en-US" dirty="0"/>
+          </a:p>
+          <a:p>
+            <a:pPr algn="just"/>
+            <a:r>
+              <a:rPr lang="en-US" dirty="0"/>
+              <a:t>Alice’s web browser is about to send an HTTP request to a web server—specifically, to the URL </a:t>
+            </a:r>
+            <a:r>
+              <a:rPr lang="en-US" dirty="0">
+                <a:hlinkClick r:id="rId3"/>
+              </a:rPr>
+              <a:t>http://www.youtypeitwepostit.com/</a:t>
+            </a:r>
+            <a:r>
+              <a:rPr lang="en-US" dirty="0"/>
+              <a:t>. One web server may host many different URLs, and each URL grants access to a different bit of the data on the server.</a:t>
+            </a:r>
+          </a:p>
+          <a:p>
+            <a:pPr algn="just"/>
+            <a:endParaRPr lang="en-US" dirty="0"/>
+          </a:p>
+          <a:p>
+            <a:pPr algn="just"/>
+            <a:r>
+              <a:rPr lang="en-US" dirty="0"/>
+              <a:t>We say that a URL is the URL of some thing: a product, a user, the home page. The technical term for the thing named by a URL is </a:t>
+            </a:r>
+            <a:r>
+              <a:rPr lang="en-US" b="1" i="1" dirty="0"/>
+              <a:t>resource</a:t>
+            </a:r>
+            <a:r>
+              <a:rPr lang="en-US" dirty="0"/>
+              <a:t>.</a:t>
+            </a:r>
+          </a:p>
+          <a:p>
+            <a:pPr algn="just"/>
+            <a:endParaRPr lang="en-US" dirty="0"/>
+          </a:p>
+          <a:p>
+            <a:pPr algn="just"/>
+            <a:r>
+              <a:rPr lang="en-US" dirty="0"/>
+              <a:t>The URL </a:t>
+            </a:r>
+            <a:r>
+              <a:rPr lang="en-US" dirty="0">
+                <a:hlinkClick r:id="rId3"/>
+              </a:rPr>
+              <a:t>http://www.youtypeitwepostit.com/</a:t>
+            </a:r>
+            <a:r>
+              <a:rPr lang="en-US" dirty="0"/>
+              <a:t> identifies a resource—probably the home page of the website advertised on the billboard. But you won’t know for sure until we resume the story and Alice’s web browser sends the HTTP request.</a:t>
+            </a:r>
+          </a:p>
+          <a:p>
+            <a:endParaRPr lang="en-US" dirty="0"/>
+          </a:p>
+        </p:txBody>
+      </p:sp>
+      <p:sp>
+        <p:nvSpPr>
+          <p:cNvPr id="4" name="Slide Number Placeholder 3"/>
+          <p:cNvSpPr>
+            <a:spLocks noGrp="1"/>
+          </p:cNvSpPr>
+          <p:nvPr>
+            <p:ph type="sldNum" sz="quarter" idx="5"/>
+          </p:nvPr>
+        </p:nvSpPr>
+        <p:spPr/>
+        <p:txBody>
+          <a:bodyPr/>
+          <a:lstStyle/>
+          <a:p>
+            <a:fld id="{2E22A873-933D-4D09-931E-CDFDF5E37688}" type="slidenum">
+              <a:rPr lang="en-US" smtClean="0"/>
+              <a:t>14</a:t>
+            </a:fld>
+            <a:endParaRPr lang="en-US"/>
+          </a:p>
+        </p:txBody>
+      </p:sp>
+    </p:spTree>
+    <p:extLst>
+      <p:ext uri="{BB962C8B-B14F-4D97-AF65-F5344CB8AC3E}">
+        <p14:creationId xmlns:p14="http://schemas.microsoft.com/office/powerpoint/2010/main" val="1619890303"/>
+      </p:ext>
+    </p:extLst>
+  </p:cSld>
+  <p:clrMapOvr>
+    <a:masterClrMapping/>
+  </p:clrMapOvr>
+</p:notes>
+</file>
+
+<file path=ppt/notesSlides/notesSlide15.xml><?xml version="1.0" encoding="utf-8"?>
+<p:notes xmlns:a="http://schemas.openxmlformats.org/drawingml/2006/main" xmlns:r="http://schemas.openxmlformats.org/officeDocument/2006/relationships" xmlns:p="http://schemas.openxmlformats.org/presentationml/2006/main">
+  <p:cSld>
+    <p:spTree>
+      <p:nvGrpSpPr>
+        <p:cNvPr id="1" name=""/>
+        <p:cNvGrpSpPr/>
+        <p:nvPr/>
+      </p:nvGrpSpPr>
+      <p:grpSpPr>
+        <a:xfrm>
+          <a:off x="0" y="0"/>
+          <a:ext cx="0" cy="0"/>
+          <a:chOff x="0" y="0"/>
+          <a:chExt cx="0" cy="0"/>
+        </a:xfrm>
+      </p:grpSpPr>
+      <p:sp>
+        <p:nvSpPr>
+          <p:cNvPr id="2" name="Slide Image Placeholder 1"/>
+          <p:cNvSpPr>
+            <a:spLocks noGrp="1" noRot="1" noChangeAspect="1"/>
+          </p:cNvSpPr>
+          <p:nvPr>
+            <p:ph type="sldImg"/>
+          </p:nvPr>
+        </p:nvSpPr>
+        <p:spPr/>
+      </p:sp>
+      <p:sp>
+        <p:nvSpPr>
+          <p:cNvPr id="3" name="Notes Placeholder 2"/>
+          <p:cNvSpPr>
+            <a:spLocks noGrp="1"/>
+          </p:cNvSpPr>
+          <p:nvPr>
+            <p:ph type="body" idx="1"/>
+          </p:nvPr>
+        </p:nvSpPr>
+        <p:spPr/>
+        <p:txBody>
+          <a:bodyPr/>
+          <a:lstStyle/>
+          <a:p>
+            <a:pPr algn="just"/>
+            <a:r>
+              <a:rPr lang="en-US" dirty="0"/>
+              <a:t>Sorry for interrupting the story, but I need to introduce some basic terminology.</a:t>
+            </a:r>
+          </a:p>
+          <a:p>
+            <a:pPr algn="just"/>
+            <a:endParaRPr lang="en-US" dirty="0"/>
+          </a:p>
+          <a:p>
+            <a:pPr algn="just"/>
+            <a:r>
+              <a:rPr lang="en-US" dirty="0"/>
+              <a:t>Alice’s web browser is about to send an HTTP request to a web server—specifically, to the URL </a:t>
+            </a:r>
+            <a:r>
+              <a:rPr lang="en-US" dirty="0">
+                <a:hlinkClick r:id="rId3"/>
+              </a:rPr>
+              <a:t>http://www.youtypeitwepostit.com/</a:t>
+            </a:r>
+            <a:r>
+              <a:rPr lang="en-US" dirty="0"/>
+              <a:t>. One web server may host many different URLs, and each URL grants access to a different bit of the data on the server.</a:t>
+            </a:r>
+          </a:p>
+          <a:p>
+            <a:pPr algn="just"/>
+            <a:endParaRPr lang="en-US" dirty="0"/>
+          </a:p>
+          <a:p>
+            <a:pPr algn="just"/>
+            <a:r>
+              <a:rPr lang="en-US" dirty="0"/>
+              <a:t>We say that a URL is the URL of some thing: a product, a user, the home page. The technical term for the thing named by a URL is </a:t>
+            </a:r>
+            <a:r>
+              <a:rPr lang="en-US" b="1" i="1" dirty="0"/>
+              <a:t>resource</a:t>
+            </a:r>
+            <a:r>
+              <a:rPr lang="en-US" dirty="0"/>
+              <a:t>.</a:t>
+            </a:r>
+          </a:p>
+          <a:p>
+            <a:pPr algn="just"/>
+            <a:endParaRPr lang="en-US" dirty="0"/>
+          </a:p>
+          <a:p>
+            <a:pPr algn="just"/>
+            <a:r>
+              <a:rPr lang="en-US" dirty="0"/>
+              <a:t>The URL </a:t>
+            </a:r>
+            <a:r>
+              <a:rPr lang="en-US" dirty="0">
+                <a:hlinkClick r:id="rId3"/>
+              </a:rPr>
+              <a:t>http://www.youtypeitwepostit.com/</a:t>
+            </a:r>
+            <a:r>
+              <a:rPr lang="en-US" dirty="0"/>
+              <a:t> identifies a resource—probably the home page of the website advertised on the billboard. But you won’t know for sure until we resume the story and Alice’s web browser sends the HTTP request.</a:t>
+            </a:r>
+          </a:p>
+          <a:p>
+            <a:endParaRPr lang="en-US" dirty="0"/>
+          </a:p>
+        </p:txBody>
+      </p:sp>
+      <p:sp>
+        <p:nvSpPr>
+          <p:cNvPr id="4" name="Slide Number Placeholder 3"/>
+          <p:cNvSpPr>
+            <a:spLocks noGrp="1"/>
+          </p:cNvSpPr>
+          <p:nvPr>
+            <p:ph type="sldNum" sz="quarter" idx="5"/>
+          </p:nvPr>
+        </p:nvSpPr>
+        <p:spPr/>
+        <p:txBody>
+          <a:bodyPr/>
+          <a:lstStyle/>
+          <a:p>
+            <a:fld id="{2E22A873-933D-4D09-931E-CDFDF5E37688}" type="slidenum">
+              <a:rPr lang="en-US" smtClean="0"/>
+              <a:t>15</a:t>
+            </a:fld>
+            <a:endParaRPr lang="en-US"/>
+          </a:p>
+        </p:txBody>
+      </p:sp>
+    </p:spTree>
+    <p:extLst>
+      <p:ext uri="{BB962C8B-B14F-4D97-AF65-F5344CB8AC3E}">
+        <p14:creationId xmlns:p14="http://schemas.microsoft.com/office/powerpoint/2010/main" val="3588030516"/>
+      </p:ext>
+    </p:extLst>
+  </p:cSld>
+  <p:clrMapOvr>
+    <a:masterClrMapping/>
+  </p:clrMapOvr>
+</p:notes>
+</file>
+
+<file path=ppt/notesSlides/notesSlide16.xml><?xml version="1.0" encoding="utf-8"?>
+<p:notes xmlns:a="http://schemas.openxmlformats.org/drawingml/2006/main" xmlns:r="http://schemas.openxmlformats.org/officeDocument/2006/relationships" xmlns:p="http://schemas.openxmlformats.org/presentationml/2006/main">
+  <p:cSld>
+    <p:spTree>
+      <p:nvGrpSpPr>
+        <p:cNvPr id="1" name=""/>
+        <p:cNvGrpSpPr/>
+        <p:nvPr/>
+      </p:nvGrpSpPr>
+      <p:grpSpPr>
+        <a:xfrm>
+          <a:off x="0" y="0"/>
+          <a:ext cx="0" cy="0"/>
+          <a:chOff x="0" y="0"/>
+          <a:chExt cx="0" cy="0"/>
+        </a:xfrm>
+      </p:grpSpPr>
+      <p:sp>
+        <p:nvSpPr>
+          <p:cNvPr id="2" name="Slide Image Placeholder 1"/>
+          <p:cNvSpPr>
+            <a:spLocks noGrp="1" noRot="1" noChangeAspect="1"/>
+          </p:cNvSpPr>
+          <p:nvPr>
+            <p:ph type="sldImg"/>
+          </p:nvPr>
+        </p:nvSpPr>
+        <p:spPr/>
+      </p:sp>
+      <p:sp>
+        <p:nvSpPr>
+          <p:cNvPr id="3" name="Notes Placeholder 2"/>
+          <p:cNvSpPr>
+            <a:spLocks noGrp="1"/>
+          </p:cNvSpPr>
+          <p:nvPr>
+            <p:ph type="body" idx="1"/>
+          </p:nvPr>
+        </p:nvSpPr>
+        <p:spPr/>
+        <p:txBody>
+          <a:bodyPr/>
+          <a:lstStyle/>
+          <a:p>
+            <a:pPr algn="just"/>
+            <a:r>
+              <a:rPr lang="en-US" dirty="0"/>
+              <a:t>Sorry for interrupting the story, but I need to introduce some basic terminology.</a:t>
+            </a:r>
+          </a:p>
+          <a:p>
+            <a:pPr algn="just"/>
+            <a:endParaRPr lang="en-US" dirty="0"/>
+          </a:p>
+          <a:p>
+            <a:pPr algn="just"/>
+            <a:r>
+              <a:rPr lang="en-US" dirty="0"/>
+              <a:t>Alice’s web browser is about to send an HTTP request to a web server—specifically, to the URL </a:t>
+            </a:r>
+            <a:r>
+              <a:rPr lang="en-US" dirty="0">
+                <a:hlinkClick r:id="rId3"/>
+              </a:rPr>
+              <a:t>http://www.youtypeitwepostit.com/</a:t>
+            </a:r>
+            <a:r>
+              <a:rPr lang="en-US" dirty="0"/>
+              <a:t>. One web server may host many different URLs, and each URL grants access to a different bit of the data on the server.</a:t>
+            </a:r>
+          </a:p>
+          <a:p>
+            <a:pPr algn="just"/>
+            <a:endParaRPr lang="en-US" dirty="0"/>
+          </a:p>
+          <a:p>
+            <a:pPr algn="just"/>
+            <a:r>
+              <a:rPr lang="en-US" dirty="0"/>
+              <a:t>We say that a URL is the URL of some thing: a product, a user, the home page. The technical term for the thing named by a URL is </a:t>
+            </a:r>
+            <a:r>
+              <a:rPr lang="en-US" b="1" i="1" dirty="0"/>
+              <a:t>resource</a:t>
+            </a:r>
+            <a:r>
+              <a:rPr lang="en-US" dirty="0"/>
+              <a:t>.</a:t>
+            </a:r>
+          </a:p>
+          <a:p>
+            <a:pPr algn="just"/>
+            <a:endParaRPr lang="en-US" dirty="0"/>
+          </a:p>
+          <a:p>
+            <a:pPr algn="just"/>
+            <a:r>
+              <a:rPr lang="en-US" dirty="0"/>
+              <a:t>The URL </a:t>
+            </a:r>
+            <a:r>
+              <a:rPr lang="en-US" dirty="0">
+                <a:hlinkClick r:id="rId3"/>
+              </a:rPr>
+              <a:t>http://www.youtypeitwepostit.com/</a:t>
+            </a:r>
+            <a:r>
+              <a:rPr lang="en-US" dirty="0"/>
+              <a:t> identifies a resource—probably the home page of the website advertised on the billboard. But you won’t know for sure until we resume the story and Alice’s web browser sends the HTTP request.</a:t>
+            </a:r>
+          </a:p>
+          <a:p>
+            <a:endParaRPr lang="en-US" dirty="0"/>
+          </a:p>
+        </p:txBody>
+      </p:sp>
+      <p:sp>
+        <p:nvSpPr>
+          <p:cNvPr id="4" name="Slide Number Placeholder 3"/>
+          <p:cNvSpPr>
+            <a:spLocks noGrp="1"/>
+          </p:cNvSpPr>
+          <p:nvPr>
+            <p:ph type="sldNum" sz="quarter" idx="5"/>
+          </p:nvPr>
+        </p:nvSpPr>
+        <p:spPr/>
+        <p:txBody>
+          <a:bodyPr/>
+          <a:lstStyle/>
+          <a:p>
+            <a:fld id="{2E22A873-933D-4D09-931E-CDFDF5E37688}" type="slidenum">
+              <a:rPr lang="en-US" smtClean="0"/>
+              <a:t>16</a:t>
+            </a:fld>
+            <a:endParaRPr lang="en-US"/>
+          </a:p>
+        </p:txBody>
+      </p:sp>
+    </p:spTree>
+    <p:extLst>
+      <p:ext uri="{BB962C8B-B14F-4D97-AF65-F5344CB8AC3E}">
+        <p14:creationId xmlns:p14="http://schemas.microsoft.com/office/powerpoint/2010/main" val="1803106779"/>
+      </p:ext>
+    </p:extLst>
+  </p:cSld>
+  <p:clrMapOvr>
+    <a:masterClrMapping/>
+  </p:clrMapOvr>
+</p:notes>
+</file>
+
+<file path=ppt/notesSlides/notesSlide17.xml><?xml version="1.0" encoding="utf-8"?>
+<p:notes xmlns:a="http://schemas.openxmlformats.org/drawingml/2006/main" xmlns:r="http://schemas.openxmlformats.org/officeDocument/2006/relationships" xmlns:p="http://schemas.openxmlformats.org/presentationml/2006/main">
+  <p:cSld>
+    <p:spTree>
+      <p:nvGrpSpPr>
+        <p:cNvPr id="1" name=""/>
+        <p:cNvGrpSpPr/>
+        <p:nvPr/>
+      </p:nvGrpSpPr>
+      <p:grpSpPr>
+        <a:xfrm>
+          <a:off x="0" y="0"/>
+          <a:ext cx="0" cy="0"/>
+          <a:chOff x="0" y="0"/>
+          <a:chExt cx="0" cy="0"/>
+        </a:xfrm>
+      </p:grpSpPr>
+      <p:sp>
+        <p:nvSpPr>
+          <p:cNvPr id="2" name="Slide Image Placeholder 1"/>
+          <p:cNvSpPr>
+            <a:spLocks noGrp="1" noRot="1" noChangeAspect="1"/>
+          </p:cNvSpPr>
+          <p:nvPr>
+            <p:ph type="sldImg"/>
+          </p:nvPr>
+        </p:nvSpPr>
+        <p:spPr/>
+      </p:sp>
+      <p:sp>
+        <p:nvSpPr>
+          <p:cNvPr id="3" name="Notes Placeholder 2"/>
+          <p:cNvSpPr>
+            <a:spLocks noGrp="1"/>
+          </p:cNvSpPr>
+          <p:nvPr>
+            <p:ph type="body" idx="1"/>
+          </p:nvPr>
+        </p:nvSpPr>
+        <p:spPr/>
+        <p:txBody>
+          <a:bodyPr/>
+          <a:lstStyle/>
+          <a:p>
+            <a:pPr algn="just"/>
+            <a:r>
+              <a:rPr lang="en-US" dirty="0"/>
+              <a:t>Sorry for interrupting the story, but I need to introduce some basic terminology.</a:t>
+            </a:r>
+          </a:p>
+          <a:p>
+            <a:pPr algn="just"/>
+            <a:endParaRPr lang="en-US" dirty="0"/>
+          </a:p>
+          <a:p>
+            <a:pPr algn="just"/>
+            <a:r>
+              <a:rPr lang="en-US" dirty="0"/>
+              <a:t>Alice’s web browser is about to send an HTTP request to a web server—specifically, to the URL </a:t>
+            </a:r>
+            <a:r>
+              <a:rPr lang="en-US" dirty="0">
+                <a:hlinkClick r:id="rId3"/>
+              </a:rPr>
+              <a:t>http://www.youtypeitwepostit.com/</a:t>
+            </a:r>
+            <a:r>
+              <a:rPr lang="en-US" dirty="0"/>
+              <a:t>. One web server may host many different URLs, and each URL grants access to a different bit of the data on the server.</a:t>
+            </a:r>
+          </a:p>
+          <a:p>
+            <a:pPr algn="just"/>
+            <a:endParaRPr lang="en-US" dirty="0"/>
+          </a:p>
+          <a:p>
+            <a:pPr algn="just"/>
+            <a:r>
+              <a:rPr lang="en-US" dirty="0"/>
+              <a:t>We say that a URL is the URL of some thing: a product, a user, the home page. The technical term for the thing named by a URL is </a:t>
+            </a:r>
+            <a:r>
+              <a:rPr lang="en-US" b="1" i="1" dirty="0"/>
+              <a:t>resource</a:t>
+            </a:r>
+            <a:r>
+              <a:rPr lang="en-US" dirty="0"/>
+              <a:t>.</a:t>
+            </a:r>
+          </a:p>
+          <a:p>
+            <a:pPr algn="just"/>
+            <a:endParaRPr lang="en-US" dirty="0"/>
+          </a:p>
+          <a:p>
+            <a:pPr algn="just"/>
+            <a:r>
+              <a:rPr lang="en-US" dirty="0"/>
+              <a:t>The URL </a:t>
+            </a:r>
+            <a:r>
+              <a:rPr lang="en-US" dirty="0">
+                <a:hlinkClick r:id="rId3"/>
+              </a:rPr>
+              <a:t>http://www.youtypeitwepostit.com/</a:t>
+            </a:r>
+            <a:r>
+              <a:rPr lang="en-US" dirty="0"/>
+              <a:t> identifies a resource—probably the home page of the website advertised on the billboard. But you won’t know for sure until we resume the story and Alice’s web browser sends the HTTP request.</a:t>
+            </a:r>
+          </a:p>
+          <a:p>
+            <a:endParaRPr lang="en-US" dirty="0"/>
+          </a:p>
+        </p:txBody>
+      </p:sp>
+      <p:sp>
+        <p:nvSpPr>
+          <p:cNvPr id="4" name="Slide Number Placeholder 3"/>
+          <p:cNvSpPr>
+            <a:spLocks noGrp="1"/>
+          </p:cNvSpPr>
+          <p:nvPr>
+            <p:ph type="sldNum" sz="quarter" idx="5"/>
+          </p:nvPr>
+        </p:nvSpPr>
+        <p:spPr/>
+        <p:txBody>
+          <a:bodyPr/>
+          <a:lstStyle/>
+          <a:p>
+            <a:fld id="{2E22A873-933D-4D09-931E-CDFDF5E37688}" type="slidenum">
+              <a:rPr lang="en-US" smtClean="0"/>
+              <a:t>17</a:t>
+            </a:fld>
+            <a:endParaRPr lang="en-US"/>
+          </a:p>
+        </p:txBody>
+      </p:sp>
+    </p:spTree>
+    <p:extLst>
+      <p:ext uri="{BB962C8B-B14F-4D97-AF65-F5344CB8AC3E}">
+        <p14:creationId xmlns:p14="http://schemas.microsoft.com/office/powerpoint/2010/main" val="2481697617"/>
+      </p:ext>
+    </p:extLst>
+  </p:cSld>
+  <p:clrMapOvr>
+    <a:masterClrMapping/>
+  </p:clrMapOvr>
+</p:notes>
+</file>
+
+<file path=ppt/notesSlides/notesSlide18.xml><?xml version="1.0" encoding="utf-8"?>
+<p:notes xmlns:a="http://schemas.openxmlformats.org/drawingml/2006/main" xmlns:r="http://schemas.openxmlformats.org/officeDocument/2006/relationships" xmlns:p="http://schemas.openxmlformats.org/presentationml/2006/main">
+  <p:cSld>
+    <p:spTree>
+      <p:nvGrpSpPr>
+        <p:cNvPr id="1" name=""/>
+        <p:cNvGrpSpPr/>
+        <p:nvPr/>
+      </p:nvGrpSpPr>
+      <p:grpSpPr>
+        <a:xfrm>
+          <a:off x="0" y="0"/>
+          <a:ext cx="0" cy="0"/>
+          <a:chOff x="0" y="0"/>
+          <a:chExt cx="0" cy="0"/>
+        </a:xfrm>
+      </p:grpSpPr>
+      <p:sp>
+        <p:nvSpPr>
+          <p:cNvPr id="2" name="Slide Image Placeholder 1"/>
+          <p:cNvSpPr>
+            <a:spLocks noGrp="1" noRot="1" noChangeAspect="1"/>
+          </p:cNvSpPr>
+          <p:nvPr>
+            <p:ph type="sldImg"/>
+          </p:nvPr>
+        </p:nvSpPr>
+        <p:spPr/>
+      </p:sp>
+      <p:sp>
+        <p:nvSpPr>
+          <p:cNvPr id="3" name="Notes Placeholder 2"/>
+          <p:cNvSpPr>
+            <a:spLocks noGrp="1"/>
+          </p:cNvSpPr>
+          <p:nvPr>
+            <p:ph type="body" idx="1"/>
+          </p:nvPr>
+        </p:nvSpPr>
+        <p:spPr/>
+        <p:txBody>
+          <a:bodyPr/>
+          <a:lstStyle/>
+          <a:p>
+            <a:pPr algn="just"/>
+            <a:r>
+              <a:rPr lang="en-US" dirty="0"/>
+              <a:t>Sorry for interrupting the story, but I need to introduce some basic terminology.</a:t>
+            </a:r>
+          </a:p>
+          <a:p>
+            <a:pPr algn="just"/>
+            <a:endParaRPr lang="en-US" dirty="0"/>
+          </a:p>
+          <a:p>
+            <a:pPr algn="just"/>
+            <a:r>
+              <a:rPr lang="en-US" dirty="0"/>
+              <a:t>Alice’s web browser is about to send an HTTP request to a web server—specifically, to the URL </a:t>
+            </a:r>
+            <a:r>
+              <a:rPr lang="en-US" dirty="0">
+                <a:hlinkClick r:id="rId3"/>
+              </a:rPr>
+              <a:t>http://www.youtypeitwepostit.com/</a:t>
+            </a:r>
+            <a:r>
+              <a:rPr lang="en-US" dirty="0"/>
+              <a:t>. One web server may host many different URLs, and each URL grants access to a different bit of the data on the server.</a:t>
+            </a:r>
+          </a:p>
+          <a:p>
+            <a:pPr algn="just"/>
+            <a:endParaRPr lang="en-US" dirty="0"/>
+          </a:p>
+          <a:p>
+            <a:pPr algn="just"/>
+            <a:r>
+              <a:rPr lang="en-US" dirty="0"/>
+              <a:t>We say that a URL is the URL of some thing: a product, a user, the home page. The technical term for the thing named by a URL is </a:t>
+            </a:r>
+            <a:r>
+              <a:rPr lang="en-US" b="1" i="1" dirty="0"/>
+              <a:t>resource</a:t>
+            </a:r>
+            <a:r>
+              <a:rPr lang="en-US" dirty="0"/>
+              <a:t>.</a:t>
+            </a:r>
+          </a:p>
+          <a:p>
+            <a:pPr algn="just"/>
+            <a:endParaRPr lang="en-US" dirty="0"/>
+          </a:p>
+          <a:p>
+            <a:pPr algn="just"/>
+            <a:r>
+              <a:rPr lang="en-US" dirty="0"/>
+              <a:t>The URL </a:t>
+            </a:r>
+            <a:r>
+              <a:rPr lang="en-US" dirty="0">
+                <a:hlinkClick r:id="rId3"/>
+              </a:rPr>
+              <a:t>http://www.youtypeitwepostit.com/</a:t>
+            </a:r>
+            <a:r>
+              <a:rPr lang="en-US" dirty="0"/>
+              <a:t> identifies a resource—probably the home page of the website advertised on the billboard. But you won’t know for sure until we resume the story and Alice’s web browser sends the HTTP request.</a:t>
+            </a:r>
+          </a:p>
+          <a:p>
+            <a:endParaRPr lang="en-US" dirty="0"/>
+          </a:p>
+        </p:txBody>
+      </p:sp>
+      <p:sp>
+        <p:nvSpPr>
+          <p:cNvPr id="4" name="Slide Number Placeholder 3"/>
+          <p:cNvSpPr>
+            <a:spLocks noGrp="1"/>
+          </p:cNvSpPr>
+          <p:nvPr>
+            <p:ph type="sldNum" sz="quarter" idx="5"/>
+          </p:nvPr>
+        </p:nvSpPr>
+        <p:spPr/>
+        <p:txBody>
+          <a:bodyPr/>
+          <a:lstStyle/>
+          <a:p>
+            <a:fld id="{2E22A873-933D-4D09-931E-CDFDF5E37688}" type="slidenum">
+              <a:rPr lang="en-US" smtClean="0"/>
+              <a:t>18</a:t>
+            </a:fld>
+            <a:endParaRPr lang="en-US"/>
+          </a:p>
+        </p:txBody>
+      </p:sp>
+    </p:spTree>
+    <p:extLst>
+      <p:ext uri="{BB962C8B-B14F-4D97-AF65-F5344CB8AC3E}">
+        <p14:creationId xmlns:p14="http://schemas.microsoft.com/office/powerpoint/2010/main" val="2149964041"/>
+      </p:ext>
+    </p:extLst>
+  </p:cSld>
+  <p:clrMapOvr>
+    <a:masterClrMapping/>
+  </p:clrMapOvr>
+</p:notes>
+</file>
+
+<file path=ppt/notesSlides/notesSlide19.xml><?xml version="1.0" encoding="utf-8"?>
+<p:notes xmlns:a="http://schemas.openxmlformats.org/drawingml/2006/main" xmlns:r="http://schemas.openxmlformats.org/officeDocument/2006/relationships" xmlns:p="http://schemas.openxmlformats.org/presentationml/2006/main">
+  <p:cSld>
+    <p:spTree>
+      <p:nvGrpSpPr>
+        <p:cNvPr id="1" name=""/>
+        <p:cNvGrpSpPr/>
+        <p:nvPr/>
+      </p:nvGrpSpPr>
+      <p:grpSpPr>
+        <a:xfrm>
+          <a:off x="0" y="0"/>
+          <a:ext cx="0" cy="0"/>
+          <a:chOff x="0" y="0"/>
+          <a:chExt cx="0" cy="0"/>
+        </a:xfrm>
+      </p:grpSpPr>
+      <p:sp>
+        <p:nvSpPr>
+          <p:cNvPr id="2" name="Slide Image Placeholder 1"/>
+          <p:cNvSpPr>
+            <a:spLocks noGrp="1" noRot="1" noChangeAspect="1"/>
+          </p:cNvSpPr>
+          <p:nvPr>
+            <p:ph type="sldImg"/>
+          </p:nvPr>
+        </p:nvSpPr>
+        <p:spPr/>
+      </p:sp>
+      <p:sp>
+        <p:nvSpPr>
+          <p:cNvPr id="3" name="Notes Placeholder 2"/>
+          <p:cNvSpPr>
+            <a:spLocks noGrp="1"/>
+          </p:cNvSpPr>
+          <p:nvPr>
+            <p:ph type="body" idx="1"/>
+          </p:nvPr>
+        </p:nvSpPr>
+        <p:spPr/>
+        <p:txBody>
+          <a:bodyPr/>
+          <a:lstStyle/>
+          <a:p>
+            <a:pPr algn="just"/>
+            <a:r>
+              <a:rPr lang="en-US" dirty="0"/>
+              <a:t>Sorry for interrupting the story, but I need to introduce some basic terminology.</a:t>
+            </a:r>
+          </a:p>
+          <a:p>
+            <a:pPr algn="just"/>
+            <a:endParaRPr lang="en-US" dirty="0"/>
+          </a:p>
+          <a:p>
+            <a:pPr algn="just"/>
+            <a:r>
+              <a:rPr lang="en-US" dirty="0"/>
+              <a:t>Alice’s web browser is about to send an HTTP request to a web server—specifically, to the URL </a:t>
+            </a:r>
+            <a:r>
+              <a:rPr lang="en-US" dirty="0">
+                <a:hlinkClick r:id="rId3"/>
+              </a:rPr>
+              <a:t>http://www.youtypeitwepostit.com/</a:t>
+            </a:r>
+            <a:r>
+              <a:rPr lang="en-US" dirty="0"/>
+              <a:t>. One web server may host many different URLs, and each URL grants access to a different bit of the data on the server.</a:t>
+            </a:r>
+          </a:p>
+          <a:p>
+            <a:pPr algn="just"/>
+            <a:endParaRPr lang="en-US" dirty="0"/>
+          </a:p>
+          <a:p>
+            <a:pPr algn="just"/>
+            <a:r>
+              <a:rPr lang="en-US" dirty="0"/>
+              <a:t>We say that a URL is the URL of some thing: a product, a user, the home page. The technical term for the thing named by a URL is </a:t>
+            </a:r>
+            <a:r>
+              <a:rPr lang="en-US" b="1" i="1" dirty="0"/>
+              <a:t>resource</a:t>
+            </a:r>
+            <a:r>
+              <a:rPr lang="en-US" dirty="0"/>
+              <a:t>.</a:t>
+            </a:r>
+          </a:p>
+          <a:p>
+            <a:pPr algn="just"/>
+            <a:endParaRPr lang="en-US" dirty="0"/>
+          </a:p>
+          <a:p>
+            <a:pPr algn="just"/>
+            <a:r>
+              <a:rPr lang="en-US" dirty="0"/>
+              <a:t>The URL </a:t>
+            </a:r>
+            <a:r>
+              <a:rPr lang="en-US" dirty="0">
+                <a:hlinkClick r:id="rId3"/>
+              </a:rPr>
+              <a:t>http://www.youtypeitwepostit.com/</a:t>
+            </a:r>
+            <a:r>
+              <a:rPr lang="en-US" dirty="0"/>
+              <a:t> identifies a resource—probably the home page of the website advertised on the billboard. But you won’t know for sure until we resume the story and Alice’s web browser sends the HTTP request.</a:t>
+            </a:r>
+          </a:p>
+          <a:p>
+            <a:endParaRPr lang="en-US" dirty="0"/>
+          </a:p>
+        </p:txBody>
+      </p:sp>
+      <p:sp>
+        <p:nvSpPr>
+          <p:cNvPr id="4" name="Slide Number Placeholder 3"/>
+          <p:cNvSpPr>
+            <a:spLocks noGrp="1"/>
+          </p:cNvSpPr>
+          <p:nvPr>
+            <p:ph type="sldNum" sz="quarter" idx="5"/>
+          </p:nvPr>
+        </p:nvSpPr>
+        <p:spPr/>
+        <p:txBody>
+          <a:bodyPr/>
+          <a:lstStyle/>
+          <a:p>
+            <a:fld id="{2E22A873-933D-4D09-931E-CDFDF5E37688}" type="slidenum">
+              <a:rPr lang="en-US" smtClean="0"/>
+              <a:t>19</a:t>
+            </a:fld>
+            <a:endParaRPr lang="en-US"/>
+          </a:p>
+        </p:txBody>
+      </p:sp>
+    </p:spTree>
+    <p:extLst>
+      <p:ext uri="{BB962C8B-B14F-4D97-AF65-F5344CB8AC3E}">
+        <p14:creationId xmlns:p14="http://schemas.microsoft.com/office/powerpoint/2010/main" val="2878391516"/>
+      </p:ext>
+    </p:extLst>
+  </p:cSld>
+  <p:clrMapOvr>
+    <a:masterClrMapping/>
+  </p:clrMapOvr>
+</p:notes>
+</file>
+
 <file path=ppt/notesSlides/notesSlide2.xml><?xml version="1.0" encoding="utf-8"?>
 <p:notes xmlns:a="http://schemas.openxmlformats.org/drawingml/2006/main" xmlns:r="http://schemas.openxmlformats.org/officeDocument/2006/relationships" xmlns:p="http://schemas.openxmlformats.org/presentationml/2006/main">
   <p:cSld>
@@ -1078,6 +2307,766 @@
     <p:extLst>
       <p:ext uri="{BB962C8B-B14F-4D97-AF65-F5344CB8AC3E}">
         <p14:creationId xmlns:p14="http://schemas.microsoft.com/office/powerpoint/2010/main" val="1332063504"/>
+      </p:ext>
+    </p:extLst>
+  </p:cSld>
+  <p:clrMapOvr>
+    <a:masterClrMapping/>
+  </p:clrMapOvr>
+</p:notes>
+</file>
+
+<file path=ppt/notesSlides/notesSlide20.xml><?xml version="1.0" encoding="utf-8"?>
+<p:notes xmlns:a="http://schemas.openxmlformats.org/drawingml/2006/main" xmlns:r="http://schemas.openxmlformats.org/officeDocument/2006/relationships" xmlns:p="http://schemas.openxmlformats.org/presentationml/2006/main">
+  <p:cSld>
+    <p:spTree>
+      <p:nvGrpSpPr>
+        <p:cNvPr id="1" name=""/>
+        <p:cNvGrpSpPr/>
+        <p:nvPr/>
+      </p:nvGrpSpPr>
+      <p:grpSpPr>
+        <a:xfrm>
+          <a:off x="0" y="0"/>
+          <a:ext cx="0" cy="0"/>
+          <a:chOff x="0" y="0"/>
+          <a:chExt cx="0" cy="0"/>
+        </a:xfrm>
+      </p:grpSpPr>
+      <p:sp>
+        <p:nvSpPr>
+          <p:cNvPr id="2" name="Slide Image Placeholder 1"/>
+          <p:cNvSpPr>
+            <a:spLocks noGrp="1" noRot="1" noChangeAspect="1"/>
+          </p:cNvSpPr>
+          <p:nvPr>
+            <p:ph type="sldImg"/>
+          </p:nvPr>
+        </p:nvSpPr>
+        <p:spPr/>
+      </p:sp>
+      <p:sp>
+        <p:nvSpPr>
+          <p:cNvPr id="3" name="Notes Placeholder 2"/>
+          <p:cNvSpPr>
+            <a:spLocks noGrp="1"/>
+          </p:cNvSpPr>
+          <p:nvPr>
+            <p:ph type="body" idx="1"/>
+          </p:nvPr>
+        </p:nvSpPr>
+        <p:spPr/>
+        <p:txBody>
+          <a:bodyPr/>
+          <a:lstStyle/>
+          <a:p>
+            <a:pPr algn="just"/>
+            <a:r>
+              <a:rPr lang="en-US" dirty="0"/>
+              <a:t>Sorry for interrupting the story, but I need to introduce some basic terminology.</a:t>
+            </a:r>
+          </a:p>
+          <a:p>
+            <a:pPr algn="just"/>
+            <a:endParaRPr lang="en-US" dirty="0"/>
+          </a:p>
+          <a:p>
+            <a:pPr algn="just"/>
+            <a:r>
+              <a:rPr lang="en-US" dirty="0"/>
+              <a:t>Alice’s web browser is about to send an HTTP request to a web server—specifically, to the URL </a:t>
+            </a:r>
+            <a:r>
+              <a:rPr lang="en-US" dirty="0">
+                <a:hlinkClick r:id="rId3"/>
+              </a:rPr>
+              <a:t>http://www.youtypeitwepostit.com/</a:t>
+            </a:r>
+            <a:r>
+              <a:rPr lang="en-US" dirty="0"/>
+              <a:t>. One web server may host many different URLs, and each URL grants access to a different bit of the data on the server.</a:t>
+            </a:r>
+          </a:p>
+          <a:p>
+            <a:pPr algn="just"/>
+            <a:endParaRPr lang="en-US" dirty="0"/>
+          </a:p>
+          <a:p>
+            <a:pPr algn="just"/>
+            <a:r>
+              <a:rPr lang="en-US" dirty="0"/>
+              <a:t>We say that a URL is the URL of some thing: a product, a user, the home page. The technical term for the thing named by a URL is </a:t>
+            </a:r>
+            <a:r>
+              <a:rPr lang="en-US" b="1" i="1" dirty="0"/>
+              <a:t>resource</a:t>
+            </a:r>
+            <a:r>
+              <a:rPr lang="en-US" dirty="0"/>
+              <a:t>.</a:t>
+            </a:r>
+          </a:p>
+          <a:p>
+            <a:pPr algn="just"/>
+            <a:endParaRPr lang="en-US" dirty="0"/>
+          </a:p>
+          <a:p>
+            <a:pPr algn="just"/>
+            <a:r>
+              <a:rPr lang="en-US" dirty="0"/>
+              <a:t>The URL </a:t>
+            </a:r>
+            <a:r>
+              <a:rPr lang="en-US" dirty="0">
+                <a:hlinkClick r:id="rId3"/>
+              </a:rPr>
+              <a:t>http://www.youtypeitwepostit.com/</a:t>
+            </a:r>
+            <a:r>
+              <a:rPr lang="en-US" dirty="0"/>
+              <a:t> identifies a resource—probably the home page of the website advertised on the billboard. But you won’t know for sure until we resume the story and Alice’s web browser sends the HTTP request.</a:t>
+            </a:r>
+          </a:p>
+          <a:p>
+            <a:endParaRPr lang="en-US" dirty="0"/>
+          </a:p>
+        </p:txBody>
+      </p:sp>
+      <p:sp>
+        <p:nvSpPr>
+          <p:cNvPr id="4" name="Slide Number Placeholder 3"/>
+          <p:cNvSpPr>
+            <a:spLocks noGrp="1"/>
+          </p:cNvSpPr>
+          <p:nvPr>
+            <p:ph type="sldNum" sz="quarter" idx="5"/>
+          </p:nvPr>
+        </p:nvSpPr>
+        <p:spPr/>
+        <p:txBody>
+          <a:bodyPr/>
+          <a:lstStyle/>
+          <a:p>
+            <a:fld id="{2E22A873-933D-4D09-931E-CDFDF5E37688}" type="slidenum">
+              <a:rPr lang="en-US" smtClean="0"/>
+              <a:t>20</a:t>
+            </a:fld>
+            <a:endParaRPr lang="en-US"/>
+          </a:p>
+        </p:txBody>
+      </p:sp>
+    </p:spTree>
+    <p:extLst>
+      <p:ext uri="{BB962C8B-B14F-4D97-AF65-F5344CB8AC3E}">
+        <p14:creationId xmlns:p14="http://schemas.microsoft.com/office/powerpoint/2010/main" val="1294875752"/>
+      </p:ext>
+    </p:extLst>
+  </p:cSld>
+  <p:clrMapOvr>
+    <a:masterClrMapping/>
+  </p:clrMapOvr>
+</p:notes>
+</file>
+
+<file path=ppt/notesSlides/notesSlide21.xml><?xml version="1.0" encoding="utf-8"?>
+<p:notes xmlns:a="http://schemas.openxmlformats.org/drawingml/2006/main" xmlns:r="http://schemas.openxmlformats.org/officeDocument/2006/relationships" xmlns:p="http://schemas.openxmlformats.org/presentationml/2006/main">
+  <p:cSld>
+    <p:spTree>
+      <p:nvGrpSpPr>
+        <p:cNvPr id="1" name=""/>
+        <p:cNvGrpSpPr/>
+        <p:nvPr/>
+      </p:nvGrpSpPr>
+      <p:grpSpPr>
+        <a:xfrm>
+          <a:off x="0" y="0"/>
+          <a:ext cx="0" cy="0"/>
+          <a:chOff x="0" y="0"/>
+          <a:chExt cx="0" cy="0"/>
+        </a:xfrm>
+      </p:grpSpPr>
+      <p:sp>
+        <p:nvSpPr>
+          <p:cNvPr id="2" name="Slide Image Placeholder 1"/>
+          <p:cNvSpPr>
+            <a:spLocks noGrp="1" noRot="1" noChangeAspect="1"/>
+          </p:cNvSpPr>
+          <p:nvPr>
+            <p:ph type="sldImg"/>
+          </p:nvPr>
+        </p:nvSpPr>
+        <p:spPr/>
+      </p:sp>
+      <p:sp>
+        <p:nvSpPr>
+          <p:cNvPr id="3" name="Notes Placeholder 2"/>
+          <p:cNvSpPr>
+            <a:spLocks noGrp="1"/>
+          </p:cNvSpPr>
+          <p:nvPr>
+            <p:ph type="body" idx="1"/>
+          </p:nvPr>
+        </p:nvSpPr>
+        <p:spPr/>
+        <p:txBody>
+          <a:bodyPr/>
+          <a:lstStyle/>
+          <a:p>
+            <a:pPr algn="just"/>
+            <a:r>
+              <a:rPr lang="en-US" dirty="0"/>
+              <a:t>Sorry for interrupting the story, but I need to introduce some basic terminology.</a:t>
+            </a:r>
+          </a:p>
+          <a:p>
+            <a:pPr algn="just"/>
+            <a:endParaRPr lang="en-US" dirty="0"/>
+          </a:p>
+          <a:p>
+            <a:pPr algn="just"/>
+            <a:r>
+              <a:rPr lang="en-US" dirty="0"/>
+              <a:t>Alice’s web browser is about to send an HTTP request to a web server—specifically, to the URL </a:t>
+            </a:r>
+            <a:r>
+              <a:rPr lang="en-US" dirty="0">
+                <a:hlinkClick r:id="rId3"/>
+              </a:rPr>
+              <a:t>http://www.youtypeitwepostit.com/</a:t>
+            </a:r>
+            <a:r>
+              <a:rPr lang="en-US" dirty="0"/>
+              <a:t>. One web server may host many different URLs, and each URL grants access to a different bit of the data on the server.</a:t>
+            </a:r>
+          </a:p>
+          <a:p>
+            <a:pPr algn="just"/>
+            <a:endParaRPr lang="en-US" dirty="0"/>
+          </a:p>
+          <a:p>
+            <a:pPr algn="just"/>
+            <a:r>
+              <a:rPr lang="en-US" dirty="0"/>
+              <a:t>We say that a URL is the URL of some thing: a product, a user, the home page. The technical term for the thing named by a URL is </a:t>
+            </a:r>
+            <a:r>
+              <a:rPr lang="en-US" b="1" i="1" dirty="0"/>
+              <a:t>resource</a:t>
+            </a:r>
+            <a:r>
+              <a:rPr lang="en-US" dirty="0"/>
+              <a:t>.</a:t>
+            </a:r>
+          </a:p>
+          <a:p>
+            <a:pPr algn="just"/>
+            <a:endParaRPr lang="en-US" dirty="0"/>
+          </a:p>
+          <a:p>
+            <a:pPr algn="just"/>
+            <a:r>
+              <a:rPr lang="en-US" dirty="0"/>
+              <a:t>The URL </a:t>
+            </a:r>
+            <a:r>
+              <a:rPr lang="en-US" dirty="0">
+                <a:hlinkClick r:id="rId3"/>
+              </a:rPr>
+              <a:t>http://www.youtypeitwepostit.com/</a:t>
+            </a:r>
+            <a:r>
+              <a:rPr lang="en-US" dirty="0"/>
+              <a:t> identifies a resource—probably the home page of the website advertised on the billboard. But you won’t know for sure until we resume the story and Alice’s web browser sends the HTTP request.</a:t>
+            </a:r>
+          </a:p>
+          <a:p>
+            <a:endParaRPr lang="en-US" dirty="0"/>
+          </a:p>
+        </p:txBody>
+      </p:sp>
+      <p:sp>
+        <p:nvSpPr>
+          <p:cNvPr id="4" name="Slide Number Placeholder 3"/>
+          <p:cNvSpPr>
+            <a:spLocks noGrp="1"/>
+          </p:cNvSpPr>
+          <p:nvPr>
+            <p:ph type="sldNum" sz="quarter" idx="5"/>
+          </p:nvPr>
+        </p:nvSpPr>
+        <p:spPr/>
+        <p:txBody>
+          <a:bodyPr/>
+          <a:lstStyle/>
+          <a:p>
+            <a:fld id="{2E22A873-933D-4D09-931E-CDFDF5E37688}" type="slidenum">
+              <a:rPr lang="en-US" smtClean="0"/>
+              <a:t>21</a:t>
+            </a:fld>
+            <a:endParaRPr lang="en-US"/>
+          </a:p>
+        </p:txBody>
+      </p:sp>
+    </p:spTree>
+    <p:extLst>
+      <p:ext uri="{BB962C8B-B14F-4D97-AF65-F5344CB8AC3E}">
+        <p14:creationId xmlns:p14="http://schemas.microsoft.com/office/powerpoint/2010/main" val="2229994805"/>
+      </p:ext>
+    </p:extLst>
+  </p:cSld>
+  <p:clrMapOvr>
+    <a:masterClrMapping/>
+  </p:clrMapOvr>
+</p:notes>
+</file>
+
+<file path=ppt/notesSlides/notesSlide22.xml><?xml version="1.0" encoding="utf-8"?>
+<p:notes xmlns:a="http://schemas.openxmlformats.org/drawingml/2006/main" xmlns:r="http://schemas.openxmlformats.org/officeDocument/2006/relationships" xmlns:p="http://schemas.openxmlformats.org/presentationml/2006/main">
+  <p:cSld>
+    <p:spTree>
+      <p:nvGrpSpPr>
+        <p:cNvPr id="1" name=""/>
+        <p:cNvGrpSpPr/>
+        <p:nvPr/>
+      </p:nvGrpSpPr>
+      <p:grpSpPr>
+        <a:xfrm>
+          <a:off x="0" y="0"/>
+          <a:ext cx="0" cy="0"/>
+          <a:chOff x="0" y="0"/>
+          <a:chExt cx="0" cy="0"/>
+        </a:xfrm>
+      </p:grpSpPr>
+      <p:sp>
+        <p:nvSpPr>
+          <p:cNvPr id="2" name="Slide Image Placeholder 1"/>
+          <p:cNvSpPr>
+            <a:spLocks noGrp="1" noRot="1" noChangeAspect="1"/>
+          </p:cNvSpPr>
+          <p:nvPr>
+            <p:ph type="sldImg"/>
+          </p:nvPr>
+        </p:nvSpPr>
+        <p:spPr/>
+      </p:sp>
+      <p:sp>
+        <p:nvSpPr>
+          <p:cNvPr id="3" name="Notes Placeholder 2"/>
+          <p:cNvSpPr>
+            <a:spLocks noGrp="1"/>
+          </p:cNvSpPr>
+          <p:nvPr>
+            <p:ph type="body" idx="1"/>
+          </p:nvPr>
+        </p:nvSpPr>
+        <p:spPr/>
+        <p:txBody>
+          <a:bodyPr/>
+          <a:lstStyle/>
+          <a:p>
+            <a:pPr algn="just"/>
+            <a:r>
+              <a:rPr lang="en-US" dirty="0"/>
+              <a:t>Sorry for interrupting the story, but I need to introduce some basic terminology.</a:t>
+            </a:r>
+          </a:p>
+          <a:p>
+            <a:pPr algn="just"/>
+            <a:endParaRPr lang="en-US" dirty="0"/>
+          </a:p>
+          <a:p>
+            <a:pPr algn="just"/>
+            <a:r>
+              <a:rPr lang="en-US" dirty="0"/>
+              <a:t>Alice’s web browser is about to send an HTTP request to a web server—specifically, to the URL </a:t>
+            </a:r>
+            <a:r>
+              <a:rPr lang="en-US" dirty="0">
+                <a:hlinkClick r:id="rId3"/>
+              </a:rPr>
+              <a:t>http://www.youtypeitwepostit.com/</a:t>
+            </a:r>
+            <a:r>
+              <a:rPr lang="en-US" dirty="0"/>
+              <a:t>. One web server may host many different URLs, and each URL grants access to a different bit of the data on the server.</a:t>
+            </a:r>
+          </a:p>
+          <a:p>
+            <a:pPr algn="just"/>
+            <a:endParaRPr lang="en-US" dirty="0"/>
+          </a:p>
+          <a:p>
+            <a:pPr algn="just"/>
+            <a:r>
+              <a:rPr lang="en-US" dirty="0"/>
+              <a:t>We say that a URL is the URL of some thing: a product, a user, the home page. The technical term for the thing named by a URL is </a:t>
+            </a:r>
+            <a:r>
+              <a:rPr lang="en-US" b="1" i="1" dirty="0"/>
+              <a:t>resource</a:t>
+            </a:r>
+            <a:r>
+              <a:rPr lang="en-US" dirty="0"/>
+              <a:t>.</a:t>
+            </a:r>
+          </a:p>
+          <a:p>
+            <a:pPr algn="just"/>
+            <a:endParaRPr lang="en-US" dirty="0"/>
+          </a:p>
+          <a:p>
+            <a:pPr algn="just"/>
+            <a:r>
+              <a:rPr lang="en-US" dirty="0"/>
+              <a:t>The URL </a:t>
+            </a:r>
+            <a:r>
+              <a:rPr lang="en-US" dirty="0">
+                <a:hlinkClick r:id="rId3"/>
+              </a:rPr>
+              <a:t>http://www.youtypeitwepostit.com/</a:t>
+            </a:r>
+            <a:r>
+              <a:rPr lang="en-US" dirty="0"/>
+              <a:t> identifies a resource—probably the home page of the website advertised on the billboard. But you won’t know for sure until we resume the story and Alice’s web browser sends the HTTP request.</a:t>
+            </a:r>
+          </a:p>
+          <a:p>
+            <a:endParaRPr lang="en-US" dirty="0"/>
+          </a:p>
+        </p:txBody>
+      </p:sp>
+      <p:sp>
+        <p:nvSpPr>
+          <p:cNvPr id="4" name="Slide Number Placeholder 3"/>
+          <p:cNvSpPr>
+            <a:spLocks noGrp="1"/>
+          </p:cNvSpPr>
+          <p:nvPr>
+            <p:ph type="sldNum" sz="quarter" idx="5"/>
+          </p:nvPr>
+        </p:nvSpPr>
+        <p:spPr/>
+        <p:txBody>
+          <a:bodyPr/>
+          <a:lstStyle/>
+          <a:p>
+            <a:fld id="{2E22A873-933D-4D09-931E-CDFDF5E37688}" type="slidenum">
+              <a:rPr lang="en-US" smtClean="0"/>
+              <a:t>22</a:t>
+            </a:fld>
+            <a:endParaRPr lang="en-US"/>
+          </a:p>
+        </p:txBody>
+      </p:sp>
+    </p:spTree>
+    <p:extLst>
+      <p:ext uri="{BB962C8B-B14F-4D97-AF65-F5344CB8AC3E}">
+        <p14:creationId xmlns:p14="http://schemas.microsoft.com/office/powerpoint/2010/main" val="1472843502"/>
+      </p:ext>
+    </p:extLst>
+  </p:cSld>
+  <p:clrMapOvr>
+    <a:masterClrMapping/>
+  </p:clrMapOvr>
+</p:notes>
+</file>
+
+<file path=ppt/notesSlides/notesSlide23.xml><?xml version="1.0" encoding="utf-8"?>
+<p:notes xmlns:a="http://schemas.openxmlformats.org/drawingml/2006/main" xmlns:r="http://schemas.openxmlformats.org/officeDocument/2006/relationships" xmlns:p="http://schemas.openxmlformats.org/presentationml/2006/main">
+  <p:cSld>
+    <p:spTree>
+      <p:nvGrpSpPr>
+        <p:cNvPr id="1" name=""/>
+        <p:cNvGrpSpPr/>
+        <p:nvPr/>
+      </p:nvGrpSpPr>
+      <p:grpSpPr>
+        <a:xfrm>
+          <a:off x="0" y="0"/>
+          <a:ext cx="0" cy="0"/>
+          <a:chOff x="0" y="0"/>
+          <a:chExt cx="0" cy="0"/>
+        </a:xfrm>
+      </p:grpSpPr>
+      <p:sp>
+        <p:nvSpPr>
+          <p:cNvPr id="2" name="Slide Image Placeholder 1"/>
+          <p:cNvSpPr>
+            <a:spLocks noGrp="1" noRot="1" noChangeAspect="1"/>
+          </p:cNvSpPr>
+          <p:nvPr>
+            <p:ph type="sldImg"/>
+          </p:nvPr>
+        </p:nvSpPr>
+        <p:spPr/>
+      </p:sp>
+      <p:sp>
+        <p:nvSpPr>
+          <p:cNvPr id="3" name="Notes Placeholder 2"/>
+          <p:cNvSpPr>
+            <a:spLocks noGrp="1"/>
+          </p:cNvSpPr>
+          <p:nvPr>
+            <p:ph type="body" idx="1"/>
+          </p:nvPr>
+        </p:nvSpPr>
+        <p:spPr/>
+        <p:txBody>
+          <a:bodyPr/>
+          <a:lstStyle/>
+          <a:p>
+            <a:pPr algn="just"/>
+            <a:r>
+              <a:rPr lang="en-US" dirty="0"/>
+              <a:t>Sorry for interrupting the story, but I need to introduce some basic terminology.</a:t>
+            </a:r>
+          </a:p>
+          <a:p>
+            <a:pPr algn="just"/>
+            <a:endParaRPr lang="en-US" dirty="0"/>
+          </a:p>
+          <a:p>
+            <a:pPr algn="just"/>
+            <a:r>
+              <a:rPr lang="en-US" dirty="0"/>
+              <a:t>Alice’s web browser is about to send an HTTP request to a web server—specifically, to the URL </a:t>
+            </a:r>
+            <a:r>
+              <a:rPr lang="en-US" dirty="0">
+                <a:hlinkClick r:id="rId3"/>
+              </a:rPr>
+              <a:t>http://www.youtypeitwepostit.com/</a:t>
+            </a:r>
+            <a:r>
+              <a:rPr lang="en-US" dirty="0"/>
+              <a:t>. One web server may host many different URLs, and each URL grants access to a different bit of the data on the server.</a:t>
+            </a:r>
+          </a:p>
+          <a:p>
+            <a:pPr algn="just"/>
+            <a:endParaRPr lang="en-US" dirty="0"/>
+          </a:p>
+          <a:p>
+            <a:pPr algn="just"/>
+            <a:r>
+              <a:rPr lang="en-US" dirty="0"/>
+              <a:t>We say that a URL is the URL of some thing: a product, a user, the home page. The technical term for the thing named by a URL is </a:t>
+            </a:r>
+            <a:r>
+              <a:rPr lang="en-US" b="1" i="1" dirty="0"/>
+              <a:t>resource</a:t>
+            </a:r>
+            <a:r>
+              <a:rPr lang="en-US" dirty="0"/>
+              <a:t>.</a:t>
+            </a:r>
+          </a:p>
+          <a:p>
+            <a:pPr algn="just"/>
+            <a:endParaRPr lang="en-US" dirty="0"/>
+          </a:p>
+          <a:p>
+            <a:pPr algn="just"/>
+            <a:r>
+              <a:rPr lang="en-US" dirty="0"/>
+              <a:t>The URL </a:t>
+            </a:r>
+            <a:r>
+              <a:rPr lang="en-US" dirty="0">
+                <a:hlinkClick r:id="rId3"/>
+              </a:rPr>
+              <a:t>http://www.youtypeitwepostit.com/</a:t>
+            </a:r>
+            <a:r>
+              <a:rPr lang="en-US" dirty="0"/>
+              <a:t> identifies a resource—probably the home page of the website advertised on the billboard. But you won’t know for sure until we resume the story and Alice’s web browser sends the HTTP request.</a:t>
+            </a:r>
+          </a:p>
+          <a:p>
+            <a:endParaRPr lang="en-US" dirty="0"/>
+          </a:p>
+        </p:txBody>
+      </p:sp>
+      <p:sp>
+        <p:nvSpPr>
+          <p:cNvPr id="4" name="Slide Number Placeholder 3"/>
+          <p:cNvSpPr>
+            <a:spLocks noGrp="1"/>
+          </p:cNvSpPr>
+          <p:nvPr>
+            <p:ph type="sldNum" sz="quarter" idx="5"/>
+          </p:nvPr>
+        </p:nvSpPr>
+        <p:spPr/>
+        <p:txBody>
+          <a:bodyPr/>
+          <a:lstStyle/>
+          <a:p>
+            <a:fld id="{2E22A873-933D-4D09-931E-CDFDF5E37688}" type="slidenum">
+              <a:rPr lang="en-US" smtClean="0"/>
+              <a:t>23</a:t>
+            </a:fld>
+            <a:endParaRPr lang="en-US"/>
+          </a:p>
+        </p:txBody>
+      </p:sp>
+    </p:spTree>
+    <p:extLst>
+      <p:ext uri="{BB962C8B-B14F-4D97-AF65-F5344CB8AC3E}">
+        <p14:creationId xmlns:p14="http://schemas.microsoft.com/office/powerpoint/2010/main" val="2713292308"/>
+      </p:ext>
+    </p:extLst>
+  </p:cSld>
+  <p:clrMapOvr>
+    <a:masterClrMapping/>
+  </p:clrMapOvr>
+</p:notes>
+</file>
+
+<file path=ppt/notesSlides/notesSlide24.xml><?xml version="1.0" encoding="utf-8"?>
+<p:notes xmlns:a="http://schemas.openxmlformats.org/drawingml/2006/main" xmlns:r="http://schemas.openxmlformats.org/officeDocument/2006/relationships" xmlns:p="http://schemas.openxmlformats.org/presentationml/2006/main">
+  <p:cSld>
+    <p:spTree>
+      <p:nvGrpSpPr>
+        <p:cNvPr id="1" name=""/>
+        <p:cNvGrpSpPr/>
+        <p:nvPr/>
+      </p:nvGrpSpPr>
+      <p:grpSpPr>
+        <a:xfrm>
+          <a:off x="0" y="0"/>
+          <a:ext cx="0" cy="0"/>
+          <a:chOff x="0" y="0"/>
+          <a:chExt cx="0" cy="0"/>
+        </a:xfrm>
+      </p:grpSpPr>
+      <p:sp>
+        <p:nvSpPr>
+          <p:cNvPr id="2" name="Slide Image Placeholder 1"/>
+          <p:cNvSpPr>
+            <a:spLocks noGrp="1" noRot="1" noChangeAspect="1"/>
+          </p:cNvSpPr>
+          <p:nvPr>
+            <p:ph type="sldImg"/>
+          </p:nvPr>
+        </p:nvSpPr>
+        <p:spPr/>
+      </p:sp>
+      <p:sp>
+        <p:nvSpPr>
+          <p:cNvPr id="3" name="Notes Placeholder 2"/>
+          <p:cNvSpPr>
+            <a:spLocks noGrp="1"/>
+          </p:cNvSpPr>
+          <p:nvPr>
+            <p:ph type="body" idx="1"/>
+          </p:nvPr>
+        </p:nvSpPr>
+        <p:spPr/>
+        <p:txBody>
+          <a:bodyPr/>
+          <a:lstStyle/>
+          <a:p>
+            <a:pPr algn="just"/>
+            <a:r>
+              <a:rPr lang="en-US" dirty="0"/>
+              <a:t>Sorry for interrupting the story, but I need to introduce some basic terminology.</a:t>
+            </a:r>
+          </a:p>
+          <a:p>
+            <a:pPr algn="just"/>
+            <a:endParaRPr lang="en-US" dirty="0"/>
+          </a:p>
+          <a:p>
+            <a:pPr algn="just"/>
+            <a:r>
+              <a:rPr lang="en-US" dirty="0"/>
+              <a:t>Alice’s web browser is about to send an HTTP request to a web server—specifically, to the URL </a:t>
+            </a:r>
+            <a:r>
+              <a:rPr lang="en-US" dirty="0">
+                <a:hlinkClick r:id="rId3"/>
+              </a:rPr>
+              <a:t>http://www.youtypeitwepostit.com/</a:t>
+            </a:r>
+            <a:r>
+              <a:rPr lang="en-US" dirty="0"/>
+              <a:t>. One web server may host many different URLs, and each URL grants access to a different bit of the data on the server.</a:t>
+            </a:r>
+          </a:p>
+          <a:p>
+            <a:pPr algn="just"/>
+            <a:endParaRPr lang="en-US" dirty="0"/>
+          </a:p>
+          <a:p>
+            <a:pPr algn="just"/>
+            <a:r>
+              <a:rPr lang="en-US" dirty="0"/>
+              <a:t>We say that a URL is the URL of some thing: a product, a user, the home page. The technical term for the thing named by a URL is </a:t>
+            </a:r>
+            <a:r>
+              <a:rPr lang="en-US" b="1" i="1" dirty="0"/>
+              <a:t>resource</a:t>
+            </a:r>
+            <a:r>
+              <a:rPr lang="en-US" dirty="0"/>
+              <a:t>.</a:t>
+            </a:r>
+          </a:p>
+          <a:p>
+            <a:pPr algn="just"/>
+            <a:endParaRPr lang="en-US" dirty="0"/>
+          </a:p>
+          <a:p>
+            <a:pPr algn="just"/>
+            <a:r>
+              <a:rPr lang="en-US" dirty="0"/>
+              <a:t>The URL </a:t>
+            </a:r>
+            <a:r>
+              <a:rPr lang="en-US" dirty="0">
+                <a:hlinkClick r:id="rId3"/>
+              </a:rPr>
+              <a:t>http://www.youtypeitwepostit.com/</a:t>
+            </a:r>
+            <a:r>
+              <a:rPr lang="en-US" dirty="0"/>
+              <a:t> identifies a resource—probably the home page of the website advertised on the billboard. But you won’t know for sure until we resume the story and Alice’s web browser sends the HTTP request.</a:t>
+            </a:r>
+          </a:p>
+          <a:p>
+            <a:endParaRPr lang="en-US" dirty="0"/>
+          </a:p>
+        </p:txBody>
+      </p:sp>
+      <p:sp>
+        <p:nvSpPr>
+          <p:cNvPr id="4" name="Slide Number Placeholder 3"/>
+          <p:cNvSpPr>
+            <a:spLocks noGrp="1"/>
+          </p:cNvSpPr>
+          <p:nvPr>
+            <p:ph type="sldNum" sz="quarter" idx="5"/>
+          </p:nvPr>
+        </p:nvSpPr>
+        <p:spPr/>
+        <p:txBody>
+          <a:bodyPr/>
+          <a:lstStyle/>
+          <a:p>
+            <a:fld id="{2E22A873-933D-4D09-931E-CDFDF5E37688}" type="slidenum">
+              <a:rPr lang="en-US" smtClean="0"/>
+              <a:t>24</a:t>
+            </a:fld>
+            <a:endParaRPr lang="en-US"/>
+          </a:p>
+        </p:txBody>
+      </p:sp>
+    </p:spTree>
+    <p:extLst>
+      <p:ext uri="{BB962C8B-B14F-4D97-AF65-F5344CB8AC3E}">
+        <p14:creationId xmlns:p14="http://schemas.microsoft.com/office/powerpoint/2010/main" val="3986670305"/>
       </p:ext>
     </p:extLst>
   </p:cSld>
@@ -8330,12 +10319,22 @@
         <p:spPr>
           <a:xfrm>
             <a:off x="1605106" y="1616879"/>
-            <a:ext cx="9391548" cy="338554"/>
+            <a:ext cx="9391548" cy="584775"/>
           </a:xfrm>
           <a:prstGeom prst="rect">
             <a:avLst/>
           </a:prstGeom>
-          <a:noFill/>
+          <a:solidFill>
+            <a:schemeClr val="accent1">
+              <a:lumMod val="40000"/>
+              <a:lumOff val="60000"/>
+            </a:schemeClr>
+          </a:solidFill>
+          <a:ln w="57150">
+            <a:solidFill>
+              <a:srgbClr val="0070C0"/>
+            </a:solidFill>
+          </a:ln>
         </p:spPr>
         <p:txBody>
           <a:bodyPr wrap="square" rtlCol="0">
@@ -8349,21 +10348,695 @@
                 <a:latin typeface="Segoe UI" panose="020B0502040204020203" pitchFamily="34" charset="0"/>
                 <a:cs typeface="Segoe UI" panose="020B0502040204020203" pitchFamily="34" charset="0"/>
               </a:rPr>
-              <a:t>It is often useful, to define a </a:t>
+              <a:t>Two objects are </a:t>
             </a:r>
             <a:r>
               <a:rPr lang="en-US" sz="1600" b="1" dirty="0">
                 <a:latin typeface="Segoe UI" panose="020B0502040204020203" pitchFamily="34" charset="0"/>
                 <a:cs typeface="Segoe UI" panose="020B0502040204020203" pitchFamily="34" charset="0"/>
               </a:rPr>
-              <a:t>class of objects </a:t>
-            </a:r>
-            <a:r>
-              <a:rPr lang="en-US" sz="1600" dirty="0">
-                <a:latin typeface="Segoe UI" panose="020B0502040204020203" pitchFamily="34" charset="0"/>
-                <a:cs typeface="Segoe UI" panose="020B0502040204020203" pitchFamily="34" charset="0"/>
-              </a:rPr>
-              <a:t>that share certain properties. </a:t>
+              <a:t>instances </a:t>
+            </a:r>
+            <a:r>
+              <a:rPr lang="en-US" sz="1600" dirty="0">
+                <a:latin typeface="Segoe UI" panose="020B0502040204020203" pitchFamily="34" charset="0"/>
+                <a:cs typeface="Segoe UI" panose="020B0502040204020203" pitchFamily="34" charset="0"/>
+              </a:rPr>
+              <a:t>of the </a:t>
+            </a:r>
+            <a:r>
+              <a:rPr lang="en-US" sz="1600" b="1" dirty="0">
+                <a:latin typeface="Segoe UI" panose="020B0502040204020203" pitchFamily="34" charset="0"/>
+                <a:cs typeface="Segoe UI" panose="020B0502040204020203" pitchFamily="34" charset="0"/>
+              </a:rPr>
+              <a:t>same class </a:t>
+            </a:r>
+            <a:r>
+              <a:rPr lang="en-US" sz="1600" dirty="0">
+                <a:latin typeface="Segoe UI" panose="020B0502040204020203" pitchFamily="34" charset="0"/>
+                <a:cs typeface="Segoe UI" panose="020B0502040204020203" pitchFamily="34" charset="0"/>
+              </a:rPr>
+              <a:t>if and only if they </a:t>
+            </a:r>
+            <a:r>
+              <a:rPr lang="en-US" sz="1600" b="1" dirty="0">
+                <a:latin typeface="Segoe UI" panose="020B0502040204020203" pitchFamily="34" charset="0"/>
+                <a:cs typeface="Segoe UI" panose="020B0502040204020203" pitchFamily="34" charset="0"/>
+              </a:rPr>
+              <a:t>inherit </a:t>
+            </a:r>
+            <a:r>
+              <a:rPr lang="en-US" sz="1600" dirty="0">
+                <a:latin typeface="Segoe UI" panose="020B0502040204020203" pitchFamily="34" charset="0"/>
+                <a:cs typeface="Segoe UI" panose="020B0502040204020203" pitchFamily="34" charset="0"/>
+              </a:rPr>
+              <a:t>from the same </a:t>
+            </a:r>
+            <a:r>
+              <a:rPr lang="en-US" sz="1600" b="1" dirty="0">
+                <a:latin typeface="Segoe UI" panose="020B0502040204020203" pitchFamily="34" charset="0"/>
+                <a:cs typeface="Segoe UI" panose="020B0502040204020203" pitchFamily="34" charset="0"/>
+              </a:rPr>
+              <a:t>prototype </a:t>
+            </a:r>
+            <a:r>
+              <a:rPr lang="en-US" sz="1600" dirty="0">
+                <a:latin typeface="Segoe UI" panose="020B0502040204020203" pitchFamily="34" charset="0"/>
+                <a:cs typeface="Segoe UI" panose="020B0502040204020203" pitchFamily="34" charset="0"/>
+              </a:rPr>
+              <a:t>object. The constructor function that initializes the state of a new object is not fundamental.</a:t>
+            </a:r>
+          </a:p>
+        </p:txBody>
+      </p:sp>
+      <p:sp>
+        <p:nvSpPr>
+          <p:cNvPr id="8" name="TextBox 7">
+            <a:extLst>
+              <a:ext uri="{FF2B5EF4-FFF2-40B4-BE49-F238E27FC236}">
+                <a16:creationId xmlns:a16="http://schemas.microsoft.com/office/drawing/2014/main" id="{615472C3-C83C-4F80-BA45-97C7D965955F}"/>
+              </a:ext>
+            </a:extLst>
+          </p:cNvPr>
+          <p:cNvSpPr txBox="1"/>
+          <p:nvPr/>
+        </p:nvSpPr>
+        <p:spPr>
+          <a:xfrm>
+            <a:off x="1605106" y="2477559"/>
+            <a:ext cx="9391548" cy="584775"/>
+          </a:xfrm>
+          <a:prstGeom prst="rect">
+            <a:avLst/>
+          </a:prstGeom>
+          <a:solidFill>
+            <a:schemeClr val="accent3">
+              <a:lumMod val="60000"/>
+              <a:lumOff val="40000"/>
+            </a:schemeClr>
+          </a:solidFill>
+          <a:ln w="57150">
+            <a:solidFill>
+              <a:srgbClr val="00B050"/>
+            </a:solidFill>
+          </a:ln>
+        </p:spPr>
+        <p:txBody>
+          <a:bodyPr wrap="square" rtlCol="0">
+            <a:spAutoFit/>
+          </a:bodyPr>
+          <a:lstStyle/>
+          <a:p>
+            <a:pPr algn="just"/>
+            <a:r>
+              <a:rPr lang="en-US" sz="1600" dirty="0">
+                <a:latin typeface="Segoe UI" panose="020B0502040204020203" pitchFamily="34" charset="0"/>
+                <a:cs typeface="Segoe UI" panose="020B0502040204020203" pitchFamily="34" charset="0"/>
+              </a:rPr>
+              <a:t>Even though </a:t>
+            </a:r>
+            <a:r>
+              <a:rPr lang="en-US" sz="1600" b="1" dirty="0">
+                <a:latin typeface="Segoe UI" panose="020B0502040204020203" pitchFamily="34" charset="0"/>
+                <a:cs typeface="Segoe UI" panose="020B0502040204020203" pitchFamily="34" charset="0"/>
+              </a:rPr>
+              <a:t>constructors</a:t>
+            </a:r>
+            <a:r>
+              <a:rPr lang="en-US" sz="1600" dirty="0">
+                <a:latin typeface="Segoe UI" panose="020B0502040204020203" pitchFamily="34" charset="0"/>
+                <a:cs typeface="Segoe UI" panose="020B0502040204020203" pitchFamily="34" charset="0"/>
+              </a:rPr>
+              <a:t> are </a:t>
+            </a:r>
+            <a:r>
+              <a:rPr lang="en-US" sz="1600" b="1" dirty="0">
+                <a:latin typeface="Segoe UI" panose="020B0502040204020203" pitchFamily="34" charset="0"/>
+                <a:cs typeface="Segoe UI" panose="020B0502040204020203" pitchFamily="34" charset="0"/>
+              </a:rPr>
+              <a:t>not</a:t>
+            </a:r>
+            <a:r>
+              <a:rPr lang="en-US" sz="1600" dirty="0">
+                <a:latin typeface="Segoe UI" panose="020B0502040204020203" pitchFamily="34" charset="0"/>
+                <a:cs typeface="Segoe UI" panose="020B0502040204020203" pitchFamily="34" charset="0"/>
+              </a:rPr>
+              <a:t> as </a:t>
+            </a:r>
+            <a:r>
+              <a:rPr lang="en-US" sz="1600" b="1" dirty="0">
+                <a:latin typeface="Segoe UI" panose="020B0502040204020203" pitchFamily="34" charset="0"/>
+                <a:cs typeface="Segoe UI" panose="020B0502040204020203" pitchFamily="34" charset="0"/>
+              </a:rPr>
+              <a:t>fundamental</a:t>
+            </a:r>
+            <a:r>
+              <a:rPr lang="en-US" sz="1600" dirty="0">
+                <a:latin typeface="Segoe UI" panose="020B0502040204020203" pitchFamily="34" charset="0"/>
+                <a:cs typeface="Segoe UI" panose="020B0502040204020203" pitchFamily="34" charset="0"/>
+              </a:rPr>
+              <a:t> as </a:t>
+            </a:r>
+            <a:r>
+              <a:rPr lang="en-US" sz="1600" b="1" dirty="0">
+                <a:latin typeface="Segoe UI" panose="020B0502040204020203" pitchFamily="34" charset="0"/>
+                <a:cs typeface="Segoe UI" panose="020B0502040204020203" pitchFamily="34" charset="0"/>
+              </a:rPr>
+              <a:t>prototypes</a:t>
+            </a:r>
+            <a:r>
+              <a:rPr lang="en-US" sz="1600" dirty="0">
+                <a:latin typeface="Segoe UI" panose="020B0502040204020203" pitchFamily="34" charset="0"/>
+                <a:cs typeface="Segoe UI" panose="020B0502040204020203" pitchFamily="34" charset="0"/>
+              </a:rPr>
+              <a:t>, the constructor serves as the </a:t>
+            </a:r>
+            <a:r>
+              <a:rPr lang="en-US" sz="1600" b="1" dirty="0">
+                <a:latin typeface="Segoe UI" panose="020B0502040204020203" pitchFamily="34" charset="0"/>
+                <a:cs typeface="Segoe UI" panose="020B0502040204020203" pitchFamily="34" charset="0"/>
+              </a:rPr>
+              <a:t>public face</a:t>
+            </a:r>
+            <a:r>
+              <a:rPr lang="en-US" sz="1600" dirty="0">
+                <a:latin typeface="Segoe UI" panose="020B0502040204020203" pitchFamily="34" charset="0"/>
+                <a:cs typeface="Segoe UI" panose="020B0502040204020203" pitchFamily="34" charset="0"/>
+              </a:rPr>
+              <a:t> of a class.</a:t>
+            </a:r>
+          </a:p>
+        </p:txBody>
+      </p:sp>
+      <p:sp>
+        <p:nvSpPr>
+          <p:cNvPr id="10" name="TextBox 9">
+            <a:extLst>
+              <a:ext uri="{FF2B5EF4-FFF2-40B4-BE49-F238E27FC236}">
+                <a16:creationId xmlns:a16="http://schemas.microsoft.com/office/drawing/2014/main" id="{E41C86E4-868F-4F1C-8160-A0D81EAC9CA2}"/>
+              </a:ext>
+            </a:extLst>
+          </p:cNvPr>
+          <p:cNvSpPr txBox="1"/>
+          <p:nvPr/>
+        </p:nvSpPr>
+        <p:spPr>
+          <a:xfrm>
+            <a:off x="1605106" y="3338239"/>
+            <a:ext cx="9391548" cy="1077218"/>
+          </a:xfrm>
+          <a:prstGeom prst="rect">
+            <a:avLst/>
+          </a:prstGeom>
+          <a:solidFill>
+            <a:srgbClr val="FFE7B7"/>
+          </a:solidFill>
+          <a:ln w="57150">
+            <a:solidFill>
+              <a:srgbClr val="FFC000"/>
+            </a:solidFill>
+          </a:ln>
+        </p:spPr>
+        <p:txBody>
+          <a:bodyPr wrap="square" rtlCol="0">
+            <a:spAutoFit/>
+          </a:bodyPr>
+          <a:lstStyle/>
+          <a:p>
+            <a:pPr algn="just"/>
+            <a:r>
+              <a:rPr lang="en-US" sz="1600" b="1" dirty="0">
+                <a:latin typeface="Segoe UI" panose="020B0502040204020203" pitchFamily="34" charset="0"/>
+                <a:cs typeface="Segoe UI" panose="020B0502040204020203" pitchFamily="34" charset="0"/>
+              </a:rPr>
+              <a:t>Constructors </a:t>
+            </a:r>
+            <a:r>
+              <a:rPr lang="en-US" sz="1600" dirty="0">
+                <a:latin typeface="Segoe UI" panose="020B0502040204020203" pitchFamily="34" charset="0"/>
+                <a:cs typeface="Segoe UI" panose="020B0502040204020203" pitchFamily="34" charset="0"/>
+              </a:rPr>
+              <a:t>are used as the righthand operand of the </a:t>
+            </a:r>
+            <a:r>
+              <a:rPr lang="en-US" sz="1600" b="1" dirty="0" err="1">
+                <a:latin typeface="Segoe UI" panose="020B0502040204020203" pitchFamily="34" charset="0"/>
+                <a:cs typeface="Segoe UI" panose="020B0502040204020203" pitchFamily="34" charset="0"/>
+              </a:rPr>
+              <a:t>instanceof</a:t>
+            </a:r>
+            <a:r>
+              <a:rPr lang="en-US" sz="1600" b="1" dirty="0">
+                <a:latin typeface="Segoe UI" panose="020B0502040204020203" pitchFamily="34" charset="0"/>
+                <a:cs typeface="Segoe UI" panose="020B0502040204020203" pitchFamily="34" charset="0"/>
+              </a:rPr>
+              <a:t> </a:t>
+            </a:r>
+            <a:r>
+              <a:rPr lang="en-US" sz="1600" dirty="0">
+                <a:latin typeface="Segoe UI" panose="020B0502040204020203" pitchFamily="34" charset="0"/>
+                <a:cs typeface="Segoe UI" panose="020B0502040204020203" pitchFamily="34" charset="0"/>
+              </a:rPr>
+              <a:t>operator when </a:t>
+            </a:r>
+            <a:r>
+              <a:rPr lang="en-US" sz="1600" b="1" dirty="0">
+                <a:latin typeface="Segoe UI" panose="020B0502040204020203" pitchFamily="34" charset="0"/>
+                <a:cs typeface="Segoe UI" panose="020B0502040204020203" pitchFamily="34" charset="0"/>
+              </a:rPr>
+              <a:t>testing </a:t>
+            </a:r>
+            <a:r>
+              <a:rPr lang="en-US" sz="1600" dirty="0">
+                <a:latin typeface="Segoe UI" panose="020B0502040204020203" pitchFamily="34" charset="0"/>
+                <a:cs typeface="Segoe UI" panose="020B0502040204020203" pitchFamily="34" charset="0"/>
+              </a:rPr>
+              <a:t>objects for </a:t>
+            </a:r>
+            <a:r>
+              <a:rPr lang="en-US" sz="1600" b="1" dirty="0">
+                <a:latin typeface="Segoe UI" panose="020B0502040204020203" pitchFamily="34" charset="0"/>
+                <a:cs typeface="Segoe UI" panose="020B0502040204020203" pitchFamily="34" charset="0"/>
+              </a:rPr>
+              <a:t>membership </a:t>
+            </a:r>
+            <a:r>
+              <a:rPr lang="en-US" sz="1600" dirty="0">
+                <a:latin typeface="Segoe UI" panose="020B0502040204020203" pitchFamily="34" charset="0"/>
+                <a:cs typeface="Segoe UI" panose="020B0502040204020203" pitchFamily="34" charset="0"/>
+              </a:rPr>
+              <a:t>in a class. </a:t>
+            </a:r>
+          </a:p>
+          <a:p>
+            <a:pPr algn="just"/>
+            <a:endParaRPr lang="en-US" sz="1600" dirty="0">
+              <a:latin typeface="Segoe UI" panose="020B0502040204020203" pitchFamily="34" charset="0"/>
+              <a:cs typeface="Segoe UI" panose="020B0502040204020203" pitchFamily="34" charset="0"/>
+            </a:endParaRPr>
+          </a:p>
+          <a:p>
+            <a:pPr algn="just"/>
+            <a:r>
+              <a:rPr lang="en-US" sz="1600" dirty="0">
+                <a:latin typeface="Segoe UI" panose="020B0502040204020203" pitchFamily="34" charset="0"/>
+                <a:cs typeface="Segoe UI" panose="020B0502040204020203" pitchFamily="34" charset="0"/>
+              </a:rPr>
+              <a:t>r </a:t>
+            </a:r>
+            <a:r>
+              <a:rPr lang="en-US" sz="1600" b="1" dirty="0" err="1">
+                <a:latin typeface="Segoe UI" panose="020B0502040204020203" pitchFamily="34" charset="0"/>
+                <a:cs typeface="Segoe UI" panose="020B0502040204020203" pitchFamily="34" charset="0"/>
+              </a:rPr>
+              <a:t>instanceof</a:t>
+            </a:r>
+            <a:r>
+              <a:rPr lang="en-US" sz="1600" dirty="0">
+                <a:latin typeface="Segoe UI" panose="020B0502040204020203" pitchFamily="34" charset="0"/>
+                <a:cs typeface="Segoe UI" panose="020B0502040204020203" pitchFamily="34" charset="0"/>
+              </a:rPr>
+              <a:t> Range 		</a:t>
+            </a:r>
+            <a:r>
+              <a:rPr lang="en-US" sz="1600" b="1" dirty="0">
+                <a:solidFill>
+                  <a:srgbClr val="00B050"/>
+                </a:solidFill>
+                <a:latin typeface="Segoe UI" panose="020B0502040204020203" pitchFamily="34" charset="0"/>
+                <a:cs typeface="Segoe UI" panose="020B0502040204020203" pitchFamily="34" charset="0"/>
+              </a:rPr>
+              <a:t>// = &gt; true: r inherits from </a:t>
+            </a:r>
+            <a:r>
+              <a:rPr lang="en-US" sz="1600" b="1" dirty="0" err="1">
+                <a:solidFill>
+                  <a:srgbClr val="00B050"/>
+                </a:solidFill>
+                <a:latin typeface="Segoe UI" panose="020B0502040204020203" pitchFamily="34" charset="0"/>
+                <a:cs typeface="Segoe UI" panose="020B0502040204020203" pitchFamily="34" charset="0"/>
+              </a:rPr>
+              <a:t>Range.prototype</a:t>
+            </a:r>
+            <a:endParaRPr lang="en-US" sz="1600" b="1" dirty="0">
+              <a:solidFill>
+                <a:srgbClr val="00B050"/>
+              </a:solidFill>
+              <a:latin typeface="Segoe UI" panose="020B0502040204020203" pitchFamily="34" charset="0"/>
+              <a:cs typeface="Segoe UI" panose="020B0502040204020203" pitchFamily="34" charset="0"/>
+            </a:endParaRPr>
+          </a:p>
+        </p:txBody>
+      </p:sp>
+      <p:sp>
+        <p:nvSpPr>
+          <p:cNvPr id="11" name="TextBox 10">
+            <a:extLst>
+              <a:ext uri="{FF2B5EF4-FFF2-40B4-BE49-F238E27FC236}">
+                <a16:creationId xmlns:a16="http://schemas.microsoft.com/office/drawing/2014/main" id="{6F58DBF3-84ED-43B2-A59A-88F49C7F4426}"/>
+              </a:ext>
+            </a:extLst>
+          </p:cNvPr>
+          <p:cNvSpPr txBox="1"/>
+          <p:nvPr/>
+        </p:nvSpPr>
+        <p:spPr>
+          <a:xfrm>
+            <a:off x="1605106" y="4691362"/>
+            <a:ext cx="9391548" cy="1077218"/>
+          </a:xfrm>
+          <a:prstGeom prst="rect">
+            <a:avLst/>
+          </a:prstGeom>
+          <a:solidFill>
+            <a:srgbClr val="FF8BFF"/>
+          </a:solidFill>
+          <a:ln w="57150">
+            <a:solidFill>
+              <a:srgbClr val="7030A0"/>
+            </a:solidFill>
+          </a:ln>
+        </p:spPr>
+        <p:txBody>
+          <a:bodyPr wrap="square">
+            <a:spAutoFit/>
+          </a:bodyPr>
+          <a:lstStyle/>
+          <a:p>
+            <a:r>
+              <a:rPr lang="en-US" sz="1600" dirty="0">
+                <a:latin typeface="Segoe UI" panose="020B0502040204020203" pitchFamily="34" charset="0"/>
+                <a:cs typeface="Segoe UI" panose="020B0502040204020203" pitchFamily="34" charset="0"/>
+              </a:rPr>
+              <a:t>The above evaluates to </a:t>
+            </a:r>
+            <a:r>
+              <a:rPr lang="en-US" sz="1600" b="1" dirty="0">
+                <a:latin typeface="Segoe UI" panose="020B0502040204020203" pitchFamily="34" charset="0"/>
+                <a:cs typeface="Segoe UI" panose="020B0502040204020203" pitchFamily="34" charset="0"/>
+              </a:rPr>
+              <a:t>true</a:t>
+            </a:r>
+            <a:r>
+              <a:rPr lang="en-US" sz="1600" dirty="0">
+                <a:latin typeface="Segoe UI" panose="020B0502040204020203" pitchFamily="34" charset="0"/>
+                <a:cs typeface="Segoe UI" panose="020B0502040204020203" pitchFamily="34" charset="0"/>
+              </a:rPr>
+              <a:t> if </a:t>
+            </a:r>
+            <a:r>
+              <a:rPr lang="en-US" sz="1600" b="1" dirty="0">
+                <a:latin typeface="Segoe UI" panose="020B0502040204020203" pitchFamily="34" charset="0"/>
+                <a:cs typeface="Segoe UI" panose="020B0502040204020203" pitchFamily="34" charset="0"/>
+              </a:rPr>
+              <a:t>r</a:t>
+            </a:r>
+            <a:r>
+              <a:rPr lang="en-US" sz="1600" dirty="0">
+                <a:latin typeface="Segoe UI" panose="020B0502040204020203" pitchFamily="34" charset="0"/>
+                <a:cs typeface="Segoe UI" panose="020B0502040204020203" pitchFamily="34" charset="0"/>
+              </a:rPr>
+              <a:t> inherits from </a:t>
+            </a:r>
+            <a:r>
+              <a:rPr lang="en-US" sz="1600" b="1" dirty="0" err="1">
+                <a:latin typeface="Segoe UI" panose="020B0502040204020203" pitchFamily="34" charset="0"/>
+                <a:cs typeface="Segoe UI" panose="020B0502040204020203" pitchFamily="34" charset="0"/>
+              </a:rPr>
+              <a:t>Range</a:t>
+            </a:r>
+            <a:r>
+              <a:rPr lang="en-US" sz="1600" dirty="0" err="1">
+                <a:latin typeface="Segoe UI" panose="020B0502040204020203" pitchFamily="34" charset="0"/>
+                <a:cs typeface="Segoe UI" panose="020B0502040204020203" pitchFamily="34" charset="0"/>
+              </a:rPr>
+              <a:t>.prototype</a:t>
+            </a:r>
+            <a:r>
+              <a:rPr lang="en-US" sz="1600" dirty="0">
+                <a:latin typeface="Segoe UI" panose="020B0502040204020203" pitchFamily="34" charset="0"/>
+                <a:cs typeface="Segoe UI" panose="020B0502040204020203" pitchFamily="34" charset="0"/>
+              </a:rPr>
+              <a:t>. </a:t>
+            </a:r>
+          </a:p>
+          <a:p>
+            <a:endParaRPr lang="en-US" sz="1600" dirty="0">
+              <a:latin typeface="Segoe UI" panose="020B0502040204020203" pitchFamily="34" charset="0"/>
+              <a:cs typeface="Segoe UI" panose="020B0502040204020203" pitchFamily="34" charset="0"/>
+            </a:endParaRPr>
+          </a:p>
+          <a:p>
+            <a:r>
+              <a:rPr lang="en-US" sz="1600" dirty="0">
+                <a:latin typeface="Segoe UI" panose="020B0502040204020203" pitchFamily="34" charset="0"/>
+                <a:cs typeface="Segoe UI" panose="020B0502040204020203" pitchFamily="34" charset="0"/>
+              </a:rPr>
+              <a:t>The inheritance </a:t>
+            </a:r>
+            <a:r>
+              <a:rPr lang="en-US" sz="1600" b="1" dirty="0">
+                <a:latin typeface="Segoe UI" panose="020B0502040204020203" pitchFamily="34" charset="0"/>
+                <a:cs typeface="Segoe UI" panose="020B0502040204020203" pitchFamily="34" charset="0"/>
+              </a:rPr>
+              <a:t>need not be direct</a:t>
+            </a:r>
+            <a:r>
+              <a:rPr lang="en-US" sz="1600" dirty="0">
+                <a:latin typeface="Segoe UI" panose="020B0502040204020203" pitchFamily="34" charset="0"/>
+                <a:cs typeface="Segoe UI" panose="020B0502040204020203" pitchFamily="34" charset="0"/>
+              </a:rPr>
+              <a:t>: if </a:t>
+            </a:r>
+            <a:r>
+              <a:rPr lang="en-US" sz="1600" b="1" dirty="0">
+                <a:latin typeface="Segoe UI" panose="020B0502040204020203" pitchFamily="34" charset="0"/>
+                <a:cs typeface="Segoe UI" panose="020B0502040204020203" pitchFamily="34" charset="0"/>
+              </a:rPr>
+              <a:t>r</a:t>
+            </a:r>
+            <a:r>
+              <a:rPr lang="en-US" sz="1600" dirty="0">
+                <a:latin typeface="Segoe UI" panose="020B0502040204020203" pitchFamily="34" charset="0"/>
+                <a:cs typeface="Segoe UI" panose="020B0502040204020203" pitchFamily="34" charset="0"/>
+              </a:rPr>
+              <a:t> </a:t>
+            </a:r>
+            <a:r>
+              <a:rPr lang="en-US" sz="1600" b="1" dirty="0">
+                <a:latin typeface="Segoe UI" panose="020B0502040204020203" pitchFamily="34" charset="0"/>
+                <a:cs typeface="Segoe UI" panose="020B0502040204020203" pitchFamily="34" charset="0"/>
+              </a:rPr>
+              <a:t>inherits</a:t>
+            </a:r>
+            <a:r>
+              <a:rPr lang="en-US" sz="1600" dirty="0">
+                <a:latin typeface="Segoe UI" panose="020B0502040204020203" pitchFamily="34" charset="0"/>
+                <a:cs typeface="Segoe UI" panose="020B0502040204020203" pitchFamily="34" charset="0"/>
+              </a:rPr>
+              <a:t> from an </a:t>
+            </a:r>
+            <a:r>
+              <a:rPr lang="en-US" sz="1600" b="1" dirty="0">
+                <a:latin typeface="Segoe UI" panose="020B0502040204020203" pitchFamily="34" charset="0"/>
+                <a:cs typeface="Segoe UI" panose="020B0502040204020203" pitchFamily="34" charset="0"/>
+              </a:rPr>
+              <a:t>object</a:t>
+            </a:r>
+            <a:r>
+              <a:rPr lang="en-US" sz="1600" dirty="0">
+                <a:latin typeface="Segoe UI" panose="020B0502040204020203" pitchFamily="34" charset="0"/>
+                <a:cs typeface="Segoe UI" panose="020B0502040204020203" pitchFamily="34" charset="0"/>
+              </a:rPr>
+              <a:t> that </a:t>
+            </a:r>
+            <a:r>
+              <a:rPr lang="en-US" sz="1600" b="1" dirty="0">
+                <a:latin typeface="Segoe UI" panose="020B0502040204020203" pitchFamily="34" charset="0"/>
+                <a:cs typeface="Segoe UI" panose="020B0502040204020203" pitchFamily="34" charset="0"/>
+              </a:rPr>
+              <a:t>inherits</a:t>
+            </a:r>
+            <a:r>
+              <a:rPr lang="en-US" sz="1600" dirty="0">
+                <a:latin typeface="Segoe UI" panose="020B0502040204020203" pitchFamily="34" charset="0"/>
+                <a:cs typeface="Segoe UI" panose="020B0502040204020203" pitchFamily="34" charset="0"/>
+              </a:rPr>
+              <a:t> from an </a:t>
+            </a:r>
+            <a:r>
+              <a:rPr lang="en-US" sz="1600" b="1" dirty="0">
+                <a:latin typeface="Segoe UI" panose="020B0502040204020203" pitchFamily="34" charset="0"/>
+                <a:cs typeface="Segoe UI" panose="020B0502040204020203" pitchFamily="34" charset="0"/>
+              </a:rPr>
+              <a:t>object</a:t>
+            </a:r>
+            <a:r>
+              <a:rPr lang="en-US" sz="1600" dirty="0">
+                <a:latin typeface="Segoe UI" panose="020B0502040204020203" pitchFamily="34" charset="0"/>
+                <a:cs typeface="Segoe UI" panose="020B0502040204020203" pitchFamily="34" charset="0"/>
+              </a:rPr>
+              <a:t> that </a:t>
+            </a:r>
+            <a:r>
+              <a:rPr lang="en-US" sz="1600" b="1" dirty="0">
+                <a:latin typeface="Segoe UI" panose="020B0502040204020203" pitchFamily="34" charset="0"/>
+                <a:cs typeface="Segoe UI" panose="020B0502040204020203" pitchFamily="34" charset="0"/>
+              </a:rPr>
+              <a:t>inherits</a:t>
+            </a:r>
+            <a:r>
+              <a:rPr lang="en-US" sz="1600" dirty="0">
+                <a:latin typeface="Segoe UI" panose="020B0502040204020203" pitchFamily="34" charset="0"/>
+                <a:cs typeface="Segoe UI" panose="020B0502040204020203" pitchFamily="34" charset="0"/>
+              </a:rPr>
+              <a:t> from </a:t>
+            </a:r>
+            <a:r>
+              <a:rPr lang="en-US" sz="1600" b="1" dirty="0" err="1">
+                <a:latin typeface="Segoe UI" panose="020B0502040204020203" pitchFamily="34" charset="0"/>
+                <a:cs typeface="Segoe UI" panose="020B0502040204020203" pitchFamily="34" charset="0"/>
+              </a:rPr>
+              <a:t>Range</a:t>
+            </a:r>
+            <a:r>
+              <a:rPr lang="en-US" sz="1600" dirty="0" err="1">
+                <a:latin typeface="Segoe UI" panose="020B0502040204020203" pitchFamily="34" charset="0"/>
+                <a:cs typeface="Segoe UI" panose="020B0502040204020203" pitchFamily="34" charset="0"/>
+              </a:rPr>
+              <a:t>.prototype</a:t>
+            </a:r>
+            <a:r>
+              <a:rPr lang="en-US" sz="1600" dirty="0">
+                <a:latin typeface="Segoe UI" panose="020B0502040204020203" pitchFamily="34" charset="0"/>
+                <a:cs typeface="Segoe UI" panose="020B0502040204020203" pitchFamily="34" charset="0"/>
+              </a:rPr>
+              <a:t>, the expression will still evaluate to </a:t>
+            </a:r>
+            <a:r>
+              <a:rPr lang="en-US" sz="1600" b="1" dirty="0">
+                <a:latin typeface="Segoe UI" panose="020B0502040204020203" pitchFamily="34" charset="0"/>
+                <a:cs typeface="Segoe UI" panose="020B0502040204020203" pitchFamily="34" charset="0"/>
+              </a:rPr>
+              <a:t>true</a:t>
+            </a:r>
+            <a:r>
+              <a:rPr lang="en-US" sz="1600" dirty="0">
+                <a:latin typeface="Segoe UI" panose="020B0502040204020203" pitchFamily="34" charset="0"/>
+                <a:cs typeface="Segoe UI" panose="020B0502040204020203" pitchFamily="34" charset="0"/>
+              </a:rPr>
+              <a:t>.</a:t>
+            </a:r>
+          </a:p>
+        </p:txBody>
+      </p:sp>
+      <p:sp>
+        <p:nvSpPr>
+          <p:cNvPr id="12" name="TextBox 11">
+            <a:extLst>
+              <a:ext uri="{FF2B5EF4-FFF2-40B4-BE49-F238E27FC236}">
+                <a16:creationId xmlns:a16="http://schemas.microsoft.com/office/drawing/2014/main" id="{5EEB1DF9-83D8-4C8A-B39D-635999E6B882}"/>
+              </a:ext>
+            </a:extLst>
+          </p:cNvPr>
+          <p:cNvSpPr txBox="1"/>
+          <p:nvPr/>
+        </p:nvSpPr>
+        <p:spPr>
+          <a:xfrm>
+            <a:off x="1605106" y="6044485"/>
+            <a:ext cx="9391548" cy="584775"/>
+          </a:xfrm>
+          <a:prstGeom prst="rect">
+            <a:avLst/>
+          </a:prstGeom>
+          <a:solidFill>
+            <a:schemeClr val="accent1">
+              <a:lumMod val="40000"/>
+              <a:lumOff val="60000"/>
+            </a:schemeClr>
+          </a:solidFill>
+          <a:ln w="57150">
+            <a:solidFill>
+              <a:srgbClr val="0070C0"/>
+            </a:solidFill>
+          </a:ln>
+        </p:spPr>
+        <p:txBody>
+          <a:bodyPr wrap="square">
+            <a:spAutoFit/>
+          </a:bodyPr>
+          <a:lstStyle/>
+          <a:p>
+            <a:r>
+              <a:rPr lang="en-US" sz="1600" b="1" dirty="0">
+                <a:latin typeface="Segoe UI" panose="020B0502040204020203" pitchFamily="34" charset="0"/>
+                <a:cs typeface="Segoe UI" panose="020B0502040204020203" pitchFamily="34" charset="0"/>
+              </a:rPr>
+              <a:t>Technically</a:t>
+            </a:r>
+            <a:r>
+              <a:rPr lang="en-US" sz="1600" dirty="0">
+                <a:latin typeface="Segoe UI" panose="020B0502040204020203" pitchFamily="34" charset="0"/>
+                <a:cs typeface="Segoe UI" panose="020B0502040204020203" pitchFamily="34" charset="0"/>
+              </a:rPr>
+              <a:t> the </a:t>
+            </a:r>
+            <a:r>
+              <a:rPr lang="en-US" sz="1600" b="1" dirty="0" err="1">
+                <a:latin typeface="Segoe UI" panose="020B0502040204020203" pitchFamily="34" charset="0"/>
+                <a:cs typeface="Segoe UI" panose="020B0502040204020203" pitchFamily="34" charset="0"/>
+              </a:rPr>
+              <a:t>instanceof</a:t>
+            </a:r>
+            <a:r>
+              <a:rPr lang="en-US" sz="1600" dirty="0">
+                <a:latin typeface="Segoe UI" panose="020B0502040204020203" pitchFamily="34" charset="0"/>
+                <a:cs typeface="Segoe UI" panose="020B0502040204020203" pitchFamily="34" charset="0"/>
+              </a:rPr>
+              <a:t> operator is not checking whether r was actually initialized by the Range constructor, instead, it is checking whether </a:t>
+            </a:r>
+            <a:r>
+              <a:rPr lang="en-US" sz="1600" b="1" dirty="0">
+                <a:latin typeface="Segoe UI" panose="020B0502040204020203" pitchFamily="34" charset="0"/>
+                <a:cs typeface="Segoe UI" panose="020B0502040204020203" pitchFamily="34" charset="0"/>
+              </a:rPr>
+              <a:t>r</a:t>
+            </a:r>
+            <a:r>
+              <a:rPr lang="en-US" sz="1600" dirty="0">
+                <a:latin typeface="Segoe UI" panose="020B0502040204020203" pitchFamily="34" charset="0"/>
+                <a:cs typeface="Segoe UI" panose="020B0502040204020203" pitchFamily="34" charset="0"/>
+              </a:rPr>
+              <a:t> </a:t>
+            </a:r>
+            <a:r>
+              <a:rPr lang="en-US" sz="1600" b="1" dirty="0">
+                <a:latin typeface="Segoe UI" panose="020B0502040204020203" pitchFamily="34" charset="0"/>
+                <a:cs typeface="Segoe UI" panose="020B0502040204020203" pitchFamily="34" charset="0"/>
+              </a:rPr>
+              <a:t>inherits</a:t>
+            </a:r>
+            <a:r>
+              <a:rPr lang="en-US" sz="1600" dirty="0">
+                <a:latin typeface="Segoe UI" panose="020B0502040204020203" pitchFamily="34" charset="0"/>
+                <a:cs typeface="Segoe UI" panose="020B0502040204020203" pitchFamily="34" charset="0"/>
+              </a:rPr>
+              <a:t> from </a:t>
+            </a:r>
+            <a:r>
+              <a:rPr lang="en-US" sz="1600" b="1" dirty="0" err="1">
+                <a:latin typeface="Segoe UI" panose="020B0502040204020203" pitchFamily="34" charset="0"/>
+                <a:cs typeface="Segoe UI" panose="020B0502040204020203" pitchFamily="34" charset="0"/>
+              </a:rPr>
+              <a:t>Range.prototype</a:t>
+            </a:r>
+            <a:r>
+              <a:rPr lang="en-US" sz="1600" dirty="0">
+                <a:latin typeface="Segoe UI" panose="020B0502040204020203" pitchFamily="34" charset="0"/>
+                <a:cs typeface="Segoe UI" panose="020B0502040204020203" pitchFamily="34" charset="0"/>
+              </a:rPr>
+              <a:t>.</a:t>
             </a:r>
           </a:p>
         </p:txBody>
@@ -8372,6 +11045,4355 @@
     <p:extLst>
       <p:ext uri="{BB962C8B-B14F-4D97-AF65-F5344CB8AC3E}">
         <p14:creationId xmlns:p14="http://schemas.microsoft.com/office/powerpoint/2010/main" val="1233021334"/>
+      </p:ext>
+    </p:extLst>
+  </p:cSld>
+  <p:clrMapOvr>
+    <a:masterClrMapping/>
+  </p:clrMapOvr>
+</p:sld>
+</file>
+
+<file path=ppt/slides/slide12.xml><?xml version="1.0" encoding="utf-8"?>
+<p:sld xmlns:a="http://schemas.openxmlformats.org/drawingml/2006/main" xmlns:r="http://schemas.openxmlformats.org/officeDocument/2006/relationships" xmlns:p="http://schemas.openxmlformats.org/presentationml/2006/main">
+  <p:cSld>
+    <p:spTree>
+      <p:nvGrpSpPr>
+        <p:cNvPr id="1" name=""/>
+        <p:cNvGrpSpPr/>
+        <p:nvPr/>
+      </p:nvGrpSpPr>
+      <p:grpSpPr>
+        <a:xfrm>
+          <a:off x="0" y="0"/>
+          <a:ext cx="0" cy="0"/>
+          <a:chOff x="0" y="0"/>
+          <a:chExt cx="0" cy="0"/>
+        </a:xfrm>
+      </p:grpSpPr>
+      <p:sp>
+        <p:nvSpPr>
+          <p:cNvPr id="2" name="Title 1">
+            <a:extLst>
+              <a:ext uri="{FF2B5EF4-FFF2-40B4-BE49-F238E27FC236}">
+                <a16:creationId xmlns:a16="http://schemas.microsoft.com/office/drawing/2014/main" id="{2D4E4121-CDC8-41BA-846E-58655BA90FCF}"/>
+              </a:ext>
+            </a:extLst>
+          </p:cNvPr>
+          <p:cNvSpPr>
+            <a:spLocks noGrp="1"/>
+          </p:cNvSpPr>
+          <p:nvPr>
+            <p:ph type="ctrTitle"/>
+          </p:nvPr>
+        </p:nvSpPr>
+        <p:spPr>
+          <a:xfrm>
+            <a:off x="1507067" y="345351"/>
+            <a:ext cx="7766936" cy="970133"/>
+          </a:xfrm>
+        </p:spPr>
+        <p:txBody>
+          <a:bodyPr/>
+          <a:lstStyle/>
+          <a:p>
+            <a:pPr algn="l"/>
+            <a:r>
+              <a:rPr lang="en-US" dirty="0">
+                <a:solidFill>
+                  <a:schemeClr val="tx1">
+                    <a:lumMod val="85000"/>
+                    <a:lumOff val="15000"/>
+                  </a:schemeClr>
+                </a:solidFill>
+                <a:latin typeface="Segoe UI" panose="020B0502040204020203" pitchFamily="34" charset="0"/>
+                <a:cs typeface="Segoe UI" panose="020B0502040204020203" pitchFamily="34" charset="0"/>
+              </a:rPr>
+              <a:t>JS| </a:t>
+            </a:r>
+            <a:r>
+              <a:rPr lang="en-US" sz="3200" b="1" dirty="0">
+                <a:solidFill>
+                  <a:schemeClr val="tx1">
+                    <a:lumMod val="85000"/>
+                    <a:lumOff val="15000"/>
+                  </a:schemeClr>
+                </a:solidFill>
+                <a:latin typeface="Segoe UI" panose="020B0502040204020203" pitchFamily="34" charset="0"/>
+                <a:cs typeface="Segoe UI" panose="020B0502040204020203" pitchFamily="34" charset="0"/>
+              </a:rPr>
+              <a:t>The Constructor Property</a:t>
+            </a:r>
+            <a:endParaRPr lang="en-US" b="1" dirty="0">
+              <a:solidFill>
+                <a:schemeClr val="tx1">
+                  <a:lumMod val="85000"/>
+                  <a:lumOff val="15000"/>
+                </a:schemeClr>
+              </a:solidFill>
+              <a:latin typeface="Segoe UI" panose="020B0502040204020203" pitchFamily="34" charset="0"/>
+              <a:cs typeface="Segoe UI" panose="020B0502040204020203" pitchFamily="34" charset="0"/>
+            </a:endParaRPr>
+          </a:p>
+        </p:txBody>
+      </p:sp>
+      <p:sp>
+        <p:nvSpPr>
+          <p:cNvPr id="3" name="TextBox 2">
+            <a:extLst>
+              <a:ext uri="{FF2B5EF4-FFF2-40B4-BE49-F238E27FC236}">
+                <a16:creationId xmlns:a16="http://schemas.microsoft.com/office/drawing/2014/main" id="{C895C44F-686B-467A-B89F-FA4A0CDDDA49}"/>
+              </a:ext>
+            </a:extLst>
+          </p:cNvPr>
+          <p:cNvSpPr txBox="1"/>
+          <p:nvPr/>
+        </p:nvSpPr>
+        <p:spPr>
+          <a:xfrm>
+            <a:off x="1605106" y="1616879"/>
+            <a:ext cx="9391548" cy="830997"/>
+          </a:xfrm>
+          <a:prstGeom prst="rect">
+            <a:avLst/>
+          </a:prstGeom>
+          <a:solidFill>
+            <a:schemeClr val="accent1">
+              <a:lumMod val="40000"/>
+              <a:lumOff val="60000"/>
+            </a:schemeClr>
+          </a:solidFill>
+          <a:ln w="57150">
+            <a:solidFill>
+              <a:srgbClr val="0070C0"/>
+            </a:solidFill>
+          </a:ln>
+        </p:spPr>
+        <p:txBody>
+          <a:bodyPr wrap="square" rtlCol="0">
+            <a:spAutoFit/>
+          </a:bodyPr>
+          <a:lstStyle/>
+          <a:p>
+            <a:pPr algn="just"/>
+            <a:r>
+              <a:rPr lang="en-US" sz="1600" dirty="0">
+                <a:latin typeface="Segoe UI" panose="020B0502040204020203" pitchFamily="34" charset="0"/>
+                <a:cs typeface="Segoe UI" panose="020B0502040204020203" pitchFamily="34" charset="0"/>
+              </a:rPr>
+              <a:t>Every regular JavaScript function automatically has a </a:t>
+            </a:r>
+            <a:r>
+              <a:rPr lang="en-US" sz="1600" b="1" dirty="0">
+                <a:latin typeface="Segoe UI" panose="020B0502040204020203" pitchFamily="34" charset="0"/>
+                <a:cs typeface="Segoe UI" panose="020B0502040204020203" pitchFamily="34" charset="0"/>
+              </a:rPr>
+              <a:t>prototype property</a:t>
+            </a:r>
+            <a:r>
+              <a:rPr lang="en-US" sz="1600" dirty="0">
+                <a:latin typeface="Segoe UI" panose="020B0502040204020203" pitchFamily="34" charset="0"/>
+                <a:cs typeface="Segoe UI" panose="020B0502040204020203" pitchFamily="34" charset="0"/>
+              </a:rPr>
+              <a:t>. </a:t>
+            </a:r>
+          </a:p>
+          <a:p>
+            <a:pPr algn="just"/>
+            <a:r>
+              <a:rPr lang="en-US" sz="1600" dirty="0">
+                <a:latin typeface="Segoe UI" panose="020B0502040204020203" pitchFamily="34" charset="0"/>
+                <a:cs typeface="Segoe UI" panose="020B0502040204020203" pitchFamily="34" charset="0"/>
+              </a:rPr>
+              <a:t>The </a:t>
+            </a:r>
+            <a:r>
+              <a:rPr lang="en-US" sz="1600" b="1" dirty="0">
+                <a:latin typeface="Segoe UI" panose="020B0502040204020203" pitchFamily="34" charset="0"/>
+                <a:cs typeface="Segoe UI" panose="020B0502040204020203" pitchFamily="34" charset="0"/>
+              </a:rPr>
+              <a:t>value</a:t>
+            </a:r>
+            <a:r>
+              <a:rPr lang="en-US" sz="1600" dirty="0">
+                <a:latin typeface="Segoe UI" panose="020B0502040204020203" pitchFamily="34" charset="0"/>
+                <a:cs typeface="Segoe UI" panose="020B0502040204020203" pitchFamily="34" charset="0"/>
+              </a:rPr>
+              <a:t> of this property is an </a:t>
+            </a:r>
+            <a:r>
+              <a:rPr lang="en-US" sz="1600" b="1" dirty="0">
+                <a:latin typeface="Segoe UI" panose="020B0502040204020203" pitchFamily="34" charset="0"/>
+                <a:cs typeface="Segoe UI" panose="020B0502040204020203" pitchFamily="34" charset="0"/>
+              </a:rPr>
+              <a:t>object</a:t>
+            </a:r>
+            <a:r>
+              <a:rPr lang="en-US" sz="1600" dirty="0">
+                <a:latin typeface="Segoe UI" panose="020B0502040204020203" pitchFamily="34" charset="0"/>
+                <a:cs typeface="Segoe UI" panose="020B0502040204020203" pitchFamily="34" charset="0"/>
+              </a:rPr>
+              <a:t> that has a </a:t>
+            </a:r>
+            <a:r>
+              <a:rPr lang="en-US" sz="1600" b="1" dirty="0">
+                <a:latin typeface="Segoe UI" panose="020B0502040204020203" pitchFamily="34" charset="0"/>
+                <a:cs typeface="Segoe UI" panose="020B0502040204020203" pitchFamily="34" charset="0"/>
+              </a:rPr>
+              <a:t>single</a:t>
+            </a:r>
+            <a:r>
+              <a:rPr lang="en-US" sz="1600" dirty="0">
+                <a:latin typeface="Segoe UI" panose="020B0502040204020203" pitchFamily="34" charset="0"/>
+                <a:cs typeface="Segoe UI" panose="020B0502040204020203" pitchFamily="34" charset="0"/>
+              </a:rPr>
+              <a:t>, </a:t>
+            </a:r>
+            <a:r>
+              <a:rPr lang="en-US" sz="1600" b="1" dirty="0">
+                <a:latin typeface="Segoe UI" panose="020B0502040204020203" pitchFamily="34" charset="0"/>
+                <a:cs typeface="Segoe UI" panose="020B0502040204020203" pitchFamily="34" charset="0"/>
+              </a:rPr>
+              <a:t>non-enumerable</a:t>
+            </a:r>
+            <a:r>
+              <a:rPr lang="en-US" sz="1600" dirty="0">
+                <a:latin typeface="Segoe UI" panose="020B0502040204020203" pitchFamily="34" charset="0"/>
+                <a:cs typeface="Segoe UI" panose="020B0502040204020203" pitchFamily="34" charset="0"/>
+              </a:rPr>
+              <a:t> </a:t>
+            </a:r>
+            <a:r>
+              <a:rPr lang="en-US" sz="1600" b="1" dirty="0">
+                <a:solidFill>
+                  <a:srgbClr val="C00000"/>
+                </a:solidFill>
+                <a:latin typeface="Segoe UI" panose="020B0502040204020203" pitchFamily="34" charset="0"/>
+                <a:cs typeface="Segoe UI" panose="020B0502040204020203" pitchFamily="34" charset="0"/>
+              </a:rPr>
+              <a:t>constructor property</a:t>
+            </a:r>
+            <a:r>
+              <a:rPr lang="en-US" sz="1600" dirty="0">
+                <a:latin typeface="Segoe UI" panose="020B0502040204020203" pitchFamily="34" charset="0"/>
+                <a:cs typeface="Segoe UI" panose="020B0502040204020203" pitchFamily="34" charset="0"/>
+              </a:rPr>
+              <a:t>. </a:t>
+            </a:r>
+          </a:p>
+          <a:p>
+            <a:pPr algn="just"/>
+            <a:r>
+              <a:rPr lang="en-US" sz="1600" dirty="0">
+                <a:latin typeface="Segoe UI" panose="020B0502040204020203" pitchFamily="34" charset="0"/>
+                <a:cs typeface="Segoe UI" panose="020B0502040204020203" pitchFamily="34" charset="0"/>
+              </a:rPr>
+              <a:t>The value of the constructor property is the </a:t>
+            </a:r>
+            <a:r>
+              <a:rPr lang="en-US" sz="1600" b="1" dirty="0">
+                <a:latin typeface="Segoe UI" panose="020B0502040204020203" pitchFamily="34" charset="0"/>
+                <a:cs typeface="Segoe UI" panose="020B0502040204020203" pitchFamily="34" charset="0"/>
+              </a:rPr>
+              <a:t>function object</a:t>
+            </a:r>
+            <a:r>
+              <a:rPr lang="en-US" sz="1600" dirty="0">
+                <a:latin typeface="Segoe UI" panose="020B0502040204020203" pitchFamily="34" charset="0"/>
+                <a:cs typeface="Segoe UI" panose="020B0502040204020203" pitchFamily="34" charset="0"/>
+              </a:rPr>
+              <a:t>.</a:t>
+            </a:r>
+          </a:p>
+        </p:txBody>
+      </p:sp>
+      <p:sp>
+        <p:nvSpPr>
+          <p:cNvPr id="9" name="TextBox 8">
+            <a:extLst>
+              <a:ext uri="{FF2B5EF4-FFF2-40B4-BE49-F238E27FC236}">
+                <a16:creationId xmlns:a16="http://schemas.microsoft.com/office/drawing/2014/main" id="{EA255C31-EE4D-4574-B40B-6FEC2EAECB20}"/>
+              </a:ext>
+            </a:extLst>
+          </p:cNvPr>
+          <p:cNvSpPr txBox="1"/>
+          <p:nvPr/>
+        </p:nvSpPr>
+        <p:spPr>
+          <a:xfrm>
+            <a:off x="2379819" y="2749271"/>
+            <a:ext cx="7696336" cy="1077218"/>
+          </a:xfrm>
+          <a:prstGeom prst="rect">
+            <a:avLst/>
+          </a:prstGeom>
+          <a:noFill/>
+          <a:ln w="57150">
+            <a:solidFill>
+              <a:srgbClr val="0070C0"/>
+            </a:solidFill>
+          </a:ln>
+        </p:spPr>
+        <p:txBody>
+          <a:bodyPr wrap="square">
+            <a:spAutoFit/>
+          </a:bodyPr>
+          <a:lstStyle/>
+          <a:p>
+            <a:r>
+              <a:rPr lang="en-US" sz="1600" dirty="0">
+                <a:latin typeface="Segoe UI" panose="020B0502040204020203" pitchFamily="34" charset="0"/>
+                <a:cs typeface="Segoe UI" panose="020B0502040204020203" pitchFamily="34" charset="0"/>
+              </a:rPr>
+              <a:t>let </a:t>
+            </a:r>
+            <a:r>
+              <a:rPr lang="en-US" sz="1600" b="1" dirty="0">
+                <a:solidFill>
+                  <a:srgbClr val="0070C0"/>
+                </a:solidFill>
+                <a:latin typeface="Segoe UI" panose="020B0502040204020203" pitchFamily="34" charset="0"/>
+                <a:cs typeface="Segoe UI" panose="020B0502040204020203" pitchFamily="34" charset="0"/>
+              </a:rPr>
+              <a:t>F</a:t>
+            </a:r>
+            <a:r>
+              <a:rPr lang="en-US" sz="1600" dirty="0">
+                <a:latin typeface="Segoe UI" panose="020B0502040204020203" pitchFamily="34" charset="0"/>
+                <a:cs typeface="Segoe UI" panose="020B0502040204020203" pitchFamily="34" charset="0"/>
+              </a:rPr>
+              <a:t> = function() {};		</a:t>
+            </a:r>
+            <a:r>
+              <a:rPr lang="en-US" sz="1600" dirty="0">
+                <a:solidFill>
+                  <a:srgbClr val="00B050"/>
+                </a:solidFill>
+                <a:latin typeface="Segoe UI" panose="020B0502040204020203" pitchFamily="34" charset="0"/>
+                <a:cs typeface="Segoe UI" panose="020B0502040204020203" pitchFamily="34" charset="0"/>
+              </a:rPr>
+              <a:t>// This is a function object. </a:t>
+            </a:r>
+          </a:p>
+          <a:p>
+            <a:r>
+              <a:rPr lang="en-US" sz="1600" dirty="0">
+                <a:latin typeface="Segoe UI" panose="020B0502040204020203" pitchFamily="34" charset="0"/>
+                <a:cs typeface="Segoe UI" panose="020B0502040204020203" pitchFamily="34" charset="0"/>
+              </a:rPr>
+              <a:t>let </a:t>
+            </a:r>
+            <a:r>
+              <a:rPr lang="en-US" sz="1600" b="1" dirty="0">
+                <a:solidFill>
+                  <a:srgbClr val="FFC000"/>
+                </a:solidFill>
+                <a:latin typeface="Segoe UI" panose="020B0502040204020203" pitchFamily="34" charset="0"/>
+                <a:cs typeface="Segoe UI" panose="020B0502040204020203" pitchFamily="34" charset="0"/>
+              </a:rPr>
+              <a:t>p</a:t>
+            </a:r>
+            <a:r>
+              <a:rPr lang="en-US" sz="1600" dirty="0">
+                <a:latin typeface="Segoe UI" panose="020B0502040204020203" pitchFamily="34" charset="0"/>
+                <a:cs typeface="Segoe UI" panose="020B0502040204020203" pitchFamily="34" charset="0"/>
+              </a:rPr>
+              <a:t> = </a:t>
+            </a:r>
+            <a:r>
+              <a:rPr lang="en-US" sz="1600" b="1" dirty="0" err="1">
+                <a:solidFill>
+                  <a:srgbClr val="0070C0"/>
+                </a:solidFill>
+                <a:latin typeface="Segoe UI" panose="020B0502040204020203" pitchFamily="34" charset="0"/>
+                <a:cs typeface="Segoe UI" panose="020B0502040204020203" pitchFamily="34" charset="0"/>
+              </a:rPr>
+              <a:t>F</a:t>
+            </a:r>
+            <a:r>
+              <a:rPr lang="en-US" sz="1600" dirty="0" err="1">
+                <a:latin typeface="Segoe UI" panose="020B0502040204020203" pitchFamily="34" charset="0"/>
+                <a:cs typeface="Segoe UI" panose="020B0502040204020203" pitchFamily="34" charset="0"/>
+              </a:rPr>
+              <a:t>.</a:t>
+            </a:r>
+            <a:r>
+              <a:rPr lang="en-US" sz="1600" b="1" dirty="0" err="1">
+                <a:latin typeface="Segoe UI" panose="020B0502040204020203" pitchFamily="34" charset="0"/>
+                <a:cs typeface="Segoe UI" panose="020B0502040204020203" pitchFamily="34" charset="0"/>
+              </a:rPr>
+              <a:t>prototype</a:t>
+            </a:r>
+            <a:r>
+              <a:rPr lang="en-US" sz="1600" dirty="0">
+                <a:latin typeface="Segoe UI" panose="020B0502040204020203" pitchFamily="34" charset="0"/>
+                <a:cs typeface="Segoe UI" panose="020B0502040204020203" pitchFamily="34" charset="0"/>
+              </a:rPr>
+              <a:t>; 	</a:t>
+            </a:r>
+            <a:r>
+              <a:rPr lang="en-US" sz="1600" dirty="0">
+                <a:solidFill>
+                  <a:srgbClr val="00B050"/>
+                </a:solidFill>
+                <a:latin typeface="Segoe UI" panose="020B0502040204020203" pitchFamily="34" charset="0"/>
+                <a:cs typeface="Segoe UI" panose="020B0502040204020203" pitchFamily="34" charset="0"/>
+              </a:rPr>
+              <a:t>// This is the </a:t>
+            </a:r>
+            <a:r>
+              <a:rPr lang="en-US" sz="1600" b="1" dirty="0">
+                <a:latin typeface="Segoe UI" panose="020B0502040204020203" pitchFamily="34" charset="0"/>
+                <a:cs typeface="Segoe UI" panose="020B0502040204020203" pitchFamily="34" charset="0"/>
+              </a:rPr>
+              <a:t>prototype</a:t>
+            </a:r>
+            <a:r>
+              <a:rPr lang="en-US" sz="1600" dirty="0">
+                <a:solidFill>
+                  <a:srgbClr val="00B050"/>
+                </a:solidFill>
+                <a:latin typeface="Segoe UI" panose="020B0502040204020203" pitchFamily="34" charset="0"/>
+                <a:cs typeface="Segoe UI" panose="020B0502040204020203" pitchFamily="34" charset="0"/>
+              </a:rPr>
+              <a:t> object associated with </a:t>
+            </a:r>
+            <a:r>
+              <a:rPr lang="en-US" sz="1600" b="1" dirty="0">
+                <a:solidFill>
+                  <a:srgbClr val="0070C0"/>
+                </a:solidFill>
+                <a:latin typeface="Segoe UI" panose="020B0502040204020203" pitchFamily="34" charset="0"/>
+                <a:cs typeface="Segoe UI" panose="020B0502040204020203" pitchFamily="34" charset="0"/>
+              </a:rPr>
+              <a:t>F</a:t>
+            </a:r>
+            <a:r>
+              <a:rPr lang="en-US" sz="1600" dirty="0">
+                <a:solidFill>
+                  <a:srgbClr val="00B050"/>
+                </a:solidFill>
+                <a:latin typeface="Segoe UI" panose="020B0502040204020203" pitchFamily="34" charset="0"/>
+                <a:cs typeface="Segoe UI" panose="020B0502040204020203" pitchFamily="34" charset="0"/>
+              </a:rPr>
+              <a:t>.</a:t>
+            </a:r>
+          </a:p>
+          <a:p>
+            <a:r>
+              <a:rPr lang="en-US" sz="1600" dirty="0">
+                <a:latin typeface="Segoe UI" panose="020B0502040204020203" pitchFamily="34" charset="0"/>
+                <a:cs typeface="Segoe UI" panose="020B0502040204020203" pitchFamily="34" charset="0"/>
+              </a:rPr>
+              <a:t>let </a:t>
+            </a:r>
+            <a:r>
+              <a:rPr lang="en-US" sz="1600" b="1" dirty="0">
+                <a:solidFill>
+                  <a:srgbClr val="C00000"/>
+                </a:solidFill>
+                <a:latin typeface="Segoe UI" panose="020B0502040204020203" pitchFamily="34" charset="0"/>
+                <a:cs typeface="Segoe UI" panose="020B0502040204020203" pitchFamily="34" charset="0"/>
+              </a:rPr>
+              <a:t>c</a:t>
+            </a:r>
+            <a:r>
+              <a:rPr lang="en-US" sz="1600" dirty="0">
+                <a:latin typeface="Segoe UI" panose="020B0502040204020203" pitchFamily="34" charset="0"/>
+                <a:cs typeface="Segoe UI" panose="020B0502040204020203" pitchFamily="34" charset="0"/>
+              </a:rPr>
+              <a:t> = </a:t>
+            </a:r>
+            <a:r>
+              <a:rPr lang="en-US" sz="1600" b="1" dirty="0" err="1">
+                <a:solidFill>
+                  <a:srgbClr val="FFC000"/>
+                </a:solidFill>
+                <a:latin typeface="Segoe UI" panose="020B0502040204020203" pitchFamily="34" charset="0"/>
+                <a:cs typeface="Segoe UI" panose="020B0502040204020203" pitchFamily="34" charset="0"/>
+              </a:rPr>
+              <a:t>p</a:t>
+            </a:r>
+            <a:r>
+              <a:rPr lang="en-US" sz="1600" dirty="0" err="1">
+                <a:latin typeface="Segoe UI" panose="020B0502040204020203" pitchFamily="34" charset="0"/>
+                <a:cs typeface="Segoe UI" panose="020B0502040204020203" pitchFamily="34" charset="0"/>
+              </a:rPr>
+              <a:t>.</a:t>
+            </a:r>
+            <a:r>
+              <a:rPr lang="en-US" sz="1600" b="1" dirty="0" err="1">
+                <a:solidFill>
+                  <a:srgbClr val="7030A0"/>
+                </a:solidFill>
+                <a:latin typeface="Segoe UI" panose="020B0502040204020203" pitchFamily="34" charset="0"/>
+                <a:cs typeface="Segoe UI" panose="020B0502040204020203" pitchFamily="34" charset="0"/>
+              </a:rPr>
+              <a:t>constructor</a:t>
+            </a:r>
+            <a:r>
+              <a:rPr lang="en-US" sz="1600" dirty="0">
+                <a:latin typeface="Segoe UI" panose="020B0502040204020203" pitchFamily="34" charset="0"/>
+                <a:cs typeface="Segoe UI" panose="020B0502040204020203" pitchFamily="34" charset="0"/>
+              </a:rPr>
+              <a:t>; 	</a:t>
+            </a:r>
+            <a:r>
+              <a:rPr lang="en-US" sz="1600" dirty="0">
+                <a:solidFill>
+                  <a:srgbClr val="00B050"/>
+                </a:solidFill>
+                <a:latin typeface="Segoe UI" panose="020B0502040204020203" pitchFamily="34" charset="0"/>
+                <a:cs typeface="Segoe UI" panose="020B0502040204020203" pitchFamily="34" charset="0"/>
+              </a:rPr>
+              <a:t>// This is the function associated with the prototype. </a:t>
+            </a:r>
+          </a:p>
+          <a:p>
+            <a:r>
+              <a:rPr lang="en-US" sz="1600" b="1" dirty="0">
+                <a:solidFill>
+                  <a:srgbClr val="C00000"/>
+                </a:solidFill>
+                <a:latin typeface="Segoe UI" panose="020B0502040204020203" pitchFamily="34" charset="0"/>
+                <a:cs typeface="Segoe UI" panose="020B0502040204020203" pitchFamily="34" charset="0"/>
+              </a:rPr>
+              <a:t>c</a:t>
+            </a:r>
+            <a:r>
+              <a:rPr lang="en-US" sz="1600" dirty="0">
+                <a:latin typeface="Segoe UI" panose="020B0502040204020203" pitchFamily="34" charset="0"/>
+                <a:cs typeface="Segoe UI" panose="020B0502040204020203" pitchFamily="34" charset="0"/>
+              </a:rPr>
+              <a:t> === </a:t>
+            </a:r>
+            <a:r>
+              <a:rPr lang="en-US" sz="1600" b="1" dirty="0">
+                <a:solidFill>
+                  <a:srgbClr val="0070C0"/>
+                </a:solidFill>
+                <a:latin typeface="Segoe UI" panose="020B0502040204020203" pitchFamily="34" charset="0"/>
+                <a:cs typeface="Segoe UI" panose="020B0502040204020203" pitchFamily="34" charset="0"/>
+              </a:rPr>
+              <a:t>F</a:t>
+            </a:r>
+            <a:r>
+              <a:rPr lang="en-US" sz="1600" dirty="0">
+                <a:latin typeface="Segoe UI" panose="020B0502040204020203" pitchFamily="34" charset="0"/>
+                <a:cs typeface="Segoe UI" panose="020B0502040204020203" pitchFamily="34" charset="0"/>
+              </a:rPr>
+              <a:t> 				</a:t>
+            </a:r>
+            <a:r>
+              <a:rPr lang="en-US" sz="1600" dirty="0">
+                <a:solidFill>
+                  <a:srgbClr val="00B050"/>
+                </a:solidFill>
+                <a:latin typeface="Segoe UI" panose="020B0502040204020203" pitchFamily="34" charset="0"/>
+                <a:cs typeface="Segoe UI" panose="020B0502040204020203" pitchFamily="34" charset="0"/>
+              </a:rPr>
+              <a:t>// = &gt; true: </a:t>
+            </a:r>
+            <a:r>
+              <a:rPr lang="en-US" sz="1600" b="1" dirty="0" err="1">
+                <a:solidFill>
+                  <a:srgbClr val="0070C0"/>
+                </a:solidFill>
+                <a:latin typeface="Segoe UI" panose="020B0502040204020203" pitchFamily="34" charset="0"/>
+                <a:cs typeface="Segoe UI" panose="020B0502040204020203" pitchFamily="34" charset="0"/>
+              </a:rPr>
+              <a:t>F</a:t>
+            </a:r>
+            <a:r>
+              <a:rPr lang="en-US" sz="1600" dirty="0" err="1">
+                <a:solidFill>
+                  <a:srgbClr val="00B050"/>
+                </a:solidFill>
+                <a:latin typeface="Segoe UI" panose="020B0502040204020203" pitchFamily="34" charset="0"/>
+                <a:cs typeface="Segoe UI" panose="020B0502040204020203" pitchFamily="34" charset="0"/>
+              </a:rPr>
+              <a:t>.</a:t>
+            </a:r>
+            <a:r>
+              <a:rPr lang="en-US" sz="1600" b="1" dirty="0" err="1">
+                <a:latin typeface="Segoe UI" panose="020B0502040204020203" pitchFamily="34" charset="0"/>
+                <a:cs typeface="Segoe UI" panose="020B0502040204020203" pitchFamily="34" charset="0"/>
+              </a:rPr>
+              <a:t>prototype</a:t>
+            </a:r>
+            <a:r>
+              <a:rPr lang="en-US" sz="1600" dirty="0" err="1">
+                <a:solidFill>
+                  <a:srgbClr val="00B050"/>
+                </a:solidFill>
+                <a:latin typeface="Segoe UI" panose="020B0502040204020203" pitchFamily="34" charset="0"/>
+                <a:cs typeface="Segoe UI" panose="020B0502040204020203" pitchFamily="34" charset="0"/>
+              </a:rPr>
+              <a:t>.</a:t>
+            </a:r>
+            <a:r>
+              <a:rPr lang="en-US" sz="1600" b="1" dirty="0" err="1">
+                <a:solidFill>
+                  <a:srgbClr val="7030A0"/>
+                </a:solidFill>
+                <a:latin typeface="Segoe UI" panose="020B0502040204020203" pitchFamily="34" charset="0"/>
+                <a:cs typeface="Segoe UI" panose="020B0502040204020203" pitchFamily="34" charset="0"/>
+              </a:rPr>
+              <a:t>constructor</a:t>
+            </a:r>
+            <a:r>
+              <a:rPr lang="en-US" sz="1600" dirty="0">
+                <a:solidFill>
+                  <a:srgbClr val="00B050"/>
+                </a:solidFill>
+                <a:latin typeface="Segoe UI" panose="020B0502040204020203" pitchFamily="34" charset="0"/>
+                <a:cs typeface="Segoe UI" panose="020B0502040204020203" pitchFamily="34" charset="0"/>
+              </a:rPr>
+              <a:t> === </a:t>
+            </a:r>
+            <a:r>
+              <a:rPr lang="en-US" sz="1600" b="1" dirty="0">
+                <a:solidFill>
+                  <a:srgbClr val="0070C0"/>
+                </a:solidFill>
+                <a:latin typeface="Segoe UI" panose="020B0502040204020203" pitchFamily="34" charset="0"/>
+                <a:cs typeface="Segoe UI" panose="020B0502040204020203" pitchFamily="34" charset="0"/>
+              </a:rPr>
+              <a:t>F</a:t>
+            </a:r>
+            <a:r>
+              <a:rPr lang="en-US" sz="1600" dirty="0">
+                <a:solidFill>
+                  <a:srgbClr val="00B050"/>
+                </a:solidFill>
+                <a:latin typeface="Segoe UI" panose="020B0502040204020203" pitchFamily="34" charset="0"/>
+                <a:cs typeface="Segoe UI" panose="020B0502040204020203" pitchFamily="34" charset="0"/>
+              </a:rPr>
+              <a:t> for any </a:t>
+            </a:r>
+            <a:r>
+              <a:rPr lang="en-US" sz="1600" b="1" dirty="0">
+                <a:solidFill>
+                  <a:srgbClr val="0070C0"/>
+                </a:solidFill>
+                <a:latin typeface="Segoe UI" panose="020B0502040204020203" pitchFamily="34" charset="0"/>
+                <a:cs typeface="Segoe UI" panose="020B0502040204020203" pitchFamily="34" charset="0"/>
+              </a:rPr>
+              <a:t>F</a:t>
+            </a:r>
+            <a:r>
+              <a:rPr lang="en-US" sz="1600" dirty="0">
+                <a:solidFill>
+                  <a:srgbClr val="00B050"/>
+                </a:solidFill>
+                <a:latin typeface="Segoe UI" panose="020B0502040204020203" pitchFamily="34" charset="0"/>
+                <a:cs typeface="Segoe UI" panose="020B0502040204020203" pitchFamily="34" charset="0"/>
+              </a:rPr>
+              <a:t> </a:t>
+            </a:r>
+          </a:p>
+        </p:txBody>
+      </p:sp>
+      <p:sp>
+        <p:nvSpPr>
+          <p:cNvPr id="13" name="TextBox 12">
+            <a:extLst>
+              <a:ext uri="{FF2B5EF4-FFF2-40B4-BE49-F238E27FC236}">
+                <a16:creationId xmlns:a16="http://schemas.microsoft.com/office/drawing/2014/main" id="{7E404BA7-FD35-430B-BC0C-024B997C51CC}"/>
+              </a:ext>
+            </a:extLst>
+          </p:cNvPr>
+          <p:cNvSpPr txBox="1"/>
+          <p:nvPr/>
+        </p:nvSpPr>
+        <p:spPr>
+          <a:xfrm>
+            <a:off x="1507066" y="4127884"/>
+            <a:ext cx="9489587" cy="1323439"/>
+          </a:xfrm>
+          <a:prstGeom prst="rect">
+            <a:avLst/>
+          </a:prstGeom>
+          <a:solidFill>
+            <a:schemeClr val="accent3">
+              <a:lumMod val="60000"/>
+              <a:lumOff val="40000"/>
+            </a:schemeClr>
+          </a:solidFill>
+          <a:ln w="57150">
+            <a:solidFill>
+              <a:srgbClr val="00B050"/>
+            </a:solidFill>
+          </a:ln>
+        </p:spPr>
+        <p:txBody>
+          <a:bodyPr wrap="square">
+            <a:spAutoFit/>
+          </a:bodyPr>
+          <a:lstStyle/>
+          <a:p>
+            <a:r>
+              <a:rPr lang="en-US" sz="1600" dirty="0">
+                <a:latin typeface="Segoe UI" panose="020B0502040204020203" pitchFamily="34" charset="0"/>
+                <a:cs typeface="Segoe UI" panose="020B0502040204020203" pitchFamily="34" charset="0"/>
+              </a:rPr>
+              <a:t>The existence of this predefined </a:t>
+            </a:r>
+            <a:r>
+              <a:rPr lang="en-US" sz="1600" b="1" dirty="0">
+                <a:latin typeface="Segoe UI" panose="020B0502040204020203" pitchFamily="34" charset="0"/>
+                <a:cs typeface="Segoe UI" panose="020B0502040204020203" pitchFamily="34" charset="0"/>
+              </a:rPr>
+              <a:t>prototype</a:t>
+            </a:r>
+            <a:r>
+              <a:rPr lang="en-US" sz="1600" dirty="0">
+                <a:latin typeface="Segoe UI" panose="020B0502040204020203" pitchFamily="34" charset="0"/>
+                <a:cs typeface="Segoe UI" panose="020B0502040204020203" pitchFamily="34" charset="0"/>
+              </a:rPr>
+              <a:t> </a:t>
+            </a:r>
+            <a:r>
+              <a:rPr lang="en-US" sz="1600" b="1" dirty="0">
+                <a:latin typeface="Segoe UI" panose="020B0502040204020203" pitchFamily="34" charset="0"/>
+                <a:cs typeface="Segoe UI" panose="020B0502040204020203" pitchFamily="34" charset="0"/>
+              </a:rPr>
+              <a:t>object</a:t>
+            </a:r>
+            <a:r>
+              <a:rPr lang="en-US" sz="1600" dirty="0">
+                <a:latin typeface="Segoe UI" panose="020B0502040204020203" pitchFamily="34" charset="0"/>
+                <a:cs typeface="Segoe UI" panose="020B0502040204020203" pitchFamily="34" charset="0"/>
+              </a:rPr>
+              <a:t> with its </a:t>
+            </a:r>
+            <a:r>
+              <a:rPr lang="en-US" sz="1600" b="1" dirty="0">
+                <a:latin typeface="Segoe UI" panose="020B0502040204020203" pitchFamily="34" charset="0"/>
+                <a:cs typeface="Segoe UI" panose="020B0502040204020203" pitchFamily="34" charset="0"/>
+              </a:rPr>
+              <a:t>constructor</a:t>
+            </a:r>
+            <a:r>
+              <a:rPr lang="en-US" sz="1600" dirty="0">
+                <a:latin typeface="Segoe UI" panose="020B0502040204020203" pitchFamily="34" charset="0"/>
+                <a:cs typeface="Segoe UI" panose="020B0502040204020203" pitchFamily="34" charset="0"/>
+              </a:rPr>
+              <a:t> </a:t>
+            </a:r>
+            <a:r>
+              <a:rPr lang="en-US" sz="1600" b="1" dirty="0">
+                <a:latin typeface="Segoe UI" panose="020B0502040204020203" pitchFamily="34" charset="0"/>
+                <a:cs typeface="Segoe UI" panose="020B0502040204020203" pitchFamily="34" charset="0"/>
+              </a:rPr>
+              <a:t>property</a:t>
+            </a:r>
+            <a:r>
+              <a:rPr lang="en-US" sz="1600" dirty="0">
+                <a:latin typeface="Segoe UI" panose="020B0502040204020203" pitchFamily="34" charset="0"/>
+                <a:cs typeface="Segoe UI" panose="020B0502040204020203" pitchFamily="34" charset="0"/>
+              </a:rPr>
+              <a:t> means that objects typically </a:t>
+            </a:r>
+            <a:r>
+              <a:rPr lang="en-US" sz="1600" b="1" dirty="0">
+                <a:latin typeface="Segoe UI" panose="020B0502040204020203" pitchFamily="34" charset="0"/>
+                <a:cs typeface="Segoe UI" panose="020B0502040204020203" pitchFamily="34" charset="0"/>
+              </a:rPr>
+              <a:t>inherit</a:t>
+            </a:r>
+            <a:r>
+              <a:rPr lang="en-US" sz="1600" dirty="0">
+                <a:latin typeface="Segoe UI" panose="020B0502040204020203" pitchFamily="34" charset="0"/>
+                <a:cs typeface="Segoe UI" panose="020B0502040204020203" pitchFamily="34" charset="0"/>
+              </a:rPr>
+              <a:t> a </a:t>
+            </a:r>
+            <a:r>
+              <a:rPr lang="en-US" sz="1600" b="1" dirty="0">
+                <a:latin typeface="Segoe UI" panose="020B0502040204020203" pitchFamily="34" charset="0"/>
+                <a:cs typeface="Segoe UI" panose="020B0502040204020203" pitchFamily="34" charset="0"/>
+              </a:rPr>
+              <a:t>constructor</a:t>
+            </a:r>
+            <a:r>
+              <a:rPr lang="en-US" sz="1600" dirty="0">
+                <a:latin typeface="Segoe UI" panose="020B0502040204020203" pitchFamily="34" charset="0"/>
+                <a:cs typeface="Segoe UI" panose="020B0502040204020203" pitchFamily="34" charset="0"/>
+              </a:rPr>
+              <a:t> </a:t>
+            </a:r>
+            <a:r>
+              <a:rPr lang="en-US" sz="1600" b="1" dirty="0">
+                <a:latin typeface="Segoe UI" panose="020B0502040204020203" pitchFamily="34" charset="0"/>
+                <a:cs typeface="Segoe UI" panose="020B0502040204020203" pitchFamily="34" charset="0"/>
+              </a:rPr>
+              <a:t>property</a:t>
+            </a:r>
+            <a:r>
+              <a:rPr lang="en-US" sz="1600" dirty="0">
+                <a:latin typeface="Segoe UI" panose="020B0502040204020203" pitchFamily="34" charset="0"/>
+                <a:cs typeface="Segoe UI" panose="020B0502040204020203" pitchFamily="34" charset="0"/>
+              </a:rPr>
+              <a:t> that refers to their constructor. </a:t>
+            </a:r>
+          </a:p>
+          <a:p>
+            <a:endParaRPr lang="en-US" sz="1600" dirty="0">
+              <a:latin typeface="Segoe UI" panose="020B0502040204020203" pitchFamily="34" charset="0"/>
+              <a:cs typeface="Segoe UI" panose="020B0502040204020203" pitchFamily="34" charset="0"/>
+            </a:endParaRPr>
+          </a:p>
+          <a:p>
+            <a:r>
+              <a:rPr lang="en-US" sz="1600" dirty="0">
+                <a:latin typeface="Segoe UI" panose="020B0502040204020203" pitchFamily="34" charset="0"/>
+                <a:cs typeface="Segoe UI" panose="020B0502040204020203" pitchFamily="34" charset="0"/>
+              </a:rPr>
+              <a:t>Since constructors serve as </a:t>
+            </a:r>
+            <a:r>
+              <a:rPr lang="en-US" sz="1600" b="1" dirty="0">
+                <a:latin typeface="Segoe UI" panose="020B0502040204020203" pitchFamily="34" charset="0"/>
+                <a:cs typeface="Segoe UI" panose="020B0502040204020203" pitchFamily="34" charset="0"/>
+              </a:rPr>
+              <a:t>the public identity </a:t>
+            </a:r>
+            <a:r>
+              <a:rPr lang="en-US" sz="1600" dirty="0">
+                <a:latin typeface="Segoe UI" panose="020B0502040204020203" pitchFamily="34" charset="0"/>
+                <a:cs typeface="Segoe UI" panose="020B0502040204020203" pitchFamily="34" charset="0"/>
+              </a:rPr>
+              <a:t>of a class, this constructor property gives the class of an object.</a:t>
+            </a:r>
+          </a:p>
+        </p:txBody>
+      </p:sp>
+      <p:sp>
+        <p:nvSpPr>
+          <p:cNvPr id="14" name="TextBox 13">
+            <a:extLst>
+              <a:ext uri="{FF2B5EF4-FFF2-40B4-BE49-F238E27FC236}">
+                <a16:creationId xmlns:a16="http://schemas.microsoft.com/office/drawing/2014/main" id="{57B4653B-0061-47D2-85B0-51EB1B4C284A}"/>
+              </a:ext>
+            </a:extLst>
+          </p:cNvPr>
+          <p:cNvSpPr txBox="1"/>
+          <p:nvPr/>
+        </p:nvSpPr>
+        <p:spPr>
+          <a:xfrm>
+            <a:off x="2592233" y="5752718"/>
+            <a:ext cx="7417293" cy="584775"/>
+          </a:xfrm>
+          <a:prstGeom prst="rect">
+            <a:avLst/>
+          </a:prstGeom>
+          <a:noFill/>
+          <a:ln w="57150">
+            <a:solidFill>
+              <a:srgbClr val="0070C0"/>
+            </a:solidFill>
+          </a:ln>
+        </p:spPr>
+        <p:txBody>
+          <a:bodyPr wrap="square">
+            <a:spAutoFit/>
+          </a:bodyPr>
+          <a:lstStyle/>
+          <a:p>
+            <a:r>
+              <a:rPr lang="en-US" sz="1600" dirty="0">
+                <a:latin typeface="Segoe UI" panose="020B0502040204020203" pitchFamily="34" charset="0"/>
+                <a:cs typeface="Segoe UI" panose="020B0502040204020203" pitchFamily="34" charset="0"/>
+              </a:rPr>
+              <a:t>let </a:t>
+            </a:r>
+            <a:r>
+              <a:rPr lang="en-US" sz="1600" b="1" dirty="0">
+                <a:solidFill>
+                  <a:srgbClr val="0070C0"/>
+                </a:solidFill>
+                <a:latin typeface="Segoe UI" panose="020B0502040204020203" pitchFamily="34" charset="0"/>
+                <a:cs typeface="Segoe UI" panose="020B0502040204020203" pitchFamily="34" charset="0"/>
+              </a:rPr>
+              <a:t>o</a:t>
+            </a:r>
+            <a:r>
+              <a:rPr lang="en-US" sz="1600" dirty="0">
+                <a:latin typeface="Segoe UI" panose="020B0502040204020203" pitchFamily="34" charset="0"/>
+                <a:cs typeface="Segoe UI" panose="020B0502040204020203" pitchFamily="34" charset="0"/>
+              </a:rPr>
+              <a:t> = new </a:t>
+            </a:r>
+            <a:r>
+              <a:rPr lang="en-US" sz="1600" b="1" dirty="0">
+                <a:solidFill>
+                  <a:srgbClr val="C00000"/>
+                </a:solidFill>
+                <a:latin typeface="Segoe UI" panose="020B0502040204020203" pitchFamily="34" charset="0"/>
+                <a:cs typeface="Segoe UI" panose="020B0502040204020203" pitchFamily="34" charset="0"/>
+              </a:rPr>
+              <a:t>F</a:t>
+            </a:r>
+            <a:r>
+              <a:rPr lang="en-US" sz="1600" dirty="0">
+                <a:latin typeface="Segoe UI" panose="020B0502040204020203" pitchFamily="34" charset="0"/>
+                <a:cs typeface="Segoe UI" panose="020B0502040204020203" pitchFamily="34" charset="0"/>
+              </a:rPr>
+              <a:t>(); 		</a:t>
+            </a:r>
+            <a:r>
+              <a:rPr lang="en-US" sz="1600" dirty="0">
+                <a:solidFill>
+                  <a:srgbClr val="00B050"/>
+                </a:solidFill>
+                <a:latin typeface="Segoe UI" panose="020B0502040204020203" pitchFamily="34" charset="0"/>
+                <a:cs typeface="Segoe UI" panose="020B0502040204020203" pitchFamily="34" charset="0"/>
+              </a:rPr>
+              <a:t>// Create an object o of class </a:t>
+            </a:r>
+            <a:r>
+              <a:rPr lang="en-US" sz="1600" b="1" dirty="0">
+                <a:solidFill>
+                  <a:srgbClr val="C00000"/>
+                </a:solidFill>
+                <a:latin typeface="Segoe UI" panose="020B0502040204020203" pitchFamily="34" charset="0"/>
+                <a:cs typeface="Segoe UI" panose="020B0502040204020203" pitchFamily="34" charset="0"/>
+              </a:rPr>
+              <a:t>F</a:t>
+            </a:r>
+          </a:p>
+          <a:p>
+            <a:r>
+              <a:rPr lang="en-US" sz="1600" b="1" dirty="0" err="1">
+                <a:solidFill>
+                  <a:srgbClr val="0070C0"/>
+                </a:solidFill>
+                <a:latin typeface="Segoe UI" panose="020B0502040204020203" pitchFamily="34" charset="0"/>
+                <a:cs typeface="Segoe UI" panose="020B0502040204020203" pitchFamily="34" charset="0"/>
+              </a:rPr>
+              <a:t>o</a:t>
+            </a:r>
+            <a:r>
+              <a:rPr lang="en-US" sz="1600" dirty="0" err="1">
+                <a:latin typeface="Segoe UI" panose="020B0502040204020203" pitchFamily="34" charset="0"/>
+                <a:cs typeface="Segoe UI" panose="020B0502040204020203" pitchFamily="34" charset="0"/>
+              </a:rPr>
+              <a:t>.constructor</a:t>
+            </a:r>
+            <a:r>
+              <a:rPr lang="en-US" sz="1600" dirty="0">
+                <a:latin typeface="Segoe UI" panose="020B0502040204020203" pitchFamily="34" charset="0"/>
+                <a:cs typeface="Segoe UI" panose="020B0502040204020203" pitchFamily="34" charset="0"/>
+              </a:rPr>
+              <a:t> === </a:t>
+            </a:r>
+            <a:r>
+              <a:rPr lang="en-US" sz="1600" b="1" dirty="0">
+                <a:solidFill>
+                  <a:srgbClr val="C00000"/>
+                </a:solidFill>
+                <a:latin typeface="Segoe UI" panose="020B0502040204020203" pitchFamily="34" charset="0"/>
+                <a:cs typeface="Segoe UI" panose="020B0502040204020203" pitchFamily="34" charset="0"/>
+              </a:rPr>
+              <a:t>F</a:t>
+            </a:r>
+            <a:r>
+              <a:rPr lang="en-US" sz="1600" dirty="0">
+                <a:latin typeface="Segoe UI" panose="020B0502040204020203" pitchFamily="34" charset="0"/>
+                <a:cs typeface="Segoe UI" panose="020B0502040204020203" pitchFamily="34" charset="0"/>
+              </a:rPr>
+              <a:t> 	</a:t>
+            </a:r>
+            <a:r>
+              <a:rPr lang="en-US" sz="1600" dirty="0">
+                <a:solidFill>
+                  <a:srgbClr val="00B050"/>
+                </a:solidFill>
+                <a:latin typeface="Segoe UI" panose="020B0502040204020203" pitchFamily="34" charset="0"/>
+                <a:cs typeface="Segoe UI" panose="020B0502040204020203" pitchFamily="34" charset="0"/>
+              </a:rPr>
+              <a:t>// = &gt; true: the constructor property specifies the class</a:t>
+            </a:r>
+          </a:p>
+        </p:txBody>
+      </p:sp>
+    </p:spTree>
+    <p:extLst>
+      <p:ext uri="{BB962C8B-B14F-4D97-AF65-F5344CB8AC3E}">
+        <p14:creationId xmlns:p14="http://schemas.microsoft.com/office/powerpoint/2010/main" val="1516461757"/>
+      </p:ext>
+    </p:extLst>
+  </p:cSld>
+  <p:clrMapOvr>
+    <a:masterClrMapping/>
+  </p:clrMapOvr>
+</p:sld>
+</file>
+
+<file path=ppt/slides/slide13.xml><?xml version="1.0" encoding="utf-8"?>
+<p:sld xmlns:a="http://schemas.openxmlformats.org/drawingml/2006/main" xmlns:r="http://schemas.openxmlformats.org/officeDocument/2006/relationships" xmlns:p="http://schemas.openxmlformats.org/presentationml/2006/main">
+  <p:cSld>
+    <p:spTree>
+      <p:nvGrpSpPr>
+        <p:cNvPr id="1" name=""/>
+        <p:cNvGrpSpPr/>
+        <p:nvPr/>
+      </p:nvGrpSpPr>
+      <p:grpSpPr>
+        <a:xfrm>
+          <a:off x="0" y="0"/>
+          <a:ext cx="0" cy="0"/>
+          <a:chOff x="0" y="0"/>
+          <a:chExt cx="0" cy="0"/>
+        </a:xfrm>
+      </p:grpSpPr>
+      <p:sp>
+        <p:nvSpPr>
+          <p:cNvPr id="2" name="Title 1">
+            <a:extLst>
+              <a:ext uri="{FF2B5EF4-FFF2-40B4-BE49-F238E27FC236}">
+                <a16:creationId xmlns:a16="http://schemas.microsoft.com/office/drawing/2014/main" id="{2D4E4121-CDC8-41BA-846E-58655BA90FCF}"/>
+              </a:ext>
+            </a:extLst>
+          </p:cNvPr>
+          <p:cNvSpPr>
+            <a:spLocks noGrp="1"/>
+          </p:cNvSpPr>
+          <p:nvPr>
+            <p:ph type="ctrTitle"/>
+          </p:nvPr>
+        </p:nvSpPr>
+        <p:spPr>
+          <a:xfrm>
+            <a:off x="1507067" y="345351"/>
+            <a:ext cx="7766936" cy="970133"/>
+          </a:xfrm>
+        </p:spPr>
+        <p:txBody>
+          <a:bodyPr/>
+          <a:lstStyle/>
+          <a:p>
+            <a:pPr algn="l"/>
+            <a:r>
+              <a:rPr lang="en-US" dirty="0">
+                <a:solidFill>
+                  <a:schemeClr val="tx1">
+                    <a:lumMod val="85000"/>
+                    <a:lumOff val="15000"/>
+                  </a:schemeClr>
+                </a:solidFill>
+                <a:latin typeface="Segoe UI" panose="020B0502040204020203" pitchFamily="34" charset="0"/>
+                <a:cs typeface="Segoe UI" panose="020B0502040204020203" pitchFamily="34" charset="0"/>
+              </a:rPr>
+              <a:t>JS| </a:t>
+            </a:r>
+            <a:r>
+              <a:rPr lang="en-US" sz="3200" b="1" dirty="0">
+                <a:solidFill>
+                  <a:schemeClr val="tx1">
+                    <a:lumMod val="85000"/>
+                    <a:lumOff val="15000"/>
+                  </a:schemeClr>
+                </a:solidFill>
+                <a:latin typeface="Segoe UI" panose="020B0502040204020203" pitchFamily="34" charset="0"/>
+                <a:cs typeface="Segoe UI" panose="020B0502040204020203" pitchFamily="34" charset="0"/>
+              </a:rPr>
+              <a:t>The Constructor Property</a:t>
+            </a:r>
+            <a:endParaRPr lang="en-US" b="1" dirty="0">
+              <a:solidFill>
+                <a:schemeClr val="tx1">
+                  <a:lumMod val="85000"/>
+                  <a:lumOff val="15000"/>
+                </a:schemeClr>
+              </a:solidFill>
+              <a:latin typeface="Segoe UI" panose="020B0502040204020203" pitchFamily="34" charset="0"/>
+              <a:cs typeface="Segoe UI" panose="020B0502040204020203" pitchFamily="34" charset="0"/>
+            </a:endParaRPr>
+          </a:p>
+        </p:txBody>
+      </p:sp>
+      <p:sp>
+        <p:nvSpPr>
+          <p:cNvPr id="3" name="TextBox 2">
+            <a:extLst>
+              <a:ext uri="{FF2B5EF4-FFF2-40B4-BE49-F238E27FC236}">
+                <a16:creationId xmlns:a16="http://schemas.microsoft.com/office/drawing/2014/main" id="{C895C44F-686B-467A-B89F-FA4A0CDDDA49}"/>
+              </a:ext>
+            </a:extLst>
+          </p:cNvPr>
+          <p:cNvSpPr txBox="1"/>
+          <p:nvPr/>
+        </p:nvSpPr>
+        <p:spPr>
+          <a:xfrm>
+            <a:off x="1605106" y="1616879"/>
+            <a:ext cx="9391548" cy="830997"/>
+          </a:xfrm>
+          <a:prstGeom prst="rect">
+            <a:avLst/>
+          </a:prstGeom>
+          <a:solidFill>
+            <a:schemeClr val="accent1">
+              <a:lumMod val="40000"/>
+              <a:lumOff val="60000"/>
+            </a:schemeClr>
+          </a:solidFill>
+          <a:ln w="57150">
+            <a:solidFill>
+              <a:srgbClr val="0070C0"/>
+            </a:solidFill>
+          </a:ln>
+        </p:spPr>
+        <p:txBody>
+          <a:bodyPr wrap="square" rtlCol="0">
+            <a:spAutoFit/>
+          </a:bodyPr>
+          <a:lstStyle/>
+          <a:p>
+            <a:pPr algn="just"/>
+            <a:r>
+              <a:rPr lang="en-US" sz="1600" dirty="0">
+                <a:latin typeface="Segoe UI" panose="020B0502040204020203" pitchFamily="34" charset="0"/>
+                <a:cs typeface="Segoe UI" panose="020B0502040204020203" pitchFamily="34" charset="0"/>
+              </a:rPr>
+              <a:t>The following schema illustrates this </a:t>
+            </a:r>
+            <a:r>
+              <a:rPr lang="en-US" sz="1600" b="1" dirty="0">
+                <a:latin typeface="Segoe UI" panose="020B0502040204020203" pitchFamily="34" charset="0"/>
+                <a:cs typeface="Segoe UI" panose="020B0502040204020203" pitchFamily="34" charset="0"/>
+              </a:rPr>
+              <a:t>relationship</a:t>
+            </a:r>
+            <a:r>
+              <a:rPr lang="en-US" sz="1600" dirty="0">
+                <a:latin typeface="Segoe UI" panose="020B0502040204020203" pitchFamily="34" charset="0"/>
+                <a:cs typeface="Segoe UI" panose="020B0502040204020203" pitchFamily="34" charset="0"/>
+              </a:rPr>
+              <a:t> between the </a:t>
+            </a:r>
+            <a:r>
+              <a:rPr lang="en-US" sz="1600" b="1" dirty="0">
+                <a:latin typeface="Segoe UI" panose="020B0502040204020203" pitchFamily="34" charset="0"/>
+                <a:cs typeface="Segoe UI" panose="020B0502040204020203" pitchFamily="34" charset="0"/>
+              </a:rPr>
+              <a:t>constructor function</a:t>
+            </a:r>
+            <a:r>
+              <a:rPr lang="en-US" sz="1600" dirty="0">
+                <a:latin typeface="Segoe UI" panose="020B0502040204020203" pitchFamily="34" charset="0"/>
+                <a:cs typeface="Segoe UI" panose="020B0502040204020203" pitchFamily="34" charset="0"/>
+              </a:rPr>
+              <a:t>, its </a:t>
+            </a:r>
+            <a:r>
+              <a:rPr lang="en-US" sz="1600" b="1" dirty="0">
+                <a:latin typeface="Segoe UI" panose="020B0502040204020203" pitchFamily="34" charset="0"/>
+                <a:cs typeface="Segoe UI" panose="020B0502040204020203" pitchFamily="34" charset="0"/>
+              </a:rPr>
+              <a:t>prototype</a:t>
+            </a:r>
+            <a:r>
+              <a:rPr lang="en-US" sz="1600" dirty="0">
+                <a:latin typeface="Segoe UI" panose="020B0502040204020203" pitchFamily="34" charset="0"/>
+                <a:cs typeface="Segoe UI" panose="020B0502040204020203" pitchFamily="34" charset="0"/>
+              </a:rPr>
+              <a:t> </a:t>
+            </a:r>
+            <a:r>
+              <a:rPr lang="en-US" sz="1600" b="1" dirty="0">
+                <a:latin typeface="Segoe UI" panose="020B0502040204020203" pitchFamily="34" charset="0"/>
+                <a:cs typeface="Segoe UI" panose="020B0502040204020203" pitchFamily="34" charset="0"/>
+              </a:rPr>
+              <a:t>object</a:t>
+            </a:r>
+            <a:r>
+              <a:rPr lang="en-US" sz="1600" dirty="0">
+                <a:latin typeface="Segoe UI" panose="020B0502040204020203" pitchFamily="34" charset="0"/>
+                <a:cs typeface="Segoe UI" panose="020B0502040204020203" pitchFamily="34" charset="0"/>
+              </a:rPr>
+              <a:t>, the </a:t>
+            </a:r>
+            <a:r>
+              <a:rPr lang="en-US" sz="1600" b="1" dirty="0">
+                <a:latin typeface="Segoe UI" panose="020B0502040204020203" pitchFamily="34" charset="0"/>
+                <a:cs typeface="Segoe UI" panose="020B0502040204020203" pitchFamily="34" charset="0"/>
+              </a:rPr>
+              <a:t>back reference from the prototype to the constructor</a:t>
+            </a:r>
+            <a:r>
+              <a:rPr lang="en-US" sz="1600" dirty="0">
+                <a:latin typeface="Segoe UI" panose="020B0502040204020203" pitchFamily="34" charset="0"/>
+                <a:cs typeface="Segoe UI" panose="020B0502040204020203" pitchFamily="34" charset="0"/>
+              </a:rPr>
+              <a:t>, and the instances created with the constructor.</a:t>
+            </a:r>
+          </a:p>
+        </p:txBody>
+      </p:sp>
+      <p:pic>
+        <p:nvPicPr>
+          <p:cNvPr id="5" name="Picture 4">
+            <a:extLst>
+              <a:ext uri="{FF2B5EF4-FFF2-40B4-BE49-F238E27FC236}">
+                <a16:creationId xmlns:a16="http://schemas.microsoft.com/office/drawing/2014/main" id="{716841BB-681C-4B46-B26D-C693405A4F04}"/>
+              </a:ext>
+            </a:extLst>
+          </p:cNvPr>
+          <p:cNvPicPr>
+            <a:picLocks noChangeAspect="1"/>
+          </p:cNvPicPr>
+          <p:nvPr/>
+        </p:nvPicPr>
+        <p:blipFill>
+          <a:blip r:embed="rId3"/>
+          <a:stretch>
+            <a:fillRect/>
+          </a:stretch>
+        </p:blipFill>
+        <p:spPr>
+          <a:xfrm>
+            <a:off x="1447892" y="3136037"/>
+            <a:ext cx="9705975" cy="2686050"/>
+          </a:xfrm>
+          <a:prstGeom prst="rect">
+            <a:avLst/>
+          </a:prstGeom>
+        </p:spPr>
+      </p:pic>
+    </p:spTree>
+    <p:extLst>
+      <p:ext uri="{BB962C8B-B14F-4D97-AF65-F5344CB8AC3E}">
+        <p14:creationId xmlns:p14="http://schemas.microsoft.com/office/powerpoint/2010/main" val="2793756384"/>
+      </p:ext>
+    </p:extLst>
+  </p:cSld>
+  <p:clrMapOvr>
+    <a:masterClrMapping/>
+  </p:clrMapOvr>
+</p:sld>
+</file>
+
+<file path=ppt/slides/slide14.xml><?xml version="1.0" encoding="utf-8"?>
+<p:sld xmlns:a="http://schemas.openxmlformats.org/drawingml/2006/main" xmlns:r="http://schemas.openxmlformats.org/officeDocument/2006/relationships" xmlns:p="http://schemas.openxmlformats.org/presentationml/2006/main">
+  <p:cSld>
+    <p:spTree>
+      <p:nvGrpSpPr>
+        <p:cNvPr id="1" name=""/>
+        <p:cNvGrpSpPr/>
+        <p:nvPr/>
+      </p:nvGrpSpPr>
+      <p:grpSpPr>
+        <a:xfrm>
+          <a:off x="0" y="0"/>
+          <a:ext cx="0" cy="0"/>
+          <a:chOff x="0" y="0"/>
+          <a:chExt cx="0" cy="0"/>
+        </a:xfrm>
+      </p:grpSpPr>
+      <p:sp>
+        <p:nvSpPr>
+          <p:cNvPr id="2" name="Title 1">
+            <a:extLst>
+              <a:ext uri="{FF2B5EF4-FFF2-40B4-BE49-F238E27FC236}">
+                <a16:creationId xmlns:a16="http://schemas.microsoft.com/office/drawing/2014/main" id="{2D4E4121-CDC8-41BA-846E-58655BA90FCF}"/>
+              </a:ext>
+            </a:extLst>
+          </p:cNvPr>
+          <p:cNvSpPr>
+            <a:spLocks noGrp="1"/>
+          </p:cNvSpPr>
+          <p:nvPr>
+            <p:ph type="ctrTitle"/>
+          </p:nvPr>
+        </p:nvSpPr>
+        <p:spPr>
+          <a:xfrm>
+            <a:off x="1507067" y="345351"/>
+            <a:ext cx="9554510" cy="970133"/>
+          </a:xfrm>
+        </p:spPr>
+        <p:txBody>
+          <a:bodyPr/>
+          <a:lstStyle/>
+          <a:p>
+            <a:pPr algn="l"/>
+            <a:r>
+              <a:rPr lang="en-US" dirty="0">
+                <a:solidFill>
+                  <a:schemeClr val="tx1">
+                    <a:lumMod val="85000"/>
+                    <a:lumOff val="15000"/>
+                  </a:schemeClr>
+                </a:solidFill>
+                <a:latin typeface="Segoe UI" panose="020B0502040204020203" pitchFamily="34" charset="0"/>
+                <a:cs typeface="Segoe UI" panose="020B0502040204020203" pitchFamily="34" charset="0"/>
+              </a:rPr>
+              <a:t>JS| </a:t>
+            </a:r>
+            <a:r>
+              <a:rPr lang="en-US" sz="3200" b="1" dirty="0">
+                <a:solidFill>
+                  <a:schemeClr val="tx1">
+                    <a:lumMod val="85000"/>
+                    <a:lumOff val="15000"/>
+                  </a:schemeClr>
+                </a:solidFill>
+                <a:latin typeface="Segoe UI" panose="020B0502040204020203" pitchFamily="34" charset="0"/>
+                <a:cs typeface="Segoe UI" panose="020B0502040204020203" pitchFamily="34" charset="0"/>
+              </a:rPr>
+              <a:t>The Constructor. Range Example </a:t>
+            </a:r>
+            <a:r>
+              <a:rPr lang="en-US" sz="3200" b="1" dirty="0">
+                <a:solidFill>
+                  <a:srgbClr val="C00000"/>
+                </a:solidFill>
+                <a:latin typeface="Segoe UI" panose="020B0502040204020203" pitchFamily="34" charset="0"/>
+                <a:cs typeface="Segoe UI" panose="020B0502040204020203" pitchFamily="34" charset="0"/>
+              </a:rPr>
+              <a:t>problem</a:t>
+            </a:r>
+            <a:endParaRPr lang="en-US" b="1" dirty="0">
+              <a:solidFill>
+                <a:srgbClr val="C00000"/>
+              </a:solidFill>
+              <a:latin typeface="Segoe UI" panose="020B0502040204020203" pitchFamily="34" charset="0"/>
+              <a:cs typeface="Segoe UI" panose="020B0502040204020203" pitchFamily="34" charset="0"/>
+            </a:endParaRPr>
+          </a:p>
+        </p:txBody>
+      </p:sp>
+      <p:sp>
+        <p:nvSpPr>
+          <p:cNvPr id="3" name="TextBox 2">
+            <a:extLst>
+              <a:ext uri="{FF2B5EF4-FFF2-40B4-BE49-F238E27FC236}">
+                <a16:creationId xmlns:a16="http://schemas.microsoft.com/office/drawing/2014/main" id="{C895C44F-686B-467A-B89F-FA4A0CDDDA49}"/>
+              </a:ext>
+            </a:extLst>
+          </p:cNvPr>
+          <p:cNvSpPr txBox="1"/>
+          <p:nvPr/>
+        </p:nvSpPr>
+        <p:spPr>
+          <a:xfrm>
+            <a:off x="1605106" y="1616879"/>
+            <a:ext cx="9391548" cy="584775"/>
+          </a:xfrm>
+          <a:prstGeom prst="rect">
+            <a:avLst/>
+          </a:prstGeom>
+          <a:solidFill>
+            <a:schemeClr val="accent1">
+              <a:lumMod val="40000"/>
+              <a:lumOff val="60000"/>
+            </a:schemeClr>
+          </a:solidFill>
+          <a:ln w="57150">
+            <a:solidFill>
+              <a:srgbClr val="0070C0"/>
+            </a:solidFill>
+          </a:ln>
+        </p:spPr>
+        <p:txBody>
+          <a:bodyPr wrap="square" rtlCol="0">
+            <a:spAutoFit/>
+          </a:bodyPr>
+          <a:lstStyle/>
+          <a:p>
+            <a:pPr algn="just"/>
+            <a:r>
+              <a:rPr lang="en-US" sz="1600" dirty="0">
+                <a:latin typeface="Segoe UI" panose="020B0502040204020203" pitchFamily="34" charset="0"/>
+                <a:cs typeface="Segoe UI" panose="020B0502040204020203" pitchFamily="34" charset="0"/>
+              </a:rPr>
+              <a:t>The Range class defined in example 2 overwrites the predefined </a:t>
+            </a:r>
+            <a:r>
+              <a:rPr lang="en-US" sz="1600" b="1" dirty="0" err="1">
+                <a:solidFill>
+                  <a:srgbClr val="C00000"/>
+                </a:solidFill>
+                <a:latin typeface="Segoe UI" panose="020B0502040204020203" pitchFamily="34" charset="0"/>
+                <a:cs typeface="Segoe UI" panose="020B0502040204020203" pitchFamily="34" charset="0"/>
+              </a:rPr>
+              <a:t>Range</a:t>
+            </a:r>
+            <a:r>
+              <a:rPr lang="en-US" sz="1600" b="1" dirty="0" err="1">
+                <a:latin typeface="Segoe UI" panose="020B0502040204020203" pitchFamily="34" charset="0"/>
+                <a:cs typeface="Segoe UI" panose="020B0502040204020203" pitchFamily="34" charset="0"/>
+              </a:rPr>
+              <a:t>.prototype</a:t>
+            </a:r>
+            <a:r>
+              <a:rPr lang="en-US" sz="1600" b="1" dirty="0">
+                <a:latin typeface="Segoe UI" panose="020B0502040204020203" pitchFamily="34" charset="0"/>
+                <a:cs typeface="Segoe UI" panose="020B0502040204020203" pitchFamily="34" charset="0"/>
+              </a:rPr>
+              <a:t> object</a:t>
+            </a:r>
+            <a:r>
+              <a:rPr lang="en-US" sz="1600" dirty="0">
+                <a:latin typeface="Segoe UI" panose="020B0502040204020203" pitchFamily="34" charset="0"/>
+                <a:cs typeface="Segoe UI" panose="020B0502040204020203" pitchFamily="34" charset="0"/>
+              </a:rPr>
+              <a:t> with an object of its own and the </a:t>
+            </a:r>
+            <a:r>
+              <a:rPr lang="en-US" sz="1600" b="1" dirty="0">
+                <a:latin typeface="Segoe UI" panose="020B0502040204020203" pitchFamily="34" charset="0"/>
+                <a:cs typeface="Segoe UI" panose="020B0502040204020203" pitchFamily="34" charset="0"/>
+              </a:rPr>
+              <a:t>new prototype object</a:t>
+            </a:r>
+            <a:r>
+              <a:rPr lang="en-US" sz="1600" dirty="0">
+                <a:latin typeface="Segoe UI" panose="020B0502040204020203" pitchFamily="34" charset="0"/>
+                <a:cs typeface="Segoe UI" panose="020B0502040204020203" pitchFamily="34" charset="0"/>
+              </a:rPr>
+              <a:t> it defines </a:t>
+            </a:r>
+            <a:r>
+              <a:rPr lang="en-US" sz="1600" b="1" dirty="0">
+                <a:latin typeface="Segoe UI" panose="020B0502040204020203" pitchFamily="34" charset="0"/>
+                <a:cs typeface="Segoe UI" panose="020B0502040204020203" pitchFamily="34" charset="0"/>
+              </a:rPr>
+              <a:t>does not have a constructor property</a:t>
+            </a:r>
+            <a:r>
+              <a:rPr lang="en-US" sz="1600" dirty="0">
+                <a:latin typeface="Segoe UI" panose="020B0502040204020203" pitchFamily="34" charset="0"/>
+                <a:cs typeface="Segoe UI" panose="020B0502040204020203" pitchFamily="34" charset="0"/>
+              </a:rPr>
+              <a:t>. </a:t>
+            </a:r>
+          </a:p>
+        </p:txBody>
+      </p:sp>
+      <p:sp>
+        <p:nvSpPr>
+          <p:cNvPr id="6" name="TextBox 5">
+            <a:extLst>
+              <a:ext uri="{FF2B5EF4-FFF2-40B4-BE49-F238E27FC236}">
+                <a16:creationId xmlns:a16="http://schemas.microsoft.com/office/drawing/2014/main" id="{C090DD6A-C146-4D2A-9585-BB2412699323}"/>
+              </a:ext>
+            </a:extLst>
+          </p:cNvPr>
+          <p:cNvSpPr txBox="1"/>
+          <p:nvPr/>
+        </p:nvSpPr>
+        <p:spPr>
+          <a:xfrm>
+            <a:off x="1605106" y="2503049"/>
+            <a:ext cx="9391548" cy="338554"/>
+          </a:xfrm>
+          <a:prstGeom prst="rect">
+            <a:avLst/>
+          </a:prstGeom>
+          <a:solidFill>
+            <a:srgbClr val="F6B3AA"/>
+          </a:solidFill>
+          <a:ln w="57150">
+            <a:solidFill>
+              <a:srgbClr val="C00000"/>
+            </a:solidFill>
+          </a:ln>
+        </p:spPr>
+        <p:txBody>
+          <a:bodyPr wrap="square">
+            <a:spAutoFit/>
+          </a:bodyPr>
+          <a:lstStyle/>
+          <a:p>
+            <a:pPr algn="just"/>
+            <a:r>
+              <a:rPr lang="en-US" sz="1600" dirty="0">
+                <a:latin typeface="Segoe UI" panose="020B0502040204020203" pitchFamily="34" charset="0"/>
+                <a:cs typeface="Segoe UI" panose="020B0502040204020203" pitchFamily="34" charset="0"/>
+              </a:rPr>
+              <a:t>So instances of the Range class, as defined, do </a:t>
+            </a:r>
+            <a:r>
+              <a:rPr lang="en-US" sz="1600" b="1" dirty="0">
+                <a:latin typeface="Segoe UI" panose="020B0502040204020203" pitchFamily="34" charset="0"/>
+                <a:cs typeface="Segoe UI" panose="020B0502040204020203" pitchFamily="34" charset="0"/>
+              </a:rPr>
+              <a:t>not have a constructor property</a:t>
+            </a:r>
+            <a:r>
+              <a:rPr lang="en-US" sz="1600" dirty="0">
+                <a:latin typeface="Segoe UI" panose="020B0502040204020203" pitchFamily="34" charset="0"/>
+                <a:cs typeface="Segoe UI" panose="020B0502040204020203" pitchFamily="34" charset="0"/>
+              </a:rPr>
+              <a:t>. </a:t>
+            </a:r>
+          </a:p>
+        </p:txBody>
+      </p:sp>
+    </p:spTree>
+    <p:extLst>
+      <p:ext uri="{BB962C8B-B14F-4D97-AF65-F5344CB8AC3E}">
+        <p14:creationId xmlns:p14="http://schemas.microsoft.com/office/powerpoint/2010/main" val="1605252487"/>
+      </p:ext>
+    </p:extLst>
+  </p:cSld>
+  <p:clrMapOvr>
+    <a:masterClrMapping/>
+  </p:clrMapOvr>
+</p:sld>
+</file>
+
+<file path=ppt/slides/slide15.xml><?xml version="1.0" encoding="utf-8"?>
+<p:sld xmlns:a="http://schemas.openxmlformats.org/drawingml/2006/main" xmlns:r="http://schemas.openxmlformats.org/officeDocument/2006/relationships" xmlns:p="http://schemas.openxmlformats.org/presentationml/2006/main">
+  <p:cSld>
+    <p:spTree>
+      <p:nvGrpSpPr>
+        <p:cNvPr id="1" name=""/>
+        <p:cNvGrpSpPr/>
+        <p:nvPr/>
+      </p:nvGrpSpPr>
+      <p:grpSpPr>
+        <a:xfrm>
+          <a:off x="0" y="0"/>
+          <a:ext cx="0" cy="0"/>
+          <a:chOff x="0" y="0"/>
+          <a:chExt cx="0" cy="0"/>
+        </a:xfrm>
+      </p:grpSpPr>
+      <p:sp>
+        <p:nvSpPr>
+          <p:cNvPr id="2" name="Title 1">
+            <a:extLst>
+              <a:ext uri="{FF2B5EF4-FFF2-40B4-BE49-F238E27FC236}">
+                <a16:creationId xmlns:a16="http://schemas.microsoft.com/office/drawing/2014/main" id="{2D4E4121-CDC8-41BA-846E-58655BA90FCF}"/>
+              </a:ext>
+            </a:extLst>
+          </p:cNvPr>
+          <p:cNvSpPr>
+            <a:spLocks noGrp="1"/>
+          </p:cNvSpPr>
+          <p:nvPr>
+            <p:ph type="ctrTitle"/>
+          </p:nvPr>
+        </p:nvSpPr>
+        <p:spPr>
+          <a:xfrm>
+            <a:off x="1507067" y="345351"/>
+            <a:ext cx="9554510" cy="970133"/>
+          </a:xfrm>
+        </p:spPr>
+        <p:txBody>
+          <a:bodyPr/>
+          <a:lstStyle/>
+          <a:p>
+            <a:pPr algn="l"/>
+            <a:r>
+              <a:rPr lang="en-US" dirty="0">
+                <a:solidFill>
+                  <a:schemeClr val="tx1">
+                    <a:lumMod val="85000"/>
+                    <a:lumOff val="15000"/>
+                  </a:schemeClr>
+                </a:solidFill>
+                <a:latin typeface="Segoe UI" panose="020B0502040204020203" pitchFamily="34" charset="0"/>
+                <a:cs typeface="Segoe UI" panose="020B0502040204020203" pitchFamily="34" charset="0"/>
+              </a:rPr>
+              <a:t>JS| </a:t>
+            </a:r>
+            <a:r>
+              <a:rPr lang="en-US" sz="3200" b="1" dirty="0">
+                <a:solidFill>
+                  <a:schemeClr val="tx1">
+                    <a:lumMod val="85000"/>
+                    <a:lumOff val="15000"/>
+                  </a:schemeClr>
+                </a:solidFill>
+                <a:latin typeface="Segoe UI" panose="020B0502040204020203" pitchFamily="34" charset="0"/>
+                <a:cs typeface="Segoe UI" panose="020B0502040204020203" pitchFamily="34" charset="0"/>
+              </a:rPr>
+              <a:t>The Constructor. Range Example </a:t>
+            </a:r>
+            <a:r>
+              <a:rPr lang="en-US" sz="3200" b="1" dirty="0">
+                <a:solidFill>
+                  <a:srgbClr val="00B050"/>
+                </a:solidFill>
+                <a:latin typeface="Segoe UI" panose="020B0502040204020203" pitchFamily="34" charset="0"/>
+                <a:cs typeface="Segoe UI" panose="020B0502040204020203" pitchFamily="34" charset="0"/>
+              </a:rPr>
+              <a:t>solution</a:t>
+            </a:r>
+            <a:endParaRPr lang="en-US" b="1" dirty="0">
+              <a:solidFill>
+                <a:srgbClr val="00B050"/>
+              </a:solidFill>
+              <a:latin typeface="Segoe UI" panose="020B0502040204020203" pitchFamily="34" charset="0"/>
+              <a:cs typeface="Segoe UI" panose="020B0502040204020203" pitchFamily="34" charset="0"/>
+            </a:endParaRPr>
+          </a:p>
+        </p:txBody>
+      </p:sp>
+      <p:sp>
+        <p:nvSpPr>
+          <p:cNvPr id="7" name="TextBox 6">
+            <a:extLst>
+              <a:ext uri="{FF2B5EF4-FFF2-40B4-BE49-F238E27FC236}">
+                <a16:creationId xmlns:a16="http://schemas.microsoft.com/office/drawing/2014/main" id="{AFF5301B-427B-4F27-94AC-4362ED48B33A}"/>
+              </a:ext>
+            </a:extLst>
+          </p:cNvPr>
+          <p:cNvSpPr txBox="1"/>
+          <p:nvPr/>
+        </p:nvSpPr>
+        <p:spPr>
+          <a:xfrm>
+            <a:off x="2031042" y="1616879"/>
+            <a:ext cx="8506560" cy="1815882"/>
+          </a:xfrm>
+          <a:prstGeom prst="rect">
+            <a:avLst/>
+          </a:prstGeom>
+          <a:solidFill>
+            <a:srgbClr val="FFE7B7"/>
+          </a:solidFill>
+          <a:ln w="57150">
+            <a:solidFill>
+              <a:srgbClr val="FFCC66"/>
+            </a:solidFill>
+          </a:ln>
+        </p:spPr>
+        <p:txBody>
+          <a:bodyPr wrap="square">
+            <a:spAutoFit/>
+          </a:bodyPr>
+          <a:lstStyle/>
+          <a:p>
+            <a:pPr algn="just"/>
+            <a:r>
+              <a:rPr lang="en-US" sz="1600" b="1" dirty="0">
+                <a:latin typeface="Segoe UI" panose="020B0502040204020203" pitchFamily="34" charset="0"/>
+                <a:cs typeface="Segoe UI" panose="020B0502040204020203" pitchFamily="34" charset="0"/>
+              </a:rPr>
+              <a:t>SOLUTION 1:</a:t>
+            </a:r>
+            <a:r>
+              <a:rPr lang="en-US" sz="1600" dirty="0">
+                <a:latin typeface="Segoe UI" panose="020B0502040204020203" pitchFamily="34" charset="0"/>
+                <a:cs typeface="Segoe UI" panose="020B0502040204020203" pitchFamily="34" charset="0"/>
+              </a:rPr>
+              <a:t> explicitly adding a constructor to the prototype</a:t>
+            </a:r>
+          </a:p>
+          <a:p>
+            <a:pPr algn="just"/>
+            <a:endParaRPr lang="en-US" sz="1600" dirty="0">
+              <a:latin typeface="Segoe UI" panose="020B0502040204020203" pitchFamily="34" charset="0"/>
+              <a:cs typeface="Segoe UI" panose="020B0502040204020203" pitchFamily="34" charset="0"/>
+            </a:endParaRPr>
+          </a:p>
+          <a:p>
+            <a:pPr algn="just"/>
+            <a:r>
+              <a:rPr lang="en-US" sz="1600" b="1" dirty="0" err="1">
+                <a:solidFill>
+                  <a:srgbClr val="C00000"/>
+                </a:solidFill>
+                <a:latin typeface="Segoe UI" panose="020B0502040204020203" pitchFamily="34" charset="0"/>
+                <a:cs typeface="Segoe UI" panose="020B0502040204020203" pitchFamily="34" charset="0"/>
+              </a:rPr>
+              <a:t>Range</a:t>
+            </a:r>
+            <a:r>
+              <a:rPr lang="en-US" sz="1600" dirty="0" err="1">
+                <a:latin typeface="Segoe UI" panose="020B0502040204020203" pitchFamily="34" charset="0"/>
+                <a:cs typeface="Segoe UI" panose="020B0502040204020203" pitchFamily="34" charset="0"/>
+              </a:rPr>
+              <a:t>.</a:t>
+            </a:r>
+            <a:r>
+              <a:rPr lang="en-US" sz="1600" b="1" dirty="0" err="1">
+                <a:latin typeface="Segoe UI" panose="020B0502040204020203" pitchFamily="34" charset="0"/>
+                <a:cs typeface="Segoe UI" panose="020B0502040204020203" pitchFamily="34" charset="0"/>
+              </a:rPr>
+              <a:t>prototype</a:t>
+            </a:r>
+            <a:r>
+              <a:rPr lang="en-US" sz="1600" dirty="0">
+                <a:latin typeface="Segoe UI" panose="020B0502040204020203" pitchFamily="34" charset="0"/>
+                <a:cs typeface="Segoe UI" panose="020B0502040204020203" pitchFamily="34" charset="0"/>
+              </a:rPr>
+              <a:t> = { </a:t>
+            </a:r>
+          </a:p>
+          <a:p>
+            <a:pPr algn="just"/>
+            <a:r>
+              <a:rPr lang="en-US" sz="1600" dirty="0">
+                <a:latin typeface="Segoe UI" panose="020B0502040204020203" pitchFamily="34" charset="0"/>
+                <a:cs typeface="Segoe UI" panose="020B0502040204020203" pitchFamily="34" charset="0"/>
+              </a:rPr>
+              <a:t>	</a:t>
+            </a:r>
+            <a:r>
+              <a:rPr lang="en-US" sz="1600" b="1" dirty="0">
+                <a:latin typeface="Segoe UI" panose="020B0502040204020203" pitchFamily="34" charset="0"/>
+                <a:cs typeface="Segoe UI" panose="020B0502040204020203" pitchFamily="34" charset="0"/>
+              </a:rPr>
+              <a:t>constructor: </a:t>
+            </a:r>
+            <a:r>
+              <a:rPr lang="en-US" sz="1600" b="1" dirty="0">
+                <a:solidFill>
+                  <a:srgbClr val="C00000"/>
+                </a:solidFill>
+                <a:latin typeface="Segoe UI" panose="020B0502040204020203" pitchFamily="34" charset="0"/>
+                <a:cs typeface="Segoe UI" panose="020B0502040204020203" pitchFamily="34" charset="0"/>
+              </a:rPr>
+              <a:t>Range</a:t>
+            </a:r>
+            <a:r>
+              <a:rPr lang="en-US" sz="1600" dirty="0">
+                <a:latin typeface="Segoe UI" panose="020B0502040204020203" pitchFamily="34" charset="0"/>
+                <a:cs typeface="Segoe UI" panose="020B0502040204020203" pitchFamily="34" charset="0"/>
+              </a:rPr>
+              <a:t>, 				</a:t>
+            </a:r>
+            <a:r>
+              <a:rPr lang="en-US" sz="1600" dirty="0">
+                <a:solidFill>
+                  <a:srgbClr val="00B050"/>
+                </a:solidFill>
+                <a:latin typeface="Segoe UI" panose="020B0502040204020203" pitchFamily="34" charset="0"/>
+                <a:cs typeface="Segoe UI" panose="020B0502040204020203" pitchFamily="34" charset="0"/>
+              </a:rPr>
+              <a:t>// Explicitly set the constructor back-reference</a:t>
+            </a:r>
+          </a:p>
+          <a:p>
+            <a:pPr algn="just"/>
+            <a:r>
+              <a:rPr lang="en-US" sz="1600" dirty="0">
+                <a:latin typeface="Segoe UI" panose="020B0502040204020203" pitchFamily="34" charset="0"/>
+                <a:cs typeface="Segoe UI" panose="020B0502040204020203" pitchFamily="34" charset="0"/>
+              </a:rPr>
+              <a:t> </a:t>
+            </a:r>
+          </a:p>
+          <a:p>
+            <a:pPr algn="just"/>
+            <a:r>
+              <a:rPr lang="en-US" sz="1600" dirty="0">
+                <a:latin typeface="Segoe UI" panose="020B0502040204020203" pitchFamily="34" charset="0"/>
+                <a:cs typeface="Segoe UI" panose="020B0502040204020203" pitchFamily="34" charset="0"/>
+              </a:rPr>
+              <a:t>	</a:t>
+            </a:r>
+            <a:r>
+              <a:rPr lang="en-US" sz="1600" dirty="0">
+                <a:solidFill>
+                  <a:srgbClr val="00B050"/>
+                </a:solidFill>
+                <a:latin typeface="Segoe UI" panose="020B0502040204020203" pitchFamily="34" charset="0"/>
+                <a:cs typeface="Segoe UI" panose="020B0502040204020203" pitchFamily="34" charset="0"/>
+              </a:rPr>
+              <a:t>/* method definitions go here */ </a:t>
+            </a:r>
+          </a:p>
+          <a:p>
+            <a:pPr algn="just"/>
+            <a:r>
+              <a:rPr lang="en-US" sz="1600" dirty="0">
+                <a:latin typeface="Segoe UI" panose="020B0502040204020203" pitchFamily="34" charset="0"/>
+                <a:cs typeface="Segoe UI" panose="020B0502040204020203" pitchFamily="34" charset="0"/>
+              </a:rPr>
+              <a:t>};</a:t>
+            </a:r>
+          </a:p>
+        </p:txBody>
+      </p:sp>
+      <p:sp>
+        <p:nvSpPr>
+          <p:cNvPr id="8" name="TextBox 7">
+            <a:extLst>
+              <a:ext uri="{FF2B5EF4-FFF2-40B4-BE49-F238E27FC236}">
+                <a16:creationId xmlns:a16="http://schemas.microsoft.com/office/drawing/2014/main" id="{EAB2B4CC-6C3D-4BBB-B1DA-3E18AD1CDA29}"/>
+              </a:ext>
+            </a:extLst>
+          </p:cNvPr>
+          <p:cNvSpPr txBox="1"/>
+          <p:nvPr/>
+        </p:nvSpPr>
+        <p:spPr>
+          <a:xfrm>
+            <a:off x="2031042" y="3958104"/>
+            <a:ext cx="8506560" cy="2554545"/>
+          </a:xfrm>
+          <a:prstGeom prst="rect">
+            <a:avLst/>
+          </a:prstGeom>
+          <a:solidFill>
+            <a:schemeClr val="accent3">
+              <a:lumMod val="60000"/>
+              <a:lumOff val="40000"/>
+            </a:schemeClr>
+          </a:solidFill>
+          <a:ln w="57150">
+            <a:solidFill>
+              <a:srgbClr val="00B050"/>
+            </a:solidFill>
+          </a:ln>
+        </p:spPr>
+        <p:txBody>
+          <a:bodyPr wrap="square">
+            <a:spAutoFit/>
+          </a:bodyPr>
+          <a:lstStyle/>
+          <a:p>
+            <a:pPr algn="just"/>
+            <a:r>
+              <a:rPr lang="en-US" sz="1600" b="1" dirty="0">
+                <a:latin typeface="Segoe UI" panose="020B0502040204020203" pitchFamily="34" charset="0"/>
+                <a:cs typeface="Segoe UI" panose="020B0502040204020203" pitchFamily="34" charset="0"/>
+              </a:rPr>
+              <a:t>SOLUTION 2:</a:t>
+            </a:r>
+            <a:r>
+              <a:rPr lang="en-US" sz="1600" dirty="0">
+                <a:latin typeface="Segoe UI" panose="020B0502040204020203" pitchFamily="34" charset="0"/>
+                <a:cs typeface="Segoe UI" panose="020B0502040204020203" pitchFamily="34" charset="0"/>
+              </a:rPr>
+              <a:t> use the predefined prototype object with its constructor property and add methods to it one at a time.</a:t>
+            </a:r>
+          </a:p>
+          <a:p>
+            <a:pPr algn="just"/>
+            <a:endParaRPr lang="en-US" sz="1600" dirty="0">
+              <a:latin typeface="Segoe UI" panose="020B0502040204020203" pitchFamily="34" charset="0"/>
+              <a:cs typeface="Segoe UI" panose="020B0502040204020203" pitchFamily="34" charset="0"/>
+            </a:endParaRPr>
+          </a:p>
+          <a:p>
+            <a:pPr algn="just"/>
+            <a:r>
+              <a:rPr lang="en-US" sz="1600" b="1" dirty="0" err="1">
+                <a:solidFill>
+                  <a:srgbClr val="C00000"/>
+                </a:solidFill>
+                <a:latin typeface="Segoe UI" panose="020B0502040204020203" pitchFamily="34" charset="0"/>
+                <a:cs typeface="Segoe UI" panose="020B0502040204020203" pitchFamily="34" charset="0"/>
+              </a:rPr>
+              <a:t>Range</a:t>
+            </a:r>
+            <a:r>
+              <a:rPr lang="en-US" sz="1600" dirty="0" err="1">
+                <a:latin typeface="Segoe UI" panose="020B0502040204020203" pitchFamily="34" charset="0"/>
+                <a:cs typeface="Segoe UI" panose="020B0502040204020203" pitchFamily="34" charset="0"/>
+              </a:rPr>
+              <a:t>.</a:t>
+            </a:r>
+            <a:r>
+              <a:rPr lang="en-US" sz="1600" b="1" dirty="0" err="1">
+                <a:latin typeface="Segoe UI" panose="020B0502040204020203" pitchFamily="34" charset="0"/>
+                <a:cs typeface="Segoe UI" panose="020B0502040204020203" pitchFamily="34" charset="0"/>
+              </a:rPr>
+              <a:t>prototype</a:t>
+            </a:r>
+            <a:r>
+              <a:rPr lang="en-US" sz="1600" dirty="0" err="1">
+                <a:latin typeface="Segoe UI" panose="020B0502040204020203" pitchFamily="34" charset="0"/>
+                <a:cs typeface="Segoe UI" panose="020B0502040204020203" pitchFamily="34" charset="0"/>
+              </a:rPr>
+              <a:t>.includes</a:t>
+            </a:r>
+            <a:r>
+              <a:rPr lang="en-US" sz="1600" dirty="0">
+                <a:latin typeface="Segoe UI" panose="020B0502040204020203" pitchFamily="34" charset="0"/>
+                <a:cs typeface="Segoe UI" panose="020B0502040204020203" pitchFamily="34" charset="0"/>
+              </a:rPr>
+              <a:t> = function(x) { </a:t>
+            </a:r>
+          </a:p>
+          <a:p>
+            <a:pPr algn="just"/>
+            <a:r>
+              <a:rPr lang="en-US" sz="1600" dirty="0">
+                <a:latin typeface="Segoe UI" panose="020B0502040204020203" pitchFamily="34" charset="0"/>
+                <a:cs typeface="Segoe UI" panose="020B0502040204020203" pitchFamily="34" charset="0"/>
+              </a:rPr>
+              <a:t>	return </a:t>
+            </a:r>
+            <a:r>
+              <a:rPr lang="en-US" sz="1600" b="1" dirty="0" err="1">
+                <a:solidFill>
+                  <a:srgbClr val="0070C0"/>
+                </a:solidFill>
+                <a:latin typeface="Segoe UI" panose="020B0502040204020203" pitchFamily="34" charset="0"/>
+                <a:cs typeface="Segoe UI" panose="020B0502040204020203" pitchFamily="34" charset="0"/>
+              </a:rPr>
+              <a:t>this</a:t>
+            </a:r>
+            <a:r>
+              <a:rPr lang="en-US" sz="1600" dirty="0" err="1">
+                <a:latin typeface="Segoe UI" panose="020B0502040204020203" pitchFamily="34" charset="0"/>
+                <a:cs typeface="Segoe UI" panose="020B0502040204020203" pitchFamily="34" charset="0"/>
+              </a:rPr>
+              <a:t>.</a:t>
+            </a:r>
+            <a:r>
+              <a:rPr lang="en-US" sz="1600" b="1" dirty="0" err="1">
+                <a:solidFill>
+                  <a:srgbClr val="7030A0"/>
+                </a:solidFill>
+                <a:latin typeface="Segoe UI" panose="020B0502040204020203" pitchFamily="34" charset="0"/>
+                <a:cs typeface="Segoe UI" panose="020B0502040204020203" pitchFamily="34" charset="0"/>
+              </a:rPr>
+              <a:t>from</a:t>
+            </a:r>
+            <a:r>
+              <a:rPr lang="en-US" sz="1600" dirty="0">
+                <a:latin typeface="Segoe UI" panose="020B0502040204020203" pitchFamily="34" charset="0"/>
+                <a:cs typeface="Segoe UI" panose="020B0502040204020203" pitchFamily="34" charset="0"/>
+              </a:rPr>
+              <a:t> &lt; = x &amp;&amp; x &lt; = </a:t>
+            </a:r>
+            <a:r>
+              <a:rPr lang="en-US" sz="1600" b="1" dirty="0">
+                <a:solidFill>
+                  <a:srgbClr val="0070C0"/>
+                </a:solidFill>
+                <a:latin typeface="Segoe UI" panose="020B0502040204020203" pitchFamily="34" charset="0"/>
+                <a:cs typeface="Segoe UI" panose="020B0502040204020203" pitchFamily="34" charset="0"/>
+              </a:rPr>
+              <a:t>this</a:t>
+            </a:r>
+            <a:r>
+              <a:rPr lang="en-US" sz="1600" dirty="0">
+                <a:latin typeface="Segoe UI" panose="020B0502040204020203" pitchFamily="34" charset="0"/>
+                <a:cs typeface="Segoe UI" panose="020B0502040204020203" pitchFamily="34" charset="0"/>
+              </a:rPr>
+              <a:t>.</a:t>
+            </a:r>
+            <a:r>
+              <a:rPr lang="en-US" sz="1600" b="1" dirty="0">
+                <a:solidFill>
+                  <a:srgbClr val="FF8BFF"/>
+                </a:solidFill>
+                <a:latin typeface="Segoe UI" panose="020B0502040204020203" pitchFamily="34" charset="0"/>
+                <a:cs typeface="Segoe UI" panose="020B0502040204020203" pitchFamily="34" charset="0"/>
+              </a:rPr>
+              <a:t>to</a:t>
+            </a:r>
+            <a:r>
+              <a:rPr lang="en-US" sz="1600" dirty="0">
+                <a:latin typeface="Segoe UI" panose="020B0502040204020203" pitchFamily="34" charset="0"/>
+                <a:cs typeface="Segoe UI" panose="020B0502040204020203" pitchFamily="34" charset="0"/>
+              </a:rPr>
+              <a:t>; </a:t>
+            </a:r>
+          </a:p>
+          <a:p>
+            <a:pPr algn="just"/>
+            <a:r>
+              <a:rPr lang="en-US" sz="1600" dirty="0">
+                <a:latin typeface="Segoe UI" panose="020B0502040204020203" pitchFamily="34" charset="0"/>
+                <a:cs typeface="Segoe UI" panose="020B0502040204020203" pitchFamily="34" charset="0"/>
+              </a:rPr>
+              <a:t>}; </a:t>
+            </a:r>
+          </a:p>
+          <a:p>
+            <a:pPr algn="just"/>
+            <a:endParaRPr lang="en-US" sz="1600" b="1" dirty="0">
+              <a:solidFill>
+                <a:srgbClr val="C00000"/>
+              </a:solidFill>
+              <a:latin typeface="Segoe UI" panose="020B0502040204020203" pitchFamily="34" charset="0"/>
+              <a:cs typeface="Segoe UI" panose="020B0502040204020203" pitchFamily="34" charset="0"/>
+            </a:endParaRPr>
+          </a:p>
+          <a:p>
+            <a:pPr algn="just"/>
+            <a:r>
+              <a:rPr lang="en-US" sz="1600" b="1" dirty="0" err="1">
+                <a:solidFill>
+                  <a:srgbClr val="C00000"/>
+                </a:solidFill>
+                <a:latin typeface="Segoe UI" panose="020B0502040204020203" pitchFamily="34" charset="0"/>
+                <a:cs typeface="Segoe UI" panose="020B0502040204020203" pitchFamily="34" charset="0"/>
+              </a:rPr>
+              <a:t>Range</a:t>
+            </a:r>
+            <a:r>
+              <a:rPr lang="en-US" sz="1600" dirty="0" err="1">
+                <a:latin typeface="Segoe UI" panose="020B0502040204020203" pitchFamily="34" charset="0"/>
+                <a:cs typeface="Segoe UI" panose="020B0502040204020203" pitchFamily="34" charset="0"/>
+              </a:rPr>
+              <a:t>.</a:t>
+            </a:r>
+            <a:r>
+              <a:rPr lang="en-US" sz="1600" b="1" dirty="0" err="1">
+                <a:latin typeface="Segoe UI" panose="020B0502040204020203" pitchFamily="34" charset="0"/>
+                <a:cs typeface="Segoe UI" panose="020B0502040204020203" pitchFamily="34" charset="0"/>
+              </a:rPr>
+              <a:t>prototype</a:t>
+            </a:r>
+            <a:r>
+              <a:rPr lang="en-US" sz="1600" dirty="0" err="1">
+                <a:latin typeface="Segoe UI" panose="020B0502040204020203" pitchFamily="34" charset="0"/>
+                <a:cs typeface="Segoe UI" panose="020B0502040204020203" pitchFamily="34" charset="0"/>
+              </a:rPr>
+              <a:t>.toString</a:t>
+            </a:r>
+            <a:r>
+              <a:rPr lang="en-US" sz="1600" dirty="0">
+                <a:latin typeface="Segoe UI" panose="020B0502040204020203" pitchFamily="34" charset="0"/>
+                <a:cs typeface="Segoe UI" panose="020B0502040204020203" pitchFamily="34" charset="0"/>
+              </a:rPr>
+              <a:t> = function() { </a:t>
+            </a:r>
+          </a:p>
+          <a:p>
+            <a:pPr algn="just"/>
+            <a:r>
+              <a:rPr lang="en-US" sz="1600" dirty="0">
+                <a:latin typeface="Segoe UI" panose="020B0502040204020203" pitchFamily="34" charset="0"/>
+                <a:cs typeface="Segoe UI" panose="020B0502040204020203" pitchFamily="34" charset="0"/>
+              </a:rPr>
+              <a:t>	return `(${</a:t>
+            </a:r>
+            <a:r>
+              <a:rPr lang="en-US" sz="1600" b="1" dirty="0" err="1">
+                <a:solidFill>
+                  <a:srgbClr val="0070C0"/>
+                </a:solidFill>
+                <a:latin typeface="Segoe UI" panose="020B0502040204020203" pitchFamily="34" charset="0"/>
+                <a:cs typeface="Segoe UI" panose="020B0502040204020203" pitchFamily="34" charset="0"/>
+              </a:rPr>
+              <a:t>this</a:t>
+            </a:r>
+            <a:r>
+              <a:rPr lang="en-US" sz="1600" dirty="0" err="1">
+                <a:latin typeface="Segoe UI" panose="020B0502040204020203" pitchFamily="34" charset="0"/>
+                <a:cs typeface="Segoe UI" panose="020B0502040204020203" pitchFamily="34" charset="0"/>
+              </a:rPr>
+              <a:t>.</a:t>
+            </a:r>
+            <a:r>
+              <a:rPr lang="en-US" sz="1600" b="1" dirty="0" err="1">
+                <a:solidFill>
+                  <a:srgbClr val="7030A0"/>
+                </a:solidFill>
+                <a:latin typeface="Segoe UI" panose="020B0502040204020203" pitchFamily="34" charset="0"/>
+                <a:cs typeface="Segoe UI" panose="020B0502040204020203" pitchFamily="34" charset="0"/>
+              </a:rPr>
+              <a:t>from</a:t>
+            </a:r>
+            <a:r>
+              <a:rPr lang="en-US" sz="1600" dirty="0">
+                <a:latin typeface="Segoe UI" panose="020B0502040204020203" pitchFamily="34" charset="0"/>
+                <a:cs typeface="Segoe UI" panose="020B0502040204020203" pitchFamily="34" charset="0"/>
+              </a:rPr>
+              <a:t>}…${</a:t>
+            </a:r>
+            <a:r>
+              <a:rPr lang="en-US" sz="1600" b="1" dirty="0">
+                <a:solidFill>
+                  <a:srgbClr val="0070C0"/>
+                </a:solidFill>
+                <a:latin typeface="Segoe UI" panose="020B0502040204020203" pitchFamily="34" charset="0"/>
+                <a:cs typeface="Segoe UI" panose="020B0502040204020203" pitchFamily="34" charset="0"/>
+              </a:rPr>
+              <a:t>this</a:t>
+            </a:r>
+            <a:r>
+              <a:rPr lang="en-US" sz="1600" dirty="0">
+                <a:latin typeface="Segoe UI" panose="020B0502040204020203" pitchFamily="34" charset="0"/>
+                <a:cs typeface="Segoe UI" panose="020B0502040204020203" pitchFamily="34" charset="0"/>
+              </a:rPr>
+              <a:t>.</a:t>
+            </a:r>
+            <a:r>
+              <a:rPr lang="en-US" sz="1600" b="1" dirty="0">
+                <a:solidFill>
+                  <a:srgbClr val="FF8BFF"/>
+                </a:solidFill>
+                <a:latin typeface="Segoe UI" panose="020B0502040204020203" pitchFamily="34" charset="0"/>
+                <a:cs typeface="Segoe UI" panose="020B0502040204020203" pitchFamily="34" charset="0"/>
+              </a:rPr>
+              <a:t>to</a:t>
+            </a:r>
+            <a:r>
+              <a:rPr lang="en-US" sz="1600" dirty="0">
+                <a:latin typeface="Segoe UI" panose="020B0502040204020203" pitchFamily="34" charset="0"/>
+                <a:cs typeface="Segoe UI" panose="020B0502040204020203" pitchFamily="34" charset="0"/>
+              </a:rPr>
+              <a:t>})`; </a:t>
+            </a:r>
+          </a:p>
+          <a:p>
+            <a:pPr algn="just"/>
+            <a:r>
+              <a:rPr lang="en-US" sz="1600" dirty="0">
+                <a:latin typeface="Segoe UI" panose="020B0502040204020203" pitchFamily="34" charset="0"/>
+                <a:cs typeface="Segoe UI" panose="020B0502040204020203" pitchFamily="34" charset="0"/>
+              </a:rPr>
+              <a:t>};</a:t>
+            </a:r>
+          </a:p>
+        </p:txBody>
+      </p:sp>
+    </p:spTree>
+    <p:extLst>
+      <p:ext uri="{BB962C8B-B14F-4D97-AF65-F5344CB8AC3E}">
+        <p14:creationId xmlns:p14="http://schemas.microsoft.com/office/powerpoint/2010/main" val="1481515334"/>
+      </p:ext>
+    </p:extLst>
+  </p:cSld>
+  <p:clrMapOvr>
+    <a:masterClrMapping/>
+  </p:clrMapOvr>
+</p:sld>
+</file>
+
+<file path=ppt/slides/slide16.xml><?xml version="1.0" encoding="utf-8"?>
+<p:sld xmlns:a="http://schemas.openxmlformats.org/drawingml/2006/main" xmlns:r="http://schemas.openxmlformats.org/officeDocument/2006/relationships" xmlns:p="http://schemas.openxmlformats.org/presentationml/2006/main">
+  <p:cSld>
+    <p:spTree>
+      <p:nvGrpSpPr>
+        <p:cNvPr id="1" name=""/>
+        <p:cNvGrpSpPr/>
+        <p:nvPr/>
+      </p:nvGrpSpPr>
+      <p:grpSpPr>
+        <a:xfrm>
+          <a:off x="0" y="0"/>
+          <a:ext cx="0" cy="0"/>
+          <a:chOff x="0" y="0"/>
+          <a:chExt cx="0" cy="0"/>
+        </a:xfrm>
+      </p:grpSpPr>
+      <p:sp>
+        <p:nvSpPr>
+          <p:cNvPr id="2" name="Title 1">
+            <a:extLst>
+              <a:ext uri="{FF2B5EF4-FFF2-40B4-BE49-F238E27FC236}">
+                <a16:creationId xmlns:a16="http://schemas.microsoft.com/office/drawing/2014/main" id="{2D4E4121-CDC8-41BA-846E-58655BA90FCF}"/>
+              </a:ext>
+            </a:extLst>
+          </p:cNvPr>
+          <p:cNvSpPr>
+            <a:spLocks noGrp="1"/>
+          </p:cNvSpPr>
+          <p:nvPr>
+            <p:ph type="ctrTitle"/>
+          </p:nvPr>
+        </p:nvSpPr>
+        <p:spPr>
+          <a:xfrm>
+            <a:off x="1507067" y="345351"/>
+            <a:ext cx="9554510" cy="970133"/>
+          </a:xfrm>
+        </p:spPr>
+        <p:txBody>
+          <a:bodyPr/>
+          <a:lstStyle/>
+          <a:p>
+            <a:pPr algn="l"/>
+            <a:r>
+              <a:rPr lang="en-US" dirty="0">
+                <a:solidFill>
+                  <a:schemeClr val="tx1">
+                    <a:lumMod val="85000"/>
+                    <a:lumOff val="15000"/>
+                  </a:schemeClr>
+                </a:solidFill>
+                <a:latin typeface="Segoe UI" panose="020B0502040204020203" pitchFamily="34" charset="0"/>
+                <a:cs typeface="Segoe UI" panose="020B0502040204020203" pitchFamily="34" charset="0"/>
+              </a:rPr>
+              <a:t>JS| </a:t>
+            </a:r>
+            <a:r>
+              <a:rPr lang="en-US" sz="3200" b="1" dirty="0">
+                <a:solidFill>
+                  <a:schemeClr val="tx1">
+                    <a:lumMod val="85000"/>
+                    <a:lumOff val="15000"/>
+                  </a:schemeClr>
+                </a:solidFill>
+                <a:latin typeface="Segoe UI" panose="020B0502040204020203" pitchFamily="34" charset="0"/>
+                <a:cs typeface="Segoe UI" panose="020B0502040204020203" pitchFamily="34" charset="0"/>
+              </a:rPr>
+              <a:t>C#-Style in JavaScript</a:t>
+            </a:r>
+            <a:endParaRPr lang="en-US" b="1" dirty="0">
+              <a:solidFill>
+                <a:srgbClr val="C00000"/>
+              </a:solidFill>
+              <a:latin typeface="Segoe UI" panose="020B0502040204020203" pitchFamily="34" charset="0"/>
+              <a:cs typeface="Segoe UI" panose="020B0502040204020203" pitchFamily="34" charset="0"/>
+            </a:endParaRPr>
+          </a:p>
+        </p:txBody>
+      </p:sp>
+      <p:sp>
+        <p:nvSpPr>
+          <p:cNvPr id="3" name="TextBox 2">
+            <a:extLst>
+              <a:ext uri="{FF2B5EF4-FFF2-40B4-BE49-F238E27FC236}">
+                <a16:creationId xmlns:a16="http://schemas.microsoft.com/office/drawing/2014/main" id="{C895C44F-686B-467A-B89F-FA4A0CDDDA49}"/>
+              </a:ext>
+            </a:extLst>
+          </p:cNvPr>
+          <p:cNvSpPr txBox="1"/>
+          <p:nvPr/>
+        </p:nvSpPr>
+        <p:spPr>
+          <a:xfrm>
+            <a:off x="1605106" y="1616879"/>
+            <a:ext cx="9391548" cy="584775"/>
+          </a:xfrm>
+          <a:prstGeom prst="rect">
+            <a:avLst/>
+          </a:prstGeom>
+          <a:solidFill>
+            <a:schemeClr val="accent1">
+              <a:lumMod val="40000"/>
+              <a:lumOff val="60000"/>
+            </a:schemeClr>
+          </a:solidFill>
+          <a:ln w="57150">
+            <a:solidFill>
+              <a:srgbClr val="0070C0"/>
+            </a:solidFill>
+          </a:ln>
+        </p:spPr>
+        <p:txBody>
+          <a:bodyPr wrap="square" rtlCol="0">
+            <a:spAutoFit/>
+          </a:bodyPr>
+          <a:lstStyle/>
+          <a:p>
+            <a:pPr algn="just"/>
+            <a:r>
+              <a:rPr lang="en-US" sz="1600" dirty="0"/>
+              <a:t>If you have programmed in C# or a similar strongly-typed object-oriented language, you may be accustomed to thinking about four kinds of </a:t>
+            </a:r>
+            <a:r>
+              <a:rPr lang="en-US" sz="1600" b="1" dirty="0"/>
+              <a:t>class members</a:t>
+            </a:r>
+            <a:endParaRPr lang="en-US" sz="1600" b="1" dirty="0">
+              <a:latin typeface="Segoe UI" panose="020B0502040204020203" pitchFamily="34" charset="0"/>
+              <a:cs typeface="Segoe UI" panose="020B0502040204020203" pitchFamily="34" charset="0"/>
+            </a:endParaRPr>
+          </a:p>
+        </p:txBody>
+      </p:sp>
+      <p:graphicFrame>
+        <p:nvGraphicFramePr>
+          <p:cNvPr id="4" name="Table 4">
+            <a:extLst>
+              <a:ext uri="{FF2B5EF4-FFF2-40B4-BE49-F238E27FC236}">
+                <a16:creationId xmlns:a16="http://schemas.microsoft.com/office/drawing/2014/main" id="{ED306116-9B1F-49C9-BE2B-91EC65285E46}"/>
+              </a:ext>
+            </a:extLst>
+          </p:cNvPr>
+          <p:cNvGraphicFramePr>
+            <a:graphicFrameLocks noGrp="1"/>
+          </p:cNvGraphicFramePr>
+          <p:nvPr>
+            <p:extLst>
+              <p:ext uri="{D42A27DB-BD31-4B8C-83A1-F6EECF244321}">
+                <p14:modId xmlns:p14="http://schemas.microsoft.com/office/powerpoint/2010/main" val="3580361270"/>
+              </p:ext>
+            </p:extLst>
+          </p:nvPr>
+        </p:nvGraphicFramePr>
+        <p:xfrm>
+          <a:off x="594804" y="2592854"/>
+          <a:ext cx="11061577" cy="2687320"/>
+        </p:xfrm>
+        <a:graphic>
+          <a:graphicData uri="http://schemas.openxmlformats.org/drawingml/2006/table">
+            <a:tbl>
+              <a:tblPr firstRow="1" bandRow="1">
+                <a:tableStyleId>{D7AC3CCA-C797-4891-BE02-D94E43425B78}</a:tableStyleId>
+              </a:tblPr>
+              <a:tblGrid>
+                <a:gridCol w="2061959">
+                  <a:extLst>
+                    <a:ext uri="{9D8B030D-6E8A-4147-A177-3AD203B41FA5}">
+                      <a16:colId xmlns:a16="http://schemas.microsoft.com/office/drawing/2014/main" val="879541183"/>
+                    </a:ext>
+                  </a:extLst>
+                </a:gridCol>
+                <a:gridCol w="5963454">
+                  <a:extLst>
+                    <a:ext uri="{9D8B030D-6E8A-4147-A177-3AD203B41FA5}">
+                      <a16:colId xmlns:a16="http://schemas.microsoft.com/office/drawing/2014/main" val="1049391928"/>
+                    </a:ext>
+                  </a:extLst>
+                </a:gridCol>
+                <a:gridCol w="3036164">
+                  <a:extLst>
+                    <a:ext uri="{9D8B030D-6E8A-4147-A177-3AD203B41FA5}">
+                      <a16:colId xmlns:a16="http://schemas.microsoft.com/office/drawing/2014/main" val="2261665094"/>
+                    </a:ext>
+                  </a:extLst>
+                </a:gridCol>
+              </a:tblGrid>
+              <a:tr h="370840">
+                <a:tc>
+                  <a:txBody>
+                    <a:bodyPr/>
+                    <a:lstStyle/>
+                    <a:p>
+                      <a:pPr algn="ctr"/>
+                      <a:r>
+                        <a:rPr lang="en-US" sz="1600" dirty="0">
+                          <a:solidFill>
+                            <a:sysClr val="windowText" lastClr="000000"/>
+                          </a:solidFill>
+                        </a:rPr>
+                        <a:t>Member</a:t>
+                      </a:r>
+                      <a:endParaRPr lang="en-US" sz="1600" dirty="0">
+                        <a:solidFill>
+                          <a:sysClr val="windowText" lastClr="000000"/>
+                        </a:solidFill>
+                        <a:latin typeface="Segoe UI" panose="020B0502040204020203" pitchFamily="34" charset="0"/>
+                        <a:cs typeface="Segoe UI" panose="020B0502040204020203" pitchFamily="34" charset="0"/>
+                      </a:endParaRPr>
+                    </a:p>
+                  </a:txBody>
+                  <a:tcPr>
+                    <a:solidFill>
+                      <a:srgbClr val="0070C0"/>
+                    </a:solidFill>
+                  </a:tcPr>
+                </a:tc>
+                <a:tc>
+                  <a:txBody>
+                    <a:bodyPr/>
+                    <a:lstStyle/>
+                    <a:p>
+                      <a:pPr algn="ctr"/>
+                      <a:r>
+                        <a:rPr lang="en-US" sz="1600" dirty="0">
+                          <a:solidFill>
+                            <a:sysClr val="windowText" lastClr="000000"/>
+                          </a:solidFill>
+                        </a:rPr>
+                        <a:t>Description</a:t>
+                      </a:r>
+                      <a:endParaRPr lang="en-US" sz="1600" dirty="0">
+                        <a:solidFill>
+                          <a:sysClr val="windowText" lastClr="000000"/>
+                        </a:solidFill>
+                        <a:latin typeface="Segoe UI" panose="020B0502040204020203" pitchFamily="34" charset="0"/>
+                        <a:cs typeface="Segoe UI" panose="020B0502040204020203" pitchFamily="34" charset="0"/>
+                      </a:endParaRPr>
+                    </a:p>
+                  </a:txBody>
+                  <a:tcPr>
+                    <a:solidFill>
+                      <a:srgbClr val="0070C0"/>
+                    </a:solidFill>
+                  </a:tcPr>
+                </a:tc>
+                <a:tc>
+                  <a:txBody>
+                    <a:bodyPr/>
+                    <a:lstStyle/>
+                    <a:p>
+                      <a:pPr algn="ctr"/>
+                      <a:r>
+                        <a:rPr lang="en-US" sz="1600" dirty="0">
+                          <a:solidFill>
+                            <a:sysClr val="windowText" lastClr="000000"/>
+                          </a:solidFill>
+                        </a:rPr>
+                        <a:t>Help</a:t>
+                      </a:r>
+                      <a:endParaRPr lang="en-US" sz="1600" dirty="0">
+                        <a:solidFill>
+                          <a:sysClr val="windowText" lastClr="000000"/>
+                        </a:solidFill>
+                        <a:latin typeface="Segoe UI" panose="020B0502040204020203" pitchFamily="34" charset="0"/>
+                        <a:cs typeface="Segoe UI" panose="020B0502040204020203" pitchFamily="34" charset="0"/>
+                      </a:endParaRPr>
+                    </a:p>
+                  </a:txBody>
+                  <a:tcPr>
+                    <a:solidFill>
+                      <a:srgbClr val="0070C0"/>
+                    </a:solidFill>
+                  </a:tcPr>
+                </a:tc>
+                <a:extLst>
+                  <a:ext uri="{0D108BD9-81ED-4DB2-BD59-A6C34878D82A}">
+                    <a16:rowId xmlns:a16="http://schemas.microsoft.com/office/drawing/2014/main" val="2866230214"/>
+                  </a:ext>
+                </a:extLst>
+              </a:tr>
+              <a:tr h="370840">
+                <a:tc>
+                  <a:txBody>
+                    <a:bodyPr/>
+                    <a:lstStyle/>
+                    <a:p>
+                      <a:pPr algn="l"/>
+                      <a:r>
+                        <a:rPr lang="en-US" sz="1600" b="1" dirty="0">
+                          <a:solidFill>
+                            <a:srgbClr val="7030A0"/>
+                          </a:solidFill>
+                        </a:rPr>
+                        <a:t>Instance Field</a:t>
+                      </a:r>
+                      <a:endParaRPr lang="en-US" sz="1600" b="1" dirty="0">
+                        <a:solidFill>
+                          <a:srgbClr val="7030A0"/>
+                        </a:solidFill>
+                        <a:latin typeface="Segoe UI" panose="020B0502040204020203" pitchFamily="34" charset="0"/>
+                        <a:cs typeface="Segoe UI" panose="020B0502040204020203" pitchFamily="34" charset="0"/>
+                      </a:endParaRPr>
+                    </a:p>
+                  </a:txBody>
+                  <a:tcPr anchor="ctr">
+                    <a:solidFill>
+                      <a:schemeClr val="accent5">
+                        <a:lumMod val="60000"/>
+                        <a:lumOff val="40000"/>
+                      </a:schemeClr>
+                    </a:solidFill>
+                  </a:tcPr>
+                </a:tc>
+                <a:tc>
+                  <a:txBody>
+                    <a:bodyPr/>
+                    <a:lstStyle/>
+                    <a:p>
+                      <a:pPr algn="l"/>
+                      <a:r>
+                        <a:rPr lang="en-US" sz="1600" dirty="0"/>
+                        <a:t>These are the per-instance properties or variables that hold the state of individual objects. </a:t>
+                      </a:r>
+                      <a:endParaRPr lang="en-US" sz="1600" dirty="0">
+                        <a:latin typeface="Segoe UI" panose="020B0502040204020203" pitchFamily="34" charset="0"/>
+                        <a:cs typeface="Segoe UI" panose="020B0502040204020203" pitchFamily="34" charset="0"/>
+                      </a:endParaRPr>
+                    </a:p>
+                  </a:txBody>
+                  <a:tcPr anchor="ctr">
+                    <a:solidFill>
+                      <a:schemeClr val="accent5">
+                        <a:lumMod val="60000"/>
+                        <a:lumOff val="40000"/>
+                      </a:schemeClr>
+                    </a:solidFill>
+                  </a:tcPr>
+                </a:tc>
+                <a:tc rowSpan="2">
+                  <a:txBody>
+                    <a:bodyPr/>
+                    <a:lstStyle/>
+                    <a:p>
+                      <a:pPr algn="l"/>
+                      <a:r>
+                        <a:rPr lang="en-US" sz="1600" dirty="0"/>
+                        <a:t>This filed is accessible only after create the object instance with new keyword</a:t>
+                      </a:r>
+                      <a:endParaRPr lang="en-US" sz="1600" dirty="0">
+                        <a:latin typeface="Segoe UI" panose="020B0502040204020203" pitchFamily="34" charset="0"/>
+                        <a:cs typeface="Segoe UI" panose="020B0502040204020203" pitchFamily="34" charset="0"/>
+                      </a:endParaRPr>
+                    </a:p>
+                  </a:txBody>
+                  <a:tcPr anchor="ctr">
+                    <a:solidFill>
+                      <a:srgbClr val="00B050"/>
+                    </a:solidFill>
+                  </a:tcPr>
+                </a:tc>
+                <a:extLst>
+                  <a:ext uri="{0D108BD9-81ED-4DB2-BD59-A6C34878D82A}">
+                    <a16:rowId xmlns:a16="http://schemas.microsoft.com/office/drawing/2014/main" val="416969677"/>
+                  </a:ext>
+                </a:extLst>
+              </a:tr>
+              <a:tr h="370840">
+                <a:tc>
+                  <a:txBody>
+                    <a:bodyPr/>
+                    <a:lstStyle/>
+                    <a:p>
+                      <a:pPr algn="l"/>
+                      <a:r>
+                        <a:rPr lang="en-US" sz="1600" b="1" dirty="0">
+                          <a:solidFill>
+                            <a:srgbClr val="0070C0"/>
+                          </a:solidFill>
+                        </a:rPr>
+                        <a:t>Instance Method</a:t>
+                      </a:r>
+                      <a:endParaRPr lang="en-US" sz="1600" b="1" dirty="0">
+                        <a:solidFill>
+                          <a:srgbClr val="0070C0"/>
+                        </a:solidFill>
+                        <a:latin typeface="Segoe UI" panose="020B0502040204020203" pitchFamily="34" charset="0"/>
+                        <a:cs typeface="Segoe UI" panose="020B0502040204020203" pitchFamily="34" charset="0"/>
+                      </a:endParaRPr>
+                    </a:p>
+                  </a:txBody>
+                  <a:tcPr anchor="ctr">
+                    <a:solidFill>
+                      <a:schemeClr val="accent3">
+                        <a:lumMod val="60000"/>
+                        <a:lumOff val="40000"/>
+                      </a:schemeClr>
+                    </a:solidFill>
+                  </a:tcPr>
+                </a:tc>
+                <a:tc>
+                  <a:txBody>
+                    <a:bodyPr/>
+                    <a:lstStyle/>
+                    <a:p>
+                      <a:pPr algn="l"/>
+                      <a:r>
+                        <a:rPr lang="en-US" sz="1600" dirty="0"/>
+                        <a:t>These are methods that are shared by all instances of the class that are invoked through individual instances.</a:t>
+                      </a:r>
+                      <a:endParaRPr lang="en-US" sz="1600" dirty="0">
+                        <a:latin typeface="Segoe UI" panose="020B0502040204020203" pitchFamily="34" charset="0"/>
+                        <a:cs typeface="Segoe UI" panose="020B0502040204020203" pitchFamily="34" charset="0"/>
+                      </a:endParaRPr>
+                    </a:p>
+                  </a:txBody>
+                  <a:tcPr anchor="ctr">
+                    <a:solidFill>
+                      <a:schemeClr val="accent3">
+                        <a:lumMod val="60000"/>
+                        <a:lumOff val="40000"/>
+                      </a:schemeClr>
+                    </a:solidFill>
+                  </a:tcPr>
+                </a:tc>
+                <a:tc vMerge="1">
+                  <a:txBody>
+                    <a:bodyPr/>
+                    <a:lstStyle/>
+                    <a:p>
+                      <a:pPr algn="ctr"/>
+                      <a:endParaRPr lang="en-US" sz="1600" dirty="0">
+                        <a:latin typeface="Segoe UI" panose="020B0502040204020203" pitchFamily="34" charset="0"/>
+                        <a:cs typeface="Segoe UI" panose="020B0502040204020203" pitchFamily="34" charset="0"/>
+                      </a:endParaRPr>
+                    </a:p>
+                  </a:txBody>
+                  <a:tcPr anchor="ctr"/>
+                </a:tc>
+                <a:extLst>
+                  <a:ext uri="{0D108BD9-81ED-4DB2-BD59-A6C34878D82A}">
+                    <a16:rowId xmlns:a16="http://schemas.microsoft.com/office/drawing/2014/main" val="582087586"/>
+                  </a:ext>
+                </a:extLst>
+              </a:tr>
+              <a:tr h="370840">
+                <a:tc>
+                  <a:txBody>
+                    <a:bodyPr/>
+                    <a:lstStyle/>
+                    <a:p>
+                      <a:pPr algn="l"/>
+                      <a:r>
+                        <a:rPr lang="en-US" sz="1600" b="1" dirty="0">
+                          <a:solidFill>
+                            <a:srgbClr val="C00000"/>
+                          </a:solidFill>
+                        </a:rPr>
+                        <a:t>Class fields</a:t>
+                      </a:r>
+                      <a:endParaRPr lang="en-US" sz="1600" b="1" dirty="0">
+                        <a:solidFill>
+                          <a:srgbClr val="C00000"/>
+                        </a:solidFill>
+                        <a:latin typeface="Segoe UI" panose="020B0502040204020203" pitchFamily="34" charset="0"/>
+                        <a:cs typeface="Segoe UI" panose="020B0502040204020203" pitchFamily="34" charset="0"/>
+                      </a:endParaRPr>
+                    </a:p>
+                  </a:txBody>
+                  <a:tcPr anchor="ctr">
+                    <a:solidFill>
+                      <a:schemeClr val="accent1">
+                        <a:lumMod val="60000"/>
+                        <a:lumOff val="40000"/>
+                      </a:schemeClr>
+                    </a:solidFill>
+                  </a:tcPr>
+                </a:tc>
+                <a:tc>
+                  <a:txBody>
+                    <a:bodyPr/>
+                    <a:lstStyle/>
+                    <a:p>
+                      <a:pPr algn="l"/>
+                      <a:r>
+                        <a:rPr lang="en-US" sz="1600" dirty="0"/>
+                        <a:t>These are properties or variables associated with the class rather than the instances of the class.</a:t>
+                      </a:r>
+                      <a:endParaRPr lang="en-US" sz="1600" dirty="0">
+                        <a:latin typeface="Segoe UI" panose="020B0502040204020203" pitchFamily="34" charset="0"/>
+                        <a:cs typeface="Segoe UI" panose="020B0502040204020203" pitchFamily="34" charset="0"/>
+                      </a:endParaRPr>
+                    </a:p>
+                  </a:txBody>
+                  <a:tcPr anchor="ctr">
+                    <a:solidFill>
+                      <a:schemeClr val="accent1">
+                        <a:lumMod val="60000"/>
+                        <a:lumOff val="40000"/>
+                      </a:schemeClr>
+                    </a:solidFill>
+                  </a:tcPr>
+                </a:tc>
+                <a:tc rowSpan="2">
+                  <a:txBody>
+                    <a:bodyPr/>
+                    <a:lstStyle/>
+                    <a:p>
+                      <a:pPr marL="0" marR="0" lvl="0" indent="0" algn="ctr" defTabSz="457200" rtl="0" eaLnBrk="1" fontAlgn="auto" latinLnBrk="0" hangingPunct="1">
+                        <a:lnSpc>
+                          <a:spcPct val="100000"/>
+                        </a:lnSpc>
+                        <a:spcBef>
+                          <a:spcPts val="0"/>
+                        </a:spcBef>
+                        <a:spcAft>
+                          <a:spcPts val="0"/>
+                        </a:spcAft>
+                        <a:buClrTx/>
+                        <a:buSzTx/>
+                        <a:buFontTx/>
+                        <a:buNone/>
+                        <a:tabLst/>
+                        <a:defRPr/>
+                      </a:pPr>
+                      <a:r>
+                        <a:rPr lang="en-US" sz="1600" dirty="0"/>
+                        <a:t>This filed is accessible without create the object instance. These are </a:t>
+                      </a:r>
+                      <a:r>
+                        <a:rPr lang="en-US" sz="1600" b="1" dirty="0"/>
+                        <a:t>static</a:t>
+                      </a:r>
+                      <a:r>
+                        <a:rPr lang="en-US" sz="1600" dirty="0"/>
+                        <a:t> fields</a:t>
+                      </a:r>
+                      <a:endParaRPr lang="en-US" sz="1600" dirty="0">
+                        <a:latin typeface="Segoe UI" panose="020B0502040204020203" pitchFamily="34" charset="0"/>
+                        <a:cs typeface="Segoe UI" panose="020B0502040204020203" pitchFamily="34" charset="0"/>
+                      </a:endParaRPr>
+                    </a:p>
+                  </a:txBody>
+                  <a:tcPr anchor="ctr">
+                    <a:solidFill>
+                      <a:srgbClr val="00B0F0"/>
+                    </a:solidFill>
+                  </a:tcPr>
+                </a:tc>
+                <a:extLst>
+                  <a:ext uri="{0D108BD9-81ED-4DB2-BD59-A6C34878D82A}">
+                    <a16:rowId xmlns:a16="http://schemas.microsoft.com/office/drawing/2014/main" val="4109237210"/>
+                  </a:ext>
+                </a:extLst>
+              </a:tr>
+              <a:tr h="370840">
+                <a:tc>
+                  <a:txBody>
+                    <a:bodyPr/>
+                    <a:lstStyle/>
+                    <a:p>
+                      <a:pPr algn="l"/>
+                      <a:r>
+                        <a:rPr lang="en-US" sz="1600" b="1" dirty="0">
+                          <a:solidFill>
+                            <a:srgbClr val="C00000"/>
+                          </a:solidFill>
+                        </a:rPr>
+                        <a:t>Class methods</a:t>
+                      </a:r>
+                      <a:endParaRPr lang="en-US" sz="1600" b="1" dirty="0">
+                        <a:solidFill>
+                          <a:srgbClr val="C00000"/>
+                        </a:solidFill>
+                        <a:latin typeface="Segoe UI" panose="020B0502040204020203" pitchFamily="34" charset="0"/>
+                        <a:cs typeface="Segoe UI" panose="020B0502040204020203" pitchFamily="34" charset="0"/>
+                      </a:endParaRPr>
+                    </a:p>
+                  </a:txBody>
+                  <a:tcPr anchor="ctr">
+                    <a:solidFill>
+                      <a:schemeClr val="accent2">
+                        <a:lumMod val="60000"/>
+                        <a:lumOff val="40000"/>
+                      </a:schemeClr>
+                    </a:solidFill>
+                  </a:tcPr>
+                </a:tc>
+                <a:tc>
+                  <a:txBody>
+                    <a:bodyPr/>
+                    <a:lstStyle/>
+                    <a:p>
+                      <a:pPr algn="l"/>
+                      <a:r>
+                        <a:rPr lang="en-US" sz="1600" dirty="0"/>
+                        <a:t>These are methods that are associated with the class rather than with instances.</a:t>
+                      </a:r>
+                      <a:endParaRPr lang="en-US" sz="1600" dirty="0">
+                        <a:latin typeface="Segoe UI" panose="020B0502040204020203" pitchFamily="34" charset="0"/>
+                        <a:cs typeface="Segoe UI" panose="020B0502040204020203" pitchFamily="34" charset="0"/>
+                      </a:endParaRPr>
+                    </a:p>
+                  </a:txBody>
+                  <a:tcPr anchor="ctr">
+                    <a:solidFill>
+                      <a:schemeClr val="accent2">
+                        <a:lumMod val="60000"/>
+                        <a:lumOff val="40000"/>
+                      </a:schemeClr>
+                    </a:solidFill>
+                  </a:tcPr>
+                </a:tc>
+                <a:tc vMerge="1">
+                  <a:txBody>
+                    <a:bodyPr/>
+                    <a:lstStyle/>
+                    <a:p>
+                      <a:pPr algn="ctr"/>
+                      <a:endParaRPr lang="en-US" sz="1600" dirty="0">
+                        <a:latin typeface="Segoe UI" panose="020B0502040204020203" pitchFamily="34" charset="0"/>
+                        <a:cs typeface="Segoe UI" panose="020B0502040204020203" pitchFamily="34" charset="0"/>
+                      </a:endParaRPr>
+                    </a:p>
+                  </a:txBody>
+                  <a:tcPr anchor="ctr"/>
+                </a:tc>
+                <a:extLst>
+                  <a:ext uri="{0D108BD9-81ED-4DB2-BD59-A6C34878D82A}">
+                    <a16:rowId xmlns:a16="http://schemas.microsoft.com/office/drawing/2014/main" val="1440618752"/>
+                  </a:ext>
+                </a:extLst>
+              </a:tr>
+            </a:tbl>
+          </a:graphicData>
+        </a:graphic>
+      </p:graphicFrame>
+    </p:spTree>
+    <p:extLst>
+      <p:ext uri="{BB962C8B-B14F-4D97-AF65-F5344CB8AC3E}">
+        <p14:creationId xmlns:p14="http://schemas.microsoft.com/office/powerpoint/2010/main" val="2036662868"/>
+      </p:ext>
+    </p:extLst>
+  </p:cSld>
+  <p:clrMapOvr>
+    <a:masterClrMapping/>
+  </p:clrMapOvr>
+</p:sld>
+</file>
+
+<file path=ppt/slides/slide17.xml><?xml version="1.0" encoding="utf-8"?>
+<p:sld xmlns:a="http://schemas.openxmlformats.org/drawingml/2006/main" xmlns:r="http://schemas.openxmlformats.org/officeDocument/2006/relationships" xmlns:p="http://schemas.openxmlformats.org/presentationml/2006/main">
+  <p:cSld>
+    <p:spTree>
+      <p:nvGrpSpPr>
+        <p:cNvPr id="1" name=""/>
+        <p:cNvGrpSpPr/>
+        <p:nvPr/>
+      </p:nvGrpSpPr>
+      <p:grpSpPr>
+        <a:xfrm>
+          <a:off x="0" y="0"/>
+          <a:ext cx="0" cy="0"/>
+          <a:chOff x="0" y="0"/>
+          <a:chExt cx="0" cy="0"/>
+        </a:xfrm>
+      </p:grpSpPr>
+      <p:sp>
+        <p:nvSpPr>
+          <p:cNvPr id="2" name="Title 1">
+            <a:extLst>
+              <a:ext uri="{FF2B5EF4-FFF2-40B4-BE49-F238E27FC236}">
+                <a16:creationId xmlns:a16="http://schemas.microsoft.com/office/drawing/2014/main" id="{2D4E4121-CDC8-41BA-846E-58655BA90FCF}"/>
+              </a:ext>
+            </a:extLst>
+          </p:cNvPr>
+          <p:cNvSpPr>
+            <a:spLocks noGrp="1"/>
+          </p:cNvSpPr>
+          <p:nvPr>
+            <p:ph type="ctrTitle"/>
+          </p:nvPr>
+        </p:nvSpPr>
+        <p:spPr>
+          <a:xfrm>
+            <a:off x="1507067" y="345351"/>
+            <a:ext cx="9554510" cy="970133"/>
+          </a:xfrm>
+        </p:spPr>
+        <p:txBody>
+          <a:bodyPr/>
+          <a:lstStyle/>
+          <a:p>
+            <a:pPr algn="l"/>
+            <a:r>
+              <a:rPr lang="en-US" dirty="0">
+                <a:solidFill>
+                  <a:schemeClr val="tx1">
+                    <a:lumMod val="85000"/>
+                    <a:lumOff val="15000"/>
+                  </a:schemeClr>
+                </a:solidFill>
+                <a:latin typeface="Segoe UI" panose="020B0502040204020203" pitchFamily="34" charset="0"/>
+                <a:cs typeface="Segoe UI" panose="020B0502040204020203" pitchFamily="34" charset="0"/>
+              </a:rPr>
+              <a:t>JS| </a:t>
+            </a:r>
+            <a:r>
+              <a:rPr lang="en-US" sz="3200" b="1" dirty="0">
+                <a:solidFill>
+                  <a:schemeClr val="tx1">
+                    <a:lumMod val="85000"/>
+                    <a:lumOff val="15000"/>
+                  </a:schemeClr>
+                </a:solidFill>
+                <a:latin typeface="Segoe UI" panose="020B0502040204020203" pitchFamily="34" charset="0"/>
+                <a:cs typeface="Segoe UI" panose="020B0502040204020203" pitchFamily="34" charset="0"/>
+              </a:rPr>
+              <a:t>C#-Style in JavaScript</a:t>
+            </a:r>
+            <a:endParaRPr lang="en-US" b="1" dirty="0">
+              <a:solidFill>
+                <a:srgbClr val="C00000"/>
+              </a:solidFill>
+              <a:latin typeface="Segoe UI" panose="020B0502040204020203" pitchFamily="34" charset="0"/>
+              <a:cs typeface="Segoe UI" panose="020B0502040204020203" pitchFamily="34" charset="0"/>
+            </a:endParaRPr>
+          </a:p>
+        </p:txBody>
+      </p:sp>
+      <p:sp>
+        <p:nvSpPr>
+          <p:cNvPr id="3" name="TextBox 2">
+            <a:extLst>
+              <a:ext uri="{FF2B5EF4-FFF2-40B4-BE49-F238E27FC236}">
+                <a16:creationId xmlns:a16="http://schemas.microsoft.com/office/drawing/2014/main" id="{C895C44F-686B-467A-B89F-FA4A0CDDDA49}"/>
+              </a:ext>
+            </a:extLst>
+          </p:cNvPr>
+          <p:cNvSpPr txBox="1"/>
+          <p:nvPr/>
+        </p:nvSpPr>
+        <p:spPr>
+          <a:xfrm>
+            <a:off x="1400226" y="1616879"/>
+            <a:ext cx="9391548" cy="1077218"/>
+          </a:xfrm>
+          <a:prstGeom prst="rect">
+            <a:avLst/>
+          </a:prstGeom>
+          <a:solidFill>
+            <a:schemeClr val="accent1">
+              <a:lumMod val="40000"/>
+              <a:lumOff val="60000"/>
+            </a:schemeClr>
+          </a:solidFill>
+          <a:ln w="57150">
+            <a:solidFill>
+              <a:srgbClr val="0070C0"/>
+            </a:solidFill>
+          </a:ln>
+        </p:spPr>
+        <p:txBody>
+          <a:bodyPr wrap="square" rtlCol="0">
+            <a:spAutoFit/>
+          </a:bodyPr>
+          <a:lstStyle/>
+          <a:p>
+            <a:pPr algn="just"/>
+            <a:r>
+              <a:rPr lang="en-US" sz="1600" dirty="0">
+                <a:latin typeface="Segoe UI" panose="020B0502040204020203" pitchFamily="34" charset="0"/>
+                <a:cs typeface="Segoe UI" panose="020B0502040204020203" pitchFamily="34" charset="0"/>
+              </a:rPr>
+              <a:t>One way JavaScript differs from C# is that its </a:t>
+            </a:r>
+            <a:r>
+              <a:rPr lang="en-US" sz="1600" b="1" dirty="0">
+                <a:latin typeface="Segoe UI" panose="020B0502040204020203" pitchFamily="34" charset="0"/>
+                <a:cs typeface="Segoe UI" panose="020B0502040204020203" pitchFamily="34" charset="0"/>
+              </a:rPr>
+              <a:t>functions are values</a:t>
+            </a:r>
+            <a:r>
+              <a:rPr lang="en-US" sz="1600" dirty="0">
+                <a:latin typeface="Segoe UI" panose="020B0502040204020203" pitchFamily="34" charset="0"/>
+                <a:cs typeface="Segoe UI" panose="020B0502040204020203" pitchFamily="34" charset="0"/>
+              </a:rPr>
+              <a:t>, and there is </a:t>
+            </a:r>
+            <a:r>
+              <a:rPr lang="en-US" sz="1600" b="1" dirty="0">
+                <a:latin typeface="Segoe UI" panose="020B0502040204020203" pitchFamily="34" charset="0"/>
+                <a:cs typeface="Segoe UI" panose="020B0502040204020203" pitchFamily="34" charset="0"/>
+              </a:rPr>
+              <a:t>no </a:t>
+            </a:r>
+            <a:r>
+              <a:rPr lang="en-US" sz="1600" dirty="0">
+                <a:latin typeface="Segoe UI" panose="020B0502040204020203" pitchFamily="34" charset="0"/>
+                <a:cs typeface="Segoe UI" panose="020B0502040204020203" pitchFamily="34" charset="0"/>
+              </a:rPr>
+              <a:t>distinction between </a:t>
+            </a:r>
+            <a:r>
+              <a:rPr lang="en-US" sz="1600" b="1" dirty="0">
+                <a:latin typeface="Segoe UI" panose="020B0502040204020203" pitchFamily="34" charset="0"/>
+                <a:cs typeface="Segoe UI" panose="020B0502040204020203" pitchFamily="34" charset="0"/>
+              </a:rPr>
+              <a:t>methods </a:t>
+            </a:r>
+            <a:r>
+              <a:rPr lang="en-US" sz="1600" dirty="0">
+                <a:latin typeface="Segoe UI" panose="020B0502040204020203" pitchFamily="34" charset="0"/>
+                <a:cs typeface="Segoe UI" panose="020B0502040204020203" pitchFamily="34" charset="0"/>
+              </a:rPr>
+              <a:t>and </a:t>
+            </a:r>
+            <a:r>
+              <a:rPr lang="en-US" sz="1600" b="1" dirty="0">
+                <a:latin typeface="Segoe UI" panose="020B0502040204020203" pitchFamily="34" charset="0"/>
+                <a:cs typeface="Segoe UI" panose="020B0502040204020203" pitchFamily="34" charset="0"/>
+              </a:rPr>
+              <a:t>fields</a:t>
+            </a:r>
+            <a:r>
+              <a:rPr lang="en-US" sz="1600" dirty="0">
+                <a:latin typeface="Segoe UI" panose="020B0502040204020203" pitchFamily="34" charset="0"/>
+                <a:cs typeface="Segoe UI" panose="020B0502040204020203" pitchFamily="34" charset="0"/>
+              </a:rPr>
+              <a:t>. </a:t>
+            </a:r>
+          </a:p>
+          <a:p>
+            <a:pPr algn="just"/>
+            <a:endParaRPr lang="en-US" sz="1600" dirty="0">
+              <a:latin typeface="Segoe UI" panose="020B0502040204020203" pitchFamily="34" charset="0"/>
+              <a:cs typeface="Segoe UI" panose="020B0502040204020203" pitchFamily="34" charset="0"/>
+            </a:endParaRPr>
+          </a:p>
+          <a:p>
+            <a:pPr algn="just"/>
+            <a:r>
+              <a:rPr lang="en-US" sz="1600" dirty="0"/>
+              <a:t>In JavaScript, there are </a:t>
+            </a:r>
+            <a:r>
+              <a:rPr lang="en-US" sz="1600" b="1" dirty="0"/>
+              <a:t>three</a:t>
+            </a:r>
+            <a:r>
+              <a:rPr lang="en-US" sz="1600" dirty="0"/>
+              <a:t> different </a:t>
+            </a:r>
+            <a:r>
+              <a:rPr lang="en-US" sz="1600" b="1" dirty="0"/>
+              <a:t>objects</a:t>
+            </a:r>
+            <a:r>
+              <a:rPr lang="en-US" sz="1600" dirty="0"/>
+              <a:t> involved </a:t>
+            </a:r>
+            <a:r>
+              <a:rPr lang="en-US" sz="1600" b="1" dirty="0"/>
+              <a:t>in any class definition</a:t>
+            </a:r>
+            <a:r>
+              <a:rPr lang="en-US" sz="1600" dirty="0"/>
+              <a:t>.</a:t>
+            </a:r>
+            <a:endParaRPr lang="en-US" sz="1600" dirty="0">
+              <a:latin typeface="Segoe UI" panose="020B0502040204020203" pitchFamily="34" charset="0"/>
+              <a:cs typeface="Segoe UI" panose="020B0502040204020203" pitchFamily="34" charset="0"/>
+            </a:endParaRPr>
+          </a:p>
+        </p:txBody>
+      </p:sp>
+      <p:graphicFrame>
+        <p:nvGraphicFramePr>
+          <p:cNvPr id="4" name="Table 4">
+            <a:extLst>
+              <a:ext uri="{FF2B5EF4-FFF2-40B4-BE49-F238E27FC236}">
+                <a16:creationId xmlns:a16="http://schemas.microsoft.com/office/drawing/2014/main" id="{ED306116-9B1F-49C9-BE2B-91EC65285E46}"/>
+              </a:ext>
+            </a:extLst>
+          </p:cNvPr>
+          <p:cNvGraphicFramePr>
+            <a:graphicFrameLocks noGrp="1"/>
+          </p:cNvGraphicFramePr>
+          <p:nvPr>
+            <p:extLst>
+              <p:ext uri="{D42A27DB-BD31-4B8C-83A1-F6EECF244321}">
+                <p14:modId xmlns:p14="http://schemas.microsoft.com/office/powerpoint/2010/main" val="726887217"/>
+              </p:ext>
+            </p:extLst>
+          </p:nvPr>
+        </p:nvGraphicFramePr>
+        <p:xfrm>
+          <a:off x="1588548" y="3170692"/>
+          <a:ext cx="9391548" cy="3083560"/>
+        </p:xfrm>
+        <a:graphic>
+          <a:graphicData uri="http://schemas.openxmlformats.org/drawingml/2006/table">
+            <a:tbl>
+              <a:tblPr firstRow="1" bandRow="1">
+                <a:tableStyleId>{D7AC3CCA-C797-4891-BE02-D94E43425B78}</a:tableStyleId>
+              </a:tblPr>
+              <a:tblGrid>
+                <a:gridCol w="2176780">
+                  <a:extLst>
+                    <a:ext uri="{9D8B030D-6E8A-4147-A177-3AD203B41FA5}">
+                      <a16:colId xmlns:a16="http://schemas.microsoft.com/office/drawing/2014/main" val="879541183"/>
+                    </a:ext>
+                  </a:extLst>
+                </a:gridCol>
+                <a:gridCol w="7214768">
+                  <a:extLst>
+                    <a:ext uri="{9D8B030D-6E8A-4147-A177-3AD203B41FA5}">
+                      <a16:colId xmlns:a16="http://schemas.microsoft.com/office/drawing/2014/main" val="1049391928"/>
+                    </a:ext>
+                  </a:extLst>
+                </a:gridCol>
+              </a:tblGrid>
+              <a:tr h="370840">
+                <a:tc>
+                  <a:txBody>
+                    <a:bodyPr/>
+                    <a:lstStyle/>
+                    <a:p>
+                      <a:pPr algn="ctr"/>
+                      <a:r>
+                        <a:rPr lang="en-US" sz="1600" dirty="0">
+                          <a:solidFill>
+                            <a:sysClr val="windowText" lastClr="000000"/>
+                          </a:solidFill>
+                        </a:rPr>
+                        <a:t>Member</a:t>
+                      </a:r>
+                      <a:endParaRPr lang="en-US" sz="1600" dirty="0">
+                        <a:solidFill>
+                          <a:sysClr val="windowText" lastClr="000000"/>
+                        </a:solidFill>
+                        <a:latin typeface="Segoe UI" panose="020B0502040204020203" pitchFamily="34" charset="0"/>
+                        <a:cs typeface="Segoe UI" panose="020B0502040204020203" pitchFamily="34" charset="0"/>
+                      </a:endParaRPr>
+                    </a:p>
+                  </a:txBody>
+                  <a:tcPr>
+                    <a:solidFill>
+                      <a:srgbClr val="0070C0"/>
+                    </a:solidFill>
+                  </a:tcPr>
+                </a:tc>
+                <a:tc>
+                  <a:txBody>
+                    <a:bodyPr/>
+                    <a:lstStyle/>
+                    <a:p>
+                      <a:pPr algn="ctr"/>
+                      <a:r>
+                        <a:rPr lang="en-US" sz="1600" dirty="0">
+                          <a:solidFill>
+                            <a:sysClr val="windowText" lastClr="000000"/>
+                          </a:solidFill>
+                        </a:rPr>
+                        <a:t>Description</a:t>
+                      </a:r>
+                      <a:endParaRPr lang="en-US" sz="1600" dirty="0">
+                        <a:solidFill>
+                          <a:sysClr val="windowText" lastClr="000000"/>
+                        </a:solidFill>
+                        <a:latin typeface="Segoe UI" panose="020B0502040204020203" pitchFamily="34" charset="0"/>
+                        <a:cs typeface="Segoe UI" panose="020B0502040204020203" pitchFamily="34" charset="0"/>
+                      </a:endParaRPr>
+                    </a:p>
+                  </a:txBody>
+                  <a:tcPr>
+                    <a:solidFill>
+                      <a:srgbClr val="0070C0"/>
+                    </a:solidFill>
+                  </a:tcPr>
+                </a:tc>
+                <a:extLst>
+                  <a:ext uri="{0D108BD9-81ED-4DB2-BD59-A6C34878D82A}">
+                    <a16:rowId xmlns:a16="http://schemas.microsoft.com/office/drawing/2014/main" val="2866230214"/>
+                  </a:ext>
+                </a:extLst>
+              </a:tr>
+              <a:tr h="370840">
+                <a:tc>
+                  <a:txBody>
+                    <a:bodyPr/>
+                    <a:lstStyle/>
+                    <a:p>
+                      <a:pPr algn="l"/>
+                      <a:r>
+                        <a:rPr lang="en-US" sz="1600" b="1" dirty="0"/>
+                        <a:t>Constructor Object</a:t>
+                      </a:r>
+                      <a:endParaRPr lang="en-US" sz="1600" b="1" dirty="0">
+                        <a:latin typeface="Segoe UI" panose="020B0502040204020203" pitchFamily="34" charset="0"/>
+                        <a:cs typeface="Segoe UI" panose="020B0502040204020203" pitchFamily="34" charset="0"/>
+                      </a:endParaRPr>
+                    </a:p>
+                  </a:txBody>
+                  <a:tcPr anchor="ctr">
+                    <a:solidFill>
+                      <a:schemeClr val="accent5">
+                        <a:lumMod val="60000"/>
+                        <a:lumOff val="40000"/>
+                      </a:schemeClr>
+                    </a:solidFill>
+                  </a:tcPr>
+                </a:tc>
+                <a:tc>
+                  <a:txBody>
+                    <a:bodyPr/>
+                    <a:lstStyle/>
+                    <a:p>
+                      <a:pPr algn="l"/>
+                      <a:r>
+                        <a:rPr lang="en-US" sz="1600" dirty="0"/>
+                        <a:t>The constructor function (an object) </a:t>
+                      </a:r>
+                      <a:r>
+                        <a:rPr lang="en-US" sz="1600" b="1" dirty="0"/>
+                        <a:t>defines</a:t>
+                      </a:r>
+                      <a:r>
+                        <a:rPr lang="en-US" sz="1600" dirty="0"/>
+                        <a:t> a </a:t>
+                      </a:r>
+                      <a:r>
+                        <a:rPr lang="en-US" sz="1600" b="1" dirty="0"/>
+                        <a:t>name</a:t>
+                      </a:r>
+                      <a:r>
+                        <a:rPr lang="en-US" sz="1600" dirty="0"/>
+                        <a:t> for a JavaScript </a:t>
+                      </a:r>
+                      <a:r>
+                        <a:rPr lang="en-US" sz="1600" b="1" dirty="0"/>
+                        <a:t>class</a:t>
+                      </a:r>
+                      <a:r>
+                        <a:rPr lang="en-US" sz="1600" dirty="0"/>
+                        <a:t>. </a:t>
+                      </a:r>
+                      <a:r>
+                        <a:rPr lang="en-US" sz="1600" b="1" dirty="0"/>
+                        <a:t>Properties</a:t>
+                      </a:r>
+                      <a:r>
+                        <a:rPr lang="en-US" sz="1600" dirty="0"/>
+                        <a:t> you </a:t>
+                      </a:r>
+                      <a:r>
+                        <a:rPr lang="en-US" sz="1600" b="1" dirty="0"/>
+                        <a:t>add</a:t>
+                      </a:r>
+                      <a:r>
+                        <a:rPr lang="en-US" sz="1600" dirty="0"/>
+                        <a:t> to this </a:t>
+                      </a:r>
+                      <a:r>
+                        <a:rPr lang="en-US" sz="1600" b="1" dirty="0"/>
+                        <a:t>constructor</a:t>
+                      </a:r>
+                      <a:r>
+                        <a:rPr lang="en-US" sz="1600" dirty="0"/>
+                        <a:t> </a:t>
+                      </a:r>
+                      <a:r>
+                        <a:rPr lang="en-US" sz="1600" b="1" dirty="0"/>
+                        <a:t>object</a:t>
+                      </a:r>
+                      <a:r>
+                        <a:rPr lang="en-US" sz="1600" dirty="0"/>
+                        <a:t> serve as </a:t>
+                      </a:r>
+                      <a:r>
+                        <a:rPr lang="en-US" sz="1600" b="1" dirty="0">
+                          <a:solidFill>
+                            <a:srgbClr val="C00000"/>
+                          </a:solidFill>
+                        </a:rPr>
+                        <a:t>class fields </a:t>
+                      </a:r>
+                      <a:r>
+                        <a:rPr lang="en-US" sz="1600" dirty="0"/>
+                        <a:t>and </a:t>
+                      </a:r>
+                      <a:r>
+                        <a:rPr lang="en-US" sz="1600" b="1" dirty="0">
+                          <a:solidFill>
+                            <a:srgbClr val="C00000"/>
+                          </a:solidFill>
+                        </a:rPr>
+                        <a:t>class methods</a:t>
+                      </a:r>
+                      <a:r>
+                        <a:rPr lang="en-US" sz="1600" b="0" dirty="0">
+                          <a:solidFill>
+                            <a:schemeClr val="tx1"/>
+                          </a:solidFill>
+                        </a:rPr>
+                        <a:t>.</a:t>
+                      </a:r>
+                      <a:endParaRPr lang="en-US" sz="1600" b="0" dirty="0">
+                        <a:solidFill>
+                          <a:schemeClr val="tx1"/>
+                        </a:solidFill>
+                        <a:latin typeface="Segoe UI" panose="020B0502040204020203" pitchFamily="34" charset="0"/>
+                        <a:cs typeface="Segoe UI" panose="020B0502040204020203" pitchFamily="34" charset="0"/>
+                      </a:endParaRPr>
+                    </a:p>
+                  </a:txBody>
+                  <a:tcPr anchor="ctr">
+                    <a:solidFill>
+                      <a:schemeClr val="accent5">
+                        <a:lumMod val="60000"/>
+                        <a:lumOff val="40000"/>
+                      </a:schemeClr>
+                    </a:solidFill>
+                  </a:tcPr>
+                </a:tc>
+                <a:extLst>
+                  <a:ext uri="{0D108BD9-81ED-4DB2-BD59-A6C34878D82A}">
+                    <a16:rowId xmlns:a16="http://schemas.microsoft.com/office/drawing/2014/main" val="416969677"/>
+                  </a:ext>
+                </a:extLst>
+              </a:tr>
+              <a:tr h="370840">
+                <a:tc>
+                  <a:txBody>
+                    <a:bodyPr/>
+                    <a:lstStyle/>
+                    <a:p>
+                      <a:pPr algn="l"/>
+                      <a:r>
+                        <a:rPr lang="en-US" sz="1600" b="1" dirty="0"/>
+                        <a:t>Prototype Object</a:t>
+                      </a:r>
+                      <a:endParaRPr lang="en-US" sz="1600" b="1" dirty="0">
+                        <a:latin typeface="Segoe UI" panose="020B0502040204020203" pitchFamily="34" charset="0"/>
+                        <a:cs typeface="Segoe UI" panose="020B0502040204020203" pitchFamily="34" charset="0"/>
+                      </a:endParaRPr>
+                    </a:p>
+                  </a:txBody>
+                  <a:tcPr anchor="ctr">
+                    <a:solidFill>
+                      <a:schemeClr val="accent3">
+                        <a:lumMod val="60000"/>
+                        <a:lumOff val="40000"/>
+                      </a:schemeClr>
+                    </a:solidFill>
+                  </a:tcPr>
+                </a:tc>
+                <a:tc>
+                  <a:txBody>
+                    <a:bodyPr/>
+                    <a:lstStyle/>
+                    <a:p>
+                      <a:pPr algn="l"/>
+                      <a:r>
+                        <a:rPr lang="en-US" sz="1600" dirty="0"/>
+                        <a:t>The </a:t>
+                      </a:r>
+                      <a:r>
+                        <a:rPr lang="en-US" sz="1600" b="1" dirty="0"/>
+                        <a:t>properties</a:t>
+                      </a:r>
+                      <a:r>
+                        <a:rPr lang="en-US" sz="1600" dirty="0"/>
+                        <a:t> of this object are </a:t>
+                      </a:r>
+                      <a:r>
+                        <a:rPr lang="en-US" sz="1600" b="1" dirty="0"/>
+                        <a:t>inherited</a:t>
+                      </a:r>
+                      <a:r>
+                        <a:rPr lang="en-US" sz="1600" dirty="0"/>
+                        <a:t> by </a:t>
+                      </a:r>
+                      <a:r>
+                        <a:rPr lang="en-US" sz="1600" b="1" dirty="0"/>
+                        <a:t>all</a:t>
+                      </a:r>
+                      <a:r>
+                        <a:rPr lang="en-US" sz="1600" dirty="0"/>
+                        <a:t> </a:t>
+                      </a:r>
+                      <a:r>
+                        <a:rPr lang="en-US" sz="1600" b="1" dirty="0"/>
+                        <a:t>instances</a:t>
+                      </a:r>
+                      <a:r>
+                        <a:rPr lang="en-US" sz="1600" dirty="0"/>
+                        <a:t> of the class, and properties whose values are functions behave like </a:t>
+                      </a:r>
+                      <a:r>
+                        <a:rPr lang="en-US" sz="1600" b="1" dirty="0">
+                          <a:solidFill>
+                            <a:srgbClr val="0070C0"/>
+                          </a:solidFill>
+                        </a:rPr>
+                        <a:t>instance methods </a:t>
+                      </a:r>
+                      <a:r>
+                        <a:rPr lang="en-US" sz="1600" dirty="0"/>
+                        <a:t>of the class.</a:t>
+                      </a:r>
+                      <a:endParaRPr lang="en-US" sz="1600" dirty="0">
+                        <a:latin typeface="Segoe UI" panose="020B0502040204020203" pitchFamily="34" charset="0"/>
+                        <a:cs typeface="Segoe UI" panose="020B0502040204020203" pitchFamily="34" charset="0"/>
+                      </a:endParaRPr>
+                    </a:p>
+                  </a:txBody>
+                  <a:tcPr anchor="ctr">
+                    <a:solidFill>
+                      <a:schemeClr val="accent3">
+                        <a:lumMod val="60000"/>
+                        <a:lumOff val="40000"/>
+                      </a:schemeClr>
+                    </a:solidFill>
+                  </a:tcPr>
+                </a:tc>
+                <a:extLst>
+                  <a:ext uri="{0D108BD9-81ED-4DB2-BD59-A6C34878D82A}">
+                    <a16:rowId xmlns:a16="http://schemas.microsoft.com/office/drawing/2014/main" val="582087586"/>
+                  </a:ext>
+                </a:extLst>
+              </a:tr>
+              <a:tr h="370840">
+                <a:tc>
+                  <a:txBody>
+                    <a:bodyPr/>
+                    <a:lstStyle/>
+                    <a:p>
+                      <a:pPr algn="l"/>
+                      <a:r>
+                        <a:rPr lang="en-US" sz="1600" b="1" dirty="0"/>
+                        <a:t>Instance Object</a:t>
+                      </a:r>
+                      <a:endParaRPr lang="en-US" sz="1600" b="1" dirty="0">
+                        <a:latin typeface="Segoe UI" panose="020B0502040204020203" pitchFamily="34" charset="0"/>
+                        <a:cs typeface="Segoe UI" panose="020B0502040204020203" pitchFamily="34" charset="0"/>
+                      </a:endParaRPr>
+                    </a:p>
+                  </a:txBody>
+                  <a:tcPr anchor="ctr">
+                    <a:solidFill>
+                      <a:schemeClr val="accent1">
+                        <a:lumMod val="60000"/>
+                        <a:lumOff val="40000"/>
+                      </a:schemeClr>
+                    </a:solidFill>
+                  </a:tcPr>
+                </a:tc>
+                <a:tc>
+                  <a:txBody>
+                    <a:bodyPr/>
+                    <a:lstStyle/>
+                    <a:p>
+                      <a:pPr algn="l"/>
+                      <a:r>
+                        <a:rPr lang="en-US" sz="1600" dirty="0"/>
+                        <a:t>Each instance of a class is an object in its own right, and </a:t>
+                      </a:r>
+                      <a:r>
+                        <a:rPr lang="en-US" sz="1600" b="1" dirty="0"/>
+                        <a:t>properties</a:t>
+                      </a:r>
+                      <a:r>
+                        <a:rPr lang="en-US" sz="1600" dirty="0"/>
+                        <a:t> </a:t>
+                      </a:r>
+                      <a:r>
+                        <a:rPr lang="en-US" sz="1600" b="1" dirty="0"/>
+                        <a:t>defined</a:t>
+                      </a:r>
+                      <a:r>
+                        <a:rPr lang="en-US" sz="1600" dirty="0"/>
+                        <a:t> </a:t>
+                      </a:r>
+                      <a:r>
+                        <a:rPr lang="en-US" sz="1600" b="1" dirty="0"/>
+                        <a:t>directly</a:t>
+                      </a:r>
+                      <a:r>
+                        <a:rPr lang="en-US" sz="1600" dirty="0"/>
+                        <a:t> </a:t>
+                      </a:r>
+                      <a:r>
+                        <a:rPr lang="en-US" sz="1600" b="1" dirty="0"/>
+                        <a:t>on</a:t>
+                      </a:r>
+                      <a:r>
+                        <a:rPr lang="en-US" sz="1600" dirty="0"/>
+                        <a:t> </a:t>
+                      </a:r>
+                      <a:r>
+                        <a:rPr lang="en-US" sz="1600" b="1" dirty="0"/>
+                        <a:t>an</a:t>
+                      </a:r>
+                      <a:r>
+                        <a:rPr lang="en-US" sz="1600" dirty="0"/>
+                        <a:t> </a:t>
+                      </a:r>
+                      <a:r>
+                        <a:rPr lang="en-US" sz="1600" b="1" dirty="0"/>
+                        <a:t>instance</a:t>
+                      </a:r>
+                      <a:r>
+                        <a:rPr lang="en-US" sz="1600" dirty="0"/>
+                        <a:t> are </a:t>
+                      </a:r>
+                      <a:r>
+                        <a:rPr lang="en-US" sz="1600" b="1" dirty="0"/>
+                        <a:t>not shared </a:t>
+                      </a:r>
+                      <a:r>
+                        <a:rPr lang="en-US" sz="1600" dirty="0"/>
+                        <a:t>by any </a:t>
+                      </a:r>
+                      <a:r>
+                        <a:rPr lang="en-US" sz="1600" b="1" dirty="0"/>
+                        <a:t>other instances</a:t>
+                      </a:r>
+                      <a:r>
+                        <a:rPr lang="en-US" sz="1600" dirty="0"/>
+                        <a:t>. </a:t>
+                      </a:r>
+                    </a:p>
+                    <a:p>
+                      <a:pPr algn="l"/>
+                      <a:r>
+                        <a:rPr lang="en-US" sz="1600" dirty="0"/>
+                        <a:t>Nonfunction properties defined on instances behave as the </a:t>
+                      </a:r>
+                      <a:r>
+                        <a:rPr lang="en-US" sz="1600" b="1" dirty="0">
+                          <a:solidFill>
+                            <a:srgbClr val="7030A0"/>
+                          </a:solidFill>
+                        </a:rPr>
+                        <a:t>instance fields </a:t>
+                      </a:r>
+                      <a:r>
+                        <a:rPr lang="en-US" sz="1600" dirty="0"/>
+                        <a:t>of the class.</a:t>
+                      </a:r>
+                      <a:endParaRPr lang="en-US" sz="1600" dirty="0">
+                        <a:latin typeface="Segoe UI" panose="020B0502040204020203" pitchFamily="34" charset="0"/>
+                        <a:cs typeface="Segoe UI" panose="020B0502040204020203" pitchFamily="34" charset="0"/>
+                      </a:endParaRPr>
+                    </a:p>
+                  </a:txBody>
+                  <a:tcPr anchor="ctr">
+                    <a:solidFill>
+                      <a:schemeClr val="accent1">
+                        <a:lumMod val="60000"/>
+                        <a:lumOff val="40000"/>
+                      </a:schemeClr>
+                    </a:solidFill>
+                  </a:tcPr>
+                </a:tc>
+                <a:extLst>
+                  <a:ext uri="{0D108BD9-81ED-4DB2-BD59-A6C34878D82A}">
+                    <a16:rowId xmlns:a16="http://schemas.microsoft.com/office/drawing/2014/main" val="4109237210"/>
+                  </a:ext>
+                </a:extLst>
+              </a:tr>
+            </a:tbl>
+          </a:graphicData>
+        </a:graphic>
+      </p:graphicFrame>
+    </p:spTree>
+    <p:extLst>
+      <p:ext uri="{BB962C8B-B14F-4D97-AF65-F5344CB8AC3E}">
+        <p14:creationId xmlns:p14="http://schemas.microsoft.com/office/powerpoint/2010/main" val="2242758432"/>
+      </p:ext>
+    </p:extLst>
+  </p:cSld>
+  <p:clrMapOvr>
+    <a:masterClrMapping/>
+  </p:clrMapOvr>
+</p:sld>
+</file>
+
+<file path=ppt/slides/slide18.xml><?xml version="1.0" encoding="utf-8"?>
+<p:sld xmlns:a="http://schemas.openxmlformats.org/drawingml/2006/main" xmlns:r="http://schemas.openxmlformats.org/officeDocument/2006/relationships" xmlns:p="http://schemas.openxmlformats.org/presentationml/2006/main">
+  <p:cSld>
+    <p:spTree>
+      <p:nvGrpSpPr>
+        <p:cNvPr id="1" name=""/>
+        <p:cNvGrpSpPr/>
+        <p:nvPr/>
+      </p:nvGrpSpPr>
+      <p:grpSpPr>
+        <a:xfrm>
+          <a:off x="0" y="0"/>
+          <a:ext cx="0" cy="0"/>
+          <a:chOff x="0" y="0"/>
+          <a:chExt cx="0" cy="0"/>
+        </a:xfrm>
+      </p:grpSpPr>
+      <p:sp>
+        <p:nvSpPr>
+          <p:cNvPr id="2" name="Title 1">
+            <a:extLst>
+              <a:ext uri="{FF2B5EF4-FFF2-40B4-BE49-F238E27FC236}">
+                <a16:creationId xmlns:a16="http://schemas.microsoft.com/office/drawing/2014/main" id="{2D4E4121-CDC8-41BA-846E-58655BA90FCF}"/>
+              </a:ext>
+            </a:extLst>
+          </p:cNvPr>
+          <p:cNvSpPr>
+            <a:spLocks noGrp="1"/>
+          </p:cNvSpPr>
+          <p:nvPr>
+            <p:ph type="ctrTitle"/>
+          </p:nvPr>
+        </p:nvSpPr>
+        <p:spPr>
+          <a:xfrm>
+            <a:off x="1507067" y="345351"/>
+            <a:ext cx="9554510" cy="970133"/>
+          </a:xfrm>
+        </p:spPr>
+        <p:txBody>
+          <a:bodyPr/>
+          <a:lstStyle/>
+          <a:p>
+            <a:pPr algn="l"/>
+            <a:r>
+              <a:rPr lang="en-US" dirty="0">
+                <a:solidFill>
+                  <a:schemeClr val="tx1">
+                    <a:lumMod val="85000"/>
+                    <a:lumOff val="15000"/>
+                  </a:schemeClr>
+                </a:solidFill>
+                <a:latin typeface="Segoe UI" panose="020B0502040204020203" pitchFamily="34" charset="0"/>
+                <a:cs typeface="Segoe UI" panose="020B0502040204020203" pitchFamily="34" charset="0"/>
+              </a:rPr>
+              <a:t>JS| </a:t>
+            </a:r>
+            <a:r>
+              <a:rPr lang="en-US" sz="3200" b="1" dirty="0">
+                <a:solidFill>
+                  <a:schemeClr val="tx1">
+                    <a:lumMod val="85000"/>
+                    <a:lumOff val="15000"/>
+                  </a:schemeClr>
+                </a:solidFill>
+                <a:latin typeface="Segoe UI" panose="020B0502040204020203" pitchFamily="34" charset="0"/>
+                <a:cs typeface="Segoe UI" panose="020B0502040204020203" pitchFamily="34" charset="0"/>
+              </a:rPr>
+              <a:t>C#-Style in JavaScript</a:t>
+            </a:r>
+            <a:endParaRPr lang="en-US" b="1" dirty="0">
+              <a:solidFill>
+                <a:srgbClr val="C00000"/>
+              </a:solidFill>
+              <a:latin typeface="Segoe UI" panose="020B0502040204020203" pitchFamily="34" charset="0"/>
+              <a:cs typeface="Segoe UI" panose="020B0502040204020203" pitchFamily="34" charset="0"/>
+            </a:endParaRPr>
+          </a:p>
+        </p:txBody>
+      </p:sp>
+      <p:sp>
+        <p:nvSpPr>
+          <p:cNvPr id="3" name="TextBox 2">
+            <a:extLst>
+              <a:ext uri="{FF2B5EF4-FFF2-40B4-BE49-F238E27FC236}">
+                <a16:creationId xmlns:a16="http://schemas.microsoft.com/office/drawing/2014/main" id="{C895C44F-686B-467A-B89F-FA4A0CDDDA49}"/>
+              </a:ext>
+            </a:extLst>
+          </p:cNvPr>
+          <p:cNvSpPr txBox="1"/>
+          <p:nvPr/>
+        </p:nvSpPr>
+        <p:spPr>
+          <a:xfrm>
+            <a:off x="1400226" y="1616879"/>
+            <a:ext cx="9391548" cy="1323439"/>
+          </a:xfrm>
+          <a:prstGeom prst="rect">
+            <a:avLst/>
+          </a:prstGeom>
+          <a:solidFill>
+            <a:schemeClr val="accent1">
+              <a:lumMod val="40000"/>
+              <a:lumOff val="60000"/>
+            </a:schemeClr>
+          </a:solidFill>
+          <a:ln w="57150">
+            <a:solidFill>
+              <a:srgbClr val="0070C0"/>
+            </a:solidFill>
+          </a:ln>
+        </p:spPr>
+        <p:txBody>
+          <a:bodyPr wrap="square" rtlCol="0">
+            <a:spAutoFit/>
+          </a:bodyPr>
+          <a:lstStyle/>
+          <a:p>
+            <a:pPr algn="just"/>
+            <a:r>
+              <a:rPr lang="en-US" sz="1600" dirty="0">
+                <a:latin typeface="Segoe UI" panose="020B0502040204020203" pitchFamily="34" charset="0"/>
+                <a:cs typeface="Segoe UI" panose="020B0502040204020203" pitchFamily="34" charset="0"/>
+              </a:rPr>
+              <a:t>We can reduce the process of class definition in JavaScript to a </a:t>
+            </a:r>
+            <a:r>
+              <a:rPr lang="en-US" sz="1600" b="1" dirty="0">
+                <a:latin typeface="Segoe UI" panose="020B0502040204020203" pitchFamily="34" charset="0"/>
+                <a:cs typeface="Segoe UI" panose="020B0502040204020203" pitchFamily="34" charset="0"/>
+              </a:rPr>
+              <a:t>three-step algorithm</a:t>
+            </a:r>
+            <a:r>
+              <a:rPr lang="en-US" sz="1600" dirty="0">
+                <a:latin typeface="Segoe UI" panose="020B0502040204020203" pitchFamily="34" charset="0"/>
+                <a:cs typeface="Segoe UI" panose="020B0502040204020203" pitchFamily="34" charset="0"/>
+              </a:rPr>
+              <a:t>. </a:t>
+            </a:r>
+          </a:p>
+          <a:p>
+            <a:pPr algn="just"/>
+            <a:endParaRPr lang="en-US" sz="1600" dirty="0">
+              <a:latin typeface="Segoe UI" panose="020B0502040204020203" pitchFamily="34" charset="0"/>
+              <a:cs typeface="Segoe UI" panose="020B0502040204020203" pitchFamily="34" charset="0"/>
+            </a:endParaRPr>
+          </a:p>
+          <a:p>
+            <a:pPr marL="800100" lvl="1" indent="-342900" algn="just">
+              <a:buFont typeface="+mj-lt"/>
+              <a:buAutoNum type="arabicPeriod"/>
+            </a:pPr>
+            <a:r>
+              <a:rPr lang="en-US" sz="1600" dirty="0">
+                <a:latin typeface="Segoe UI" panose="020B0502040204020203" pitchFamily="34" charset="0"/>
+                <a:cs typeface="Segoe UI" panose="020B0502040204020203" pitchFamily="34" charset="0"/>
+              </a:rPr>
+              <a:t>write a </a:t>
+            </a:r>
+            <a:r>
+              <a:rPr lang="en-US" sz="1600" b="1" dirty="0">
+                <a:latin typeface="Segoe UI" panose="020B0502040204020203" pitchFamily="34" charset="0"/>
+                <a:cs typeface="Segoe UI" panose="020B0502040204020203" pitchFamily="34" charset="0"/>
+              </a:rPr>
+              <a:t>constructor function </a:t>
+            </a:r>
+            <a:r>
+              <a:rPr lang="en-US" sz="1600" dirty="0">
+                <a:latin typeface="Segoe UI" panose="020B0502040204020203" pitchFamily="34" charset="0"/>
+                <a:cs typeface="Segoe UI" panose="020B0502040204020203" pitchFamily="34" charset="0"/>
+              </a:rPr>
+              <a:t>that sets </a:t>
+            </a:r>
+            <a:r>
+              <a:rPr lang="en-US" sz="1600" b="1" dirty="0">
+                <a:solidFill>
+                  <a:srgbClr val="7030A0"/>
+                </a:solidFill>
+                <a:latin typeface="Segoe UI" panose="020B0502040204020203" pitchFamily="34" charset="0"/>
+                <a:cs typeface="Segoe UI" panose="020B0502040204020203" pitchFamily="34" charset="0"/>
+              </a:rPr>
+              <a:t>instance properties/fields </a:t>
+            </a:r>
+            <a:r>
+              <a:rPr lang="en-US" sz="1600" dirty="0">
+                <a:latin typeface="Segoe UI" panose="020B0502040204020203" pitchFamily="34" charset="0"/>
+                <a:cs typeface="Segoe UI" panose="020B0502040204020203" pitchFamily="34" charset="0"/>
+              </a:rPr>
+              <a:t>on new objects</a:t>
+            </a:r>
+          </a:p>
+          <a:p>
+            <a:pPr marL="800100" lvl="1" indent="-342900" algn="just">
+              <a:buFont typeface="+mj-lt"/>
+              <a:buAutoNum type="arabicPeriod"/>
+            </a:pPr>
+            <a:r>
+              <a:rPr lang="en-US" sz="1600" dirty="0">
+                <a:latin typeface="Segoe UI" panose="020B0502040204020203" pitchFamily="34" charset="0"/>
+                <a:cs typeface="Segoe UI" panose="020B0502040204020203" pitchFamily="34" charset="0"/>
+              </a:rPr>
+              <a:t>define </a:t>
+            </a:r>
+            <a:r>
+              <a:rPr lang="en-US" sz="1600" b="1" dirty="0">
+                <a:solidFill>
+                  <a:srgbClr val="0070C0"/>
+                </a:solidFill>
+                <a:latin typeface="Segoe UI" panose="020B0502040204020203" pitchFamily="34" charset="0"/>
+                <a:cs typeface="Segoe UI" panose="020B0502040204020203" pitchFamily="34" charset="0"/>
+              </a:rPr>
+              <a:t>instance methods </a:t>
+            </a:r>
+            <a:r>
+              <a:rPr lang="en-US" sz="1600" dirty="0">
+                <a:latin typeface="Segoe UI" panose="020B0502040204020203" pitchFamily="34" charset="0"/>
+                <a:cs typeface="Segoe UI" panose="020B0502040204020203" pitchFamily="34" charset="0"/>
+              </a:rPr>
+              <a:t>on the </a:t>
+            </a:r>
+            <a:r>
+              <a:rPr lang="en-US" sz="1600" b="1" dirty="0">
+                <a:latin typeface="Segoe UI" panose="020B0502040204020203" pitchFamily="34" charset="0"/>
+                <a:cs typeface="Segoe UI" panose="020B0502040204020203" pitchFamily="34" charset="0"/>
+              </a:rPr>
+              <a:t>prototype</a:t>
+            </a:r>
+            <a:r>
+              <a:rPr lang="en-US" sz="1600" dirty="0">
+                <a:latin typeface="Segoe UI" panose="020B0502040204020203" pitchFamily="34" charset="0"/>
+                <a:cs typeface="Segoe UI" panose="020B0502040204020203" pitchFamily="34" charset="0"/>
+              </a:rPr>
+              <a:t> </a:t>
+            </a:r>
+            <a:r>
+              <a:rPr lang="en-US" sz="1600" b="1" dirty="0">
+                <a:latin typeface="Segoe UI" panose="020B0502040204020203" pitchFamily="34" charset="0"/>
+                <a:cs typeface="Segoe UI" panose="020B0502040204020203" pitchFamily="34" charset="0"/>
+              </a:rPr>
+              <a:t>object</a:t>
+            </a:r>
+            <a:r>
+              <a:rPr lang="en-US" sz="1600" dirty="0">
+                <a:latin typeface="Segoe UI" panose="020B0502040204020203" pitchFamily="34" charset="0"/>
+                <a:cs typeface="Segoe UI" panose="020B0502040204020203" pitchFamily="34" charset="0"/>
+              </a:rPr>
+              <a:t> of the constructor</a:t>
+            </a:r>
+          </a:p>
+          <a:p>
+            <a:pPr marL="800100" lvl="1" indent="-342900" algn="just">
+              <a:buFont typeface="+mj-lt"/>
+              <a:buAutoNum type="arabicPeriod"/>
+            </a:pPr>
+            <a:r>
+              <a:rPr lang="en-US" sz="1600" dirty="0">
+                <a:latin typeface="Segoe UI" panose="020B0502040204020203" pitchFamily="34" charset="0"/>
+                <a:cs typeface="Segoe UI" panose="020B0502040204020203" pitchFamily="34" charset="0"/>
+              </a:rPr>
+              <a:t>define </a:t>
+            </a:r>
+            <a:r>
+              <a:rPr lang="en-US" sz="1600" b="1" dirty="0">
+                <a:latin typeface="Segoe UI" panose="020B0502040204020203" pitchFamily="34" charset="0"/>
+                <a:cs typeface="Segoe UI" panose="020B0502040204020203" pitchFamily="34" charset="0"/>
+              </a:rPr>
+              <a:t>class fields </a:t>
+            </a:r>
+            <a:r>
+              <a:rPr lang="en-US" sz="1600" dirty="0">
+                <a:latin typeface="Segoe UI" panose="020B0502040204020203" pitchFamily="34" charset="0"/>
+                <a:cs typeface="Segoe UI" panose="020B0502040204020203" pitchFamily="34" charset="0"/>
+              </a:rPr>
+              <a:t>and </a:t>
+            </a:r>
+            <a:r>
+              <a:rPr lang="en-US" sz="1600" b="1" dirty="0">
+                <a:solidFill>
+                  <a:srgbClr val="C00000"/>
+                </a:solidFill>
+                <a:latin typeface="Segoe UI" panose="020B0502040204020203" pitchFamily="34" charset="0"/>
+                <a:cs typeface="Segoe UI" panose="020B0502040204020203" pitchFamily="34" charset="0"/>
+              </a:rPr>
+              <a:t>class properties/methos</a:t>
+            </a:r>
+            <a:r>
+              <a:rPr lang="en-US" sz="1600" dirty="0">
+                <a:latin typeface="Segoe UI" panose="020B0502040204020203" pitchFamily="34" charset="0"/>
+                <a:cs typeface="Segoe UI" panose="020B0502040204020203" pitchFamily="34" charset="0"/>
+              </a:rPr>
+              <a:t> on the constructor itself</a:t>
+            </a:r>
+          </a:p>
+        </p:txBody>
+      </p:sp>
+    </p:spTree>
+    <p:extLst>
+      <p:ext uri="{BB962C8B-B14F-4D97-AF65-F5344CB8AC3E}">
+        <p14:creationId xmlns:p14="http://schemas.microsoft.com/office/powerpoint/2010/main" val="931383495"/>
+      </p:ext>
+    </p:extLst>
+  </p:cSld>
+  <p:clrMapOvr>
+    <a:masterClrMapping/>
+  </p:clrMapOvr>
+</p:sld>
+</file>
+
+<file path=ppt/slides/slide19.xml><?xml version="1.0" encoding="utf-8"?>
+<p:sld xmlns:a="http://schemas.openxmlformats.org/drawingml/2006/main" xmlns:r="http://schemas.openxmlformats.org/officeDocument/2006/relationships" xmlns:p="http://schemas.openxmlformats.org/presentationml/2006/main">
+  <p:cSld>
+    <p:spTree>
+      <p:nvGrpSpPr>
+        <p:cNvPr id="1" name=""/>
+        <p:cNvGrpSpPr/>
+        <p:nvPr/>
+      </p:nvGrpSpPr>
+      <p:grpSpPr>
+        <a:xfrm>
+          <a:off x="0" y="0"/>
+          <a:ext cx="0" cy="0"/>
+          <a:chOff x="0" y="0"/>
+          <a:chExt cx="0" cy="0"/>
+        </a:xfrm>
+      </p:grpSpPr>
+      <p:sp>
+        <p:nvSpPr>
+          <p:cNvPr id="2" name="Title 1">
+            <a:extLst>
+              <a:ext uri="{FF2B5EF4-FFF2-40B4-BE49-F238E27FC236}">
+                <a16:creationId xmlns:a16="http://schemas.microsoft.com/office/drawing/2014/main" id="{2D4E4121-CDC8-41BA-846E-58655BA90FCF}"/>
+              </a:ext>
+            </a:extLst>
+          </p:cNvPr>
+          <p:cNvSpPr>
+            <a:spLocks noGrp="1"/>
+          </p:cNvSpPr>
+          <p:nvPr>
+            <p:ph type="ctrTitle"/>
+          </p:nvPr>
+        </p:nvSpPr>
+        <p:spPr>
+          <a:xfrm>
+            <a:off x="1507067" y="345351"/>
+            <a:ext cx="9554510" cy="970133"/>
+          </a:xfrm>
+        </p:spPr>
+        <p:txBody>
+          <a:bodyPr/>
+          <a:lstStyle/>
+          <a:p>
+            <a:pPr algn="l"/>
+            <a:r>
+              <a:rPr lang="en-US" dirty="0">
+                <a:solidFill>
+                  <a:schemeClr val="tx1">
+                    <a:lumMod val="85000"/>
+                    <a:lumOff val="15000"/>
+                  </a:schemeClr>
+                </a:solidFill>
+                <a:latin typeface="Segoe UI" panose="020B0502040204020203" pitchFamily="34" charset="0"/>
+                <a:cs typeface="Segoe UI" panose="020B0502040204020203" pitchFamily="34" charset="0"/>
+              </a:rPr>
+              <a:t>JS| </a:t>
+            </a:r>
+            <a:r>
+              <a:rPr lang="en-US" sz="3200" b="1" dirty="0">
+                <a:solidFill>
+                  <a:schemeClr val="tx1">
+                    <a:lumMod val="85000"/>
+                    <a:lumOff val="15000"/>
+                  </a:schemeClr>
+                </a:solidFill>
+                <a:latin typeface="Segoe UI" panose="020B0502040204020203" pitchFamily="34" charset="0"/>
+                <a:cs typeface="Segoe UI" panose="020B0502040204020203" pitchFamily="34" charset="0"/>
+              </a:rPr>
+              <a:t>C#-Style in JavaScript – Long Example</a:t>
+            </a:r>
+            <a:endParaRPr lang="en-US" b="1" dirty="0">
+              <a:solidFill>
+                <a:srgbClr val="C00000"/>
+              </a:solidFill>
+              <a:latin typeface="Segoe UI" panose="020B0502040204020203" pitchFamily="34" charset="0"/>
+              <a:cs typeface="Segoe UI" panose="020B0502040204020203" pitchFamily="34" charset="0"/>
+            </a:endParaRPr>
+          </a:p>
+        </p:txBody>
+      </p:sp>
+      <p:sp>
+        <p:nvSpPr>
+          <p:cNvPr id="3" name="TextBox 2">
+            <a:extLst>
+              <a:ext uri="{FF2B5EF4-FFF2-40B4-BE49-F238E27FC236}">
+                <a16:creationId xmlns:a16="http://schemas.microsoft.com/office/drawing/2014/main" id="{C895C44F-686B-467A-B89F-FA4A0CDDDA49}"/>
+              </a:ext>
+            </a:extLst>
+          </p:cNvPr>
+          <p:cNvSpPr txBox="1"/>
+          <p:nvPr/>
+        </p:nvSpPr>
+        <p:spPr>
+          <a:xfrm>
+            <a:off x="1232188" y="1344404"/>
+            <a:ext cx="10104268" cy="1569660"/>
+          </a:xfrm>
+          <a:prstGeom prst="rect">
+            <a:avLst/>
+          </a:prstGeom>
+          <a:solidFill>
+            <a:schemeClr val="bg1"/>
+          </a:solidFill>
+          <a:ln w="57150">
+            <a:solidFill>
+              <a:srgbClr val="0070C0"/>
+            </a:solidFill>
+          </a:ln>
+        </p:spPr>
+        <p:txBody>
+          <a:bodyPr wrap="square" rtlCol="0">
+            <a:spAutoFit/>
+          </a:bodyPr>
+          <a:lstStyle/>
+          <a:p>
+            <a:r>
+              <a:rPr lang="en-US" sz="1600" dirty="0">
+                <a:solidFill>
+                  <a:srgbClr val="00B050"/>
+                </a:solidFill>
+              </a:rPr>
+              <a:t>/* </a:t>
+            </a:r>
+          </a:p>
+          <a:p>
+            <a:r>
+              <a:rPr lang="en-US" sz="1600" dirty="0">
+                <a:solidFill>
+                  <a:srgbClr val="00B050"/>
+                </a:solidFill>
+              </a:rPr>
+              <a:t>  * Complex.js: </a:t>
+            </a:r>
+          </a:p>
+          <a:p>
+            <a:r>
+              <a:rPr lang="en-US" sz="1600" dirty="0">
+                <a:solidFill>
+                  <a:srgbClr val="00B050"/>
+                </a:solidFill>
+              </a:rPr>
+              <a:t>  * This file defines a Complex class to represent complex numbers. </a:t>
+            </a:r>
+          </a:p>
+          <a:p>
+            <a:r>
+              <a:rPr lang="en-US" sz="1600" dirty="0">
+                <a:solidFill>
+                  <a:srgbClr val="00B050"/>
+                </a:solidFill>
+              </a:rPr>
+              <a:t>  * Recall that a complex number is the sum of a real number and an imaginary number and that the </a:t>
+            </a:r>
+          </a:p>
+          <a:p>
+            <a:r>
+              <a:rPr lang="en-US" sz="1600" dirty="0">
+                <a:solidFill>
+                  <a:srgbClr val="00B050"/>
+                </a:solidFill>
+              </a:rPr>
+              <a:t>  * imaginary number </a:t>
+            </a:r>
+            <a:r>
+              <a:rPr lang="en-US" sz="1600" dirty="0" err="1">
+                <a:solidFill>
+                  <a:srgbClr val="00B050"/>
+                </a:solidFill>
+              </a:rPr>
+              <a:t>i</a:t>
+            </a:r>
+            <a:r>
+              <a:rPr lang="en-US" sz="1600" dirty="0">
+                <a:solidFill>
+                  <a:srgbClr val="00B050"/>
+                </a:solidFill>
+              </a:rPr>
+              <a:t> is the square root of -1. </a:t>
+            </a:r>
+          </a:p>
+          <a:p>
+            <a:r>
+              <a:rPr lang="en-US" sz="1600" dirty="0">
+                <a:solidFill>
+                  <a:srgbClr val="00B050"/>
+                </a:solidFill>
+              </a:rPr>
+              <a:t>*/</a:t>
+            </a:r>
+          </a:p>
+        </p:txBody>
+      </p:sp>
+      <p:sp>
+        <p:nvSpPr>
+          <p:cNvPr id="4" name="TextBox 3">
+            <a:extLst>
+              <a:ext uri="{FF2B5EF4-FFF2-40B4-BE49-F238E27FC236}">
+                <a16:creationId xmlns:a16="http://schemas.microsoft.com/office/drawing/2014/main" id="{3FA779F4-5705-49B0-8DC3-00EA5ACB6597}"/>
+              </a:ext>
+            </a:extLst>
+          </p:cNvPr>
+          <p:cNvSpPr txBox="1"/>
+          <p:nvPr/>
+        </p:nvSpPr>
+        <p:spPr>
+          <a:xfrm>
+            <a:off x="1232188" y="3186094"/>
+            <a:ext cx="10104268" cy="3539430"/>
+          </a:xfrm>
+          <a:prstGeom prst="rect">
+            <a:avLst/>
+          </a:prstGeom>
+          <a:solidFill>
+            <a:schemeClr val="bg1"/>
+          </a:solidFill>
+          <a:ln w="57150">
+            <a:solidFill>
+              <a:srgbClr val="0070C0"/>
+            </a:solidFill>
+          </a:ln>
+        </p:spPr>
+        <p:txBody>
+          <a:bodyPr wrap="square" rtlCol="0">
+            <a:spAutoFit/>
+          </a:bodyPr>
+          <a:lstStyle/>
+          <a:p>
+            <a:r>
+              <a:rPr lang="en-US" sz="1600" b="1" dirty="0"/>
+              <a:t>INSTANCE FIELD:</a:t>
+            </a:r>
+          </a:p>
+          <a:p>
+            <a:endParaRPr lang="en-US" sz="1600" b="1" dirty="0"/>
+          </a:p>
+          <a:p>
+            <a:r>
+              <a:rPr lang="en-US" sz="1600" dirty="0">
+                <a:solidFill>
+                  <a:srgbClr val="00B050"/>
+                </a:solidFill>
+              </a:rPr>
+              <a:t>/* </a:t>
+            </a:r>
+          </a:p>
+          <a:p>
+            <a:r>
+              <a:rPr lang="en-US" sz="1600" dirty="0">
+                <a:solidFill>
+                  <a:srgbClr val="00B050"/>
+                </a:solidFill>
+              </a:rPr>
+              <a:t>  * This constructor function defines the instance fields r and </a:t>
+            </a:r>
+            <a:r>
+              <a:rPr lang="en-US" sz="1600" dirty="0" err="1">
+                <a:solidFill>
+                  <a:srgbClr val="00B050"/>
+                </a:solidFill>
+              </a:rPr>
+              <a:t>i</a:t>
+            </a:r>
+            <a:r>
+              <a:rPr lang="en-US" sz="1600" dirty="0">
+                <a:solidFill>
+                  <a:srgbClr val="00B050"/>
+                </a:solidFill>
+              </a:rPr>
+              <a:t> on every instance it creates. </a:t>
+            </a:r>
+          </a:p>
+          <a:p>
+            <a:r>
+              <a:rPr lang="en-US" sz="1600" dirty="0">
+                <a:solidFill>
+                  <a:srgbClr val="00B050"/>
+                </a:solidFill>
+              </a:rPr>
+              <a:t>  * These fields hold the real and imaginary parts of the complex number:  they are the state of the object. </a:t>
+            </a:r>
+          </a:p>
+          <a:p>
+            <a:r>
+              <a:rPr lang="en-US" sz="1600" dirty="0">
+                <a:solidFill>
+                  <a:srgbClr val="00B050"/>
+                </a:solidFill>
+              </a:rPr>
+              <a:t>*/ </a:t>
+            </a:r>
+          </a:p>
+          <a:p>
+            <a:endParaRPr lang="en-US" sz="1600" dirty="0"/>
+          </a:p>
+          <a:p>
+            <a:r>
+              <a:rPr lang="en-US" sz="1600" dirty="0"/>
+              <a:t>function Complex(</a:t>
+            </a:r>
+            <a:r>
+              <a:rPr lang="en-US" sz="1600" b="1" dirty="0">
+                <a:solidFill>
+                  <a:srgbClr val="7030A0"/>
+                </a:solidFill>
+              </a:rPr>
+              <a:t>real</a:t>
+            </a:r>
+            <a:r>
+              <a:rPr lang="en-US" sz="1600" dirty="0"/>
+              <a:t>, </a:t>
+            </a:r>
+            <a:r>
+              <a:rPr lang="en-US" sz="1600" b="1" dirty="0">
+                <a:solidFill>
+                  <a:srgbClr val="FF8BFF"/>
+                </a:solidFill>
+              </a:rPr>
+              <a:t>imaginary</a:t>
+            </a:r>
+            <a:r>
+              <a:rPr lang="en-US" sz="1600" dirty="0"/>
+              <a:t>) { </a:t>
+            </a:r>
+          </a:p>
+          <a:p>
+            <a:r>
+              <a:rPr lang="en-US" sz="1600" dirty="0"/>
+              <a:t>	if (</a:t>
+            </a:r>
+            <a:r>
+              <a:rPr lang="en-US" sz="1600" dirty="0" err="1"/>
+              <a:t>isNaN</a:t>
+            </a:r>
+            <a:r>
+              <a:rPr lang="en-US" sz="1600" dirty="0"/>
+              <a:t>(</a:t>
+            </a:r>
+            <a:r>
+              <a:rPr lang="en-US" sz="1600" b="1" dirty="0">
+                <a:solidFill>
+                  <a:srgbClr val="7030A0"/>
+                </a:solidFill>
+              </a:rPr>
+              <a:t>real</a:t>
+            </a:r>
+            <a:r>
+              <a:rPr lang="en-US" sz="1600" dirty="0"/>
+              <a:t>) || </a:t>
+            </a:r>
+            <a:r>
+              <a:rPr lang="en-US" sz="1600" dirty="0" err="1"/>
+              <a:t>isNaN</a:t>
+            </a:r>
+            <a:r>
+              <a:rPr lang="en-US" sz="1600" dirty="0"/>
+              <a:t>(</a:t>
+            </a:r>
+            <a:r>
+              <a:rPr lang="en-US" sz="1600" b="1" dirty="0">
+                <a:solidFill>
+                  <a:srgbClr val="FF8BFF"/>
+                </a:solidFill>
+              </a:rPr>
+              <a:t>imaginary</a:t>
+            </a:r>
+            <a:r>
+              <a:rPr lang="en-US" sz="1600" dirty="0"/>
+              <a:t>)) 		</a:t>
+            </a:r>
+            <a:r>
+              <a:rPr lang="en-US" sz="1600" dirty="0">
+                <a:solidFill>
+                  <a:srgbClr val="00B050"/>
+                </a:solidFill>
+              </a:rPr>
+              <a:t>// Ensure that both </a:t>
+            </a:r>
+            <a:r>
+              <a:rPr lang="en-US" sz="1600" dirty="0" err="1">
+                <a:solidFill>
+                  <a:srgbClr val="00B050"/>
+                </a:solidFill>
+              </a:rPr>
+              <a:t>args</a:t>
+            </a:r>
+            <a:r>
+              <a:rPr lang="en-US" sz="1600" dirty="0">
+                <a:solidFill>
+                  <a:srgbClr val="00B050"/>
+                </a:solidFill>
+              </a:rPr>
+              <a:t> are numbers. </a:t>
+            </a:r>
+          </a:p>
+          <a:p>
+            <a:r>
+              <a:rPr lang="en-US" sz="1600" dirty="0"/>
+              <a:t>		throw new </a:t>
+            </a:r>
+            <a:r>
+              <a:rPr lang="en-US" sz="1600" dirty="0" err="1"/>
+              <a:t>TypeError</a:t>
+            </a:r>
+            <a:r>
+              <a:rPr lang="en-US" sz="1600" dirty="0"/>
+              <a:t>(); 				</a:t>
+            </a:r>
+            <a:r>
+              <a:rPr lang="en-US" sz="1600" dirty="0">
+                <a:solidFill>
+                  <a:srgbClr val="00B050"/>
+                </a:solidFill>
+              </a:rPr>
+              <a:t>// Throw an error if they are not.</a:t>
+            </a:r>
+            <a:r>
+              <a:rPr lang="en-US" sz="1600" dirty="0"/>
+              <a:t> </a:t>
+            </a:r>
+          </a:p>
+          <a:p>
+            <a:r>
+              <a:rPr lang="en-US" sz="1600" dirty="0"/>
+              <a:t>	</a:t>
+            </a:r>
+          </a:p>
+          <a:p>
+            <a:r>
+              <a:rPr lang="en-US" sz="1600" dirty="0"/>
+              <a:t>	</a:t>
+            </a:r>
+            <a:r>
+              <a:rPr lang="en-US" sz="1600" b="1" dirty="0" err="1">
+                <a:solidFill>
+                  <a:srgbClr val="0070C0"/>
+                </a:solidFill>
+              </a:rPr>
+              <a:t>this</a:t>
+            </a:r>
+            <a:r>
+              <a:rPr lang="en-US" sz="1600" dirty="0" err="1"/>
+              <a:t>.</a:t>
+            </a:r>
+            <a:r>
+              <a:rPr lang="en-US" sz="1600" b="1" dirty="0" err="1"/>
+              <a:t>r</a:t>
+            </a:r>
+            <a:r>
+              <a:rPr lang="en-US" sz="1600" dirty="0"/>
+              <a:t> = </a:t>
+            </a:r>
+            <a:r>
+              <a:rPr lang="en-US" sz="1600" b="1" dirty="0">
+                <a:solidFill>
+                  <a:srgbClr val="7030A0"/>
+                </a:solidFill>
+              </a:rPr>
+              <a:t>real</a:t>
+            </a:r>
+            <a:r>
+              <a:rPr lang="en-US" sz="1600" dirty="0"/>
+              <a:t>; 							</a:t>
+            </a:r>
+            <a:r>
+              <a:rPr lang="en-US" sz="1600" dirty="0">
+                <a:solidFill>
+                  <a:srgbClr val="00B050"/>
+                </a:solidFill>
+              </a:rPr>
+              <a:t>// The real part of the complex number. </a:t>
+            </a:r>
+          </a:p>
+          <a:p>
+            <a:r>
+              <a:rPr lang="en-US" sz="1600" dirty="0"/>
+              <a:t>	</a:t>
+            </a:r>
+            <a:r>
+              <a:rPr lang="en-US" sz="1600" b="1" dirty="0" err="1">
+                <a:solidFill>
+                  <a:srgbClr val="0070C0"/>
+                </a:solidFill>
+              </a:rPr>
+              <a:t>this</a:t>
+            </a:r>
+            <a:r>
+              <a:rPr lang="en-US" sz="1600" dirty="0" err="1"/>
+              <a:t>.</a:t>
+            </a:r>
+            <a:r>
+              <a:rPr lang="en-US" sz="1600" b="1" dirty="0" err="1"/>
+              <a:t>i</a:t>
+            </a:r>
+            <a:r>
+              <a:rPr lang="en-US" sz="1600" dirty="0"/>
+              <a:t> = </a:t>
+            </a:r>
+            <a:r>
+              <a:rPr lang="en-US" sz="1600" b="1" dirty="0">
+                <a:solidFill>
+                  <a:srgbClr val="FF8BFF"/>
+                </a:solidFill>
+              </a:rPr>
+              <a:t>imaginary</a:t>
+            </a:r>
+            <a:r>
+              <a:rPr lang="en-US" sz="1600" dirty="0"/>
+              <a:t>; 						</a:t>
+            </a:r>
+            <a:r>
+              <a:rPr lang="en-US" sz="1600" dirty="0">
+                <a:solidFill>
+                  <a:srgbClr val="00B050"/>
+                </a:solidFill>
+              </a:rPr>
+              <a:t>// The imaginary part of the number. </a:t>
+            </a:r>
+          </a:p>
+          <a:p>
+            <a:r>
+              <a:rPr lang="en-US" sz="1600" dirty="0"/>
+              <a:t>}</a:t>
+            </a:r>
+            <a:endParaRPr lang="en-US" sz="1600" dirty="0">
+              <a:solidFill>
+                <a:srgbClr val="00B050"/>
+              </a:solidFill>
+            </a:endParaRPr>
+          </a:p>
+        </p:txBody>
+      </p:sp>
+    </p:spTree>
+    <p:extLst>
+      <p:ext uri="{BB962C8B-B14F-4D97-AF65-F5344CB8AC3E}">
+        <p14:creationId xmlns:p14="http://schemas.microsoft.com/office/powerpoint/2010/main" val="207799197"/>
       </p:ext>
     </p:extLst>
   </p:cSld>
@@ -8837,6 +15859,2317 @@
     <p:extLst>
       <p:ext uri="{BB962C8B-B14F-4D97-AF65-F5344CB8AC3E}">
         <p14:creationId xmlns:p14="http://schemas.microsoft.com/office/powerpoint/2010/main" val="2215073328"/>
+      </p:ext>
+    </p:extLst>
+  </p:cSld>
+  <p:clrMapOvr>
+    <a:masterClrMapping/>
+  </p:clrMapOvr>
+</p:sld>
+</file>
+
+<file path=ppt/slides/slide20.xml><?xml version="1.0" encoding="utf-8"?>
+<p:sld xmlns:a="http://schemas.openxmlformats.org/drawingml/2006/main" xmlns:r="http://schemas.openxmlformats.org/officeDocument/2006/relationships" xmlns:p="http://schemas.openxmlformats.org/presentationml/2006/main">
+  <p:cSld>
+    <p:spTree>
+      <p:nvGrpSpPr>
+        <p:cNvPr id="1" name=""/>
+        <p:cNvGrpSpPr/>
+        <p:nvPr/>
+      </p:nvGrpSpPr>
+      <p:grpSpPr>
+        <a:xfrm>
+          <a:off x="0" y="0"/>
+          <a:ext cx="0" cy="0"/>
+          <a:chOff x="0" y="0"/>
+          <a:chExt cx="0" cy="0"/>
+        </a:xfrm>
+      </p:grpSpPr>
+      <p:sp>
+        <p:nvSpPr>
+          <p:cNvPr id="4" name="TextBox 3">
+            <a:extLst>
+              <a:ext uri="{FF2B5EF4-FFF2-40B4-BE49-F238E27FC236}">
+                <a16:creationId xmlns:a16="http://schemas.microsoft.com/office/drawing/2014/main" id="{3FA779F4-5705-49B0-8DC3-00EA5ACB6597}"/>
+              </a:ext>
+            </a:extLst>
+          </p:cNvPr>
+          <p:cNvSpPr txBox="1"/>
+          <p:nvPr/>
+        </p:nvSpPr>
+        <p:spPr>
+          <a:xfrm>
+            <a:off x="1232188" y="1344404"/>
+            <a:ext cx="10104268" cy="4278094"/>
+          </a:xfrm>
+          <a:prstGeom prst="rect">
+            <a:avLst/>
+          </a:prstGeom>
+          <a:solidFill>
+            <a:schemeClr val="bg1"/>
+          </a:solidFill>
+          <a:ln w="57150">
+            <a:solidFill>
+              <a:srgbClr val="0070C0"/>
+            </a:solidFill>
+          </a:ln>
+        </p:spPr>
+        <p:txBody>
+          <a:bodyPr wrap="square" rtlCol="0">
+            <a:spAutoFit/>
+          </a:bodyPr>
+          <a:lstStyle/>
+          <a:p>
+            <a:r>
+              <a:rPr lang="en-US" sz="1600" b="1" dirty="0">
+                <a:latin typeface="Segoe UI" panose="020B0502040204020203" pitchFamily="34" charset="0"/>
+                <a:cs typeface="Segoe UI" panose="020B0502040204020203" pitchFamily="34" charset="0"/>
+              </a:rPr>
+              <a:t>INSTANCE METHOD:</a:t>
+            </a:r>
+          </a:p>
+          <a:p>
+            <a:endParaRPr lang="en-US" sz="1600" b="1" dirty="0">
+              <a:solidFill>
+                <a:srgbClr val="00B050"/>
+              </a:solidFill>
+              <a:latin typeface="Segoe UI" panose="020B0502040204020203" pitchFamily="34" charset="0"/>
+              <a:cs typeface="Segoe UI" panose="020B0502040204020203" pitchFamily="34" charset="0"/>
+            </a:endParaRPr>
+          </a:p>
+          <a:p>
+            <a:r>
+              <a:rPr lang="en-US" sz="1600" dirty="0">
+                <a:solidFill>
+                  <a:srgbClr val="00B050"/>
+                </a:solidFill>
+                <a:latin typeface="Segoe UI" panose="020B0502040204020203" pitchFamily="34" charset="0"/>
+                <a:cs typeface="Segoe UI" panose="020B0502040204020203" pitchFamily="34" charset="0"/>
+              </a:rPr>
+              <a:t>/*</a:t>
+            </a:r>
+          </a:p>
+          <a:p>
+            <a:r>
+              <a:rPr lang="en-US" sz="1600" dirty="0">
+                <a:solidFill>
+                  <a:srgbClr val="00B050"/>
+                </a:solidFill>
+                <a:latin typeface="Segoe UI" panose="020B0502040204020203" pitchFamily="34" charset="0"/>
+                <a:cs typeface="Segoe UI" panose="020B0502040204020203" pitchFamily="34" charset="0"/>
+              </a:rPr>
+              <a:t> * The instance methods of a class are defined as function-valued properties of the prototype object. </a:t>
+            </a:r>
+          </a:p>
+          <a:p>
+            <a:r>
+              <a:rPr lang="en-US" sz="1600" dirty="0">
+                <a:solidFill>
+                  <a:srgbClr val="00B050"/>
+                </a:solidFill>
+                <a:latin typeface="Segoe UI" panose="020B0502040204020203" pitchFamily="34" charset="0"/>
+                <a:cs typeface="Segoe UI" panose="020B0502040204020203" pitchFamily="34" charset="0"/>
+              </a:rPr>
+              <a:t> * The methods defined here are inherited by all instances and provide the shared behavior of the class. </a:t>
+            </a:r>
+          </a:p>
+          <a:p>
+            <a:r>
+              <a:rPr lang="en-US" sz="1600" dirty="0">
+                <a:solidFill>
+                  <a:srgbClr val="00B050"/>
+                </a:solidFill>
+                <a:latin typeface="Segoe UI" panose="020B0502040204020203" pitchFamily="34" charset="0"/>
+                <a:cs typeface="Segoe UI" panose="020B0502040204020203" pitchFamily="34" charset="0"/>
+              </a:rPr>
+              <a:t> * Note that JavaScript </a:t>
+            </a:r>
+            <a:r>
+              <a:rPr lang="en-US" sz="1600" b="1" dirty="0">
+                <a:solidFill>
+                  <a:srgbClr val="00B050"/>
+                </a:solidFill>
+                <a:latin typeface="Segoe UI" panose="020B0502040204020203" pitchFamily="34" charset="0"/>
+                <a:cs typeface="Segoe UI" panose="020B0502040204020203" pitchFamily="34" charset="0"/>
+              </a:rPr>
+              <a:t>instance methods </a:t>
+            </a:r>
+            <a:r>
+              <a:rPr lang="en-US" sz="1600" dirty="0">
+                <a:solidFill>
+                  <a:srgbClr val="00B050"/>
+                </a:solidFill>
+                <a:latin typeface="Segoe UI" panose="020B0502040204020203" pitchFamily="34" charset="0"/>
+                <a:cs typeface="Segoe UI" panose="020B0502040204020203" pitchFamily="34" charset="0"/>
+              </a:rPr>
+              <a:t>must use the </a:t>
+            </a:r>
+            <a:r>
+              <a:rPr lang="en-US" sz="1600" b="1" dirty="0">
+                <a:solidFill>
+                  <a:srgbClr val="00B050"/>
+                </a:solidFill>
+                <a:latin typeface="Segoe UI" panose="020B0502040204020203" pitchFamily="34" charset="0"/>
+                <a:cs typeface="Segoe UI" panose="020B0502040204020203" pitchFamily="34" charset="0"/>
+              </a:rPr>
+              <a:t>this keyword </a:t>
+            </a:r>
+            <a:r>
+              <a:rPr lang="en-US" sz="1600" dirty="0">
+                <a:solidFill>
+                  <a:srgbClr val="00B050"/>
+                </a:solidFill>
+                <a:latin typeface="Segoe UI" panose="020B0502040204020203" pitchFamily="34" charset="0"/>
+                <a:cs typeface="Segoe UI" panose="020B0502040204020203" pitchFamily="34" charset="0"/>
+              </a:rPr>
+              <a:t>to access the instance fields. </a:t>
+            </a:r>
+          </a:p>
+          <a:p>
+            <a:r>
+              <a:rPr lang="en-US" sz="1600" dirty="0">
+                <a:solidFill>
+                  <a:srgbClr val="00B050"/>
+                </a:solidFill>
+                <a:latin typeface="Segoe UI" panose="020B0502040204020203" pitchFamily="34" charset="0"/>
+                <a:cs typeface="Segoe UI" panose="020B0502040204020203" pitchFamily="34" charset="0"/>
+              </a:rPr>
+              <a:t> */</a:t>
+            </a:r>
+            <a:r>
+              <a:rPr lang="en-US" sz="1600" dirty="0">
+                <a:latin typeface="Segoe UI" panose="020B0502040204020203" pitchFamily="34" charset="0"/>
+                <a:cs typeface="Segoe UI" panose="020B0502040204020203" pitchFamily="34" charset="0"/>
+              </a:rPr>
+              <a:t> </a:t>
+            </a:r>
+          </a:p>
+          <a:p>
+            <a:endParaRPr lang="en-US" sz="1600" dirty="0">
+              <a:latin typeface="Segoe UI" panose="020B0502040204020203" pitchFamily="34" charset="0"/>
+              <a:cs typeface="Segoe UI" panose="020B0502040204020203" pitchFamily="34" charset="0"/>
+            </a:endParaRPr>
+          </a:p>
+          <a:p>
+            <a:r>
+              <a:rPr lang="en-US" sz="1600" dirty="0">
+                <a:solidFill>
+                  <a:srgbClr val="00B050"/>
+                </a:solidFill>
+                <a:latin typeface="Segoe UI" panose="020B0502040204020203" pitchFamily="34" charset="0"/>
+                <a:cs typeface="Segoe UI" panose="020B0502040204020203" pitchFamily="34" charset="0"/>
+              </a:rPr>
+              <a:t>// Add a complex number to this one and return the sum in a new object.</a:t>
+            </a:r>
+            <a:r>
+              <a:rPr lang="en-US" sz="1600" dirty="0">
+                <a:latin typeface="Segoe UI" panose="020B0502040204020203" pitchFamily="34" charset="0"/>
+                <a:cs typeface="Segoe UI" panose="020B0502040204020203" pitchFamily="34" charset="0"/>
+              </a:rPr>
+              <a:t> </a:t>
+            </a:r>
+          </a:p>
+          <a:p>
+            <a:r>
+              <a:rPr lang="en-US" sz="1600" b="1" dirty="0" err="1">
+                <a:solidFill>
+                  <a:srgbClr val="C00000"/>
+                </a:solidFill>
+                <a:latin typeface="Segoe UI" panose="020B0502040204020203" pitchFamily="34" charset="0"/>
+                <a:cs typeface="Segoe UI" panose="020B0502040204020203" pitchFamily="34" charset="0"/>
+              </a:rPr>
+              <a:t>Complex</a:t>
+            </a:r>
+            <a:r>
+              <a:rPr lang="en-US" sz="1600" dirty="0" err="1">
+                <a:latin typeface="Segoe UI" panose="020B0502040204020203" pitchFamily="34" charset="0"/>
+                <a:cs typeface="Segoe UI" panose="020B0502040204020203" pitchFamily="34" charset="0"/>
+              </a:rPr>
+              <a:t>.</a:t>
+            </a:r>
+            <a:r>
+              <a:rPr lang="en-US" sz="1600" b="1" dirty="0" err="1">
+                <a:latin typeface="Segoe UI" panose="020B0502040204020203" pitchFamily="34" charset="0"/>
+                <a:cs typeface="Segoe UI" panose="020B0502040204020203" pitchFamily="34" charset="0"/>
+              </a:rPr>
+              <a:t>prototype</a:t>
+            </a:r>
+            <a:r>
+              <a:rPr lang="en-US" sz="1600" dirty="0" err="1">
+                <a:latin typeface="Segoe UI" panose="020B0502040204020203" pitchFamily="34" charset="0"/>
+                <a:cs typeface="Segoe UI" panose="020B0502040204020203" pitchFamily="34" charset="0"/>
+              </a:rPr>
+              <a:t>.add</a:t>
+            </a:r>
+            <a:r>
+              <a:rPr lang="en-US" sz="1600" dirty="0">
+                <a:latin typeface="Segoe UI" panose="020B0502040204020203" pitchFamily="34" charset="0"/>
+                <a:cs typeface="Segoe UI" panose="020B0502040204020203" pitchFamily="34" charset="0"/>
+              </a:rPr>
+              <a:t> = function(that) { </a:t>
+            </a:r>
+          </a:p>
+          <a:p>
+            <a:r>
+              <a:rPr lang="en-US" sz="1600" dirty="0">
+                <a:latin typeface="Segoe UI" panose="020B0502040204020203" pitchFamily="34" charset="0"/>
+                <a:cs typeface="Segoe UI" panose="020B0502040204020203" pitchFamily="34" charset="0"/>
+              </a:rPr>
+              <a:t>	return new Complex(</a:t>
+            </a:r>
+            <a:r>
+              <a:rPr lang="en-US" sz="1600" b="1" dirty="0" err="1">
+                <a:solidFill>
+                  <a:srgbClr val="0070C0"/>
+                </a:solidFill>
+                <a:latin typeface="Segoe UI" panose="020B0502040204020203" pitchFamily="34" charset="0"/>
+                <a:cs typeface="Segoe UI" panose="020B0502040204020203" pitchFamily="34" charset="0"/>
+              </a:rPr>
+              <a:t>this</a:t>
+            </a:r>
+            <a:r>
+              <a:rPr lang="en-US" sz="1600" dirty="0" err="1">
+                <a:latin typeface="Segoe UI" panose="020B0502040204020203" pitchFamily="34" charset="0"/>
+                <a:cs typeface="Segoe UI" panose="020B0502040204020203" pitchFamily="34" charset="0"/>
+              </a:rPr>
+              <a:t>.</a:t>
+            </a:r>
+            <a:r>
+              <a:rPr lang="en-US" sz="1600" b="1" dirty="0" err="1">
+                <a:latin typeface="Segoe UI" panose="020B0502040204020203" pitchFamily="34" charset="0"/>
+                <a:cs typeface="Segoe UI" panose="020B0502040204020203" pitchFamily="34" charset="0"/>
+              </a:rPr>
+              <a:t>r</a:t>
+            </a:r>
+            <a:r>
+              <a:rPr lang="en-US" sz="1600" dirty="0">
+                <a:latin typeface="Segoe UI" panose="020B0502040204020203" pitchFamily="34" charset="0"/>
+                <a:cs typeface="Segoe UI" panose="020B0502040204020203" pitchFamily="34" charset="0"/>
+              </a:rPr>
+              <a:t> + </a:t>
+            </a:r>
+            <a:r>
+              <a:rPr lang="en-US" sz="1600" b="1" dirty="0" err="1">
+                <a:solidFill>
+                  <a:srgbClr val="0070C0"/>
+                </a:solidFill>
+                <a:latin typeface="Segoe UI" panose="020B0502040204020203" pitchFamily="34" charset="0"/>
+                <a:cs typeface="Segoe UI" panose="020B0502040204020203" pitchFamily="34" charset="0"/>
+              </a:rPr>
+              <a:t>that</a:t>
+            </a:r>
+            <a:r>
+              <a:rPr lang="en-US" sz="1600" dirty="0" err="1">
+                <a:latin typeface="Segoe UI" panose="020B0502040204020203" pitchFamily="34" charset="0"/>
+                <a:cs typeface="Segoe UI" panose="020B0502040204020203" pitchFamily="34" charset="0"/>
+              </a:rPr>
+              <a:t>.</a:t>
+            </a:r>
+            <a:r>
+              <a:rPr lang="en-US" sz="1600" b="1" dirty="0" err="1">
+                <a:latin typeface="Segoe UI" panose="020B0502040204020203" pitchFamily="34" charset="0"/>
+                <a:cs typeface="Segoe UI" panose="020B0502040204020203" pitchFamily="34" charset="0"/>
+              </a:rPr>
+              <a:t>r</a:t>
+            </a:r>
+            <a:r>
+              <a:rPr lang="en-US" sz="1600" dirty="0">
+                <a:latin typeface="Segoe UI" panose="020B0502040204020203" pitchFamily="34" charset="0"/>
+                <a:cs typeface="Segoe UI" panose="020B0502040204020203" pitchFamily="34" charset="0"/>
+              </a:rPr>
+              <a:t>, </a:t>
+            </a:r>
+            <a:r>
+              <a:rPr lang="en-US" sz="1600" b="1" dirty="0" err="1">
+                <a:solidFill>
+                  <a:srgbClr val="0070C0"/>
+                </a:solidFill>
+                <a:latin typeface="Segoe UI" panose="020B0502040204020203" pitchFamily="34" charset="0"/>
+                <a:cs typeface="Segoe UI" panose="020B0502040204020203" pitchFamily="34" charset="0"/>
+              </a:rPr>
+              <a:t>this</a:t>
+            </a:r>
+            <a:r>
+              <a:rPr lang="en-US" sz="1600" dirty="0" err="1">
+                <a:latin typeface="Segoe UI" panose="020B0502040204020203" pitchFamily="34" charset="0"/>
+                <a:cs typeface="Segoe UI" panose="020B0502040204020203" pitchFamily="34" charset="0"/>
+              </a:rPr>
+              <a:t>.</a:t>
+            </a:r>
+            <a:r>
+              <a:rPr lang="en-US" sz="1600" b="1" dirty="0" err="1">
+                <a:latin typeface="Segoe UI" panose="020B0502040204020203" pitchFamily="34" charset="0"/>
+                <a:cs typeface="Segoe UI" panose="020B0502040204020203" pitchFamily="34" charset="0"/>
+              </a:rPr>
+              <a:t>i</a:t>
+            </a:r>
+            <a:r>
+              <a:rPr lang="en-US" sz="1600" dirty="0">
+                <a:latin typeface="Segoe UI" panose="020B0502040204020203" pitchFamily="34" charset="0"/>
+                <a:cs typeface="Segoe UI" panose="020B0502040204020203" pitchFamily="34" charset="0"/>
+              </a:rPr>
+              <a:t> + </a:t>
+            </a:r>
+            <a:r>
+              <a:rPr lang="en-US" sz="1600" b="1" dirty="0" err="1">
+                <a:solidFill>
+                  <a:srgbClr val="0070C0"/>
+                </a:solidFill>
+                <a:latin typeface="Segoe UI" panose="020B0502040204020203" pitchFamily="34" charset="0"/>
+                <a:cs typeface="Segoe UI" panose="020B0502040204020203" pitchFamily="34" charset="0"/>
+              </a:rPr>
+              <a:t>that</a:t>
+            </a:r>
+            <a:r>
+              <a:rPr lang="en-US" sz="1600" dirty="0" err="1">
+                <a:latin typeface="Segoe UI" panose="020B0502040204020203" pitchFamily="34" charset="0"/>
+                <a:cs typeface="Segoe UI" panose="020B0502040204020203" pitchFamily="34" charset="0"/>
+              </a:rPr>
+              <a:t>.</a:t>
+            </a:r>
+            <a:r>
+              <a:rPr lang="en-US" sz="1600" b="1" dirty="0" err="1">
+                <a:latin typeface="Segoe UI" panose="020B0502040204020203" pitchFamily="34" charset="0"/>
+                <a:cs typeface="Segoe UI" panose="020B0502040204020203" pitchFamily="34" charset="0"/>
+              </a:rPr>
+              <a:t>i</a:t>
+            </a:r>
+            <a:r>
+              <a:rPr lang="en-US" sz="1600" dirty="0">
+                <a:latin typeface="Segoe UI" panose="020B0502040204020203" pitchFamily="34" charset="0"/>
+                <a:cs typeface="Segoe UI" panose="020B0502040204020203" pitchFamily="34" charset="0"/>
+              </a:rPr>
+              <a:t>); </a:t>
+            </a:r>
+          </a:p>
+          <a:p>
+            <a:r>
+              <a:rPr lang="en-US" sz="1600" dirty="0">
+                <a:latin typeface="Segoe UI" panose="020B0502040204020203" pitchFamily="34" charset="0"/>
+                <a:cs typeface="Segoe UI" panose="020B0502040204020203" pitchFamily="34" charset="0"/>
+              </a:rPr>
+              <a:t>}; </a:t>
+            </a:r>
+          </a:p>
+          <a:p>
+            <a:endParaRPr lang="en-US" sz="1600" dirty="0">
+              <a:latin typeface="Segoe UI" panose="020B0502040204020203" pitchFamily="34" charset="0"/>
+              <a:cs typeface="Segoe UI" panose="020B0502040204020203" pitchFamily="34" charset="0"/>
+            </a:endParaRPr>
+          </a:p>
+          <a:p>
+            <a:r>
+              <a:rPr lang="en-US" sz="1600" dirty="0">
+                <a:solidFill>
+                  <a:srgbClr val="00B050"/>
+                </a:solidFill>
+                <a:latin typeface="Segoe UI" panose="020B0502040204020203" pitchFamily="34" charset="0"/>
+                <a:cs typeface="Segoe UI" panose="020B0502040204020203" pitchFamily="34" charset="0"/>
+              </a:rPr>
+              <a:t>// Convert a complex object to a string in a useful way. </a:t>
+            </a:r>
+          </a:p>
+          <a:p>
+            <a:r>
+              <a:rPr lang="en-US" sz="1600" b="1" dirty="0" err="1">
+                <a:solidFill>
+                  <a:srgbClr val="C00000"/>
+                </a:solidFill>
+                <a:latin typeface="Segoe UI" panose="020B0502040204020203" pitchFamily="34" charset="0"/>
+                <a:cs typeface="Segoe UI" panose="020B0502040204020203" pitchFamily="34" charset="0"/>
+              </a:rPr>
+              <a:t>Complex</a:t>
+            </a:r>
+            <a:r>
+              <a:rPr lang="en-US" sz="1600" dirty="0" err="1">
+                <a:latin typeface="Segoe UI" panose="020B0502040204020203" pitchFamily="34" charset="0"/>
+                <a:cs typeface="Segoe UI" panose="020B0502040204020203" pitchFamily="34" charset="0"/>
+              </a:rPr>
+              <a:t>.</a:t>
+            </a:r>
+            <a:r>
+              <a:rPr lang="en-US" sz="1600" b="1" dirty="0" err="1">
+                <a:latin typeface="Segoe UI" panose="020B0502040204020203" pitchFamily="34" charset="0"/>
+                <a:cs typeface="Segoe UI" panose="020B0502040204020203" pitchFamily="34" charset="0"/>
+              </a:rPr>
+              <a:t>prototype</a:t>
+            </a:r>
+            <a:r>
+              <a:rPr lang="en-US" sz="1600" dirty="0" err="1">
+                <a:latin typeface="Segoe UI" panose="020B0502040204020203" pitchFamily="34" charset="0"/>
+                <a:cs typeface="Segoe UI" panose="020B0502040204020203" pitchFamily="34" charset="0"/>
+              </a:rPr>
+              <a:t>.toString</a:t>
+            </a:r>
+            <a:r>
+              <a:rPr lang="en-US" sz="1600" dirty="0">
+                <a:latin typeface="Segoe UI" panose="020B0502040204020203" pitchFamily="34" charset="0"/>
+                <a:cs typeface="Segoe UI" panose="020B0502040204020203" pitchFamily="34" charset="0"/>
+              </a:rPr>
+              <a:t> = function() { </a:t>
+            </a:r>
+          </a:p>
+          <a:p>
+            <a:r>
+              <a:rPr lang="en-US" sz="1600" dirty="0">
+                <a:latin typeface="Segoe UI" panose="020B0502040204020203" pitchFamily="34" charset="0"/>
+                <a:cs typeface="Segoe UI" panose="020B0502040204020203" pitchFamily="34" charset="0"/>
+              </a:rPr>
+              <a:t>	return `{${</a:t>
+            </a:r>
+            <a:r>
+              <a:rPr lang="en-US" sz="1600" b="1" dirty="0" err="1">
+                <a:solidFill>
+                  <a:srgbClr val="0070C0"/>
+                </a:solidFill>
+                <a:latin typeface="Segoe UI" panose="020B0502040204020203" pitchFamily="34" charset="0"/>
+                <a:cs typeface="Segoe UI" panose="020B0502040204020203" pitchFamily="34" charset="0"/>
+              </a:rPr>
+              <a:t>this</a:t>
+            </a:r>
+            <a:r>
+              <a:rPr lang="en-US" sz="1600" dirty="0" err="1">
+                <a:latin typeface="Segoe UI" panose="020B0502040204020203" pitchFamily="34" charset="0"/>
+                <a:cs typeface="Segoe UI" panose="020B0502040204020203" pitchFamily="34" charset="0"/>
+              </a:rPr>
+              <a:t>.</a:t>
+            </a:r>
+            <a:r>
+              <a:rPr lang="en-US" sz="1600" b="1" dirty="0" err="1">
+                <a:latin typeface="Segoe UI" panose="020B0502040204020203" pitchFamily="34" charset="0"/>
+                <a:cs typeface="Segoe UI" panose="020B0502040204020203" pitchFamily="34" charset="0"/>
+              </a:rPr>
+              <a:t>r</a:t>
+            </a:r>
+            <a:r>
+              <a:rPr lang="en-US" sz="1600" dirty="0">
+                <a:latin typeface="Segoe UI" panose="020B0502040204020203" pitchFamily="34" charset="0"/>
+                <a:cs typeface="Segoe UI" panose="020B0502040204020203" pitchFamily="34" charset="0"/>
+              </a:rPr>
+              <a:t>},${</a:t>
+            </a:r>
+            <a:r>
+              <a:rPr lang="en-US" sz="1600" b="1" dirty="0" err="1">
+                <a:solidFill>
+                  <a:srgbClr val="0070C0"/>
+                </a:solidFill>
+                <a:latin typeface="Segoe UI" panose="020B0502040204020203" pitchFamily="34" charset="0"/>
+                <a:cs typeface="Segoe UI" panose="020B0502040204020203" pitchFamily="34" charset="0"/>
+              </a:rPr>
+              <a:t>this</a:t>
+            </a:r>
+            <a:r>
+              <a:rPr lang="en-US" sz="1600" dirty="0" err="1">
+                <a:latin typeface="Segoe UI" panose="020B0502040204020203" pitchFamily="34" charset="0"/>
+                <a:cs typeface="Segoe UI" panose="020B0502040204020203" pitchFamily="34" charset="0"/>
+              </a:rPr>
+              <a:t>.</a:t>
+            </a:r>
+            <a:r>
+              <a:rPr lang="en-US" sz="1600" b="1" dirty="0" err="1">
+                <a:latin typeface="Segoe UI" panose="020B0502040204020203" pitchFamily="34" charset="0"/>
+                <a:cs typeface="Segoe UI" panose="020B0502040204020203" pitchFamily="34" charset="0"/>
+              </a:rPr>
+              <a:t>i</a:t>
+            </a:r>
+            <a:r>
+              <a:rPr lang="en-US" sz="1600" dirty="0">
+                <a:latin typeface="Segoe UI" panose="020B0502040204020203" pitchFamily="34" charset="0"/>
+                <a:cs typeface="Segoe UI" panose="020B0502040204020203" pitchFamily="34" charset="0"/>
+              </a:rPr>
+              <a:t>}}`; </a:t>
+            </a:r>
+          </a:p>
+          <a:p>
+            <a:r>
+              <a:rPr lang="en-US" sz="1600" dirty="0">
+                <a:latin typeface="Segoe UI" panose="020B0502040204020203" pitchFamily="34" charset="0"/>
+                <a:cs typeface="Segoe UI" panose="020B0502040204020203" pitchFamily="34" charset="0"/>
+              </a:rPr>
+              <a:t>}; </a:t>
+            </a:r>
+          </a:p>
+        </p:txBody>
+      </p:sp>
+      <p:sp>
+        <p:nvSpPr>
+          <p:cNvPr id="2" name="Title 1">
+            <a:extLst>
+              <a:ext uri="{FF2B5EF4-FFF2-40B4-BE49-F238E27FC236}">
+                <a16:creationId xmlns:a16="http://schemas.microsoft.com/office/drawing/2014/main" id="{2D4E4121-CDC8-41BA-846E-58655BA90FCF}"/>
+              </a:ext>
+            </a:extLst>
+          </p:cNvPr>
+          <p:cNvSpPr>
+            <a:spLocks noGrp="1"/>
+          </p:cNvSpPr>
+          <p:nvPr>
+            <p:ph type="ctrTitle"/>
+          </p:nvPr>
+        </p:nvSpPr>
+        <p:spPr>
+          <a:xfrm>
+            <a:off x="1507067" y="345351"/>
+            <a:ext cx="9554510" cy="970133"/>
+          </a:xfrm>
+        </p:spPr>
+        <p:txBody>
+          <a:bodyPr/>
+          <a:lstStyle/>
+          <a:p>
+            <a:pPr algn="l"/>
+            <a:r>
+              <a:rPr lang="en-US" dirty="0">
+                <a:solidFill>
+                  <a:schemeClr val="tx1">
+                    <a:lumMod val="85000"/>
+                    <a:lumOff val="15000"/>
+                  </a:schemeClr>
+                </a:solidFill>
+                <a:latin typeface="Segoe UI" panose="020B0502040204020203" pitchFamily="34" charset="0"/>
+                <a:cs typeface="Segoe UI" panose="020B0502040204020203" pitchFamily="34" charset="0"/>
+              </a:rPr>
+              <a:t>JS| </a:t>
+            </a:r>
+            <a:r>
+              <a:rPr lang="en-US" sz="3200" b="1" dirty="0">
+                <a:solidFill>
+                  <a:schemeClr val="tx1">
+                    <a:lumMod val="85000"/>
+                    <a:lumOff val="15000"/>
+                  </a:schemeClr>
+                </a:solidFill>
+                <a:latin typeface="Segoe UI" panose="020B0502040204020203" pitchFamily="34" charset="0"/>
+                <a:cs typeface="Segoe UI" panose="020B0502040204020203" pitchFamily="34" charset="0"/>
+              </a:rPr>
+              <a:t>C#-Style in JavaScript – Long Example</a:t>
+            </a:r>
+            <a:endParaRPr lang="en-US" b="1" dirty="0">
+              <a:solidFill>
+                <a:srgbClr val="C00000"/>
+              </a:solidFill>
+              <a:latin typeface="Segoe UI" panose="020B0502040204020203" pitchFamily="34" charset="0"/>
+              <a:cs typeface="Segoe UI" panose="020B0502040204020203" pitchFamily="34" charset="0"/>
+            </a:endParaRPr>
+          </a:p>
+        </p:txBody>
+      </p:sp>
+    </p:spTree>
+    <p:extLst>
+      <p:ext uri="{BB962C8B-B14F-4D97-AF65-F5344CB8AC3E}">
+        <p14:creationId xmlns:p14="http://schemas.microsoft.com/office/powerpoint/2010/main" val="104025545"/>
+      </p:ext>
+    </p:extLst>
+  </p:cSld>
+  <p:clrMapOvr>
+    <a:masterClrMapping/>
+  </p:clrMapOvr>
+</p:sld>
+</file>
+
+<file path=ppt/slides/slide21.xml><?xml version="1.0" encoding="utf-8"?>
+<p:sld xmlns:a="http://schemas.openxmlformats.org/drawingml/2006/main" xmlns:r="http://schemas.openxmlformats.org/officeDocument/2006/relationships" xmlns:p="http://schemas.openxmlformats.org/presentationml/2006/main">
+  <p:cSld>
+    <p:spTree>
+      <p:nvGrpSpPr>
+        <p:cNvPr id="1" name=""/>
+        <p:cNvGrpSpPr/>
+        <p:nvPr/>
+      </p:nvGrpSpPr>
+      <p:grpSpPr>
+        <a:xfrm>
+          <a:off x="0" y="0"/>
+          <a:ext cx="0" cy="0"/>
+          <a:chOff x="0" y="0"/>
+          <a:chExt cx="0" cy="0"/>
+        </a:xfrm>
+      </p:grpSpPr>
+      <p:sp>
+        <p:nvSpPr>
+          <p:cNvPr id="4" name="TextBox 3">
+            <a:extLst>
+              <a:ext uri="{FF2B5EF4-FFF2-40B4-BE49-F238E27FC236}">
+                <a16:creationId xmlns:a16="http://schemas.microsoft.com/office/drawing/2014/main" id="{3FA779F4-5705-49B0-8DC3-00EA5ACB6597}"/>
+              </a:ext>
+            </a:extLst>
+          </p:cNvPr>
+          <p:cNvSpPr txBox="1"/>
+          <p:nvPr/>
+        </p:nvSpPr>
+        <p:spPr>
+          <a:xfrm>
+            <a:off x="1232188" y="1344404"/>
+            <a:ext cx="10104268" cy="3293209"/>
+          </a:xfrm>
+          <a:prstGeom prst="rect">
+            <a:avLst/>
+          </a:prstGeom>
+          <a:solidFill>
+            <a:schemeClr val="bg1"/>
+          </a:solidFill>
+          <a:ln w="57150">
+            <a:solidFill>
+              <a:srgbClr val="0070C0"/>
+            </a:solidFill>
+          </a:ln>
+        </p:spPr>
+        <p:txBody>
+          <a:bodyPr wrap="square" rtlCol="0">
+            <a:spAutoFit/>
+          </a:bodyPr>
+          <a:lstStyle/>
+          <a:p>
+            <a:r>
+              <a:rPr lang="en-US" sz="1600" b="1" dirty="0">
+                <a:latin typeface="Segoe UI" panose="020B0502040204020203" pitchFamily="34" charset="0"/>
+                <a:cs typeface="Segoe UI" panose="020B0502040204020203" pitchFamily="34" charset="0"/>
+              </a:rPr>
+              <a:t>CLASS FIELD:</a:t>
+            </a:r>
+          </a:p>
+          <a:p>
+            <a:endParaRPr lang="en-US" sz="1600" b="1" dirty="0">
+              <a:solidFill>
+                <a:srgbClr val="00B050"/>
+              </a:solidFill>
+              <a:latin typeface="Segoe UI" panose="020B0502040204020203" pitchFamily="34" charset="0"/>
+              <a:cs typeface="Segoe UI" panose="020B0502040204020203" pitchFamily="34" charset="0"/>
+            </a:endParaRPr>
+          </a:p>
+          <a:p>
+            <a:r>
+              <a:rPr lang="en-US" sz="1600" dirty="0">
+                <a:solidFill>
+                  <a:srgbClr val="00B050"/>
+                </a:solidFill>
+                <a:latin typeface="Segoe UI" panose="020B0502040204020203" pitchFamily="34" charset="0"/>
+                <a:cs typeface="Segoe UI" panose="020B0502040204020203" pitchFamily="34" charset="0"/>
+              </a:rPr>
+              <a:t>/* </a:t>
+            </a:r>
+          </a:p>
+          <a:p>
+            <a:r>
+              <a:rPr lang="en-US" sz="1600" dirty="0">
+                <a:solidFill>
+                  <a:srgbClr val="00B050"/>
+                </a:solidFill>
+                <a:latin typeface="Segoe UI" panose="020B0502040204020203" pitchFamily="34" charset="0"/>
+                <a:cs typeface="Segoe UI" panose="020B0502040204020203" pitchFamily="34" charset="0"/>
+              </a:rPr>
+              <a:t> * Class fields (such as constants) and class methods are defined as properties of the constructor. </a:t>
+            </a:r>
+          </a:p>
+          <a:p>
+            <a:r>
+              <a:rPr lang="en-US" sz="1600" dirty="0">
+                <a:solidFill>
+                  <a:srgbClr val="00B050"/>
+                </a:solidFill>
+                <a:latin typeface="Segoe UI" panose="020B0502040204020203" pitchFamily="34" charset="0"/>
+                <a:cs typeface="Segoe UI" panose="020B0502040204020203" pitchFamily="34" charset="0"/>
+              </a:rPr>
+              <a:t> * Note that class methods do not generally use the this keyword: they operate only on their arguments. </a:t>
+            </a:r>
+          </a:p>
+          <a:p>
+            <a:r>
+              <a:rPr lang="en-US" sz="1600" dirty="0">
+                <a:solidFill>
+                  <a:srgbClr val="00B050"/>
+                </a:solidFill>
+                <a:latin typeface="Segoe UI" panose="020B0502040204020203" pitchFamily="34" charset="0"/>
+                <a:cs typeface="Segoe UI" panose="020B0502040204020203" pitchFamily="34" charset="0"/>
+              </a:rPr>
+              <a:t>*/ </a:t>
+            </a:r>
+          </a:p>
+          <a:p>
+            <a:endParaRPr lang="en-US" sz="1600" dirty="0">
+              <a:latin typeface="Segoe UI" panose="020B0502040204020203" pitchFamily="34" charset="0"/>
+              <a:cs typeface="Segoe UI" panose="020B0502040204020203" pitchFamily="34" charset="0"/>
+            </a:endParaRPr>
+          </a:p>
+          <a:p>
+            <a:r>
+              <a:rPr lang="en-US" sz="1600" dirty="0">
+                <a:solidFill>
+                  <a:srgbClr val="00B050"/>
+                </a:solidFill>
+                <a:latin typeface="Segoe UI" panose="020B0502040204020203" pitchFamily="34" charset="0"/>
+                <a:cs typeface="Segoe UI" panose="020B0502040204020203" pitchFamily="34" charset="0"/>
+              </a:rPr>
+              <a:t>// Here are some class fields that hold useful predefined complex numbers. </a:t>
+            </a:r>
+          </a:p>
+          <a:p>
+            <a:r>
+              <a:rPr lang="en-US" sz="1600" dirty="0">
+                <a:solidFill>
+                  <a:srgbClr val="00B050"/>
+                </a:solidFill>
+                <a:latin typeface="Segoe UI" panose="020B0502040204020203" pitchFamily="34" charset="0"/>
+                <a:cs typeface="Segoe UI" panose="020B0502040204020203" pitchFamily="34" charset="0"/>
+              </a:rPr>
+              <a:t>// Their names are uppercase to indicate that they are constants. </a:t>
+            </a:r>
+          </a:p>
+          <a:p>
+            <a:endParaRPr lang="en-US" sz="1600" dirty="0">
+              <a:latin typeface="Segoe UI" panose="020B0502040204020203" pitchFamily="34" charset="0"/>
+              <a:cs typeface="Segoe UI" panose="020B0502040204020203" pitchFamily="34" charset="0"/>
+            </a:endParaRPr>
+          </a:p>
+          <a:p>
+            <a:r>
+              <a:rPr lang="en-US" sz="1600" b="1" dirty="0" err="1">
+                <a:solidFill>
+                  <a:srgbClr val="C00000"/>
+                </a:solidFill>
+                <a:latin typeface="Segoe UI" panose="020B0502040204020203" pitchFamily="34" charset="0"/>
+                <a:cs typeface="Segoe UI" panose="020B0502040204020203" pitchFamily="34" charset="0"/>
+              </a:rPr>
+              <a:t>Complex</a:t>
+            </a:r>
+            <a:r>
+              <a:rPr lang="en-US" sz="1600" dirty="0" err="1">
+                <a:latin typeface="Segoe UI" panose="020B0502040204020203" pitchFamily="34" charset="0"/>
+                <a:cs typeface="Segoe UI" panose="020B0502040204020203" pitchFamily="34" charset="0"/>
+              </a:rPr>
+              <a:t>.ZERO</a:t>
+            </a:r>
+            <a:r>
+              <a:rPr lang="en-US" sz="1600" dirty="0">
+                <a:latin typeface="Segoe UI" panose="020B0502040204020203" pitchFamily="34" charset="0"/>
+                <a:cs typeface="Segoe UI" panose="020B0502040204020203" pitchFamily="34" charset="0"/>
+              </a:rPr>
+              <a:t> 	= new Complex(0,0); </a:t>
+            </a:r>
+          </a:p>
+          <a:p>
+            <a:r>
+              <a:rPr lang="en-US" sz="1600" b="1" dirty="0">
+                <a:solidFill>
+                  <a:srgbClr val="C00000"/>
+                </a:solidFill>
+                <a:latin typeface="Segoe UI" panose="020B0502040204020203" pitchFamily="34" charset="0"/>
+                <a:cs typeface="Segoe UI" panose="020B0502040204020203" pitchFamily="34" charset="0"/>
+              </a:rPr>
+              <a:t>Complex</a:t>
+            </a:r>
+            <a:r>
+              <a:rPr lang="en-US" sz="1600" dirty="0">
+                <a:latin typeface="Segoe UI" panose="020B0502040204020203" pitchFamily="34" charset="0"/>
+                <a:cs typeface="Segoe UI" panose="020B0502040204020203" pitchFamily="34" charset="0"/>
+              </a:rPr>
+              <a:t>.ONE 		= new Complex(1,0); </a:t>
+            </a:r>
+          </a:p>
+          <a:p>
+            <a:r>
+              <a:rPr lang="en-US" sz="1600" b="1" dirty="0" err="1">
+                <a:solidFill>
+                  <a:srgbClr val="C00000"/>
+                </a:solidFill>
+                <a:latin typeface="Segoe UI" panose="020B0502040204020203" pitchFamily="34" charset="0"/>
+                <a:cs typeface="Segoe UI" panose="020B0502040204020203" pitchFamily="34" charset="0"/>
+              </a:rPr>
+              <a:t>Complex</a:t>
+            </a:r>
+            <a:r>
+              <a:rPr lang="en-US" sz="1600" dirty="0" err="1">
+                <a:latin typeface="Segoe UI" panose="020B0502040204020203" pitchFamily="34" charset="0"/>
+                <a:cs typeface="Segoe UI" panose="020B0502040204020203" pitchFamily="34" charset="0"/>
+              </a:rPr>
+              <a:t>.I</a:t>
+            </a:r>
+            <a:r>
+              <a:rPr lang="en-US" sz="1600" dirty="0">
+                <a:latin typeface="Segoe UI" panose="020B0502040204020203" pitchFamily="34" charset="0"/>
+                <a:cs typeface="Segoe UI" panose="020B0502040204020203" pitchFamily="34" charset="0"/>
+              </a:rPr>
+              <a:t> 		= new Complex(0,1);</a:t>
+            </a:r>
+          </a:p>
+        </p:txBody>
+      </p:sp>
+      <p:sp>
+        <p:nvSpPr>
+          <p:cNvPr id="2" name="Title 1">
+            <a:extLst>
+              <a:ext uri="{FF2B5EF4-FFF2-40B4-BE49-F238E27FC236}">
+                <a16:creationId xmlns:a16="http://schemas.microsoft.com/office/drawing/2014/main" id="{2D4E4121-CDC8-41BA-846E-58655BA90FCF}"/>
+              </a:ext>
+            </a:extLst>
+          </p:cNvPr>
+          <p:cNvSpPr>
+            <a:spLocks noGrp="1"/>
+          </p:cNvSpPr>
+          <p:nvPr>
+            <p:ph type="ctrTitle"/>
+          </p:nvPr>
+        </p:nvSpPr>
+        <p:spPr>
+          <a:xfrm>
+            <a:off x="1507067" y="345351"/>
+            <a:ext cx="9554510" cy="970133"/>
+          </a:xfrm>
+        </p:spPr>
+        <p:txBody>
+          <a:bodyPr/>
+          <a:lstStyle/>
+          <a:p>
+            <a:pPr algn="l"/>
+            <a:r>
+              <a:rPr lang="en-US" dirty="0">
+                <a:solidFill>
+                  <a:schemeClr val="tx1">
+                    <a:lumMod val="85000"/>
+                    <a:lumOff val="15000"/>
+                  </a:schemeClr>
+                </a:solidFill>
+                <a:latin typeface="Segoe UI" panose="020B0502040204020203" pitchFamily="34" charset="0"/>
+                <a:cs typeface="Segoe UI" panose="020B0502040204020203" pitchFamily="34" charset="0"/>
+              </a:rPr>
+              <a:t>JS| </a:t>
+            </a:r>
+            <a:r>
+              <a:rPr lang="en-US" sz="3200" b="1" dirty="0">
+                <a:solidFill>
+                  <a:schemeClr val="tx1">
+                    <a:lumMod val="85000"/>
+                    <a:lumOff val="15000"/>
+                  </a:schemeClr>
+                </a:solidFill>
+                <a:latin typeface="Segoe UI" panose="020B0502040204020203" pitchFamily="34" charset="0"/>
+                <a:cs typeface="Segoe UI" panose="020B0502040204020203" pitchFamily="34" charset="0"/>
+              </a:rPr>
+              <a:t>C#-Style in JavaScript – Long Example</a:t>
+            </a:r>
+            <a:endParaRPr lang="en-US" b="1" dirty="0">
+              <a:solidFill>
+                <a:srgbClr val="C00000"/>
+              </a:solidFill>
+              <a:latin typeface="Segoe UI" panose="020B0502040204020203" pitchFamily="34" charset="0"/>
+              <a:cs typeface="Segoe UI" panose="020B0502040204020203" pitchFamily="34" charset="0"/>
+            </a:endParaRPr>
+          </a:p>
+        </p:txBody>
+      </p:sp>
+    </p:spTree>
+    <p:extLst>
+      <p:ext uri="{BB962C8B-B14F-4D97-AF65-F5344CB8AC3E}">
+        <p14:creationId xmlns:p14="http://schemas.microsoft.com/office/powerpoint/2010/main" val="3573719619"/>
+      </p:ext>
+    </p:extLst>
+  </p:cSld>
+  <p:clrMapOvr>
+    <a:masterClrMapping/>
+  </p:clrMapOvr>
+</p:sld>
+</file>
+
+<file path=ppt/slides/slide22.xml><?xml version="1.0" encoding="utf-8"?>
+<p:sld xmlns:a="http://schemas.openxmlformats.org/drawingml/2006/main" xmlns:r="http://schemas.openxmlformats.org/officeDocument/2006/relationships" xmlns:p="http://schemas.openxmlformats.org/presentationml/2006/main">
+  <p:cSld>
+    <p:spTree>
+      <p:nvGrpSpPr>
+        <p:cNvPr id="1" name=""/>
+        <p:cNvGrpSpPr/>
+        <p:nvPr/>
+      </p:nvGrpSpPr>
+      <p:grpSpPr>
+        <a:xfrm>
+          <a:off x="0" y="0"/>
+          <a:ext cx="0" cy="0"/>
+          <a:chOff x="0" y="0"/>
+          <a:chExt cx="0" cy="0"/>
+        </a:xfrm>
+      </p:grpSpPr>
+      <p:sp>
+        <p:nvSpPr>
+          <p:cNvPr id="4" name="TextBox 3">
+            <a:extLst>
+              <a:ext uri="{FF2B5EF4-FFF2-40B4-BE49-F238E27FC236}">
+                <a16:creationId xmlns:a16="http://schemas.microsoft.com/office/drawing/2014/main" id="{3FA779F4-5705-49B0-8DC3-00EA5ACB6597}"/>
+              </a:ext>
+            </a:extLst>
+          </p:cNvPr>
+          <p:cNvSpPr txBox="1"/>
+          <p:nvPr/>
+        </p:nvSpPr>
+        <p:spPr>
+          <a:xfrm>
+            <a:off x="620368" y="1459814"/>
+            <a:ext cx="11327907" cy="3293209"/>
+          </a:xfrm>
+          <a:prstGeom prst="rect">
+            <a:avLst/>
+          </a:prstGeom>
+          <a:solidFill>
+            <a:schemeClr val="bg1"/>
+          </a:solidFill>
+          <a:ln w="57150">
+            <a:solidFill>
+              <a:srgbClr val="0070C0"/>
+            </a:solidFill>
+          </a:ln>
+        </p:spPr>
+        <p:txBody>
+          <a:bodyPr wrap="square" rtlCol="0">
+            <a:spAutoFit/>
+          </a:bodyPr>
+          <a:lstStyle/>
+          <a:p>
+            <a:r>
+              <a:rPr lang="en-US" sz="1600" b="1" dirty="0">
+                <a:latin typeface="Segoe UI" panose="020B0502040204020203" pitchFamily="34" charset="0"/>
+                <a:cs typeface="Segoe UI" panose="020B0502040204020203" pitchFamily="34" charset="0"/>
+              </a:rPr>
+              <a:t>CLASS METHODS:</a:t>
+            </a:r>
+          </a:p>
+          <a:p>
+            <a:endParaRPr lang="en-US" sz="1600" b="1" dirty="0">
+              <a:solidFill>
+                <a:srgbClr val="00B050"/>
+              </a:solidFill>
+              <a:latin typeface="Segoe UI" panose="020B0502040204020203" pitchFamily="34" charset="0"/>
+              <a:cs typeface="Segoe UI" panose="020B0502040204020203" pitchFamily="34" charset="0"/>
+            </a:endParaRPr>
+          </a:p>
+          <a:p>
+            <a:r>
+              <a:rPr lang="en-US" sz="1600" dirty="0">
+                <a:solidFill>
+                  <a:srgbClr val="00B050"/>
+                </a:solidFill>
+              </a:rPr>
+              <a:t>// This </a:t>
+            </a:r>
+            <a:r>
+              <a:rPr lang="en-US" sz="1600" b="1" dirty="0">
+                <a:solidFill>
+                  <a:srgbClr val="00B050"/>
+                </a:solidFill>
+              </a:rPr>
+              <a:t>class method </a:t>
+            </a:r>
+            <a:r>
+              <a:rPr lang="en-US" sz="1600" dirty="0">
+                <a:solidFill>
+                  <a:srgbClr val="00B050"/>
+                </a:solidFill>
+              </a:rPr>
+              <a:t>parses a string in the format returned by the </a:t>
+            </a:r>
+            <a:r>
+              <a:rPr lang="en-US" sz="1600" dirty="0" err="1">
+                <a:solidFill>
+                  <a:srgbClr val="00B050"/>
+                </a:solidFill>
+              </a:rPr>
+              <a:t>toString</a:t>
+            </a:r>
+            <a:r>
+              <a:rPr lang="en-US" sz="1600" dirty="0">
+                <a:solidFill>
+                  <a:srgbClr val="00B050"/>
+                </a:solidFill>
+              </a:rPr>
+              <a:t> </a:t>
+            </a:r>
+          </a:p>
+          <a:p>
+            <a:r>
+              <a:rPr lang="en-US" sz="1600" dirty="0">
+                <a:solidFill>
+                  <a:srgbClr val="00B050"/>
+                </a:solidFill>
+              </a:rPr>
+              <a:t>// instance method and returns a Complex object or throws a </a:t>
+            </a:r>
+            <a:r>
+              <a:rPr lang="en-US" sz="1600" dirty="0" err="1">
+                <a:solidFill>
+                  <a:srgbClr val="00B050"/>
+                </a:solidFill>
+              </a:rPr>
+              <a:t>TypeError</a:t>
+            </a:r>
+            <a:r>
+              <a:rPr lang="en-US" sz="1600" dirty="0">
+                <a:solidFill>
+                  <a:srgbClr val="00B050"/>
+                </a:solidFill>
+              </a:rPr>
+              <a:t>. </a:t>
+            </a:r>
+          </a:p>
+          <a:p>
+            <a:endParaRPr lang="en-US" sz="1600" dirty="0"/>
+          </a:p>
+          <a:p>
+            <a:r>
+              <a:rPr lang="en-US" sz="1600" b="1" dirty="0" err="1">
+                <a:solidFill>
+                  <a:srgbClr val="C00000"/>
+                </a:solidFill>
+              </a:rPr>
+              <a:t>Complex</a:t>
+            </a:r>
+            <a:r>
+              <a:rPr lang="en-US" sz="1600" dirty="0" err="1"/>
+              <a:t>.parse</a:t>
+            </a:r>
+            <a:r>
+              <a:rPr lang="en-US" sz="1600" dirty="0"/>
+              <a:t> = function(s) { </a:t>
+            </a:r>
+          </a:p>
+          <a:p>
+            <a:r>
+              <a:rPr lang="en-US" sz="1600" dirty="0"/>
+              <a:t>	try { 														</a:t>
+            </a:r>
+            <a:r>
+              <a:rPr lang="en-US" sz="1600" dirty="0">
+                <a:solidFill>
+                  <a:srgbClr val="00B050"/>
+                </a:solidFill>
+              </a:rPr>
+              <a:t>// Assume that the parsing will succeed </a:t>
+            </a:r>
+          </a:p>
+          <a:p>
+            <a:r>
+              <a:rPr lang="en-US" sz="1600" dirty="0"/>
+              <a:t>		let m = </a:t>
+            </a:r>
+            <a:r>
+              <a:rPr lang="en-US" sz="1600" b="1" dirty="0">
+                <a:solidFill>
+                  <a:srgbClr val="C00000"/>
+                </a:solidFill>
+              </a:rPr>
+              <a:t>Complex</a:t>
+            </a:r>
+            <a:r>
+              <a:rPr lang="en-US" sz="1600" dirty="0"/>
+              <a:t>._</a:t>
+            </a:r>
+            <a:r>
+              <a:rPr lang="en-US" sz="1600" b="1" dirty="0" err="1">
+                <a:solidFill>
+                  <a:srgbClr val="FFC000"/>
+                </a:solidFill>
+              </a:rPr>
+              <a:t>format</a:t>
+            </a:r>
+            <a:r>
+              <a:rPr lang="en-US" sz="1600" dirty="0" err="1"/>
+              <a:t>.exec</a:t>
+            </a:r>
+            <a:r>
+              <a:rPr lang="en-US" sz="1600" dirty="0"/>
+              <a:t>(s); 							</a:t>
+            </a:r>
+            <a:r>
+              <a:rPr lang="en-US" sz="1600" dirty="0">
+                <a:solidFill>
+                  <a:srgbClr val="00B050"/>
+                </a:solidFill>
+              </a:rPr>
+              <a:t>// Regular expression magic </a:t>
+            </a:r>
+          </a:p>
+          <a:p>
+            <a:r>
+              <a:rPr lang="en-US" sz="1600" dirty="0"/>
+              <a:t>		return new </a:t>
+            </a:r>
+            <a:r>
+              <a:rPr lang="en-US" sz="1600" b="1" dirty="0">
+                <a:solidFill>
+                  <a:srgbClr val="C00000"/>
+                </a:solidFill>
+              </a:rPr>
+              <a:t>Complex</a:t>
+            </a:r>
+            <a:r>
+              <a:rPr lang="en-US" sz="1600" dirty="0"/>
+              <a:t>(</a:t>
+            </a:r>
+            <a:r>
+              <a:rPr lang="en-US" sz="1600" dirty="0" err="1"/>
+              <a:t>parseFloat</a:t>
+            </a:r>
+            <a:r>
+              <a:rPr lang="en-US" sz="1600" dirty="0"/>
+              <a:t>(m[1]), </a:t>
+            </a:r>
+            <a:r>
+              <a:rPr lang="en-US" sz="1600" dirty="0" err="1"/>
+              <a:t>parseFloat</a:t>
+            </a:r>
+            <a:r>
+              <a:rPr lang="en-US" sz="1600" dirty="0"/>
+              <a:t>(m[2])); </a:t>
+            </a:r>
+          </a:p>
+          <a:p>
+            <a:r>
+              <a:rPr lang="en-US" sz="1600" dirty="0"/>
+              <a:t>	} catch (x) { 													</a:t>
+            </a:r>
+            <a:r>
+              <a:rPr lang="en-US" sz="1600" dirty="0">
+                <a:solidFill>
+                  <a:srgbClr val="00B050"/>
+                </a:solidFill>
+              </a:rPr>
+              <a:t>// And throw an exception if it fails </a:t>
+            </a:r>
+          </a:p>
+          <a:p>
+            <a:r>
+              <a:rPr lang="en-US" sz="1600" dirty="0"/>
+              <a:t>		throw new </a:t>
+            </a:r>
+            <a:r>
+              <a:rPr lang="en-US" sz="1600" dirty="0" err="1"/>
+              <a:t>TypeError</a:t>
+            </a:r>
+            <a:r>
+              <a:rPr lang="en-US" sz="1600" dirty="0"/>
+              <a:t>("Can't parse '" + s + "' as a complex number."); </a:t>
+            </a:r>
+          </a:p>
+          <a:p>
+            <a:r>
+              <a:rPr lang="en-US" sz="1600" dirty="0"/>
+              <a:t>	} </a:t>
+            </a:r>
+          </a:p>
+          <a:p>
+            <a:r>
+              <a:rPr lang="en-US" sz="1600" dirty="0"/>
+              <a:t>};</a:t>
+            </a:r>
+            <a:endParaRPr lang="en-US" sz="1600" dirty="0">
+              <a:latin typeface="Segoe UI" panose="020B0502040204020203" pitchFamily="34" charset="0"/>
+              <a:cs typeface="Segoe UI" panose="020B0502040204020203" pitchFamily="34" charset="0"/>
+            </a:endParaRPr>
+          </a:p>
+        </p:txBody>
+      </p:sp>
+      <p:sp>
+        <p:nvSpPr>
+          <p:cNvPr id="2" name="Title 1">
+            <a:extLst>
+              <a:ext uri="{FF2B5EF4-FFF2-40B4-BE49-F238E27FC236}">
+                <a16:creationId xmlns:a16="http://schemas.microsoft.com/office/drawing/2014/main" id="{2D4E4121-CDC8-41BA-846E-58655BA90FCF}"/>
+              </a:ext>
+            </a:extLst>
+          </p:cNvPr>
+          <p:cNvSpPr>
+            <a:spLocks noGrp="1"/>
+          </p:cNvSpPr>
+          <p:nvPr>
+            <p:ph type="ctrTitle"/>
+          </p:nvPr>
+        </p:nvSpPr>
+        <p:spPr>
+          <a:xfrm>
+            <a:off x="1507067" y="345351"/>
+            <a:ext cx="9554510" cy="970133"/>
+          </a:xfrm>
+        </p:spPr>
+        <p:txBody>
+          <a:bodyPr/>
+          <a:lstStyle/>
+          <a:p>
+            <a:pPr algn="l"/>
+            <a:r>
+              <a:rPr lang="en-US" dirty="0">
+                <a:solidFill>
+                  <a:schemeClr val="tx1">
+                    <a:lumMod val="85000"/>
+                    <a:lumOff val="15000"/>
+                  </a:schemeClr>
+                </a:solidFill>
+                <a:latin typeface="Segoe UI" panose="020B0502040204020203" pitchFamily="34" charset="0"/>
+                <a:cs typeface="Segoe UI" panose="020B0502040204020203" pitchFamily="34" charset="0"/>
+              </a:rPr>
+              <a:t>JS| </a:t>
+            </a:r>
+            <a:r>
+              <a:rPr lang="en-US" sz="3200" b="1" dirty="0">
+                <a:solidFill>
+                  <a:schemeClr val="tx1">
+                    <a:lumMod val="85000"/>
+                    <a:lumOff val="15000"/>
+                  </a:schemeClr>
+                </a:solidFill>
+                <a:latin typeface="Segoe UI" panose="020B0502040204020203" pitchFamily="34" charset="0"/>
+                <a:cs typeface="Segoe UI" panose="020B0502040204020203" pitchFamily="34" charset="0"/>
+              </a:rPr>
+              <a:t>C#-Style in JavaScript – Long Example</a:t>
+            </a:r>
+            <a:endParaRPr lang="en-US" b="1" dirty="0">
+              <a:solidFill>
+                <a:srgbClr val="C00000"/>
+              </a:solidFill>
+              <a:latin typeface="Segoe UI" panose="020B0502040204020203" pitchFamily="34" charset="0"/>
+              <a:cs typeface="Segoe UI" panose="020B0502040204020203" pitchFamily="34" charset="0"/>
+            </a:endParaRPr>
+          </a:p>
+        </p:txBody>
+      </p:sp>
+      <p:sp>
+        <p:nvSpPr>
+          <p:cNvPr id="5" name="TextBox 4">
+            <a:extLst>
+              <a:ext uri="{FF2B5EF4-FFF2-40B4-BE49-F238E27FC236}">
+                <a16:creationId xmlns:a16="http://schemas.microsoft.com/office/drawing/2014/main" id="{2DA3E6A6-32F2-41FC-887C-EC07C64D5614}"/>
+              </a:ext>
+            </a:extLst>
+          </p:cNvPr>
+          <p:cNvSpPr txBox="1"/>
+          <p:nvPr/>
+        </p:nvSpPr>
+        <p:spPr>
+          <a:xfrm>
+            <a:off x="620367" y="5105798"/>
+            <a:ext cx="11327907" cy="1569660"/>
+          </a:xfrm>
+          <a:prstGeom prst="rect">
+            <a:avLst/>
+          </a:prstGeom>
+          <a:solidFill>
+            <a:schemeClr val="bg1"/>
+          </a:solidFill>
+          <a:ln w="57150">
+            <a:solidFill>
+              <a:srgbClr val="0070C0"/>
+            </a:solidFill>
+          </a:ln>
+        </p:spPr>
+        <p:txBody>
+          <a:bodyPr wrap="square" rtlCol="0">
+            <a:spAutoFit/>
+          </a:bodyPr>
+          <a:lstStyle/>
+          <a:p>
+            <a:r>
+              <a:rPr lang="en-US" sz="1600" b="1" dirty="0">
+                <a:latin typeface="Segoe UI" panose="020B0502040204020203" pitchFamily="34" charset="0"/>
+                <a:cs typeface="Segoe UI" panose="020B0502040204020203" pitchFamily="34" charset="0"/>
+              </a:rPr>
+              <a:t>PRIVATE CLASS FIELD CONVENSION:</a:t>
+            </a:r>
+          </a:p>
+          <a:p>
+            <a:endParaRPr lang="en-US" sz="1600" b="1" dirty="0">
+              <a:solidFill>
+                <a:srgbClr val="00B050"/>
+              </a:solidFill>
+              <a:latin typeface="Segoe UI" panose="020B0502040204020203" pitchFamily="34" charset="0"/>
+              <a:cs typeface="Segoe UI" panose="020B0502040204020203" pitchFamily="34" charset="0"/>
+            </a:endParaRPr>
+          </a:p>
+          <a:p>
+            <a:r>
+              <a:rPr lang="en-US" sz="1600" dirty="0">
+                <a:solidFill>
+                  <a:srgbClr val="00B050"/>
+                </a:solidFill>
+              </a:rPr>
+              <a:t>// A "private" class field used in </a:t>
+            </a:r>
+            <a:r>
+              <a:rPr lang="en-US" sz="1600" dirty="0" err="1">
+                <a:solidFill>
+                  <a:srgbClr val="00B050"/>
+                </a:solidFill>
+              </a:rPr>
+              <a:t>Complex.parse</a:t>
+            </a:r>
+            <a:r>
+              <a:rPr lang="en-US" sz="1600" dirty="0">
+                <a:solidFill>
+                  <a:srgbClr val="00B050"/>
+                </a:solidFill>
+              </a:rPr>
+              <a:t>() above. </a:t>
+            </a:r>
+          </a:p>
+          <a:p>
+            <a:r>
+              <a:rPr lang="en-US" sz="1600" dirty="0">
+                <a:solidFill>
+                  <a:srgbClr val="00B050"/>
+                </a:solidFill>
+              </a:rPr>
+              <a:t>// The underscore in its name indicates that it is intended for internal use and should not be considered public. </a:t>
+            </a:r>
+          </a:p>
+          <a:p>
+            <a:endParaRPr lang="en-US" sz="1600" dirty="0"/>
+          </a:p>
+          <a:p>
+            <a:r>
+              <a:rPr lang="en-US" sz="1600" b="1" dirty="0" err="1">
+                <a:solidFill>
+                  <a:srgbClr val="C00000"/>
+                </a:solidFill>
+              </a:rPr>
+              <a:t>Complex</a:t>
+            </a:r>
+            <a:r>
+              <a:rPr lang="en-US" sz="1600" dirty="0" err="1"/>
+              <a:t>._</a:t>
+            </a:r>
+            <a:r>
+              <a:rPr lang="en-US" sz="1600" b="1" dirty="0" err="1"/>
+              <a:t>format</a:t>
+            </a:r>
+            <a:r>
+              <a:rPr lang="en-US" sz="1600" dirty="0"/>
+              <a:t> = /^\{([^,]+),([^}]+)\}$/;</a:t>
+            </a:r>
+            <a:endParaRPr lang="en-US" sz="1600" b="1" dirty="0">
+              <a:solidFill>
+                <a:srgbClr val="00B050"/>
+              </a:solidFill>
+              <a:latin typeface="Segoe UI" panose="020B0502040204020203" pitchFamily="34" charset="0"/>
+              <a:cs typeface="Segoe UI" panose="020B0502040204020203" pitchFamily="34" charset="0"/>
+            </a:endParaRPr>
+          </a:p>
+        </p:txBody>
+      </p:sp>
+    </p:spTree>
+    <p:extLst>
+      <p:ext uri="{BB962C8B-B14F-4D97-AF65-F5344CB8AC3E}">
+        <p14:creationId xmlns:p14="http://schemas.microsoft.com/office/powerpoint/2010/main" val="1719974695"/>
+      </p:ext>
+    </p:extLst>
+  </p:cSld>
+  <p:clrMapOvr>
+    <a:masterClrMapping/>
+  </p:clrMapOvr>
+</p:sld>
+</file>
+
+<file path=ppt/slides/slide23.xml><?xml version="1.0" encoding="utf-8"?>
+<p:sld xmlns:a="http://schemas.openxmlformats.org/drawingml/2006/main" xmlns:r="http://schemas.openxmlformats.org/officeDocument/2006/relationships" xmlns:p="http://schemas.openxmlformats.org/presentationml/2006/main">
+  <p:cSld>
+    <p:spTree>
+      <p:nvGrpSpPr>
+        <p:cNvPr id="1" name=""/>
+        <p:cNvGrpSpPr/>
+        <p:nvPr/>
+      </p:nvGrpSpPr>
+      <p:grpSpPr>
+        <a:xfrm>
+          <a:off x="0" y="0"/>
+          <a:ext cx="0" cy="0"/>
+          <a:chOff x="0" y="0"/>
+          <a:chExt cx="0" cy="0"/>
+        </a:xfrm>
+      </p:grpSpPr>
+      <p:sp>
+        <p:nvSpPr>
+          <p:cNvPr id="4" name="TextBox 3">
+            <a:extLst>
+              <a:ext uri="{FF2B5EF4-FFF2-40B4-BE49-F238E27FC236}">
+                <a16:creationId xmlns:a16="http://schemas.microsoft.com/office/drawing/2014/main" id="{3FA779F4-5705-49B0-8DC3-00EA5ACB6597}"/>
+              </a:ext>
+            </a:extLst>
+          </p:cNvPr>
+          <p:cNvSpPr txBox="1"/>
+          <p:nvPr/>
+        </p:nvSpPr>
+        <p:spPr>
+          <a:xfrm>
+            <a:off x="620368" y="1459814"/>
+            <a:ext cx="11327907" cy="3293209"/>
+          </a:xfrm>
+          <a:prstGeom prst="rect">
+            <a:avLst/>
+          </a:prstGeom>
+          <a:solidFill>
+            <a:schemeClr val="bg1"/>
+          </a:solidFill>
+          <a:ln w="57150">
+            <a:solidFill>
+              <a:srgbClr val="0070C0"/>
+            </a:solidFill>
+          </a:ln>
+        </p:spPr>
+        <p:txBody>
+          <a:bodyPr wrap="square" rtlCol="0">
+            <a:spAutoFit/>
+          </a:bodyPr>
+          <a:lstStyle/>
+          <a:p>
+            <a:r>
+              <a:rPr lang="en-US" sz="1600" b="1" dirty="0">
+                <a:latin typeface="Segoe UI" panose="020B0502040204020203" pitchFamily="34" charset="0"/>
+                <a:cs typeface="Segoe UI" panose="020B0502040204020203" pitchFamily="34" charset="0"/>
+              </a:rPr>
+              <a:t>CLASS METHODS:</a:t>
+            </a:r>
+          </a:p>
+          <a:p>
+            <a:endParaRPr lang="en-US" sz="1600" b="1" dirty="0">
+              <a:solidFill>
+                <a:srgbClr val="00B050"/>
+              </a:solidFill>
+              <a:latin typeface="Segoe UI" panose="020B0502040204020203" pitchFamily="34" charset="0"/>
+              <a:cs typeface="Segoe UI" panose="020B0502040204020203" pitchFamily="34" charset="0"/>
+            </a:endParaRPr>
+          </a:p>
+          <a:p>
+            <a:r>
+              <a:rPr lang="en-US" sz="1600" dirty="0">
+                <a:solidFill>
+                  <a:srgbClr val="00B050"/>
+                </a:solidFill>
+              </a:rPr>
+              <a:t>// This </a:t>
+            </a:r>
+            <a:r>
+              <a:rPr lang="en-US" sz="1600" b="1" dirty="0">
+                <a:solidFill>
+                  <a:srgbClr val="00B050"/>
+                </a:solidFill>
+              </a:rPr>
+              <a:t>class method </a:t>
+            </a:r>
+            <a:r>
+              <a:rPr lang="en-US" sz="1600" dirty="0">
+                <a:solidFill>
+                  <a:srgbClr val="00B050"/>
+                </a:solidFill>
+              </a:rPr>
+              <a:t>parses a string in the format returned by the </a:t>
+            </a:r>
+            <a:r>
+              <a:rPr lang="en-US" sz="1600" dirty="0" err="1">
+                <a:solidFill>
+                  <a:srgbClr val="00B050"/>
+                </a:solidFill>
+              </a:rPr>
+              <a:t>toString</a:t>
+            </a:r>
+            <a:r>
+              <a:rPr lang="en-US" sz="1600" dirty="0">
+                <a:solidFill>
+                  <a:srgbClr val="00B050"/>
+                </a:solidFill>
+              </a:rPr>
+              <a:t> </a:t>
+            </a:r>
+          </a:p>
+          <a:p>
+            <a:r>
+              <a:rPr lang="en-US" sz="1600" dirty="0">
+                <a:solidFill>
+                  <a:srgbClr val="00B050"/>
+                </a:solidFill>
+              </a:rPr>
+              <a:t>// instance method and returns a Complex object or throws a </a:t>
+            </a:r>
+            <a:r>
+              <a:rPr lang="en-US" sz="1600" dirty="0" err="1">
+                <a:solidFill>
+                  <a:srgbClr val="00B050"/>
+                </a:solidFill>
+              </a:rPr>
+              <a:t>TypeError</a:t>
+            </a:r>
+            <a:r>
+              <a:rPr lang="en-US" sz="1600" dirty="0">
+                <a:solidFill>
+                  <a:srgbClr val="00B050"/>
+                </a:solidFill>
+              </a:rPr>
+              <a:t>. </a:t>
+            </a:r>
+          </a:p>
+          <a:p>
+            <a:endParaRPr lang="en-US" sz="1600" dirty="0"/>
+          </a:p>
+          <a:p>
+            <a:r>
+              <a:rPr lang="en-US" sz="1600" b="1" dirty="0" err="1">
+                <a:solidFill>
+                  <a:srgbClr val="C00000"/>
+                </a:solidFill>
+              </a:rPr>
+              <a:t>Complex</a:t>
+            </a:r>
+            <a:r>
+              <a:rPr lang="en-US" sz="1600" dirty="0" err="1"/>
+              <a:t>.parse</a:t>
+            </a:r>
+            <a:r>
+              <a:rPr lang="en-US" sz="1600" dirty="0"/>
+              <a:t> = function(s) { </a:t>
+            </a:r>
+          </a:p>
+          <a:p>
+            <a:r>
+              <a:rPr lang="en-US" sz="1600" dirty="0"/>
+              <a:t>	try { 														</a:t>
+            </a:r>
+            <a:r>
+              <a:rPr lang="en-US" sz="1600" dirty="0">
+                <a:solidFill>
+                  <a:srgbClr val="00B050"/>
+                </a:solidFill>
+              </a:rPr>
+              <a:t>// Assume that the parsing will succeed </a:t>
+            </a:r>
+          </a:p>
+          <a:p>
+            <a:r>
+              <a:rPr lang="en-US" sz="1600" dirty="0"/>
+              <a:t>		let m = </a:t>
+            </a:r>
+            <a:r>
+              <a:rPr lang="en-US" sz="1600" b="1" dirty="0">
+                <a:solidFill>
+                  <a:srgbClr val="C00000"/>
+                </a:solidFill>
+              </a:rPr>
+              <a:t>Complex</a:t>
+            </a:r>
+            <a:r>
+              <a:rPr lang="en-US" sz="1600" dirty="0"/>
+              <a:t>._</a:t>
+            </a:r>
+            <a:r>
+              <a:rPr lang="en-US" sz="1600" b="1" dirty="0" err="1">
+                <a:solidFill>
+                  <a:srgbClr val="FFC000"/>
+                </a:solidFill>
+              </a:rPr>
+              <a:t>format</a:t>
+            </a:r>
+            <a:r>
+              <a:rPr lang="en-US" sz="1600" dirty="0" err="1"/>
+              <a:t>.exec</a:t>
+            </a:r>
+            <a:r>
+              <a:rPr lang="en-US" sz="1600" dirty="0"/>
+              <a:t>(s); 							</a:t>
+            </a:r>
+            <a:r>
+              <a:rPr lang="en-US" sz="1600" dirty="0">
+                <a:solidFill>
+                  <a:srgbClr val="00B050"/>
+                </a:solidFill>
+              </a:rPr>
+              <a:t>// Regular expression magic </a:t>
+            </a:r>
+          </a:p>
+          <a:p>
+            <a:r>
+              <a:rPr lang="en-US" sz="1600" dirty="0"/>
+              <a:t>		return new </a:t>
+            </a:r>
+            <a:r>
+              <a:rPr lang="en-US" sz="1600" b="1" dirty="0">
+                <a:solidFill>
+                  <a:srgbClr val="C00000"/>
+                </a:solidFill>
+              </a:rPr>
+              <a:t>Complex</a:t>
+            </a:r>
+            <a:r>
+              <a:rPr lang="en-US" sz="1600" dirty="0"/>
+              <a:t>(</a:t>
+            </a:r>
+            <a:r>
+              <a:rPr lang="en-US" sz="1600" dirty="0" err="1"/>
+              <a:t>parseFloat</a:t>
+            </a:r>
+            <a:r>
+              <a:rPr lang="en-US" sz="1600" dirty="0"/>
+              <a:t>(m[1]), </a:t>
+            </a:r>
+            <a:r>
+              <a:rPr lang="en-US" sz="1600" dirty="0" err="1"/>
+              <a:t>parseFloat</a:t>
+            </a:r>
+            <a:r>
+              <a:rPr lang="en-US" sz="1600" dirty="0"/>
+              <a:t>(m[2])); </a:t>
+            </a:r>
+          </a:p>
+          <a:p>
+            <a:r>
+              <a:rPr lang="en-US" sz="1600" dirty="0"/>
+              <a:t>	} catch (x) { 													</a:t>
+            </a:r>
+            <a:r>
+              <a:rPr lang="en-US" sz="1600" dirty="0">
+                <a:solidFill>
+                  <a:srgbClr val="00B050"/>
+                </a:solidFill>
+              </a:rPr>
+              <a:t>// And throw an exception if it fails </a:t>
+            </a:r>
+          </a:p>
+          <a:p>
+            <a:r>
+              <a:rPr lang="en-US" sz="1600" dirty="0"/>
+              <a:t>		throw new </a:t>
+            </a:r>
+            <a:r>
+              <a:rPr lang="en-US" sz="1600" dirty="0" err="1"/>
+              <a:t>TypeError</a:t>
+            </a:r>
+            <a:r>
+              <a:rPr lang="en-US" sz="1600" dirty="0"/>
+              <a:t>("Can't parse '" + s + "' as a complex number."); </a:t>
+            </a:r>
+          </a:p>
+          <a:p>
+            <a:r>
+              <a:rPr lang="en-US" sz="1600" dirty="0"/>
+              <a:t>	} </a:t>
+            </a:r>
+          </a:p>
+          <a:p>
+            <a:r>
+              <a:rPr lang="en-US" sz="1600" dirty="0"/>
+              <a:t>};</a:t>
+            </a:r>
+            <a:endParaRPr lang="en-US" sz="1600" dirty="0">
+              <a:latin typeface="Segoe UI" panose="020B0502040204020203" pitchFamily="34" charset="0"/>
+              <a:cs typeface="Segoe UI" panose="020B0502040204020203" pitchFamily="34" charset="0"/>
+            </a:endParaRPr>
+          </a:p>
+        </p:txBody>
+      </p:sp>
+      <p:sp>
+        <p:nvSpPr>
+          <p:cNvPr id="2" name="Title 1">
+            <a:extLst>
+              <a:ext uri="{FF2B5EF4-FFF2-40B4-BE49-F238E27FC236}">
+                <a16:creationId xmlns:a16="http://schemas.microsoft.com/office/drawing/2014/main" id="{2D4E4121-CDC8-41BA-846E-58655BA90FCF}"/>
+              </a:ext>
+            </a:extLst>
+          </p:cNvPr>
+          <p:cNvSpPr>
+            <a:spLocks noGrp="1"/>
+          </p:cNvSpPr>
+          <p:nvPr>
+            <p:ph type="ctrTitle"/>
+          </p:nvPr>
+        </p:nvSpPr>
+        <p:spPr>
+          <a:xfrm>
+            <a:off x="1507067" y="345351"/>
+            <a:ext cx="9554510" cy="970133"/>
+          </a:xfrm>
+        </p:spPr>
+        <p:txBody>
+          <a:bodyPr/>
+          <a:lstStyle/>
+          <a:p>
+            <a:pPr algn="l"/>
+            <a:r>
+              <a:rPr lang="en-US" dirty="0">
+                <a:solidFill>
+                  <a:schemeClr val="tx1">
+                    <a:lumMod val="85000"/>
+                    <a:lumOff val="15000"/>
+                  </a:schemeClr>
+                </a:solidFill>
+                <a:latin typeface="Segoe UI" panose="020B0502040204020203" pitchFamily="34" charset="0"/>
+                <a:cs typeface="Segoe UI" panose="020B0502040204020203" pitchFamily="34" charset="0"/>
+              </a:rPr>
+              <a:t>JS| </a:t>
+            </a:r>
+            <a:r>
+              <a:rPr lang="en-US" sz="3200" b="1" dirty="0">
+                <a:solidFill>
+                  <a:schemeClr val="tx1">
+                    <a:lumMod val="85000"/>
+                    <a:lumOff val="15000"/>
+                  </a:schemeClr>
+                </a:solidFill>
+                <a:latin typeface="Segoe UI" panose="020B0502040204020203" pitchFamily="34" charset="0"/>
+                <a:cs typeface="Segoe UI" panose="020B0502040204020203" pitchFamily="34" charset="0"/>
+              </a:rPr>
+              <a:t>C#-Style in JavaScript – Long Example</a:t>
+            </a:r>
+            <a:endParaRPr lang="en-US" b="1" dirty="0">
+              <a:solidFill>
+                <a:srgbClr val="C00000"/>
+              </a:solidFill>
+              <a:latin typeface="Segoe UI" panose="020B0502040204020203" pitchFamily="34" charset="0"/>
+              <a:cs typeface="Segoe UI" panose="020B0502040204020203" pitchFamily="34" charset="0"/>
+            </a:endParaRPr>
+          </a:p>
+        </p:txBody>
+      </p:sp>
+      <p:sp>
+        <p:nvSpPr>
+          <p:cNvPr id="5" name="TextBox 4">
+            <a:extLst>
+              <a:ext uri="{FF2B5EF4-FFF2-40B4-BE49-F238E27FC236}">
+                <a16:creationId xmlns:a16="http://schemas.microsoft.com/office/drawing/2014/main" id="{2DA3E6A6-32F2-41FC-887C-EC07C64D5614}"/>
+              </a:ext>
+            </a:extLst>
+          </p:cNvPr>
+          <p:cNvSpPr txBox="1"/>
+          <p:nvPr/>
+        </p:nvSpPr>
+        <p:spPr>
+          <a:xfrm>
+            <a:off x="620367" y="5105798"/>
+            <a:ext cx="11327907" cy="1569660"/>
+          </a:xfrm>
+          <a:prstGeom prst="rect">
+            <a:avLst/>
+          </a:prstGeom>
+          <a:solidFill>
+            <a:schemeClr val="bg1"/>
+          </a:solidFill>
+          <a:ln w="57150">
+            <a:solidFill>
+              <a:srgbClr val="0070C0"/>
+            </a:solidFill>
+          </a:ln>
+        </p:spPr>
+        <p:txBody>
+          <a:bodyPr wrap="square" rtlCol="0">
+            <a:spAutoFit/>
+          </a:bodyPr>
+          <a:lstStyle/>
+          <a:p>
+            <a:r>
+              <a:rPr lang="en-US" sz="1600" b="1" dirty="0">
+                <a:latin typeface="Segoe UI" panose="020B0502040204020203" pitchFamily="34" charset="0"/>
+                <a:cs typeface="Segoe UI" panose="020B0502040204020203" pitchFamily="34" charset="0"/>
+              </a:rPr>
+              <a:t>PRIVATE CLASS FIELD CONVENSION:</a:t>
+            </a:r>
+          </a:p>
+          <a:p>
+            <a:endParaRPr lang="en-US" sz="1600" b="1" dirty="0">
+              <a:solidFill>
+                <a:srgbClr val="00B050"/>
+              </a:solidFill>
+              <a:latin typeface="Segoe UI" panose="020B0502040204020203" pitchFamily="34" charset="0"/>
+              <a:cs typeface="Segoe UI" panose="020B0502040204020203" pitchFamily="34" charset="0"/>
+            </a:endParaRPr>
+          </a:p>
+          <a:p>
+            <a:r>
+              <a:rPr lang="en-US" sz="1600" dirty="0">
+                <a:solidFill>
+                  <a:srgbClr val="00B050"/>
+                </a:solidFill>
+              </a:rPr>
+              <a:t>// A "private" class field used in </a:t>
+            </a:r>
+            <a:r>
+              <a:rPr lang="en-US" sz="1600" dirty="0" err="1">
+                <a:solidFill>
+                  <a:srgbClr val="00B050"/>
+                </a:solidFill>
+              </a:rPr>
+              <a:t>Complex.parse</a:t>
+            </a:r>
+            <a:r>
+              <a:rPr lang="en-US" sz="1600" dirty="0">
+                <a:solidFill>
+                  <a:srgbClr val="00B050"/>
+                </a:solidFill>
+              </a:rPr>
+              <a:t>() above. </a:t>
+            </a:r>
+          </a:p>
+          <a:p>
+            <a:r>
+              <a:rPr lang="en-US" sz="1600" dirty="0">
+                <a:solidFill>
+                  <a:srgbClr val="00B050"/>
+                </a:solidFill>
+              </a:rPr>
+              <a:t>// The underscore in its name indicates that it is intended for internal use and should not be considered public. </a:t>
+            </a:r>
+          </a:p>
+          <a:p>
+            <a:endParaRPr lang="en-US" sz="1600" dirty="0"/>
+          </a:p>
+          <a:p>
+            <a:r>
+              <a:rPr lang="en-US" sz="1600" b="1" dirty="0" err="1">
+                <a:solidFill>
+                  <a:srgbClr val="C00000"/>
+                </a:solidFill>
+              </a:rPr>
+              <a:t>Complex</a:t>
+            </a:r>
+            <a:r>
+              <a:rPr lang="en-US" sz="1600" dirty="0" err="1"/>
+              <a:t>._</a:t>
+            </a:r>
+            <a:r>
+              <a:rPr lang="en-US" sz="1600" b="1" dirty="0" err="1"/>
+              <a:t>format</a:t>
+            </a:r>
+            <a:r>
+              <a:rPr lang="en-US" sz="1600" dirty="0"/>
+              <a:t> = /^\{([^,]+),([^}]+)\}$/;</a:t>
+            </a:r>
+            <a:endParaRPr lang="en-US" sz="1600" b="1" dirty="0">
+              <a:solidFill>
+                <a:srgbClr val="00B050"/>
+              </a:solidFill>
+              <a:latin typeface="Segoe UI" panose="020B0502040204020203" pitchFamily="34" charset="0"/>
+              <a:cs typeface="Segoe UI" panose="020B0502040204020203" pitchFamily="34" charset="0"/>
+            </a:endParaRPr>
+          </a:p>
+        </p:txBody>
+      </p:sp>
+    </p:spTree>
+    <p:extLst>
+      <p:ext uri="{BB962C8B-B14F-4D97-AF65-F5344CB8AC3E}">
+        <p14:creationId xmlns:p14="http://schemas.microsoft.com/office/powerpoint/2010/main" val="587744801"/>
+      </p:ext>
+    </p:extLst>
+  </p:cSld>
+  <p:clrMapOvr>
+    <a:masterClrMapping/>
+  </p:clrMapOvr>
+</p:sld>
+</file>
+
+<file path=ppt/slides/slide24.xml><?xml version="1.0" encoding="utf-8"?>
+<p:sld xmlns:a="http://schemas.openxmlformats.org/drawingml/2006/main" xmlns:r="http://schemas.openxmlformats.org/officeDocument/2006/relationships" xmlns:p="http://schemas.openxmlformats.org/presentationml/2006/main">
+  <p:cSld>
+    <p:spTree>
+      <p:nvGrpSpPr>
+        <p:cNvPr id="1" name=""/>
+        <p:cNvGrpSpPr/>
+        <p:nvPr/>
+      </p:nvGrpSpPr>
+      <p:grpSpPr>
+        <a:xfrm>
+          <a:off x="0" y="0"/>
+          <a:ext cx="0" cy="0"/>
+          <a:chOff x="0" y="0"/>
+          <a:chExt cx="0" cy="0"/>
+        </a:xfrm>
+      </p:grpSpPr>
+      <p:sp>
+        <p:nvSpPr>
+          <p:cNvPr id="4" name="TextBox 3">
+            <a:extLst>
+              <a:ext uri="{FF2B5EF4-FFF2-40B4-BE49-F238E27FC236}">
+                <a16:creationId xmlns:a16="http://schemas.microsoft.com/office/drawing/2014/main" id="{3FA779F4-5705-49B0-8DC3-00EA5ACB6597}"/>
+              </a:ext>
+            </a:extLst>
+          </p:cNvPr>
+          <p:cNvSpPr txBox="1"/>
+          <p:nvPr/>
+        </p:nvSpPr>
+        <p:spPr>
+          <a:xfrm>
+            <a:off x="1973679" y="1504203"/>
+            <a:ext cx="8621286" cy="3046988"/>
+          </a:xfrm>
+          <a:prstGeom prst="rect">
+            <a:avLst/>
+          </a:prstGeom>
+          <a:solidFill>
+            <a:srgbClr val="FFE7B7"/>
+          </a:solidFill>
+          <a:ln w="57150">
+            <a:solidFill>
+              <a:srgbClr val="FFC000"/>
+            </a:solidFill>
+          </a:ln>
+        </p:spPr>
+        <p:txBody>
+          <a:bodyPr wrap="square" rtlCol="0">
+            <a:spAutoFit/>
+          </a:bodyPr>
+          <a:lstStyle/>
+          <a:p>
+            <a:r>
+              <a:rPr lang="en-US" sz="1600" dirty="0"/>
+              <a:t>var </a:t>
+            </a:r>
+            <a:r>
+              <a:rPr lang="en-US" sz="1600" b="1" dirty="0">
+                <a:solidFill>
+                  <a:srgbClr val="0070C0"/>
+                </a:solidFill>
+              </a:rPr>
+              <a:t>c</a:t>
+            </a:r>
+            <a:r>
+              <a:rPr lang="en-US" sz="1600" dirty="0"/>
+              <a:t> = new </a:t>
+            </a:r>
+            <a:r>
+              <a:rPr lang="en-US" sz="1600" b="1" dirty="0">
+                <a:solidFill>
+                  <a:srgbClr val="C00000"/>
+                </a:solidFill>
+              </a:rPr>
+              <a:t>Complex</a:t>
+            </a:r>
+            <a:r>
+              <a:rPr lang="en-US" sz="1600" dirty="0"/>
+              <a:t>(2,3); 				</a:t>
+            </a:r>
+            <a:r>
+              <a:rPr lang="en-US" sz="1600" dirty="0">
+                <a:solidFill>
+                  <a:srgbClr val="00B050"/>
+                </a:solidFill>
+              </a:rPr>
+              <a:t>// Create a new object with the constructor </a:t>
+            </a:r>
+          </a:p>
+          <a:p>
+            <a:r>
+              <a:rPr lang="en-US" sz="1600" dirty="0"/>
+              <a:t>var </a:t>
+            </a:r>
+            <a:r>
+              <a:rPr lang="en-US" sz="1600" b="1" dirty="0">
+                <a:solidFill>
+                  <a:srgbClr val="7030A0"/>
+                </a:solidFill>
+              </a:rPr>
+              <a:t>d</a:t>
+            </a:r>
+            <a:r>
+              <a:rPr lang="en-US" sz="1600" dirty="0"/>
+              <a:t> = new </a:t>
+            </a:r>
+            <a:r>
+              <a:rPr lang="en-US" sz="1600" b="1" dirty="0">
+                <a:solidFill>
+                  <a:srgbClr val="C00000"/>
+                </a:solidFill>
+              </a:rPr>
+              <a:t>Complex</a:t>
+            </a:r>
+            <a:r>
+              <a:rPr lang="en-US" sz="1600" dirty="0"/>
+              <a:t>(</a:t>
+            </a:r>
+            <a:r>
+              <a:rPr lang="en-US" sz="1600" b="1" dirty="0" err="1">
+                <a:solidFill>
+                  <a:srgbClr val="0070C0"/>
+                </a:solidFill>
+              </a:rPr>
+              <a:t>c</a:t>
+            </a:r>
+            <a:r>
+              <a:rPr lang="en-US" sz="1600" dirty="0" err="1"/>
+              <a:t>.i,</a:t>
+            </a:r>
+            <a:r>
+              <a:rPr lang="en-US" sz="1600" b="1" dirty="0" err="1">
+                <a:solidFill>
+                  <a:srgbClr val="0070C0"/>
+                </a:solidFill>
+              </a:rPr>
+              <a:t>c</a:t>
+            </a:r>
+            <a:r>
+              <a:rPr lang="en-US" sz="1600" dirty="0" err="1"/>
+              <a:t>.r</a:t>
+            </a:r>
+            <a:r>
+              <a:rPr lang="en-US" sz="1600" dirty="0"/>
+              <a:t>); 			</a:t>
+            </a:r>
+            <a:r>
+              <a:rPr lang="en-US" sz="1600" dirty="0">
+                <a:solidFill>
+                  <a:srgbClr val="00B050"/>
+                </a:solidFill>
+              </a:rPr>
+              <a:t>// Use instance properties of c </a:t>
+            </a:r>
+          </a:p>
+          <a:p>
+            <a:endParaRPr lang="en-US" sz="1600" dirty="0"/>
+          </a:p>
+          <a:p>
+            <a:r>
+              <a:rPr lang="en-US" sz="1600" b="1" dirty="0" err="1">
+                <a:solidFill>
+                  <a:srgbClr val="0070C0"/>
+                </a:solidFill>
+              </a:rPr>
+              <a:t>c</a:t>
+            </a:r>
+            <a:r>
+              <a:rPr lang="en-US" sz="1600" dirty="0" err="1"/>
+              <a:t>.add</a:t>
+            </a:r>
+            <a:r>
+              <a:rPr lang="en-US" sz="1600" dirty="0"/>
+              <a:t>(</a:t>
+            </a:r>
+            <a:r>
+              <a:rPr lang="en-US" sz="1600" b="1" dirty="0">
+                <a:solidFill>
+                  <a:srgbClr val="7030A0"/>
+                </a:solidFill>
+              </a:rPr>
+              <a:t>d</a:t>
+            </a:r>
+            <a:r>
+              <a:rPr lang="en-US" sz="1600" dirty="0"/>
+              <a:t>).</a:t>
+            </a:r>
+            <a:r>
+              <a:rPr lang="en-US" sz="1600" dirty="0" err="1"/>
+              <a:t>toString</a:t>
+            </a:r>
+            <a:r>
+              <a:rPr lang="en-US" sz="1600" dirty="0"/>
+              <a:t>(); 					</a:t>
+            </a:r>
+            <a:r>
+              <a:rPr lang="en-US" sz="1600" dirty="0">
+                <a:solidFill>
+                  <a:srgbClr val="00B050"/>
+                </a:solidFill>
+              </a:rPr>
+              <a:t>// =&gt; "{5,5}": use instance methods </a:t>
+            </a:r>
+          </a:p>
+          <a:p>
+            <a:endParaRPr lang="en-US" sz="1600" dirty="0"/>
+          </a:p>
+          <a:p>
+            <a:r>
+              <a:rPr lang="en-US" sz="1600" dirty="0">
+                <a:solidFill>
+                  <a:srgbClr val="00B050"/>
+                </a:solidFill>
+              </a:rPr>
+              <a:t>// A more complex expression that uses a class method and field </a:t>
+            </a:r>
+          </a:p>
+          <a:p>
+            <a:r>
+              <a:rPr lang="en-US" sz="1600" dirty="0">
+                <a:solidFill>
+                  <a:srgbClr val="00B050"/>
+                </a:solidFill>
+              </a:rPr>
+              <a:t>// 1. Convert </a:t>
+            </a:r>
+            <a:r>
+              <a:rPr lang="en-US" sz="1600" b="1" dirty="0">
+                <a:solidFill>
+                  <a:srgbClr val="0070C0"/>
+                </a:solidFill>
+              </a:rPr>
+              <a:t>c</a:t>
+            </a:r>
+            <a:r>
+              <a:rPr lang="en-US" sz="1600" dirty="0">
+                <a:solidFill>
+                  <a:srgbClr val="00B050"/>
+                </a:solidFill>
+              </a:rPr>
+              <a:t> to a string and back again</a:t>
+            </a:r>
+          </a:p>
+          <a:p>
+            <a:r>
+              <a:rPr lang="en-US" sz="1600" dirty="0">
+                <a:solidFill>
+                  <a:srgbClr val="00B050"/>
+                </a:solidFill>
+              </a:rPr>
+              <a:t>// 2. Add its negative to it</a:t>
+            </a:r>
+          </a:p>
+          <a:p>
+            <a:r>
+              <a:rPr lang="en-US" sz="1600" dirty="0">
+                <a:solidFill>
+                  <a:srgbClr val="00B050"/>
+                </a:solidFill>
+              </a:rPr>
+              <a:t>// 3. Check it will equal to zero</a:t>
+            </a:r>
+          </a:p>
+          <a:p>
+            <a:r>
+              <a:rPr lang="en-US" sz="1600" b="1" dirty="0" err="1">
+                <a:solidFill>
+                  <a:srgbClr val="C00000"/>
+                </a:solidFill>
+              </a:rPr>
+              <a:t>Complex</a:t>
+            </a:r>
+            <a:r>
+              <a:rPr lang="en-US" sz="1600" dirty="0" err="1"/>
+              <a:t>.parse</a:t>
+            </a:r>
+            <a:r>
+              <a:rPr lang="en-US" sz="1600" dirty="0"/>
+              <a:t>(</a:t>
+            </a:r>
+            <a:r>
+              <a:rPr lang="en-US" sz="1600" b="1" dirty="0" err="1">
+                <a:solidFill>
+                  <a:srgbClr val="0070C0"/>
+                </a:solidFill>
+              </a:rPr>
+              <a:t>c.</a:t>
+            </a:r>
+            <a:r>
+              <a:rPr lang="en-US" sz="1600" dirty="0" err="1"/>
+              <a:t>toString</a:t>
+            </a:r>
+            <a:r>
+              <a:rPr lang="en-US" sz="1600" dirty="0"/>
+              <a:t>())</a:t>
+            </a:r>
+          </a:p>
+          <a:p>
+            <a:r>
+              <a:rPr lang="en-US" sz="1600" dirty="0"/>
+              <a:t>. add(</a:t>
+            </a:r>
+            <a:r>
+              <a:rPr lang="en-US" sz="1600" b="1" dirty="0" err="1">
+                <a:solidFill>
+                  <a:srgbClr val="0070C0"/>
+                </a:solidFill>
+              </a:rPr>
+              <a:t>c</a:t>
+            </a:r>
+            <a:r>
+              <a:rPr lang="en-US" sz="1600" dirty="0" err="1"/>
+              <a:t>.neg</a:t>
+            </a:r>
+            <a:r>
+              <a:rPr lang="en-US" sz="1600" dirty="0"/>
+              <a:t>())</a:t>
+            </a:r>
+          </a:p>
+          <a:p>
+            <a:r>
+              <a:rPr lang="en-US" sz="1600" dirty="0"/>
+              <a:t>. equals(</a:t>
+            </a:r>
+            <a:r>
+              <a:rPr lang="en-US" sz="1600" b="1" dirty="0" err="1">
+                <a:solidFill>
+                  <a:srgbClr val="C00000"/>
+                </a:solidFill>
+              </a:rPr>
+              <a:t>Complex</a:t>
+            </a:r>
+            <a:r>
+              <a:rPr lang="en-US" sz="1600" dirty="0" err="1"/>
+              <a:t>.ZERO</a:t>
+            </a:r>
+            <a:r>
+              <a:rPr lang="en-US" sz="1600" dirty="0"/>
+              <a:t>) 					</a:t>
+            </a:r>
+            <a:endParaRPr lang="en-US" sz="1600" dirty="0">
+              <a:solidFill>
+                <a:srgbClr val="00B050"/>
+              </a:solidFill>
+              <a:latin typeface="Segoe UI" panose="020B0502040204020203" pitchFamily="34" charset="0"/>
+              <a:cs typeface="Segoe UI" panose="020B0502040204020203" pitchFamily="34" charset="0"/>
+            </a:endParaRPr>
+          </a:p>
+        </p:txBody>
+      </p:sp>
+      <p:sp>
+        <p:nvSpPr>
+          <p:cNvPr id="2" name="Title 1">
+            <a:extLst>
+              <a:ext uri="{FF2B5EF4-FFF2-40B4-BE49-F238E27FC236}">
+                <a16:creationId xmlns:a16="http://schemas.microsoft.com/office/drawing/2014/main" id="{2D4E4121-CDC8-41BA-846E-58655BA90FCF}"/>
+              </a:ext>
+            </a:extLst>
+          </p:cNvPr>
+          <p:cNvSpPr>
+            <a:spLocks noGrp="1"/>
+          </p:cNvSpPr>
+          <p:nvPr>
+            <p:ph type="ctrTitle"/>
+          </p:nvPr>
+        </p:nvSpPr>
+        <p:spPr>
+          <a:xfrm>
+            <a:off x="1507067" y="345351"/>
+            <a:ext cx="9554510" cy="970133"/>
+          </a:xfrm>
+        </p:spPr>
+        <p:txBody>
+          <a:bodyPr/>
+          <a:lstStyle/>
+          <a:p>
+            <a:pPr algn="l"/>
+            <a:r>
+              <a:rPr lang="en-US" dirty="0">
+                <a:solidFill>
+                  <a:schemeClr val="tx1">
+                    <a:lumMod val="85000"/>
+                    <a:lumOff val="15000"/>
+                  </a:schemeClr>
+                </a:solidFill>
+                <a:latin typeface="Segoe UI" panose="020B0502040204020203" pitchFamily="34" charset="0"/>
+                <a:cs typeface="Segoe UI" panose="020B0502040204020203" pitchFamily="34" charset="0"/>
+              </a:rPr>
+              <a:t>JS| </a:t>
+            </a:r>
+            <a:r>
+              <a:rPr lang="en-US" sz="3200" b="1" dirty="0">
+                <a:solidFill>
+                  <a:schemeClr val="tx1">
+                    <a:lumMod val="85000"/>
+                    <a:lumOff val="15000"/>
+                  </a:schemeClr>
+                </a:solidFill>
+                <a:latin typeface="Segoe UI" panose="020B0502040204020203" pitchFamily="34" charset="0"/>
+                <a:cs typeface="Segoe UI" panose="020B0502040204020203" pitchFamily="34" charset="0"/>
+              </a:rPr>
+              <a:t>C#-Style in JavaScript – Usage</a:t>
+            </a:r>
+            <a:endParaRPr lang="en-US" b="1" dirty="0">
+              <a:solidFill>
+                <a:srgbClr val="C00000"/>
+              </a:solidFill>
+              <a:latin typeface="Segoe UI" panose="020B0502040204020203" pitchFamily="34" charset="0"/>
+              <a:cs typeface="Segoe UI" panose="020B0502040204020203" pitchFamily="34" charset="0"/>
+            </a:endParaRPr>
+          </a:p>
+        </p:txBody>
+      </p:sp>
+    </p:spTree>
+    <p:extLst>
+      <p:ext uri="{BB962C8B-B14F-4D97-AF65-F5344CB8AC3E}">
+        <p14:creationId xmlns:p14="http://schemas.microsoft.com/office/powerpoint/2010/main" val="649539117"/>
       </p:ext>
     </p:extLst>
   </p:cSld>
